--- a/Dev Ops Course.pptx
+++ b/Dev Ops Course.pptx
@@ -28,10 +28,6 @@
     <p:sldId id="271" r:id="rId21"/>
     <p:sldId id="272" r:id="rId22"/>
     <p:sldId id="273" r:id="rId23"/>
-    <p:sldId id="274" r:id="rId24"/>
-    <p:sldId id="275" r:id="rId25"/>
-    <p:sldId id="276" r:id="rId26"/>
-    <p:sldId id="277" r:id="rId27"/>
   </p:sldIdLst>
   <p:sldSz cx="9144000" cy="6858000"/>
   <p:notesSz cx="6858000" cy="9144000"/>
@@ -250,7 +246,7 @@
           <a:bodyPr lIns="0" rIns="0" tIns="0" bIns="0" anchor="b"/>
           <a:p>
             <a:pPr algn="r"/>
-            <a:fld id="{BB96CC4D-B9A9-4309-B9E5-AF886CD20F33}" type="slidenum">
+            <a:fld id="{4EB2DE12-B0A2-410B-B488-1859B574B21B}" type="slidenum">
               <a:rPr b="0" lang="en-CA" sz="1400" spc="-1" strike="noStrike">
                 <a:latin typeface="Times New Roman"/>
               </a:rPr>
@@ -268,7 +264,7 @@
 </p:notesMaster>
 </file>
 
-<file path=ppt/notesSlides/notesSlide22.xml><?xml version="1.0" encoding="utf-8"?>
+<file path=ppt/notesSlides/notesSlide18.xml><?xml version="1.0" encoding="utf-8"?>
 <p:notes xmlns:a="http://schemas.openxmlformats.org/drawingml/2006/main" xmlns:p="http://schemas.openxmlformats.org/presentationml/2006/main" xmlns:r="http://schemas.openxmlformats.org/officeDocument/2006/relationships" xmlns:p14="http://schemas.microsoft.com/office/powerpoint/2010/main" xmlns:p15="http://schemas.microsoft.com/office/powerpoint/2012/main" xmlns:mc="http://schemas.openxmlformats.org/markup-compatibility/2006">
   <p:cSld>
     <p:spTree>
@@ -287,7 +283,7 @@
       </p:grpSpPr>
       <p:sp>
         <p:nvSpPr>
-          <p:cNvPr id="209" name="PlaceHolder 1"/>
+          <p:cNvPr id="204" name="PlaceHolder 1"/>
           <p:cNvSpPr>
             <a:spLocks noGrp="1"/>
           </p:cNvSpPr>
@@ -298,16 +294,16 @@
         <p:spPr>
           <a:xfrm>
             <a:off x="1143000" y="685800"/>
-            <a:ext cx="4570200" cy="3427200"/>
-          </a:xfrm>
-          <a:prstGeom prst="rect">
-            <a:avLst/>
-          </a:prstGeom>
-        </p:spPr>
-      </p:sp>
-      <p:sp>
-        <p:nvSpPr>
-          <p:cNvPr id="210" name="PlaceHolder 2"/>
+            <a:ext cx="4567320" cy="3424320"/>
+          </a:xfrm>
+          <a:prstGeom prst="rect">
+            <a:avLst/>
+          </a:prstGeom>
+        </p:spPr>
+      </p:sp>
+      <p:sp>
+        <p:nvSpPr>
+          <p:cNvPr id="205" name="PlaceHolder 2"/>
           <p:cNvSpPr>
             <a:spLocks noGrp="1"/>
           </p:cNvSpPr>
@@ -318,7 +314,7 @@
         <p:spPr>
           <a:xfrm>
             <a:off x="685800" y="4343400"/>
-            <a:ext cx="5484600" cy="4113000"/>
+            <a:ext cx="5481720" cy="4110120"/>
           </a:xfrm>
           <a:prstGeom prst="rect">
             <a:avLst/>
@@ -335,14 +331,14 @@
       </p:sp>
       <p:sp>
         <p:nvSpPr>
-          <p:cNvPr id="211" name="CustomShape 3"/>
+          <p:cNvPr id="206" name="CustomShape 3"/>
           <p:cNvSpPr/>
           <p:nvPr/>
         </p:nvSpPr>
         <p:spPr>
           <a:xfrm>
             <a:off x="3884760" y="8685360"/>
-            <a:ext cx="2970000" cy="455400"/>
+            <a:ext cx="2967120" cy="452520"/>
           </a:xfrm>
           <a:prstGeom prst="rect">
             <a:avLst/>
@@ -5167,7 +5163,7 @@
         <p:spPr>
           <a:xfrm>
             <a:off x="-71640" y="3240000"/>
-            <a:ext cx="9142200" cy="3571200"/>
+            <a:ext cx="9139320" cy="3568320"/>
           </a:xfrm>
           <a:prstGeom prst="rect">
             <a:avLst/>
@@ -5271,7 +5267,7 @@
         <p:spPr>
           <a:xfrm>
             <a:off x="3311640" y="1268640"/>
-            <a:ext cx="2266560" cy="663840"/>
+            <a:ext cx="2263680" cy="660960"/>
           </a:xfrm>
           <a:prstGeom prst="rect">
             <a:avLst/>
@@ -5339,14 +5335,14 @@
       </p:grpSpPr>
       <p:sp>
         <p:nvSpPr>
-          <p:cNvPr id="157" name="CustomShape 1"/>
+          <p:cNvPr id="160" name="CustomShape 1"/>
           <p:cNvSpPr/>
           <p:nvPr/>
         </p:nvSpPr>
         <p:spPr>
           <a:xfrm>
-            <a:off x="432000" y="1484640"/>
-            <a:ext cx="8278200" cy="5218200"/>
+            <a:off x="432000" y="13680"/>
+            <a:ext cx="7447680" cy="1179720"/>
           </a:xfrm>
           <a:prstGeom prst="rect">
             <a:avLst/>
@@ -5363,190 +5359,6 @@
           <a:fontRef idx="minor"/>
         </p:style>
         <p:txBody>
-          <a:bodyPr lIns="90000" rIns="90000" tIns="45000" bIns="45000">
-            <a:normAutofit/>
-          </a:bodyPr>
-          <a:p>
-            <a:pPr>
-              <a:lnSpc>
-                <a:spcPct val="100000"/>
-              </a:lnSpc>
-              <a:spcBef>
-                <a:spcPts val="479"/>
-              </a:spcBef>
-            </a:pPr>
-            <a:endParaRPr b="0" lang="en-CA" sz="1800" spc="-1" strike="noStrike">
-              <a:latin typeface="Arial"/>
-            </a:endParaRPr>
-          </a:p>
-          <a:p>
-            <a:pPr marL="343080" indent="-341280">
-              <a:lnSpc>
-                <a:spcPct val="100000"/>
-              </a:lnSpc>
-              <a:spcBef>
-                <a:spcPts val="479"/>
-              </a:spcBef>
-              <a:buClr>
-                <a:srgbClr val="000000"/>
-              </a:buClr>
-              <a:buFont typeface="Arial"/>
-              <a:buChar char="•"/>
-            </a:pPr>
-            <a:r>
-              <a:rPr b="0" lang="en-CA" sz="2400" spc="-1" strike="noStrike">
-                <a:solidFill>
-                  <a:srgbClr val="000000"/>
-                </a:solidFill>
-                <a:latin typeface="Calibri"/>
-                <a:ea typeface="DejaVu Sans"/>
-              </a:rPr>
-              <a:t>It focus on specific units or components of the software to determine whether each one is fully functional.</a:t>
-            </a:r>
-            <a:endParaRPr b="0" lang="en-CA" sz="2400" spc="-1" strike="noStrike">
-              <a:latin typeface="Arial"/>
-            </a:endParaRPr>
-          </a:p>
-          <a:p>
-            <a:pPr marL="343080" indent="-341280">
-              <a:lnSpc>
-                <a:spcPct val="100000"/>
-              </a:lnSpc>
-              <a:spcBef>
-                <a:spcPts val="479"/>
-              </a:spcBef>
-              <a:buClr>
-                <a:srgbClr val="000000"/>
-              </a:buClr>
-              <a:buFont typeface="Arial"/>
-              <a:buChar char="•"/>
-            </a:pPr>
-            <a:r>
-              <a:rPr b="0" lang="en-CA" sz="2400" spc="-1" strike="noStrike">
-                <a:solidFill>
-                  <a:srgbClr val="000000"/>
-                </a:solidFill>
-                <a:latin typeface="Calibri"/>
-                <a:ea typeface="DejaVu Sans"/>
-              </a:rPr>
-              <a:t>A unit can refer to a function, individual program or even a procedure. </a:t>
-            </a:r>
-            <a:endParaRPr b="0" lang="en-CA" sz="2400" spc="-1" strike="noStrike">
-              <a:latin typeface="Arial"/>
-            </a:endParaRPr>
-          </a:p>
-          <a:p>
-            <a:pPr marL="343080" indent="-341280">
-              <a:lnSpc>
-                <a:spcPct val="100000"/>
-              </a:lnSpc>
-              <a:spcBef>
-                <a:spcPts val="479"/>
-              </a:spcBef>
-              <a:buClr>
-                <a:srgbClr val="000000"/>
-              </a:buClr>
-              <a:buFont typeface="Arial"/>
-              <a:buChar char="•"/>
-            </a:pPr>
-            <a:r>
-              <a:rPr b="0" lang="en-CA" sz="2400" spc="-1" strike="noStrike">
-                <a:solidFill>
-                  <a:srgbClr val="000000"/>
-                </a:solidFill>
-                <a:latin typeface="Calibri"/>
-                <a:ea typeface="DejaVu Sans"/>
-              </a:rPr>
-              <a:t>Unit tests should be focused on one particular feature  </a:t>
-            </a:r>
-            <a:endParaRPr b="0" lang="en-CA" sz="2400" spc="-1" strike="noStrike">
-              <a:latin typeface="Arial"/>
-            </a:endParaRPr>
-          </a:p>
-          <a:p>
-            <a:pPr marL="343080" indent="-341280">
-              <a:lnSpc>
-                <a:spcPct val="100000"/>
-              </a:lnSpc>
-              <a:spcBef>
-                <a:spcPts val="479"/>
-              </a:spcBef>
-              <a:buClr>
-                <a:srgbClr val="000000"/>
-              </a:buClr>
-              <a:buFont typeface="Arial"/>
-              <a:buChar char="•"/>
-            </a:pPr>
-            <a:r>
-              <a:rPr b="0" lang="en-CA" sz="2400" spc="-1" strike="noStrike">
-                <a:solidFill>
-                  <a:srgbClr val="000000"/>
-                </a:solidFill>
-                <a:latin typeface="Calibri"/>
-                <a:ea typeface="DejaVu Sans"/>
-              </a:rPr>
-              <a:t>The main aim is to determine whether the application functions as designed. </a:t>
-            </a:r>
-            <a:endParaRPr b="0" lang="en-CA" sz="2400" spc="-1" strike="noStrike">
-              <a:latin typeface="Arial"/>
-            </a:endParaRPr>
-          </a:p>
-          <a:p>
-            <a:pPr marL="343080" indent="-341280">
-              <a:lnSpc>
-                <a:spcPct val="100000"/>
-              </a:lnSpc>
-              <a:spcBef>
-                <a:spcPts val="479"/>
-              </a:spcBef>
-              <a:buClr>
-                <a:srgbClr val="000000"/>
-              </a:buClr>
-              <a:buFont typeface="Arial"/>
-              <a:buChar char="•"/>
-            </a:pPr>
-            <a:r>
-              <a:rPr b="0" lang="en-CA" sz="2400" spc="-1" strike="noStrike">
-                <a:solidFill>
-                  <a:srgbClr val="000000"/>
-                </a:solidFill>
-                <a:latin typeface="Calibri"/>
-                <a:ea typeface="DejaVu Sans"/>
-              </a:rPr>
-              <a:t>One of the biggest benefits of this testing phase is that it can be run every time a piece of code is changed, allowing issues to be resolved as quickly as possible. </a:t>
-            </a:r>
-            <a:endParaRPr b="0" lang="en-CA" sz="2400" spc="-1" strike="noStrike">
-              <a:latin typeface="Arial"/>
-            </a:endParaRPr>
-          </a:p>
-        </p:txBody>
-      </p:sp>
-      <p:sp>
-        <p:nvSpPr>
-          <p:cNvPr id="158" name="CustomShape 2"/>
-          <p:cNvSpPr/>
-          <p:nvPr/>
-        </p:nvSpPr>
-        <p:spPr>
-          <a:xfrm>
-            <a:off x="432000" y="0"/>
-            <a:ext cx="7450560" cy="1182600"/>
-          </a:xfrm>
-          <a:prstGeom prst="rect">
-            <a:avLst/>
-          </a:prstGeom>
-          <a:noFill/>
-          <a:ln>
-            <a:noFill/>
-          </a:ln>
-        </p:spPr>
-        <p:style>
-          <a:lnRef idx="0"/>
-          <a:fillRef idx="0"/>
-          <a:effectRef idx="0"/>
-          <a:fontRef idx="minor"/>
-        </p:style>
-        <p:txBody>
           <a:bodyPr lIns="90000" rIns="90000" tIns="45000" bIns="45000" anchor="ctr">
             <a:normAutofit/>
           </a:bodyPr>
@@ -5557,41 +5369,51 @@
               </a:lnSpc>
             </a:pPr>
             <a:r>
-              <a:rPr b="0" lang="en-CA" sz="3000" spc="-1" strike="noStrike">
+              <a:rPr b="0" lang="en-CA" sz="3000" spc="-1" strike="noStrike" cap="all">
                 <a:solidFill>
                   <a:srgbClr val="292929"/>
                 </a:solidFill>
                 <a:latin typeface="Nexa Bold"/>
                 <a:ea typeface="DejaVu Sans"/>
               </a:rPr>
-              <a:t>UNIT </a:t>
-            </a:r>
-            <a:r>
-              <a:rPr b="0" lang="en-CA" sz="3000" spc="-1" strike="noStrike">
+              <a:t>Source CODE Managment </a:t>
+            </a:r>
+            <a:r>
+              <a:rPr b="0" lang="en-CA" sz="3000" spc="-1" strike="noStrike" cap="all">
                 <a:solidFill>
                   <a:srgbClr val="1fa0be"/>
                 </a:solidFill>
                 <a:latin typeface="Nexa Bold"/>
                 <a:ea typeface="DejaVu Sans"/>
               </a:rPr>
-              <a:t>TESTING</a:t>
+              <a:t>GIT</a:t>
             </a:r>
             <a:endParaRPr b="0" lang="en-CA" sz="3000" spc="-1" strike="noStrike">
               <a:latin typeface="Arial"/>
             </a:endParaRPr>
           </a:p>
-        </p:txBody>
-      </p:sp>
-      <p:sp>
-        <p:nvSpPr>
-          <p:cNvPr id="159" name="CustomShape 3"/>
+          <a:p>
+            <a:pPr>
+              <a:lnSpc>
+                <a:spcPct val="100000"/>
+              </a:lnSpc>
+            </a:pPr>
+            <a:endParaRPr b="0" lang="en-CA" sz="3000" spc="-1" strike="noStrike">
+              <a:latin typeface="Arial"/>
+            </a:endParaRPr>
+          </a:p>
+        </p:txBody>
+      </p:sp>
+      <p:sp>
+        <p:nvSpPr>
+          <p:cNvPr id="161" name="CustomShape 2"/>
           <p:cNvSpPr/>
           <p:nvPr/>
         </p:nvSpPr>
         <p:spPr>
           <a:xfrm>
             <a:off x="0" y="0"/>
-            <a:ext cx="249840" cy="1194840"/>
+            <a:ext cx="246960" cy="1191960"/>
           </a:xfrm>
           <a:prstGeom prst="rect">
             <a:avLst/>
@@ -5620,7 +5442,7 @@
       </p:sp>
       <p:sp>
         <p:nvSpPr>
-          <p:cNvPr id="160" name="Line 4"/>
+          <p:cNvPr id="162" name="Line 3"/>
           <p:cNvSpPr/>
           <p:nvPr/>
         </p:nvSpPr>
@@ -5651,6 +5473,208 @@
           </a:effectRef>
           <a:fontRef idx="minor"/>
         </p:style>
+      </p:sp>
+      <p:sp>
+        <p:nvSpPr>
+          <p:cNvPr id="163" name="CustomShape 4"/>
+          <p:cNvSpPr/>
+          <p:nvPr/>
+        </p:nvSpPr>
+        <p:spPr>
+          <a:xfrm>
+            <a:off x="457200" y="273600"/>
+            <a:ext cx="8226000" cy="5304600"/>
+          </a:xfrm>
+          <a:prstGeom prst="rect">
+            <a:avLst/>
+          </a:prstGeom>
+          <a:noFill/>
+          <a:ln>
+            <a:noFill/>
+          </a:ln>
+        </p:spPr>
+        <p:style>
+          <a:lnRef idx="0"/>
+          <a:fillRef idx="0"/>
+          <a:effectRef idx="0"/>
+          <a:fontRef idx="minor"/>
+        </p:style>
+        <p:txBody>
+          <a:bodyPr lIns="0" rIns="0" tIns="0" bIns="0" anchor="ctr"/>
+          <a:p>
+            <a:pPr algn="ctr">
+              <a:lnSpc>
+                <a:spcPct val="100000"/>
+              </a:lnSpc>
+            </a:pPr>
+            <a:endParaRPr b="0" lang="en-CA" sz="1800" spc="-1" strike="noStrike">
+              <a:latin typeface="Arial"/>
+            </a:endParaRPr>
+          </a:p>
+          <a:p>
+            <a:pPr algn="ctr">
+              <a:lnSpc>
+                <a:spcPct val="100000"/>
+              </a:lnSpc>
+            </a:pPr>
+            <a:endParaRPr b="0" lang="en-CA" sz="1800" spc="-1" strike="noStrike">
+              <a:latin typeface="Arial"/>
+            </a:endParaRPr>
+          </a:p>
+        </p:txBody>
+      </p:sp>
+      <p:sp>
+        <p:nvSpPr>
+          <p:cNvPr id="164" name="CustomShape 5"/>
+          <p:cNvSpPr/>
+          <p:nvPr/>
+        </p:nvSpPr>
+        <p:spPr>
+          <a:xfrm>
+            <a:off x="576000" y="1728000"/>
+            <a:ext cx="6764760" cy="2390760"/>
+          </a:xfrm>
+          <a:prstGeom prst="rect">
+            <a:avLst/>
+          </a:prstGeom>
+          <a:noFill/>
+          <a:ln>
+            <a:noFill/>
+          </a:ln>
+        </p:spPr>
+        <p:style>
+          <a:lnRef idx="0"/>
+          <a:fillRef idx="0"/>
+          <a:effectRef idx="0"/>
+          <a:fontRef idx="minor"/>
+        </p:style>
+        <p:txBody>
+          <a:bodyPr lIns="90000" rIns="90000" tIns="45000" bIns="45000"/>
+          <a:p>
+            <a:pPr>
+              <a:lnSpc>
+                <a:spcPct val="100000"/>
+              </a:lnSpc>
+            </a:pPr>
+            <a:r>
+              <a:rPr b="1" lang="en-CA" sz="1800" spc="-1" strike="noStrike">
+                <a:solidFill>
+                  <a:srgbClr val="000000"/>
+                </a:solidFill>
+                <a:latin typeface="Arial"/>
+                <a:ea typeface="DejaVu Sans"/>
+              </a:rPr>
+              <a:t>Resources</a:t>
+            </a:r>
+            <a:r>
+              <a:rPr b="0" lang="en-CA" sz="1800" spc="-1" strike="noStrike">
+                <a:solidFill>
+                  <a:srgbClr val="000000"/>
+                </a:solidFill>
+                <a:latin typeface="Arial"/>
+                <a:ea typeface="DejaVu Sans"/>
+              </a:rPr>
+              <a:t>:</a:t>
+            </a:r>
+            <a:endParaRPr b="0" lang="en-CA" sz="1800" spc="-1" strike="noStrike">
+              <a:latin typeface="Arial"/>
+            </a:endParaRPr>
+          </a:p>
+          <a:p>
+            <a:pPr>
+              <a:lnSpc>
+                <a:spcPct val="100000"/>
+              </a:lnSpc>
+            </a:pPr>
+            <a:endParaRPr b="0" lang="en-CA" sz="1800" spc="-1" strike="noStrike">
+              <a:latin typeface="Arial"/>
+            </a:endParaRPr>
+          </a:p>
+          <a:p>
+            <a:pPr>
+              <a:lnSpc>
+                <a:spcPct val="100000"/>
+              </a:lnSpc>
+            </a:pPr>
+            <a:r>
+              <a:rPr b="0" lang="en-CA" sz="1800" spc="-1" strike="noStrike" u="sng">
+                <a:solidFill>
+                  <a:srgbClr val="0000ff"/>
+                </a:solidFill>
+                <a:uFillTx/>
+                <a:latin typeface="Arial"/>
+                <a:ea typeface="DejaVu Sans"/>
+                <a:hlinkClick r:id="rId1"/>
+              </a:rPr>
+              <a:t>https://www.youtube.com/watch?v=Klfjr4TF9i0</a:t>
+            </a:r>
+            <a:endParaRPr b="0" lang="en-CA" sz="1800" spc="-1" strike="noStrike">
+              <a:latin typeface="Arial"/>
+            </a:endParaRPr>
+          </a:p>
+          <a:p>
+            <a:pPr>
+              <a:lnSpc>
+                <a:spcPct val="100000"/>
+              </a:lnSpc>
+            </a:pPr>
+            <a:endParaRPr b="0" lang="en-CA" sz="1800" spc="-1" strike="noStrike">
+              <a:latin typeface="Arial"/>
+            </a:endParaRPr>
+          </a:p>
+          <a:p>
+            <a:pPr>
+              <a:lnSpc>
+                <a:spcPct val="100000"/>
+              </a:lnSpc>
+            </a:pPr>
+            <a:r>
+              <a:rPr b="0" lang="en-CA" sz="1800" spc="-1" strike="noStrike" u="sng">
+                <a:solidFill>
+                  <a:srgbClr val="0000ff"/>
+                </a:solidFill>
+                <a:uFillTx/>
+                <a:latin typeface="Arial"/>
+                <a:ea typeface="DejaVu Sans"/>
+                <a:hlinkClick r:id="rId2"/>
+              </a:rPr>
+              <a:t>https://www.linuxnix.com/what-is-source-code-management-or-version-control/</a:t>
+            </a:r>
+            <a:endParaRPr b="0" lang="en-CA" sz="1800" spc="-1" strike="noStrike">
+              <a:latin typeface="Arial"/>
+            </a:endParaRPr>
+          </a:p>
+          <a:p>
+            <a:pPr>
+              <a:lnSpc>
+                <a:spcPct val="100000"/>
+              </a:lnSpc>
+            </a:pPr>
+            <a:endParaRPr b="0" lang="en-CA" sz="1800" spc="-1" strike="noStrike">
+              <a:latin typeface="Arial"/>
+            </a:endParaRPr>
+          </a:p>
+          <a:p>
+            <a:pPr>
+              <a:lnSpc>
+                <a:spcPct val="100000"/>
+              </a:lnSpc>
+            </a:pPr>
+            <a:endParaRPr b="0" lang="en-CA" sz="1800" spc="-1" strike="noStrike">
+              <a:latin typeface="Arial"/>
+            </a:endParaRPr>
+          </a:p>
+          <a:p>
+            <a:pPr>
+              <a:lnSpc>
+                <a:spcPct val="100000"/>
+              </a:lnSpc>
+            </a:pPr>
+            <a:endParaRPr b="0" lang="en-CA" sz="1800" spc="-1" strike="noStrike">
+              <a:latin typeface="Arial"/>
+            </a:endParaRPr>
+          </a:p>
+        </p:txBody>
       </p:sp>
     </p:spTree>
   </p:cSld>
@@ -5710,14 +5734,14 @@
       </p:grpSpPr>
       <p:sp>
         <p:nvSpPr>
-          <p:cNvPr id="161" name="CustomShape 1"/>
+          <p:cNvPr id="165" name="CustomShape 1"/>
           <p:cNvSpPr/>
           <p:nvPr/>
         </p:nvSpPr>
         <p:spPr>
           <a:xfrm>
-            <a:off x="432000" y="1484640"/>
-            <a:ext cx="8278200" cy="5218200"/>
+            <a:off x="432000" y="13680"/>
+            <a:ext cx="7447680" cy="1179720"/>
           </a:xfrm>
           <a:prstGeom prst="rect">
             <a:avLst/>
@@ -5734,162 +5758,6 @@
           <a:fontRef idx="minor"/>
         </p:style>
         <p:txBody>
-          <a:bodyPr lIns="90000" rIns="90000" tIns="45000" bIns="45000">
-            <a:normAutofit/>
-          </a:bodyPr>
-          <a:p>
-            <a:pPr>
-              <a:lnSpc>
-                <a:spcPct val="100000"/>
-              </a:lnSpc>
-              <a:spcBef>
-                <a:spcPts val="479"/>
-              </a:spcBef>
-            </a:pPr>
-            <a:endParaRPr b="0" lang="en-CA" sz="1800" spc="-1" strike="noStrike">
-              <a:latin typeface="Arial"/>
-            </a:endParaRPr>
-          </a:p>
-          <a:p>
-            <a:pPr marL="343080" indent="-341280">
-              <a:lnSpc>
-                <a:spcPct val="100000"/>
-              </a:lnSpc>
-              <a:spcBef>
-                <a:spcPts val="479"/>
-              </a:spcBef>
-              <a:buClr>
-                <a:srgbClr val="000000"/>
-              </a:buClr>
-              <a:buFont typeface="Arial"/>
-              <a:buChar char="•"/>
-            </a:pPr>
-            <a:r>
-              <a:rPr b="0" lang="en-CA" sz="2400" spc="-1" strike="noStrike">
-                <a:solidFill>
-                  <a:srgbClr val="000000"/>
-                </a:solidFill>
-                <a:latin typeface="Calibri"/>
-                <a:ea typeface="DejaVu Sans"/>
-              </a:rPr>
-              <a:t>These tests build on unit tests by combining the units of code and testing that the resulting combination functions correctly as a group. </a:t>
-            </a:r>
-            <a:endParaRPr b="0" lang="en-CA" sz="2400" spc="-1" strike="noStrike">
-              <a:latin typeface="Arial"/>
-            </a:endParaRPr>
-          </a:p>
-          <a:p>
-            <a:pPr marL="343080" indent="-341280">
-              <a:lnSpc>
-                <a:spcPct val="100000"/>
-              </a:lnSpc>
-              <a:spcBef>
-                <a:spcPts val="479"/>
-              </a:spcBef>
-              <a:buClr>
-                <a:srgbClr val="000000"/>
-              </a:buClr>
-              <a:buFont typeface="Arial"/>
-              <a:buChar char="•"/>
-            </a:pPr>
-            <a:r>
-              <a:rPr b="0" lang="en-CA" sz="2400" spc="-1" strike="noStrike">
-                <a:solidFill>
-                  <a:srgbClr val="000000"/>
-                </a:solidFill>
-                <a:latin typeface="Calibri"/>
-                <a:ea typeface="DejaVu Sans"/>
-              </a:rPr>
-              <a:t>This testing level is designed to find interface defects between the modules/functions. </a:t>
-            </a:r>
-            <a:endParaRPr b="0" lang="en-CA" sz="2400" spc="-1" strike="noStrike">
-              <a:latin typeface="Arial"/>
-            </a:endParaRPr>
-          </a:p>
-          <a:p>
-            <a:pPr marL="343080" indent="-341280">
-              <a:lnSpc>
-                <a:spcPct val="100000"/>
-              </a:lnSpc>
-              <a:spcBef>
-                <a:spcPts val="479"/>
-              </a:spcBef>
-              <a:buClr>
-                <a:srgbClr val="000000"/>
-              </a:buClr>
-              <a:buFont typeface="Arial"/>
-              <a:buChar char="•"/>
-            </a:pPr>
-            <a:r>
-              <a:rPr b="0" lang="en-CA" sz="2400" spc="-1" strike="noStrike">
-                <a:solidFill>
-                  <a:srgbClr val="000000"/>
-                </a:solidFill>
-                <a:latin typeface="Calibri"/>
-                <a:ea typeface="DejaVu Sans"/>
-              </a:rPr>
-              <a:t>Integration tests can and will use threads, access the database or do whatever is required to ensure that all of the code and the different environment changes will work correctly.</a:t>
-            </a:r>
-            <a:endParaRPr b="0" lang="en-CA" sz="2400" spc="-1" strike="noStrike">
-              <a:latin typeface="Arial"/>
-            </a:endParaRPr>
-          </a:p>
-          <a:p>
-            <a:pPr marL="343080" indent="-341280">
-              <a:lnSpc>
-                <a:spcPct val="100000"/>
-              </a:lnSpc>
-              <a:spcBef>
-                <a:spcPts val="479"/>
-              </a:spcBef>
-              <a:buClr>
-                <a:srgbClr val="000000"/>
-              </a:buClr>
-              <a:buFont typeface="Arial"/>
-              <a:buChar char="•"/>
-            </a:pPr>
-            <a:r>
-              <a:rPr b="0" lang="en-CA" sz="2400" spc="-1" strike="noStrike">
-                <a:solidFill>
-                  <a:srgbClr val="000000"/>
-                </a:solidFill>
-                <a:latin typeface="Calibri"/>
-                <a:ea typeface="DejaVu Sans"/>
-              </a:rPr>
-              <a:t>For these, we use various testing methods, but the specific method that will be used to get the job done will depend greatly on the way in which the units are defined.</a:t>
-            </a:r>
-            <a:endParaRPr b="0" lang="en-CA" sz="2400" spc="-1" strike="noStrike">
-              <a:latin typeface="Arial"/>
-            </a:endParaRPr>
-          </a:p>
-        </p:txBody>
-      </p:sp>
-      <p:sp>
-        <p:nvSpPr>
-          <p:cNvPr id="162" name="CustomShape 2"/>
-          <p:cNvSpPr/>
-          <p:nvPr/>
-        </p:nvSpPr>
-        <p:spPr>
-          <a:xfrm>
-            <a:off x="432000" y="0"/>
-            <a:ext cx="7450560" cy="1182600"/>
-          </a:xfrm>
-          <a:prstGeom prst="rect">
-            <a:avLst/>
-          </a:prstGeom>
-          <a:noFill/>
-          <a:ln>
-            <a:noFill/>
-          </a:ln>
-        </p:spPr>
-        <p:style>
-          <a:lnRef idx="0"/>
-          <a:fillRef idx="0"/>
-          <a:effectRef idx="0"/>
-          <a:fontRef idx="minor"/>
-        </p:style>
-        <p:txBody>
           <a:bodyPr lIns="90000" rIns="90000" tIns="45000" bIns="45000" anchor="ctr">
             <a:normAutofit/>
           </a:bodyPr>
@@ -5900,41 +5768,51 @@
               </a:lnSpc>
             </a:pPr>
             <a:r>
-              <a:rPr b="0" lang="en-CA" sz="3000" spc="-1" strike="noStrike">
+              <a:rPr b="0" lang="en-CA" sz="3000" spc="-1" strike="noStrike" cap="all">
                 <a:solidFill>
                   <a:srgbClr val="292929"/>
                 </a:solidFill>
                 <a:latin typeface="Nexa Bold"/>
                 <a:ea typeface="DejaVu Sans"/>
               </a:rPr>
-              <a:t>INTEGRATION </a:t>
-            </a:r>
-            <a:r>
-              <a:rPr b="0" lang="en-CA" sz="3000" spc="-1" strike="noStrike">
+              <a:t>Source CODE Managment </a:t>
+            </a:r>
+            <a:r>
+              <a:rPr b="0" lang="en-CA" sz="3000" spc="-1" strike="noStrike" cap="all">
                 <a:solidFill>
                   <a:srgbClr val="1fa0be"/>
                 </a:solidFill>
                 <a:latin typeface="Nexa Bold"/>
                 <a:ea typeface="DejaVu Sans"/>
               </a:rPr>
-              <a:t>TESTING</a:t>
+              <a:t>GIT</a:t>
             </a:r>
             <a:endParaRPr b="0" lang="en-CA" sz="3000" spc="-1" strike="noStrike">
               <a:latin typeface="Arial"/>
             </a:endParaRPr>
           </a:p>
-        </p:txBody>
-      </p:sp>
-      <p:sp>
-        <p:nvSpPr>
-          <p:cNvPr id="163" name="CustomShape 3"/>
+          <a:p>
+            <a:pPr>
+              <a:lnSpc>
+                <a:spcPct val="100000"/>
+              </a:lnSpc>
+            </a:pPr>
+            <a:endParaRPr b="0" lang="en-CA" sz="3000" spc="-1" strike="noStrike">
+              <a:latin typeface="Arial"/>
+            </a:endParaRPr>
+          </a:p>
+        </p:txBody>
+      </p:sp>
+      <p:sp>
+        <p:nvSpPr>
+          <p:cNvPr id="166" name="CustomShape 2"/>
           <p:cNvSpPr/>
           <p:nvPr/>
         </p:nvSpPr>
         <p:spPr>
           <a:xfrm>
             <a:off x="0" y="0"/>
-            <a:ext cx="249840" cy="1194840"/>
+            <a:ext cx="246960" cy="1191960"/>
           </a:xfrm>
           <a:prstGeom prst="rect">
             <a:avLst/>
@@ -5963,7 +5841,7 @@
       </p:sp>
       <p:sp>
         <p:nvSpPr>
-          <p:cNvPr id="164" name="Line 4"/>
+          <p:cNvPr id="167" name="Line 3"/>
           <p:cNvSpPr/>
           <p:nvPr/>
         </p:nvSpPr>
@@ -5994,6 +5872,426 @@
           </a:effectRef>
           <a:fontRef idx="minor"/>
         </p:style>
+      </p:sp>
+      <p:sp>
+        <p:nvSpPr>
+          <p:cNvPr id="168" name="CustomShape 4"/>
+          <p:cNvSpPr/>
+          <p:nvPr/>
+        </p:nvSpPr>
+        <p:spPr>
+          <a:xfrm>
+            <a:off x="457200" y="273600"/>
+            <a:ext cx="8226000" cy="5304600"/>
+          </a:xfrm>
+          <a:prstGeom prst="rect">
+            <a:avLst/>
+          </a:prstGeom>
+          <a:noFill/>
+          <a:ln>
+            <a:noFill/>
+          </a:ln>
+        </p:spPr>
+        <p:style>
+          <a:lnRef idx="0"/>
+          <a:fillRef idx="0"/>
+          <a:effectRef idx="0"/>
+          <a:fontRef idx="minor"/>
+        </p:style>
+        <p:txBody>
+          <a:bodyPr lIns="0" rIns="0" tIns="0" bIns="0" anchor="ctr"/>
+          <a:p>
+            <a:pPr algn="ctr">
+              <a:lnSpc>
+                <a:spcPct val="100000"/>
+              </a:lnSpc>
+            </a:pPr>
+            <a:endParaRPr b="0" lang="en-CA" sz="1800" spc="-1" strike="noStrike">
+              <a:latin typeface="Arial"/>
+            </a:endParaRPr>
+          </a:p>
+          <a:p>
+            <a:pPr algn="ctr">
+              <a:lnSpc>
+                <a:spcPct val="100000"/>
+              </a:lnSpc>
+            </a:pPr>
+            <a:endParaRPr b="0" lang="en-CA" sz="1800" spc="-1" strike="noStrike">
+              <a:latin typeface="Arial"/>
+            </a:endParaRPr>
+          </a:p>
+        </p:txBody>
+      </p:sp>
+      <p:sp>
+        <p:nvSpPr>
+          <p:cNvPr id="169" name="CustomShape 5"/>
+          <p:cNvSpPr/>
+          <p:nvPr/>
+        </p:nvSpPr>
+        <p:spPr>
+          <a:xfrm>
+            <a:off x="576000" y="1728000"/>
+            <a:ext cx="6764760" cy="2390760"/>
+          </a:xfrm>
+          <a:prstGeom prst="rect">
+            <a:avLst/>
+          </a:prstGeom>
+          <a:noFill/>
+          <a:ln>
+            <a:noFill/>
+          </a:ln>
+        </p:spPr>
+        <p:style>
+          <a:lnRef idx="0"/>
+          <a:fillRef idx="0"/>
+          <a:effectRef idx="0"/>
+          <a:fontRef idx="minor"/>
+        </p:style>
+        <p:txBody>
+          <a:bodyPr lIns="90000" rIns="90000" tIns="45000" bIns="45000"/>
+          <a:p>
+            <a:pPr>
+              <a:lnSpc>
+                <a:spcPct val="100000"/>
+              </a:lnSpc>
+            </a:pPr>
+            <a:r>
+              <a:rPr b="1" lang="en-CA" sz="1800" spc="-1" strike="noStrike">
+                <a:solidFill>
+                  <a:srgbClr val="000000"/>
+                </a:solidFill>
+                <a:latin typeface="Arial"/>
+                <a:ea typeface="DejaVu Sans"/>
+              </a:rPr>
+              <a:t>Demonstration (pulling a repo)</a:t>
+            </a:r>
+            <a:endParaRPr b="0" lang="en-CA" sz="1800" spc="-1" strike="noStrike">
+              <a:latin typeface="Arial"/>
+            </a:endParaRPr>
+          </a:p>
+          <a:p>
+            <a:pPr>
+              <a:lnSpc>
+                <a:spcPct val="100000"/>
+              </a:lnSpc>
+            </a:pPr>
+            <a:endParaRPr b="0" lang="en-CA" sz="1800" spc="-1" strike="noStrike">
+              <a:latin typeface="Arial"/>
+            </a:endParaRPr>
+          </a:p>
+          <a:p>
+            <a:pPr>
+              <a:lnSpc>
+                <a:spcPct val="100000"/>
+              </a:lnSpc>
+            </a:pPr>
+            <a:r>
+              <a:rPr b="0" lang="en-CA" sz="1800" spc="-1" strike="noStrike">
+                <a:solidFill>
+                  <a:srgbClr val="000000"/>
+                </a:solidFill>
+                <a:latin typeface="Arial"/>
+                <a:ea typeface="DejaVu Sans"/>
+              </a:rPr>
+              <a:t>1) Open your ubuntu virtual machine.</a:t>
+            </a:r>
+            <a:endParaRPr b="0" lang="en-CA" sz="1800" spc="-1" strike="noStrike">
+              <a:latin typeface="Arial"/>
+            </a:endParaRPr>
+          </a:p>
+          <a:p>
+            <a:pPr>
+              <a:lnSpc>
+                <a:spcPct val="100000"/>
+              </a:lnSpc>
+            </a:pPr>
+            <a:r>
+              <a:rPr b="0" lang="en-CA" sz="1800" spc="-1" strike="noStrike">
+                <a:solidFill>
+                  <a:srgbClr val="000000"/>
+                </a:solidFill>
+                <a:latin typeface="Arial"/>
+                <a:ea typeface="DejaVu Sans"/>
+              </a:rPr>
+              <a:t>2)    Git to download (clone) the python repo I’ve made</a:t>
+            </a:r>
+            <a:endParaRPr b="0" lang="en-CA" sz="1800" spc="-1" strike="noStrike">
+              <a:latin typeface="Arial"/>
+            </a:endParaRPr>
+          </a:p>
+          <a:p>
+            <a:pPr>
+              <a:lnSpc>
+                <a:spcPct val="100000"/>
+              </a:lnSpc>
+            </a:pPr>
+            <a:r>
+              <a:rPr b="0" lang="en-CA" sz="1800" spc="-1" strike="noStrike">
+                <a:solidFill>
+                  <a:srgbClr val="000000"/>
+                </a:solidFill>
+                <a:latin typeface="Arial"/>
+                <a:ea typeface="DejaVu Sans"/>
+              </a:rPr>
+              <a:t>	</a:t>
+            </a:r>
+            <a:r>
+              <a:rPr b="0" lang="en-CA" sz="1800" spc="-1" strike="noStrike">
+                <a:solidFill>
+                  <a:srgbClr val="000000"/>
+                </a:solidFill>
+                <a:latin typeface="Arial"/>
+                <a:ea typeface="DejaVu Sans"/>
+              </a:rPr>
+              <a:t>here:   </a:t>
+            </a:r>
+            <a:r>
+              <a:rPr b="0" lang="en-CA" sz="1800" spc="-1" strike="noStrike" u="sng">
+                <a:solidFill>
+                  <a:srgbClr val="0000ff"/>
+                </a:solidFill>
+                <a:uFillTx/>
+                <a:latin typeface="Arial"/>
+                <a:ea typeface="DejaVu Sans"/>
+                <a:hlinkClick r:id="rId1"/>
+              </a:rPr>
+              <a:t>https://github.com/chrisgauthier742018/demopy.git</a:t>
+            </a:r>
+            <a:endParaRPr b="0" lang="en-CA" sz="1800" spc="-1" strike="noStrike">
+              <a:latin typeface="Arial"/>
+            </a:endParaRPr>
+          </a:p>
+          <a:p>
+            <a:pPr>
+              <a:lnSpc>
+                <a:spcPct val="100000"/>
+              </a:lnSpc>
+            </a:pPr>
+            <a:r>
+              <a:rPr b="0" lang="en-CA" sz="1800" spc="-1" strike="noStrike">
+                <a:solidFill>
+                  <a:srgbClr val="000000"/>
+                </a:solidFill>
+                <a:latin typeface="Arial"/>
+                <a:ea typeface="DejaVu Sans"/>
+              </a:rPr>
+              <a:t>3)</a:t>
+            </a:r>
+            <a:r>
+              <a:rPr b="0" lang="en-CA" sz="1800" spc="-1" strike="noStrike">
+                <a:solidFill>
+                  <a:srgbClr val="000000"/>
+                </a:solidFill>
+                <a:latin typeface="Arial"/>
+                <a:ea typeface="DejaVu Sans"/>
+              </a:rPr>
+              <a:t>	</a:t>
+            </a:r>
+            <a:r>
+              <a:rPr b="0" lang="en-CA" sz="1800" spc="-1" strike="noStrike">
+                <a:solidFill>
+                  <a:srgbClr val="000000"/>
+                </a:solidFill>
+                <a:latin typeface="Arial"/>
+                <a:ea typeface="DejaVu Sans"/>
+              </a:rPr>
+              <a:t>Make a change in the README.md file of the python </a:t>
+            </a:r>
+            <a:r>
+              <a:rPr b="0" lang="en-CA" sz="1800" spc="-1" strike="noStrike">
+                <a:solidFill>
+                  <a:srgbClr val="000000"/>
+                </a:solidFill>
+                <a:latin typeface="Arial"/>
+                <a:ea typeface="DejaVu Sans"/>
+              </a:rPr>
+              <a:t>	</a:t>
+            </a:r>
+            <a:r>
+              <a:rPr b="0" lang="en-CA" sz="1800" spc="-1" strike="noStrike">
+                <a:solidFill>
+                  <a:srgbClr val="000000"/>
+                </a:solidFill>
+                <a:latin typeface="Arial"/>
+                <a:ea typeface="DejaVu Sans"/>
+              </a:rPr>
+              <a:t>	</a:t>
+            </a:r>
+            <a:r>
+              <a:rPr b="0" lang="en-CA" sz="1800" spc="-1" strike="noStrike">
+                <a:solidFill>
+                  <a:srgbClr val="000000"/>
+                </a:solidFill>
+                <a:latin typeface="Arial"/>
+                <a:ea typeface="DejaVu Sans"/>
+              </a:rPr>
+              <a:t>project.</a:t>
+            </a:r>
+            <a:endParaRPr b="0" lang="en-CA" sz="1800" spc="-1" strike="noStrike">
+              <a:latin typeface="Arial"/>
+            </a:endParaRPr>
+          </a:p>
+          <a:p>
+            <a:pPr>
+              <a:lnSpc>
+                <a:spcPct val="100000"/>
+              </a:lnSpc>
+            </a:pPr>
+            <a:r>
+              <a:rPr b="0" lang="en-CA" sz="1800" spc="-1" strike="noStrike">
+                <a:solidFill>
+                  <a:srgbClr val="000000"/>
+                </a:solidFill>
+                <a:latin typeface="Arial"/>
+                <a:ea typeface="DejaVu Sans"/>
+              </a:rPr>
+              <a:t>4)</a:t>
+            </a:r>
+            <a:r>
+              <a:rPr b="0" lang="en-CA" sz="1800" spc="-1" strike="noStrike">
+                <a:solidFill>
+                  <a:srgbClr val="000000"/>
+                </a:solidFill>
+                <a:latin typeface="Arial"/>
+                <a:ea typeface="DejaVu Sans"/>
+              </a:rPr>
+              <a:t>	</a:t>
+            </a:r>
+            <a:r>
+              <a:rPr b="0" lang="en-CA" sz="1800" spc="-1" strike="noStrike">
+                <a:solidFill>
+                  <a:srgbClr val="000000"/>
+                </a:solidFill>
+                <a:latin typeface="Arial"/>
+                <a:ea typeface="DejaVu Sans"/>
+              </a:rPr>
+              <a:t>git status</a:t>
+            </a:r>
+            <a:endParaRPr b="0" lang="en-CA" sz="1800" spc="-1" strike="noStrike">
+              <a:latin typeface="Arial"/>
+            </a:endParaRPr>
+          </a:p>
+          <a:p>
+            <a:pPr>
+              <a:lnSpc>
+                <a:spcPct val="100000"/>
+              </a:lnSpc>
+            </a:pPr>
+            <a:r>
+              <a:rPr b="0" lang="en-CA" sz="1800" spc="-1" strike="noStrike">
+                <a:solidFill>
+                  <a:srgbClr val="000000"/>
+                </a:solidFill>
+                <a:latin typeface="Arial"/>
+                <a:ea typeface="DejaVu Sans"/>
+              </a:rPr>
+              <a:t>5)</a:t>
+            </a:r>
+            <a:r>
+              <a:rPr b="0" lang="en-CA" sz="1800" spc="-1" strike="noStrike">
+                <a:solidFill>
+                  <a:srgbClr val="000000"/>
+                </a:solidFill>
+                <a:latin typeface="Arial"/>
+                <a:ea typeface="DejaVu Sans"/>
+              </a:rPr>
+              <a:t>	</a:t>
+            </a:r>
+            <a:r>
+              <a:rPr b="0" lang="en-CA" sz="1800" spc="-1" strike="noStrike">
+                <a:solidFill>
+                  <a:srgbClr val="000000"/>
+                </a:solidFill>
+                <a:latin typeface="Arial"/>
+                <a:ea typeface="DejaVu Sans"/>
+              </a:rPr>
+              <a:t>git commit -m “Changed Readme”</a:t>
+            </a:r>
+            <a:endParaRPr b="0" lang="en-CA" sz="1800" spc="-1" strike="noStrike">
+              <a:latin typeface="Arial"/>
+            </a:endParaRPr>
+          </a:p>
+          <a:p>
+            <a:pPr>
+              <a:lnSpc>
+                <a:spcPct val="100000"/>
+              </a:lnSpc>
+            </a:pPr>
+            <a:r>
+              <a:rPr b="0" lang="en-CA" sz="1800" spc="-1" strike="noStrike">
+                <a:solidFill>
+                  <a:srgbClr val="000000"/>
+                </a:solidFill>
+                <a:latin typeface="Arial"/>
+                <a:ea typeface="DejaVu Sans"/>
+              </a:rPr>
+              <a:t>6)</a:t>
+            </a:r>
+            <a:r>
+              <a:rPr b="0" lang="en-CA" sz="1800" spc="-1" strike="noStrike">
+                <a:solidFill>
+                  <a:srgbClr val="000000"/>
+                </a:solidFill>
+                <a:latin typeface="Arial"/>
+                <a:ea typeface="DejaVu Sans"/>
+              </a:rPr>
+              <a:t>	</a:t>
+            </a:r>
+            <a:r>
+              <a:rPr b="0" lang="en-CA" sz="1800" spc="-1" strike="noStrike">
+                <a:solidFill>
+                  <a:srgbClr val="000000"/>
+                </a:solidFill>
+                <a:latin typeface="Arial"/>
+                <a:ea typeface="DejaVu Sans"/>
+              </a:rPr>
+              <a:t>git push -u orgin master</a:t>
+            </a:r>
+            <a:endParaRPr b="0" lang="en-CA" sz="1800" spc="-1" strike="noStrike">
+              <a:latin typeface="Arial"/>
+            </a:endParaRPr>
+          </a:p>
+          <a:p>
+            <a:pPr>
+              <a:lnSpc>
+                <a:spcPct val="100000"/>
+              </a:lnSpc>
+            </a:pPr>
+            <a:endParaRPr b="0" lang="en-CA" sz="1800" spc="-1" strike="noStrike">
+              <a:latin typeface="Arial"/>
+            </a:endParaRPr>
+          </a:p>
+          <a:p>
+            <a:pPr>
+              <a:lnSpc>
+                <a:spcPct val="100000"/>
+              </a:lnSpc>
+            </a:pPr>
+            <a:endParaRPr b="0" lang="en-CA" sz="1800" spc="-1" strike="noStrike">
+              <a:latin typeface="Arial"/>
+            </a:endParaRPr>
+          </a:p>
+          <a:p>
+            <a:pPr>
+              <a:lnSpc>
+                <a:spcPct val="100000"/>
+              </a:lnSpc>
+            </a:pPr>
+            <a:endParaRPr b="0" lang="en-CA" sz="1800" spc="-1" strike="noStrike">
+              <a:latin typeface="Arial"/>
+            </a:endParaRPr>
+          </a:p>
+          <a:p>
+            <a:pPr>
+              <a:lnSpc>
+                <a:spcPct val="100000"/>
+              </a:lnSpc>
+            </a:pPr>
+            <a:endParaRPr b="0" lang="en-CA" sz="1800" spc="-1" strike="noStrike">
+              <a:latin typeface="Arial"/>
+            </a:endParaRPr>
+          </a:p>
+        </p:txBody>
       </p:sp>
     </p:spTree>
   </p:cSld>
@@ -6053,14 +6351,14 @@
       </p:grpSpPr>
       <p:sp>
         <p:nvSpPr>
-          <p:cNvPr id="165" name="CustomShape 1"/>
+          <p:cNvPr id="170" name="CustomShape 1"/>
           <p:cNvSpPr/>
           <p:nvPr/>
         </p:nvSpPr>
         <p:spPr>
           <a:xfrm>
-            <a:off x="432000" y="1484640"/>
-            <a:ext cx="8278200" cy="5218200"/>
+            <a:off x="432000" y="13680"/>
+            <a:ext cx="7447680" cy="1179720"/>
           </a:xfrm>
           <a:prstGeom prst="rect">
             <a:avLst/>
@@ -6077,173 +6375,6 @@
           <a:fontRef idx="minor"/>
         </p:style>
         <p:txBody>
-          <a:bodyPr lIns="90000" rIns="90000" tIns="45000" bIns="45000">
-            <a:normAutofit/>
-          </a:bodyPr>
-          <a:p>
-            <a:pPr>
-              <a:lnSpc>
-                <a:spcPct val="100000"/>
-              </a:lnSpc>
-              <a:spcBef>
-                <a:spcPts val="479"/>
-              </a:spcBef>
-            </a:pPr>
-            <a:endParaRPr b="0" lang="en-CA" sz="1800" spc="-1" strike="noStrike">
-              <a:latin typeface="Arial"/>
-            </a:endParaRPr>
-          </a:p>
-          <a:p>
-            <a:pPr marL="343080" indent="-341280">
-              <a:lnSpc>
-                <a:spcPct val="100000"/>
-              </a:lnSpc>
-              <a:spcBef>
-                <a:spcPts val="479"/>
-              </a:spcBef>
-              <a:buClr>
-                <a:srgbClr val="000000"/>
-              </a:buClr>
-              <a:buFont typeface="Arial"/>
-              <a:buChar char="•"/>
-            </a:pPr>
-            <a:r>
-              <a:rPr b="0" lang="en-CA" sz="2400" spc="-1" strike="noStrike">
-                <a:solidFill>
-                  <a:srgbClr val="000000"/>
-                </a:solidFill>
-                <a:latin typeface="Calibri"/>
-                <a:ea typeface="DejaVu Sans"/>
-              </a:rPr>
-              <a:t>First level in which the complete application is tested as a whole. </a:t>
-            </a:r>
-            <a:endParaRPr b="0" lang="en-CA" sz="2400" spc="-1" strike="noStrike">
-              <a:latin typeface="Arial"/>
-            </a:endParaRPr>
-          </a:p>
-          <a:p>
-            <a:pPr>
-              <a:lnSpc>
-                <a:spcPct val="100000"/>
-              </a:lnSpc>
-              <a:spcBef>
-                <a:spcPts val="479"/>
-              </a:spcBef>
-            </a:pPr>
-            <a:endParaRPr b="0" lang="en-CA" sz="2400" spc="-1" strike="noStrike">
-              <a:latin typeface="Arial"/>
-            </a:endParaRPr>
-          </a:p>
-          <a:p>
-            <a:pPr marL="343080" indent="-341280">
-              <a:lnSpc>
-                <a:spcPct val="100000"/>
-              </a:lnSpc>
-              <a:spcBef>
-                <a:spcPts val="479"/>
-              </a:spcBef>
-              <a:buClr>
-                <a:srgbClr val="000000"/>
-              </a:buClr>
-              <a:buFont typeface="Arial"/>
-              <a:buChar char="•"/>
-            </a:pPr>
-            <a:r>
-              <a:rPr b="0" lang="en-CA" sz="2400" spc="-1" strike="noStrike">
-                <a:solidFill>
-                  <a:srgbClr val="000000"/>
-                </a:solidFill>
-                <a:latin typeface="Calibri"/>
-                <a:ea typeface="DejaVu Sans"/>
-              </a:rPr>
-              <a:t>The goal is to assess whether the system has complied with all of the outlined requirements and to see that it meets Quality Standards. </a:t>
-            </a:r>
-            <a:endParaRPr b="0" lang="en-CA" sz="2400" spc="-1" strike="noStrike">
-              <a:latin typeface="Arial"/>
-            </a:endParaRPr>
-          </a:p>
-          <a:p>
-            <a:pPr>
-              <a:lnSpc>
-                <a:spcPct val="100000"/>
-              </a:lnSpc>
-              <a:spcBef>
-                <a:spcPts val="479"/>
-              </a:spcBef>
-            </a:pPr>
-            <a:endParaRPr b="0" lang="en-CA" sz="2400" spc="-1" strike="noStrike">
-              <a:latin typeface="Arial"/>
-            </a:endParaRPr>
-          </a:p>
-          <a:p>
-            <a:pPr marL="343080" indent="-341280">
-              <a:lnSpc>
-                <a:spcPct val="100000"/>
-              </a:lnSpc>
-              <a:spcBef>
-                <a:spcPts val="479"/>
-              </a:spcBef>
-              <a:buClr>
-                <a:srgbClr val="000000"/>
-              </a:buClr>
-              <a:buFont typeface="Arial"/>
-              <a:buChar char="•"/>
-            </a:pPr>
-            <a:r>
-              <a:rPr b="0" lang="en-CA" sz="2400" spc="-1" strike="noStrike">
-                <a:solidFill>
-                  <a:srgbClr val="000000"/>
-                </a:solidFill>
-                <a:latin typeface="Calibri"/>
-                <a:ea typeface="DejaVu Sans"/>
-              </a:rPr>
-              <a:t>System testing is performed by independent testers who have not played a role in developing the program. This testing is performed in an environment that closely mirrors production. </a:t>
-            </a:r>
-            <a:endParaRPr b="0" lang="en-CA" sz="2400" spc="-1" strike="noStrike">
-              <a:latin typeface="Arial"/>
-            </a:endParaRPr>
-          </a:p>
-          <a:p>
-            <a:pPr>
-              <a:lnSpc>
-                <a:spcPct val="100000"/>
-              </a:lnSpc>
-              <a:spcBef>
-                <a:spcPts val="499"/>
-              </a:spcBef>
-            </a:pPr>
-            <a:endParaRPr b="0" lang="en-CA" sz="2400" spc="-1" strike="noStrike">
-              <a:latin typeface="Arial"/>
-            </a:endParaRPr>
-          </a:p>
-        </p:txBody>
-      </p:sp>
-      <p:sp>
-        <p:nvSpPr>
-          <p:cNvPr id="166" name="CustomShape 2"/>
-          <p:cNvSpPr/>
-          <p:nvPr/>
-        </p:nvSpPr>
-        <p:spPr>
-          <a:xfrm>
-            <a:off x="432000" y="0"/>
-            <a:ext cx="7450560" cy="1182600"/>
-          </a:xfrm>
-          <a:prstGeom prst="rect">
-            <a:avLst/>
-          </a:prstGeom>
-          <a:noFill/>
-          <a:ln>
-            <a:noFill/>
-          </a:ln>
-        </p:spPr>
-        <p:style>
-          <a:lnRef idx="0"/>
-          <a:fillRef idx="0"/>
-          <a:effectRef idx="0"/>
-          <a:fontRef idx="minor"/>
-        </p:style>
-        <p:txBody>
           <a:bodyPr lIns="90000" rIns="90000" tIns="45000" bIns="45000" anchor="ctr">
             <a:normAutofit/>
           </a:bodyPr>
@@ -6254,41 +6385,51 @@
               </a:lnSpc>
             </a:pPr>
             <a:r>
-              <a:rPr b="0" lang="en-CA" sz="3000" spc="-1" strike="noStrike">
+              <a:rPr b="0" lang="en-CA" sz="3000" spc="-1" strike="noStrike" cap="all">
                 <a:solidFill>
                   <a:srgbClr val="292929"/>
                 </a:solidFill>
                 <a:latin typeface="Nexa Bold"/>
                 <a:ea typeface="DejaVu Sans"/>
               </a:rPr>
-              <a:t>SYSTEM </a:t>
-            </a:r>
-            <a:r>
-              <a:rPr b="0" lang="en-CA" sz="3000" spc="-1" strike="noStrike">
+              <a:t>Source CODE Managment </a:t>
+            </a:r>
+            <a:r>
+              <a:rPr b="0" lang="en-CA" sz="3000" spc="-1" strike="noStrike" cap="all">
                 <a:solidFill>
                   <a:srgbClr val="1fa0be"/>
                 </a:solidFill>
                 <a:latin typeface="Nexa Bold"/>
                 <a:ea typeface="DejaVu Sans"/>
               </a:rPr>
-              <a:t>TESTING</a:t>
+              <a:t>GIT</a:t>
             </a:r>
             <a:endParaRPr b="0" lang="en-CA" sz="3000" spc="-1" strike="noStrike">
               <a:latin typeface="Arial"/>
             </a:endParaRPr>
           </a:p>
-        </p:txBody>
-      </p:sp>
-      <p:sp>
-        <p:nvSpPr>
-          <p:cNvPr id="167" name="CustomShape 3"/>
+          <a:p>
+            <a:pPr>
+              <a:lnSpc>
+                <a:spcPct val="100000"/>
+              </a:lnSpc>
+            </a:pPr>
+            <a:endParaRPr b="0" lang="en-CA" sz="3000" spc="-1" strike="noStrike">
+              <a:latin typeface="Arial"/>
+            </a:endParaRPr>
+          </a:p>
+        </p:txBody>
+      </p:sp>
+      <p:sp>
+        <p:nvSpPr>
+          <p:cNvPr id="171" name="CustomShape 2"/>
           <p:cNvSpPr/>
           <p:nvPr/>
         </p:nvSpPr>
         <p:spPr>
           <a:xfrm>
             <a:off x="0" y="0"/>
-            <a:ext cx="249840" cy="1194840"/>
+            <a:ext cx="246960" cy="1191960"/>
           </a:xfrm>
           <a:prstGeom prst="rect">
             <a:avLst/>
@@ -6317,7 +6458,7 @@
       </p:sp>
       <p:sp>
         <p:nvSpPr>
-          <p:cNvPr id="168" name="Line 4"/>
+          <p:cNvPr id="172" name="Line 3"/>
           <p:cNvSpPr/>
           <p:nvPr/>
         </p:nvSpPr>
@@ -6348,6 +6489,344 @@
           </a:effectRef>
           <a:fontRef idx="minor"/>
         </p:style>
+      </p:sp>
+      <p:sp>
+        <p:nvSpPr>
+          <p:cNvPr id="173" name="CustomShape 4"/>
+          <p:cNvSpPr/>
+          <p:nvPr/>
+        </p:nvSpPr>
+        <p:spPr>
+          <a:xfrm>
+            <a:off x="457200" y="273600"/>
+            <a:ext cx="8226000" cy="5304600"/>
+          </a:xfrm>
+          <a:prstGeom prst="rect">
+            <a:avLst/>
+          </a:prstGeom>
+          <a:noFill/>
+          <a:ln>
+            <a:noFill/>
+          </a:ln>
+        </p:spPr>
+        <p:style>
+          <a:lnRef idx="0"/>
+          <a:fillRef idx="0"/>
+          <a:effectRef idx="0"/>
+          <a:fontRef idx="minor"/>
+        </p:style>
+        <p:txBody>
+          <a:bodyPr lIns="0" rIns="0" tIns="0" bIns="0" anchor="ctr"/>
+          <a:p>
+            <a:pPr algn="ctr">
+              <a:lnSpc>
+                <a:spcPct val="100000"/>
+              </a:lnSpc>
+            </a:pPr>
+            <a:endParaRPr b="0" lang="en-CA" sz="1800" spc="-1" strike="noStrike">
+              <a:latin typeface="Arial"/>
+            </a:endParaRPr>
+          </a:p>
+          <a:p>
+            <a:pPr algn="ctr">
+              <a:lnSpc>
+                <a:spcPct val="100000"/>
+              </a:lnSpc>
+            </a:pPr>
+            <a:endParaRPr b="0" lang="en-CA" sz="1800" spc="-1" strike="noStrike">
+              <a:latin typeface="Arial"/>
+            </a:endParaRPr>
+          </a:p>
+        </p:txBody>
+      </p:sp>
+      <p:sp>
+        <p:nvSpPr>
+          <p:cNvPr id="174" name="CustomShape 5"/>
+          <p:cNvSpPr/>
+          <p:nvPr/>
+        </p:nvSpPr>
+        <p:spPr>
+          <a:xfrm>
+            <a:off x="576000" y="1728000"/>
+            <a:ext cx="6764760" cy="2390760"/>
+          </a:xfrm>
+          <a:prstGeom prst="rect">
+            <a:avLst/>
+          </a:prstGeom>
+          <a:noFill/>
+          <a:ln>
+            <a:noFill/>
+          </a:ln>
+        </p:spPr>
+        <p:style>
+          <a:lnRef idx="0"/>
+          <a:fillRef idx="0"/>
+          <a:effectRef idx="0"/>
+          <a:fontRef idx="minor"/>
+        </p:style>
+        <p:txBody>
+          <a:bodyPr lIns="90000" rIns="90000" tIns="45000" bIns="45000"/>
+          <a:p>
+            <a:pPr>
+              <a:lnSpc>
+                <a:spcPct val="100000"/>
+              </a:lnSpc>
+            </a:pPr>
+            <a:r>
+              <a:rPr b="1" lang="en-CA" sz="1800" spc="-1" strike="noStrike">
+                <a:solidFill>
+                  <a:srgbClr val="000000"/>
+                </a:solidFill>
+                <a:latin typeface="Arial"/>
+                <a:ea typeface="DejaVu Sans"/>
+              </a:rPr>
+              <a:t>Homework (creating and initing a repo)</a:t>
+            </a:r>
+            <a:endParaRPr b="0" lang="en-CA" sz="1800" spc="-1" strike="noStrike">
+              <a:latin typeface="Arial"/>
+            </a:endParaRPr>
+          </a:p>
+          <a:p>
+            <a:pPr>
+              <a:lnSpc>
+                <a:spcPct val="100000"/>
+              </a:lnSpc>
+            </a:pPr>
+            <a:endParaRPr b="0" lang="en-CA" sz="1800" spc="-1" strike="noStrike">
+              <a:latin typeface="Arial"/>
+            </a:endParaRPr>
+          </a:p>
+          <a:p>
+            <a:pPr>
+              <a:lnSpc>
+                <a:spcPct val="100000"/>
+              </a:lnSpc>
+            </a:pPr>
+            <a:r>
+              <a:rPr b="0" lang="en-CA" sz="1800" spc="-1" strike="noStrike">
+                <a:solidFill>
+                  <a:srgbClr val="000000"/>
+                </a:solidFill>
+                <a:latin typeface="Arial"/>
+                <a:ea typeface="DejaVu Sans"/>
+              </a:rPr>
+              <a:t>1) </a:t>
+            </a:r>
+            <a:r>
+              <a:rPr b="0" lang="en-CA" sz="1800" spc="-1" strike="noStrike">
+                <a:solidFill>
+                  <a:srgbClr val="000000"/>
+                </a:solidFill>
+                <a:latin typeface="Arial"/>
+                <a:ea typeface="DejaVu Sans"/>
+              </a:rPr>
+              <a:t>	</a:t>
+            </a:r>
+            <a:r>
+              <a:rPr b="0" lang="en-CA" sz="1800" spc="-1" strike="noStrike">
+                <a:solidFill>
+                  <a:srgbClr val="000000"/>
+                </a:solidFill>
+                <a:latin typeface="Arial"/>
+                <a:ea typeface="DejaVu Sans"/>
+              </a:rPr>
+              <a:t>Open your ubuntu virtual machine.</a:t>
+            </a:r>
+            <a:endParaRPr b="0" lang="en-CA" sz="1800" spc="-1" strike="noStrike">
+              <a:latin typeface="Arial"/>
+            </a:endParaRPr>
+          </a:p>
+          <a:p>
+            <a:pPr>
+              <a:lnSpc>
+                <a:spcPct val="100000"/>
+              </a:lnSpc>
+            </a:pPr>
+            <a:r>
+              <a:rPr b="0" lang="en-CA" sz="1800" spc="-1" strike="noStrike">
+                <a:solidFill>
+                  <a:srgbClr val="000000"/>
+                </a:solidFill>
+                <a:latin typeface="Arial"/>
+                <a:ea typeface="DejaVu Sans"/>
+              </a:rPr>
+              <a:t>2)  </a:t>
+            </a:r>
+            <a:r>
+              <a:rPr b="0" lang="en-CA" sz="1800" spc="-1" strike="noStrike">
+                <a:solidFill>
+                  <a:srgbClr val="000000"/>
+                </a:solidFill>
+                <a:latin typeface="Arial"/>
+                <a:ea typeface="DejaVu Sans"/>
+              </a:rPr>
+              <a:t>	</a:t>
+            </a:r>
+            <a:r>
+              <a:rPr b="0" lang="en-CA" sz="1800" spc="-1" strike="noStrike">
+                <a:solidFill>
+                  <a:srgbClr val="000000"/>
+                </a:solidFill>
+                <a:latin typeface="Arial"/>
+                <a:ea typeface="DejaVu Sans"/>
+              </a:rPr>
+              <a:t>create a helloworld.py application</a:t>
+            </a:r>
+            <a:endParaRPr b="0" lang="en-CA" sz="1800" spc="-1" strike="noStrike">
+              <a:latin typeface="Arial"/>
+            </a:endParaRPr>
+          </a:p>
+          <a:p>
+            <a:pPr>
+              <a:lnSpc>
+                <a:spcPct val="100000"/>
+              </a:lnSpc>
+            </a:pPr>
+            <a:r>
+              <a:rPr b="0" lang="en-CA" sz="1800" spc="-1" strike="noStrike">
+                <a:solidFill>
+                  <a:srgbClr val="000000"/>
+                </a:solidFill>
+                <a:latin typeface="Arial"/>
+                <a:ea typeface="DejaVu Sans"/>
+              </a:rPr>
+              <a:t>3) </a:t>
+            </a:r>
+            <a:r>
+              <a:rPr b="0" lang="en-CA" sz="1800" spc="-1" strike="noStrike">
+                <a:solidFill>
+                  <a:srgbClr val="000000"/>
+                </a:solidFill>
+                <a:latin typeface="Arial"/>
+                <a:ea typeface="DejaVu Sans"/>
+              </a:rPr>
+              <a:t>	</a:t>
+            </a:r>
+            <a:r>
+              <a:rPr b="0" lang="en-CA" sz="1800" spc="-1" strike="noStrike">
+                <a:solidFill>
+                  <a:srgbClr val="000000"/>
+                </a:solidFill>
+                <a:latin typeface="Arial"/>
+                <a:ea typeface="DejaVu Sans"/>
+              </a:rPr>
+              <a:t>create the steps required to create your repo on github.com</a:t>
+            </a:r>
+            <a:endParaRPr b="0" lang="en-CA" sz="1800" spc="-1" strike="noStrike">
+              <a:latin typeface="Arial"/>
+            </a:endParaRPr>
+          </a:p>
+          <a:p>
+            <a:pPr>
+              <a:lnSpc>
+                <a:spcPct val="100000"/>
+              </a:lnSpc>
+            </a:pPr>
+            <a:r>
+              <a:rPr b="0" lang="en-CA" sz="1800" spc="-1" strike="noStrike">
+                <a:solidFill>
+                  <a:srgbClr val="000000"/>
+                </a:solidFill>
+                <a:latin typeface="Arial"/>
+                <a:ea typeface="DejaVu Sans"/>
+              </a:rPr>
+              <a:t>4)</a:t>
+            </a:r>
+            <a:r>
+              <a:rPr b="0" lang="en-CA" sz="1800" spc="-1" strike="noStrike">
+                <a:solidFill>
+                  <a:srgbClr val="000000"/>
+                </a:solidFill>
+                <a:latin typeface="Arial"/>
+                <a:ea typeface="DejaVu Sans"/>
+              </a:rPr>
+              <a:t>	</a:t>
+            </a:r>
+            <a:r>
+              <a:rPr b="0" lang="en-CA" sz="1800" spc="-1" strike="noStrike">
+                <a:solidFill>
+                  <a:srgbClr val="000000"/>
+                </a:solidFill>
+                <a:latin typeface="Arial"/>
+                <a:ea typeface="DejaVu Sans"/>
+              </a:rPr>
+              <a:t>setup your helloworld.py app under source control.</a:t>
+            </a:r>
+            <a:endParaRPr b="0" lang="en-CA" sz="1800" spc="-1" strike="noStrike">
+              <a:latin typeface="Arial"/>
+            </a:endParaRPr>
+          </a:p>
+          <a:p>
+            <a:pPr>
+              <a:lnSpc>
+                <a:spcPct val="100000"/>
+              </a:lnSpc>
+            </a:pPr>
+            <a:r>
+              <a:rPr b="0" lang="en-CA" sz="1800" spc="-1" strike="noStrike">
+                <a:solidFill>
+                  <a:srgbClr val="000000"/>
+                </a:solidFill>
+                <a:latin typeface="Arial"/>
+                <a:ea typeface="DejaVu Sans"/>
+              </a:rPr>
+              <a:t>5)</a:t>
+            </a:r>
+            <a:r>
+              <a:rPr b="0" lang="en-CA" sz="1800" spc="-1" strike="noStrike">
+                <a:solidFill>
+                  <a:srgbClr val="000000"/>
+                </a:solidFill>
+                <a:latin typeface="Arial"/>
+                <a:ea typeface="DejaVu Sans"/>
+              </a:rPr>
+              <a:t>	</a:t>
+            </a:r>
+            <a:r>
+              <a:rPr b="0" lang="en-CA" sz="1800" spc="-1" strike="noStrike">
+                <a:solidFill>
+                  <a:srgbClr val="000000"/>
+                </a:solidFill>
+                <a:latin typeface="Arial"/>
+                <a:ea typeface="DejaVu Sans"/>
+              </a:rPr>
+              <a:t>push your app up to your own rep.</a:t>
+            </a:r>
+            <a:endParaRPr b="0" lang="en-CA" sz="1800" spc="-1" strike="noStrike">
+              <a:latin typeface="Arial"/>
+            </a:endParaRPr>
+          </a:p>
+          <a:p>
+            <a:pPr>
+              <a:lnSpc>
+                <a:spcPct val="100000"/>
+              </a:lnSpc>
+            </a:pPr>
+            <a:endParaRPr b="0" lang="en-CA" sz="1800" spc="-1" strike="noStrike">
+              <a:latin typeface="Arial"/>
+            </a:endParaRPr>
+          </a:p>
+          <a:p>
+            <a:pPr>
+              <a:lnSpc>
+                <a:spcPct val="100000"/>
+              </a:lnSpc>
+            </a:pPr>
+            <a:endParaRPr b="0" lang="en-CA" sz="1800" spc="-1" strike="noStrike">
+              <a:latin typeface="Arial"/>
+            </a:endParaRPr>
+          </a:p>
+          <a:p>
+            <a:pPr>
+              <a:lnSpc>
+                <a:spcPct val="100000"/>
+              </a:lnSpc>
+            </a:pPr>
+            <a:endParaRPr b="0" lang="en-CA" sz="1800" spc="-1" strike="noStrike">
+              <a:latin typeface="Arial"/>
+            </a:endParaRPr>
+          </a:p>
+        </p:txBody>
       </p:sp>
     </p:spTree>
   </p:cSld>
@@ -6407,14 +6886,14 @@
       </p:grpSpPr>
       <p:sp>
         <p:nvSpPr>
-          <p:cNvPr id="169" name="CustomShape 1"/>
+          <p:cNvPr id="175" name="CustomShape 1"/>
           <p:cNvSpPr/>
           <p:nvPr/>
         </p:nvSpPr>
         <p:spPr>
           <a:xfrm>
-            <a:off x="432000" y="1484640"/>
-            <a:ext cx="8278200" cy="5218200"/>
+            <a:off x="432000" y="13680"/>
+            <a:ext cx="7447680" cy="1179720"/>
           </a:xfrm>
           <a:prstGeom prst="rect">
             <a:avLst/>
@@ -6431,201 +6910,6 @@
           <a:fontRef idx="minor"/>
         </p:style>
         <p:txBody>
-          <a:bodyPr lIns="90000" rIns="90000" tIns="45000" bIns="45000">
-            <a:normAutofit/>
-          </a:bodyPr>
-          <a:p>
-            <a:pPr>
-              <a:lnSpc>
-                <a:spcPct val="100000"/>
-              </a:lnSpc>
-              <a:spcBef>
-                <a:spcPts val="479"/>
-              </a:spcBef>
-            </a:pPr>
-            <a:endParaRPr b="0" lang="en-CA" sz="1800" spc="-1" strike="noStrike">
-              <a:latin typeface="Arial"/>
-            </a:endParaRPr>
-          </a:p>
-          <a:p>
-            <a:pPr marL="343080" indent="-341280">
-              <a:lnSpc>
-                <a:spcPct val="100000"/>
-              </a:lnSpc>
-              <a:spcBef>
-                <a:spcPts val="479"/>
-              </a:spcBef>
-              <a:buClr>
-                <a:srgbClr val="000000"/>
-              </a:buClr>
-              <a:buFont typeface="Arial"/>
-              <a:buChar char="•"/>
-            </a:pPr>
-            <a:r>
-              <a:rPr b="0" lang="en-CA" sz="2400" spc="-1" strike="noStrike">
-                <a:solidFill>
-                  <a:srgbClr val="000000"/>
-                </a:solidFill>
-                <a:latin typeface="Calibri"/>
-                <a:ea typeface="DejaVu Sans"/>
-              </a:rPr>
-              <a:t>It is conducted to determine whether the system is ready for release. </a:t>
-            </a:r>
-            <a:endParaRPr b="0" lang="en-CA" sz="2400" spc="-1" strike="noStrike">
-              <a:latin typeface="Arial"/>
-            </a:endParaRPr>
-          </a:p>
-          <a:p>
-            <a:pPr>
-              <a:lnSpc>
-                <a:spcPct val="100000"/>
-              </a:lnSpc>
-              <a:spcBef>
-                <a:spcPts val="479"/>
-              </a:spcBef>
-            </a:pPr>
-            <a:endParaRPr b="0" lang="en-CA" sz="2400" spc="-1" strike="noStrike">
-              <a:latin typeface="Arial"/>
-            </a:endParaRPr>
-          </a:p>
-          <a:p>
-            <a:pPr marL="343080" indent="-341280">
-              <a:lnSpc>
-                <a:spcPct val="100000"/>
-              </a:lnSpc>
-              <a:spcBef>
-                <a:spcPts val="479"/>
-              </a:spcBef>
-              <a:buClr>
-                <a:srgbClr val="000000"/>
-              </a:buClr>
-              <a:buFont typeface="Arial"/>
-              <a:buChar char="•"/>
-            </a:pPr>
-            <a:r>
-              <a:rPr b="0" lang="en-CA" sz="2400" spc="-1" strike="noStrike">
-                <a:solidFill>
-                  <a:srgbClr val="000000"/>
-                </a:solidFill>
-                <a:latin typeface="Calibri"/>
-                <a:ea typeface="DejaVu Sans"/>
-              </a:rPr>
-              <a:t>During this final phase, the user will test the system to find out if the application meets its business' needs. </a:t>
-            </a:r>
-            <a:endParaRPr b="0" lang="en-CA" sz="2400" spc="-1" strike="noStrike">
-              <a:latin typeface="Arial"/>
-            </a:endParaRPr>
-          </a:p>
-          <a:p>
-            <a:pPr>
-              <a:lnSpc>
-                <a:spcPct val="100000"/>
-              </a:lnSpc>
-              <a:spcBef>
-                <a:spcPts val="479"/>
-              </a:spcBef>
-            </a:pPr>
-            <a:endParaRPr b="0" lang="en-CA" sz="2400" spc="-1" strike="noStrike">
-              <a:latin typeface="Arial"/>
-            </a:endParaRPr>
-          </a:p>
-          <a:p>
-            <a:pPr marL="343080" indent="-341280">
-              <a:lnSpc>
-                <a:spcPct val="100000"/>
-              </a:lnSpc>
-              <a:spcBef>
-                <a:spcPts val="479"/>
-              </a:spcBef>
-              <a:buClr>
-                <a:srgbClr val="000000"/>
-              </a:buClr>
-              <a:buFont typeface="Arial"/>
-              <a:buChar char="•"/>
-            </a:pPr>
-            <a:r>
-              <a:rPr b="0" lang="en-CA" sz="2400" spc="-1" strike="noStrike">
-                <a:solidFill>
-                  <a:srgbClr val="000000"/>
-                </a:solidFill>
-                <a:latin typeface="Calibri"/>
-                <a:ea typeface="DejaVu Sans"/>
-              </a:rPr>
-              <a:t>Tests are described in plain English and ensures the software, as a whole, is feature complete.</a:t>
-            </a:r>
-            <a:endParaRPr b="0" lang="en-CA" sz="2400" spc="-1" strike="noStrike">
-              <a:latin typeface="Arial"/>
-            </a:endParaRPr>
-          </a:p>
-          <a:p>
-            <a:pPr>
-              <a:lnSpc>
-                <a:spcPct val="100000"/>
-              </a:lnSpc>
-              <a:spcBef>
-                <a:spcPts val="479"/>
-              </a:spcBef>
-            </a:pPr>
-            <a:endParaRPr b="0" lang="en-CA" sz="2400" spc="-1" strike="noStrike">
-              <a:latin typeface="Arial"/>
-            </a:endParaRPr>
-          </a:p>
-          <a:p>
-            <a:pPr marL="343080" indent="-341280">
-              <a:lnSpc>
-                <a:spcPct val="100000"/>
-              </a:lnSpc>
-              <a:spcBef>
-                <a:spcPts val="479"/>
-              </a:spcBef>
-              <a:buClr>
-                <a:srgbClr val="000000"/>
-              </a:buClr>
-              <a:buFont typeface="Arial"/>
-              <a:buChar char="•"/>
-            </a:pPr>
-            <a:r>
-              <a:rPr b="0" lang="en-CA" sz="2400" spc="-1" strike="noStrike">
-                <a:solidFill>
-                  <a:srgbClr val="000000"/>
-                </a:solidFill>
-                <a:latin typeface="Calibri"/>
-                <a:ea typeface="DejaVu Sans"/>
-              </a:rPr>
-              <a:t>Once this process has been completed and the software has passed, the program will then be delivered to production.</a:t>
-            </a:r>
-            <a:endParaRPr b="0" lang="en-CA" sz="2400" spc="-1" strike="noStrike">
-              <a:latin typeface="Arial"/>
-            </a:endParaRPr>
-          </a:p>
-        </p:txBody>
-      </p:sp>
-      <p:sp>
-        <p:nvSpPr>
-          <p:cNvPr id="170" name="CustomShape 2"/>
-          <p:cNvSpPr/>
-          <p:nvPr/>
-        </p:nvSpPr>
-        <p:spPr>
-          <a:xfrm>
-            <a:off x="432000" y="0"/>
-            <a:ext cx="7450560" cy="1182600"/>
-          </a:xfrm>
-          <a:prstGeom prst="rect">
-            <a:avLst/>
-          </a:prstGeom>
-          <a:noFill/>
-          <a:ln>
-            <a:noFill/>
-          </a:ln>
-        </p:spPr>
-        <p:style>
-          <a:lnRef idx="0"/>
-          <a:fillRef idx="0"/>
-          <a:effectRef idx="0"/>
-          <a:fontRef idx="minor"/>
-        </p:style>
-        <p:txBody>
           <a:bodyPr lIns="90000" rIns="90000" tIns="45000" bIns="45000" anchor="ctr">
             <a:normAutofit/>
           </a:bodyPr>
@@ -6636,41 +6920,41 @@
               </a:lnSpc>
             </a:pPr>
             <a:r>
-              <a:rPr b="0" lang="en-CA" sz="3000" spc="-1" strike="noStrike">
+              <a:rPr b="0" lang="en-CA" sz="3000" spc="-1" strike="noStrike" cap="all">
                 <a:solidFill>
                   <a:srgbClr val="292929"/>
                 </a:solidFill>
                 <a:latin typeface="Nexa Bold"/>
                 <a:ea typeface="DejaVu Sans"/>
               </a:rPr>
-              <a:t>ACCEPTANCE </a:t>
-            </a:r>
-            <a:r>
-              <a:rPr b="0" lang="en-CA" sz="3000" spc="-1" strike="noStrike">
-                <a:solidFill>
-                  <a:srgbClr val="1fa0be"/>
-                </a:solidFill>
-                <a:latin typeface="Nexa Bold"/>
-                <a:ea typeface="DejaVu Sans"/>
-              </a:rPr>
-              <a:t>TESTING</a:t>
+              <a:t>Cloud Computing</a:t>
             </a:r>
             <a:endParaRPr b="0" lang="en-CA" sz="3000" spc="-1" strike="noStrike">
               <a:latin typeface="Arial"/>
             </a:endParaRPr>
           </a:p>
-        </p:txBody>
-      </p:sp>
-      <p:sp>
-        <p:nvSpPr>
-          <p:cNvPr id="171" name="CustomShape 3"/>
+          <a:p>
+            <a:pPr>
+              <a:lnSpc>
+                <a:spcPct val="100000"/>
+              </a:lnSpc>
+            </a:pPr>
+            <a:endParaRPr b="0" lang="en-CA" sz="3000" spc="-1" strike="noStrike">
+              <a:latin typeface="Arial"/>
+            </a:endParaRPr>
+          </a:p>
+        </p:txBody>
+      </p:sp>
+      <p:sp>
+        <p:nvSpPr>
+          <p:cNvPr id="176" name="CustomShape 2"/>
           <p:cNvSpPr/>
           <p:nvPr/>
         </p:nvSpPr>
         <p:spPr>
           <a:xfrm>
             <a:off x="0" y="0"/>
-            <a:ext cx="249840" cy="1194840"/>
+            <a:ext cx="246960" cy="1191960"/>
           </a:xfrm>
           <a:prstGeom prst="rect">
             <a:avLst/>
@@ -6699,7 +6983,7 @@
       </p:sp>
       <p:sp>
         <p:nvSpPr>
-          <p:cNvPr id="172" name="Line 4"/>
+          <p:cNvPr id="177" name="Line 3"/>
           <p:cNvSpPr/>
           <p:nvPr/>
         </p:nvSpPr>
@@ -6730,6 +7014,309 @@
           </a:effectRef>
           <a:fontRef idx="minor"/>
         </p:style>
+      </p:sp>
+      <p:sp>
+        <p:nvSpPr>
+          <p:cNvPr id="178" name="CustomShape 4"/>
+          <p:cNvSpPr/>
+          <p:nvPr/>
+        </p:nvSpPr>
+        <p:spPr>
+          <a:xfrm>
+            <a:off x="457200" y="273600"/>
+            <a:ext cx="8226000" cy="5304600"/>
+          </a:xfrm>
+          <a:prstGeom prst="rect">
+            <a:avLst/>
+          </a:prstGeom>
+          <a:noFill/>
+          <a:ln>
+            <a:noFill/>
+          </a:ln>
+        </p:spPr>
+        <p:style>
+          <a:lnRef idx="0"/>
+          <a:fillRef idx="0"/>
+          <a:effectRef idx="0"/>
+          <a:fontRef idx="minor"/>
+        </p:style>
+        <p:txBody>
+          <a:bodyPr lIns="0" rIns="0" tIns="0" bIns="0" anchor="ctr"/>
+          <a:p>
+            <a:pPr algn="ctr">
+              <a:lnSpc>
+                <a:spcPct val="100000"/>
+              </a:lnSpc>
+            </a:pPr>
+            <a:endParaRPr b="0" lang="en-CA" sz="1800" spc="-1" strike="noStrike">
+              <a:latin typeface="Arial"/>
+            </a:endParaRPr>
+          </a:p>
+          <a:p>
+            <a:pPr algn="ctr">
+              <a:lnSpc>
+                <a:spcPct val="100000"/>
+              </a:lnSpc>
+            </a:pPr>
+            <a:endParaRPr b="0" lang="en-CA" sz="1800" spc="-1" strike="noStrike">
+              <a:latin typeface="Arial"/>
+            </a:endParaRPr>
+          </a:p>
+        </p:txBody>
+      </p:sp>
+      <p:sp>
+        <p:nvSpPr>
+          <p:cNvPr id="179" name="CustomShape 5"/>
+          <p:cNvSpPr/>
+          <p:nvPr/>
+        </p:nvSpPr>
+        <p:spPr>
+          <a:xfrm>
+            <a:off x="576000" y="1728000"/>
+            <a:ext cx="6764760" cy="2390760"/>
+          </a:xfrm>
+          <a:prstGeom prst="rect">
+            <a:avLst/>
+          </a:prstGeom>
+          <a:noFill/>
+          <a:ln>
+            <a:noFill/>
+          </a:ln>
+        </p:spPr>
+        <p:style>
+          <a:lnRef idx="0"/>
+          <a:fillRef idx="0"/>
+          <a:effectRef idx="0"/>
+          <a:fontRef idx="minor"/>
+        </p:style>
+        <p:txBody>
+          <a:bodyPr lIns="90000" rIns="90000" tIns="45000" bIns="45000"/>
+          <a:p>
+            <a:pPr>
+              <a:lnSpc>
+                <a:spcPct val="100000"/>
+              </a:lnSpc>
+            </a:pPr>
+            <a:r>
+              <a:rPr b="0" lang="en-CA" sz="1800" spc="-1" strike="noStrike">
+                <a:solidFill>
+                  <a:srgbClr val="000000"/>
+                </a:solidFill>
+                <a:latin typeface="Arial"/>
+                <a:ea typeface="DejaVu Sans"/>
+              </a:rPr>
+              <a:t>Cloud Computing is the latest trend in software delivery.  We will start with that cloud computing is and why we use it.</a:t>
+            </a:r>
+            <a:endParaRPr b="0" lang="en-CA" sz="1800" spc="-1" strike="noStrike">
+              <a:latin typeface="Arial"/>
+            </a:endParaRPr>
+          </a:p>
+          <a:p>
+            <a:pPr>
+              <a:lnSpc>
+                <a:spcPct val="100000"/>
+              </a:lnSpc>
+            </a:pPr>
+            <a:endParaRPr b="0" lang="en-CA" sz="1800" spc="-1" strike="noStrike">
+              <a:latin typeface="Arial"/>
+            </a:endParaRPr>
+          </a:p>
+          <a:p>
+            <a:pPr>
+              <a:lnSpc>
+                <a:spcPct val="100000"/>
+              </a:lnSpc>
+            </a:pPr>
+            <a:r>
+              <a:rPr b="1" lang="en-CA" sz="1800" spc="-1" strike="noStrike">
+                <a:solidFill>
+                  <a:srgbClr val="000000"/>
+                </a:solidFill>
+                <a:latin typeface="Arial"/>
+                <a:ea typeface="DejaVu Sans"/>
+              </a:rPr>
+              <a:t>What is cloud computing:</a:t>
+            </a:r>
+            <a:endParaRPr b="0" lang="en-CA" sz="1800" spc="-1" strike="noStrike">
+              <a:latin typeface="Arial"/>
+            </a:endParaRPr>
+          </a:p>
+          <a:p>
+            <a:pPr>
+              <a:lnSpc>
+                <a:spcPct val="100000"/>
+              </a:lnSpc>
+            </a:pPr>
+            <a:r>
+              <a:rPr b="0" lang="en-CA" sz="1800" spc="-1" strike="noStrike">
+                <a:solidFill>
+                  <a:srgbClr val="000000"/>
+                </a:solidFill>
+                <a:latin typeface="Arial"/>
+                <a:ea typeface="DejaVu Sans"/>
+              </a:rPr>
+              <a:t>Before cloud computing, all of our software ran on infrastructure that was hardware based.  That means, server racks, network devices and a lot of other hardware that existed in a physical location you could access and handle manually.</a:t>
+            </a:r>
+            <a:endParaRPr b="0" lang="en-CA" sz="1800" spc="-1" strike="noStrike">
+              <a:latin typeface="Arial"/>
+            </a:endParaRPr>
+          </a:p>
+          <a:p>
+            <a:pPr>
+              <a:lnSpc>
+                <a:spcPct val="100000"/>
+              </a:lnSpc>
+            </a:pPr>
+            <a:endParaRPr b="0" lang="en-CA" sz="1800" spc="-1" strike="noStrike">
+              <a:latin typeface="Arial"/>
+            </a:endParaRPr>
+          </a:p>
+          <a:p>
+            <a:pPr>
+              <a:lnSpc>
+                <a:spcPct val="100000"/>
+              </a:lnSpc>
+            </a:pPr>
+            <a:r>
+              <a:rPr b="0" lang="en-CA" sz="1800" spc="-1" strike="noStrike">
+                <a:solidFill>
+                  <a:srgbClr val="000000"/>
+                </a:solidFill>
+                <a:latin typeface="Arial"/>
+                <a:ea typeface="DejaVu Sans"/>
+              </a:rPr>
+              <a:t>Cloud computing takes this hardware and pushes it outside of your physical control. Specifically, all the hardware is in the “cloud” and you are able to provision, scale and administer from a web console.</a:t>
+            </a:r>
+            <a:endParaRPr b="0" lang="en-CA" sz="1800" spc="-1" strike="noStrike">
+              <a:latin typeface="Arial"/>
+            </a:endParaRPr>
+          </a:p>
+          <a:p>
+            <a:pPr>
+              <a:lnSpc>
+                <a:spcPct val="100000"/>
+              </a:lnSpc>
+            </a:pPr>
+            <a:endParaRPr b="0" lang="en-CA" sz="1800" spc="-1" strike="noStrike">
+              <a:latin typeface="Arial"/>
+            </a:endParaRPr>
+          </a:p>
+          <a:p>
+            <a:pPr>
+              <a:lnSpc>
+                <a:spcPct val="100000"/>
+              </a:lnSpc>
+            </a:pPr>
+            <a:r>
+              <a:rPr b="0" lang="en-CA" sz="1800" spc="-1" strike="noStrike">
+                <a:solidFill>
+                  <a:srgbClr val="000000"/>
+                </a:solidFill>
+                <a:latin typeface="Arial"/>
+                <a:ea typeface="DejaVu Sans"/>
+              </a:rPr>
+              <a:t>ie) </a:t>
+            </a:r>
+            <a:r>
+              <a:rPr b="0" lang="en-CA" sz="1800" spc="-1" strike="noStrike">
+                <a:solidFill>
+                  <a:srgbClr val="000000"/>
+                </a:solidFill>
+                <a:latin typeface="Arial"/>
+                <a:ea typeface="DejaVu Sans"/>
+              </a:rPr>
+              <a:t>	</a:t>
+            </a:r>
+            <a:r>
+              <a:rPr b="0" lang="en-CA" sz="1800" spc="-1" strike="noStrike" u="sng">
+                <a:solidFill>
+                  <a:srgbClr val="0000ff"/>
+                </a:solidFill>
+                <a:uFillTx/>
+                <a:latin typeface="Arial"/>
+                <a:ea typeface="DejaVu Sans"/>
+                <a:hlinkClick r:id="rId1"/>
+              </a:rPr>
+              <a:t>https://aws.amazon.com/</a:t>
+            </a:r>
+            <a:endParaRPr b="0" lang="en-CA" sz="1800" spc="-1" strike="noStrike">
+              <a:latin typeface="Arial"/>
+            </a:endParaRPr>
+          </a:p>
+          <a:p>
+            <a:pPr>
+              <a:lnSpc>
+                <a:spcPct val="100000"/>
+              </a:lnSpc>
+            </a:pPr>
+            <a:r>
+              <a:rPr b="0" lang="en-CA" sz="1800" spc="-1" strike="noStrike">
+                <a:solidFill>
+                  <a:srgbClr val="000000"/>
+                </a:solidFill>
+                <a:latin typeface="Arial"/>
+                <a:ea typeface="DejaVu Sans"/>
+              </a:rPr>
+              <a:t>	</a:t>
+            </a:r>
+            <a:r>
+              <a:rPr b="0" lang="en-CA" sz="1800" spc="-1" strike="noStrike" u="sng">
+                <a:solidFill>
+                  <a:srgbClr val="0000ff"/>
+                </a:solidFill>
+                <a:uFillTx/>
+                <a:latin typeface="Arial"/>
+                <a:ea typeface="DejaVu Sans"/>
+                <a:hlinkClick r:id="rId2"/>
+              </a:rPr>
+              <a:t> http://azure.microsoft.com/en-ca/</a:t>
+            </a:r>
+            <a:endParaRPr b="0" lang="en-CA" sz="1800" spc="-1" strike="noStrike">
+              <a:latin typeface="Arial"/>
+            </a:endParaRPr>
+          </a:p>
+          <a:p>
+            <a:pPr>
+              <a:lnSpc>
+                <a:spcPct val="100000"/>
+              </a:lnSpc>
+            </a:pPr>
+            <a:r>
+              <a:rPr b="0" lang="en-CA" sz="1800" spc="-1" strike="noStrike">
+                <a:solidFill>
+                  <a:srgbClr val="000000"/>
+                </a:solidFill>
+                <a:latin typeface="Arial"/>
+                <a:ea typeface="DejaVu Sans"/>
+              </a:rPr>
+              <a:t>	</a:t>
+            </a:r>
+            <a:r>
+              <a:rPr b="0" lang="en-CA" sz="1800" spc="-1" strike="noStrike">
+                <a:solidFill>
+                  <a:srgbClr val="000000"/>
+                </a:solidFill>
+                <a:latin typeface="Arial"/>
+                <a:ea typeface="DejaVu Sans"/>
+              </a:rPr>
+              <a:t>  </a:t>
+            </a:r>
+            <a:endParaRPr b="0" lang="en-CA" sz="1800" spc="-1" strike="noStrike">
+              <a:latin typeface="Arial"/>
+            </a:endParaRPr>
+          </a:p>
+          <a:p>
+            <a:pPr>
+              <a:lnSpc>
+                <a:spcPct val="100000"/>
+              </a:lnSpc>
+            </a:pPr>
+            <a:br/>
+            <a:endParaRPr b="0" lang="en-CA" sz="1800" spc="-1" strike="noStrike">
+              <a:latin typeface="Arial"/>
+            </a:endParaRPr>
+          </a:p>
+        </p:txBody>
       </p:sp>
     </p:spTree>
   </p:cSld>
@@ -6789,14 +7376,14 @@
       </p:grpSpPr>
       <p:sp>
         <p:nvSpPr>
-          <p:cNvPr id="173" name="CustomShape 1"/>
+          <p:cNvPr id="180" name="CustomShape 1"/>
           <p:cNvSpPr/>
           <p:nvPr/>
         </p:nvSpPr>
         <p:spPr>
           <a:xfrm>
-            <a:off x="432000" y="1484640"/>
-            <a:ext cx="8278200" cy="5218200"/>
+            <a:off x="432000" y="13680"/>
+            <a:ext cx="7447680" cy="1179720"/>
           </a:xfrm>
           <a:prstGeom prst="rect">
             <a:avLst/>
@@ -6813,175 +7400,6 @@
           <a:fontRef idx="minor"/>
         </p:style>
         <p:txBody>
-          <a:bodyPr lIns="90000" rIns="90000" tIns="45000" bIns="45000">
-            <a:normAutofit/>
-          </a:bodyPr>
-          <a:p>
-            <a:pPr>
-              <a:lnSpc>
-                <a:spcPct val="100000"/>
-              </a:lnSpc>
-              <a:spcBef>
-                <a:spcPts val="479"/>
-              </a:spcBef>
-            </a:pPr>
-            <a:endParaRPr b="0" lang="en-CA" sz="1800" spc="-1" strike="noStrike">
-              <a:latin typeface="Arial"/>
-            </a:endParaRPr>
-          </a:p>
-          <a:p>
-            <a:pPr marL="343080" indent="-341280">
-              <a:lnSpc>
-                <a:spcPct val="100000"/>
-              </a:lnSpc>
-              <a:spcBef>
-                <a:spcPts val="479"/>
-              </a:spcBef>
-              <a:buClr>
-                <a:srgbClr val="000000"/>
-              </a:buClr>
-              <a:buFont typeface="Arial"/>
-              <a:buChar char="•"/>
-            </a:pPr>
-            <a:r>
-              <a:rPr b="0" lang="en-CA" sz="2400" spc="-1" strike="noStrike">
-                <a:solidFill>
-                  <a:srgbClr val="000000"/>
-                </a:solidFill>
-                <a:latin typeface="Calibri"/>
-                <a:ea typeface="DejaVu Sans"/>
-              </a:rPr>
-              <a:t>Error is deviation from actual and expected value. It represents mistake made by people.</a:t>
-            </a:r>
-            <a:endParaRPr b="0" lang="en-CA" sz="2400" spc="-1" strike="noStrike">
-              <a:latin typeface="Arial"/>
-            </a:endParaRPr>
-          </a:p>
-          <a:p>
-            <a:pPr marL="343080" indent="-341280">
-              <a:lnSpc>
-                <a:spcPct val="100000"/>
-              </a:lnSpc>
-              <a:spcBef>
-                <a:spcPts val="479"/>
-              </a:spcBef>
-              <a:buClr>
-                <a:srgbClr val="000000"/>
-              </a:buClr>
-              <a:buFont typeface="Arial"/>
-              <a:buChar char="•"/>
-            </a:pPr>
-            <a:r>
-              <a:rPr b="0" lang="en-CA" sz="2400" spc="-1" strike="noStrike">
-                <a:solidFill>
-                  <a:srgbClr val="000000"/>
-                </a:solidFill>
-                <a:latin typeface="Calibri"/>
-                <a:ea typeface="DejaVu Sans"/>
-              </a:rPr>
-              <a:t>Fault is incorrect step, process or data definition in a computer program which causes the program to behave in an unintended or unanticipated manner. It is the result of the error.</a:t>
-            </a:r>
-            <a:endParaRPr b="0" lang="en-CA" sz="2400" spc="-1" strike="noStrike">
-              <a:latin typeface="Arial"/>
-            </a:endParaRPr>
-          </a:p>
-          <a:p>
-            <a:pPr marL="343080" indent="-341280">
-              <a:lnSpc>
-                <a:spcPct val="100000"/>
-              </a:lnSpc>
-              <a:spcBef>
-                <a:spcPts val="479"/>
-              </a:spcBef>
-              <a:buClr>
-                <a:srgbClr val="000000"/>
-              </a:buClr>
-              <a:buFont typeface="Arial"/>
-              <a:buChar char="•"/>
-            </a:pPr>
-            <a:r>
-              <a:rPr b="0" lang="en-CA" sz="2400" spc="-1" strike="noStrike">
-                <a:solidFill>
-                  <a:srgbClr val="000000"/>
-                </a:solidFill>
-                <a:latin typeface="Calibri"/>
-                <a:ea typeface="DejaVu Sans"/>
-              </a:rPr>
-              <a:t>Failure is the inability of a system or a component to perform its required functions within specified performance requirements. Failure occurs when fault executes.</a:t>
-            </a:r>
-            <a:endParaRPr b="0" lang="en-CA" sz="2400" spc="-1" strike="noStrike">
-              <a:latin typeface="Arial"/>
-            </a:endParaRPr>
-          </a:p>
-          <a:p>
-            <a:pPr marL="343080" indent="-341280">
-              <a:lnSpc>
-                <a:spcPct val="100000"/>
-              </a:lnSpc>
-              <a:spcBef>
-                <a:spcPts val="479"/>
-              </a:spcBef>
-              <a:buClr>
-                <a:srgbClr val="000000"/>
-              </a:buClr>
-              <a:buFont typeface="Arial"/>
-              <a:buChar char="•"/>
-            </a:pPr>
-            <a:r>
-              <a:rPr b="0" lang="en-CA" sz="2400" spc="-1" strike="noStrike">
-                <a:solidFill>
-                  <a:srgbClr val="000000"/>
-                </a:solidFill>
-                <a:latin typeface="Calibri"/>
-                <a:ea typeface="DejaVu Sans"/>
-              </a:rPr>
-              <a:t>A defect is an error in coding or logic that causes a program to malfunction or to produce incorrect/unexpected results. A defect is said to be detected when a failure is observed.</a:t>
-            </a:r>
-            <a:endParaRPr b="0" lang="en-CA" sz="2400" spc="-1" strike="noStrike">
-              <a:latin typeface="Arial"/>
-            </a:endParaRPr>
-          </a:p>
-          <a:p>
-            <a:pPr>
-              <a:lnSpc>
-                <a:spcPct val="100000"/>
-              </a:lnSpc>
-              <a:spcBef>
-                <a:spcPts val="499"/>
-              </a:spcBef>
-            </a:pPr>
-            <a:endParaRPr b="0" lang="en-CA" sz="2400" spc="-1" strike="noStrike">
-              <a:latin typeface="Arial"/>
-            </a:endParaRPr>
-          </a:p>
-        </p:txBody>
-      </p:sp>
-      <p:sp>
-        <p:nvSpPr>
-          <p:cNvPr id="174" name="CustomShape 2"/>
-          <p:cNvSpPr/>
-          <p:nvPr/>
-        </p:nvSpPr>
-        <p:spPr>
-          <a:xfrm>
-            <a:off x="432000" y="0"/>
-            <a:ext cx="8710200" cy="1182600"/>
-          </a:xfrm>
-          <a:prstGeom prst="rect">
-            <a:avLst/>
-          </a:prstGeom>
-          <a:noFill/>
-          <a:ln>
-            <a:noFill/>
-          </a:ln>
-        </p:spPr>
-        <p:style>
-          <a:lnRef idx="0"/>
-          <a:fillRef idx="0"/>
-          <a:effectRef idx="0"/>
-          <a:fontRef idx="minor"/>
-        </p:style>
-        <p:txBody>
           <a:bodyPr lIns="90000" rIns="90000" tIns="45000" bIns="45000" anchor="ctr">
             <a:normAutofit/>
           </a:bodyPr>
@@ -6992,41 +7410,41 @@
               </a:lnSpc>
             </a:pPr>
             <a:r>
-              <a:rPr b="0" lang="en-CA" sz="3000" spc="-1" strike="noStrike">
+              <a:rPr b="0" lang="en-CA" sz="3000" spc="-1" strike="noStrike" cap="all">
                 <a:solidFill>
                   <a:srgbClr val="292929"/>
                 </a:solidFill>
                 <a:latin typeface="Nexa Bold"/>
                 <a:ea typeface="DejaVu Sans"/>
               </a:rPr>
-              <a:t>DEFECTS, FAULTS, ERRORS, &amp; </a:t>
-            </a:r>
-            <a:r>
-              <a:rPr b="0" lang="en-CA" sz="3000" spc="-1" strike="noStrike">
-                <a:solidFill>
-                  <a:srgbClr val="1fa0be"/>
-                </a:solidFill>
-                <a:latin typeface="Nexa Bold"/>
-                <a:ea typeface="DejaVu Sans"/>
-              </a:rPr>
-              <a:t>FAILURES</a:t>
+              <a:t>Cloud Computing</a:t>
             </a:r>
             <a:endParaRPr b="0" lang="en-CA" sz="3000" spc="-1" strike="noStrike">
               <a:latin typeface="Arial"/>
             </a:endParaRPr>
           </a:p>
-        </p:txBody>
-      </p:sp>
-      <p:sp>
-        <p:nvSpPr>
-          <p:cNvPr id="175" name="CustomShape 3"/>
+          <a:p>
+            <a:pPr>
+              <a:lnSpc>
+                <a:spcPct val="100000"/>
+              </a:lnSpc>
+            </a:pPr>
+            <a:endParaRPr b="0" lang="en-CA" sz="3000" spc="-1" strike="noStrike">
+              <a:latin typeface="Arial"/>
+            </a:endParaRPr>
+          </a:p>
+        </p:txBody>
+      </p:sp>
+      <p:sp>
+        <p:nvSpPr>
+          <p:cNvPr id="181" name="CustomShape 2"/>
           <p:cNvSpPr/>
           <p:nvPr/>
         </p:nvSpPr>
         <p:spPr>
           <a:xfrm>
             <a:off x="0" y="0"/>
-            <a:ext cx="249840" cy="1194840"/>
+            <a:ext cx="246960" cy="1191960"/>
           </a:xfrm>
           <a:prstGeom prst="rect">
             <a:avLst/>
@@ -7055,7 +7473,7 @@
       </p:sp>
       <p:sp>
         <p:nvSpPr>
-          <p:cNvPr id="176" name="Line 4"/>
+          <p:cNvPr id="182" name="Line 3"/>
           <p:cNvSpPr/>
           <p:nvPr/>
         </p:nvSpPr>
@@ -7086,6 +7504,324 @@
           </a:effectRef>
           <a:fontRef idx="minor"/>
         </p:style>
+      </p:sp>
+      <p:sp>
+        <p:nvSpPr>
+          <p:cNvPr id="183" name="CustomShape 4"/>
+          <p:cNvSpPr/>
+          <p:nvPr/>
+        </p:nvSpPr>
+        <p:spPr>
+          <a:xfrm>
+            <a:off x="457200" y="273600"/>
+            <a:ext cx="8226000" cy="5304600"/>
+          </a:xfrm>
+          <a:prstGeom prst="rect">
+            <a:avLst/>
+          </a:prstGeom>
+          <a:noFill/>
+          <a:ln>
+            <a:noFill/>
+          </a:ln>
+        </p:spPr>
+        <p:style>
+          <a:lnRef idx="0"/>
+          <a:fillRef idx="0"/>
+          <a:effectRef idx="0"/>
+          <a:fontRef idx="minor"/>
+        </p:style>
+        <p:txBody>
+          <a:bodyPr lIns="0" rIns="0" tIns="0" bIns="0" anchor="ctr"/>
+          <a:p>
+            <a:pPr algn="ctr">
+              <a:lnSpc>
+                <a:spcPct val="100000"/>
+              </a:lnSpc>
+            </a:pPr>
+            <a:endParaRPr b="0" lang="en-CA" sz="1800" spc="-1" strike="noStrike">
+              <a:latin typeface="Arial"/>
+            </a:endParaRPr>
+          </a:p>
+          <a:p>
+            <a:pPr algn="ctr">
+              <a:lnSpc>
+                <a:spcPct val="100000"/>
+              </a:lnSpc>
+            </a:pPr>
+            <a:endParaRPr b="0" lang="en-CA" sz="1800" spc="-1" strike="noStrike">
+              <a:latin typeface="Arial"/>
+            </a:endParaRPr>
+          </a:p>
+        </p:txBody>
+      </p:sp>
+      <p:sp>
+        <p:nvSpPr>
+          <p:cNvPr id="184" name="CustomShape 5"/>
+          <p:cNvSpPr/>
+          <p:nvPr/>
+        </p:nvSpPr>
+        <p:spPr>
+          <a:xfrm>
+            <a:off x="576000" y="1728000"/>
+            <a:ext cx="6764760" cy="2390760"/>
+          </a:xfrm>
+          <a:prstGeom prst="rect">
+            <a:avLst/>
+          </a:prstGeom>
+          <a:noFill/>
+          <a:ln>
+            <a:noFill/>
+          </a:ln>
+        </p:spPr>
+        <p:style>
+          <a:lnRef idx="0"/>
+          <a:fillRef idx="0"/>
+          <a:effectRef idx="0"/>
+          <a:fontRef idx="minor"/>
+        </p:style>
+        <p:txBody>
+          <a:bodyPr lIns="90000" rIns="90000" tIns="45000" bIns="45000"/>
+          <a:p>
+            <a:pPr>
+              <a:lnSpc>
+                <a:spcPct val="100000"/>
+              </a:lnSpc>
+            </a:pPr>
+            <a:r>
+              <a:rPr b="1" lang="en-CA" sz="1800" spc="-1" strike="noStrike">
+                <a:solidFill>
+                  <a:srgbClr val="000000"/>
+                </a:solidFill>
+                <a:latin typeface="Arial"/>
+                <a:ea typeface="DejaVu Sans"/>
+              </a:rPr>
+              <a:t>Why we need Cloud Computing and what problems does it solve?</a:t>
+            </a:r>
+            <a:endParaRPr b="0" lang="en-CA" sz="1800" spc="-1" strike="noStrike">
+              <a:latin typeface="Arial"/>
+            </a:endParaRPr>
+          </a:p>
+          <a:p>
+            <a:pPr>
+              <a:lnSpc>
+                <a:spcPct val="100000"/>
+              </a:lnSpc>
+            </a:pPr>
+            <a:endParaRPr b="0" lang="en-CA" sz="1800" spc="-1" strike="noStrike">
+              <a:latin typeface="Arial"/>
+            </a:endParaRPr>
+          </a:p>
+          <a:p>
+            <a:pPr>
+              <a:lnSpc>
+                <a:spcPct val="100000"/>
+              </a:lnSpc>
+            </a:pPr>
+            <a:r>
+              <a:rPr b="0" lang="en-CA" sz="1800" spc="-1" strike="noStrike">
+                <a:solidFill>
+                  <a:srgbClr val="000000"/>
+                </a:solidFill>
+                <a:latin typeface="Arial"/>
+                <a:ea typeface="DejaVu Sans"/>
+              </a:rPr>
+              <a:t>1)</a:t>
+            </a:r>
+            <a:r>
+              <a:rPr b="0" lang="en-CA" sz="1800" spc="-1" strike="noStrike">
+                <a:solidFill>
+                  <a:srgbClr val="000000"/>
+                </a:solidFill>
+                <a:latin typeface="Arial"/>
+                <a:ea typeface="DejaVu Sans"/>
+              </a:rPr>
+              <a:t>	</a:t>
+            </a:r>
+            <a:r>
+              <a:rPr b="0" lang="en-CA" sz="1800" spc="-1" strike="noStrike">
+                <a:solidFill>
+                  <a:srgbClr val="000000"/>
+                </a:solidFill>
+                <a:latin typeface="Arial"/>
+                <a:ea typeface="DejaVu Sans"/>
+              </a:rPr>
+              <a:t>Physical Hardware is very expensive.  Ten’s of thousands of dollars go into creating a simple application delivered on old-style hardware.  </a:t>
+            </a:r>
+            <a:endParaRPr b="0" lang="en-CA" sz="1800" spc="-1" strike="noStrike">
+              <a:latin typeface="Arial"/>
+            </a:endParaRPr>
+          </a:p>
+          <a:p>
+            <a:pPr>
+              <a:lnSpc>
+                <a:spcPct val="100000"/>
+              </a:lnSpc>
+            </a:pPr>
+            <a:endParaRPr b="0" lang="en-CA" sz="1800" spc="-1" strike="noStrike">
+              <a:latin typeface="Arial"/>
+            </a:endParaRPr>
+          </a:p>
+          <a:p>
+            <a:pPr>
+              <a:lnSpc>
+                <a:spcPct val="100000"/>
+              </a:lnSpc>
+            </a:pPr>
+            <a:r>
+              <a:rPr b="0" lang="en-CA" sz="1800" spc="-1" strike="noStrike">
+                <a:solidFill>
+                  <a:srgbClr val="000000"/>
+                </a:solidFill>
+                <a:latin typeface="Arial"/>
+                <a:ea typeface="DejaVu Sans"/>
+              </a:rPr>
+              <a:t>2)</a:t>
+            </a:r>
+            <a:r>
+              <a:rPr b="0" lang="en-CA" sz="1800" spc="-1" strike="noStrike">
+                <a:solidFill>
+                  <a:srgbClr val="000000"/>
+                </a:solidFill>
+                <a:latin typeface="Arial"/>
+                <a:ea typeface="DejaVu Sans"/>
+              </a:rPr>
+              <a:t>	</a:t>
+            </a:r>
+            <a:r>
+              <a:rPr b="0" lang="en-CA" sz="1800" spc="-1" strike="noStrike">
+                <a:solidFill>
+                  <a:srgbClr val="000000"/>
+                </a:solidFill>
+                <a:latin typeface="Arial"/>
+                <a:ea typeface="DejaVu Sans"/>
+              </a:rPr>
+              <a:t>Troubleshooting was also costly and tedious.</a:t>
+            </a:r>
+            <a:endParaRPr b="0" lang="en-CA" sz="1800" spc="-1" strike="noStrike">
+              <a:latin typeface="Arial"/>
+            </a:endParaRPr>
+          </a:p>
+          <a:p>
+            <a:pPr>
+              <a:lnSpc>
+                <a:spcPct val="100000"/>
+              </a:lnSpc>
+            </a:pPr>
+            <a:endParaRPr b="0" lang="en-CA" sz="1800" spc="-1" strike="noStrike">
+              <a:latin typeface="Arial"/>
+            </a:endParaRPr>
+          </a:p>
+          <a:p>
+            <a:pPr>
+              <a:lnSpc>
+                <a:spcPct val="100000"/>
+              </a:lnSpc>
+            </a:pPr>
+            <a:r>
+              <a:rPr b="0" lang="en-CA" sz="1800" spc="-1" strike="noStrike">
+                <a:solidFill>
+                  <a:srgbClr val="000000"/>
+                </a:solidFill>
+                <a:latin typeface="Arial"/>
+                <a:ea typeface="DejaVu Sans"/>
+              </a:rPr>
+              <a:t>3)</a:t>
+            </a:r>
+            <a:r>
+              <a:rPr b="0" lang="en-CA" sz="1800" spc="-1" strike="noStrike">
+                <a:solidFill>
+                  <a:srgbClr val="000000"/>
+                </a:solidFill>
+                <a:latin typeface="Arial"/>
+                <a:ea typeface="DejaVu Sans"/>
+              </a:rPr>
+              <a:t>	</a:t>
+            </a:r>
+            <a:r>
+              <a:rPr b="0" lang="en-CA" sz="1800" spc="-1" strike="noStrike">
+                <a:solidFill>
+                  <a:srgbClr val="000000"/>
+                </a:solidFill>
+                <a:latin typeface="Arial"/>
+                <a:ea typeface="DejaVu Sans"/>
+              </a:rPr>
+              <a:t>Network and Server resources were very difficult to handle more traffic and other physical resources.</a:t>
+            </a:r>
+            <a:endParaRPr b="0" lang="en-CA" sz="1800" spc="-1" strike="noStrike">
+              <a:latin typeface="Arial"/>
+            </a:endParaRPr>
+          </a:p>
+          <a:p>
+            <a:pPr>
+              <a:lnSpc>
+                <a:spcPct val="100000"/>
+              </a:lnSpc>
+            </a:pPr>
+            <a:endParaRPr b="0" lang="en-CA" sz="1800" spc="-1" strike="noStrike">
+              <a:latin typeface="Arial"/>
+            </a:endParaRPr>
+          </a:p>
+          <a:p>
+            <a:pPr>
+              <a:lnSpc>
+                <a:spcPct val="100000"/>
+              </a:lnSpc>
+            </a:pPr>
+            <a:r>
+              <a:rPr b="0" lang="en-CA" sz="1800" spc="-1" strike="noStrike">
+                <a:solidFill>
+                  <a:srgbClr val="000000"/>
+                </a:solidFill>
+                <a:latin typeface="Arial"/>
+                <a:ea typeface="DejaVu Sans"/>
+              </a:rPr>
+              <a:t>4) </a:t>
+            </a:r>
+            <a:r>
+              <a:rPr b="0" lang="en-CA" sz="1800" spc="-1" strike="noStrike">
+                <a:solidFill>
+                  <a:srgbClr val="000000"/>
+                </a:solidFill>
+                <a:latin typeface="Arial"/>
+                <a:ea typeface="DejaVu Sans"/>
+              </a:rPr>
+              <a:t>	</a:t>
+            </a:r>
+            <a:r>
+              <a:rPr b="0" lang="en-CA" sz="1800" spc="-1" strike="noStrike">
+                <a:solidFill>
+                  <a:srgbClr val="000000"/>
+                </a:solidFill>
+                <a:latin typeface="Arial"/>
+                <a:ea typeface="DejaVu Sans"/>
+              </a:rPr>
+              <a:t>Large data sets make it require a space that you can maintain and store that data.</a:t>
+            </a:r>
+            <a:endParaRPr b="0" lang="en-CA" sz="1800" spc="-1" strike="noStrike">
+              <a:latin typeface="Arial"/>
+            </a:endParaRPr>
+          </a:p>
+          <a:p>
+            <a:pPr>
+              <a:lnSpc>
+                <a:spcPct val="100000"/>
+              </a:lnSpc>
+            </a:pPr>
+            <a:endParaRPr b="0" lang="en-CA" sz="1800" spc="-1" strike="noStrike">
+              <a:latin typeface="Arial"/>
+            </a:endParaRPr>
+          </a:p>
+          <a:p>
+            <a:pPr>
+              <a:lnSpc>
+                <a:spcPct val="100000"/>
+              </a:lnSpc>
+            </a:pPr>
+            <a:endParaRPr b="0" lang="en-CA" sz="1800" spc="-1" strike="noStrike">
+              <a:latin typeface="Arial"/>
+            </a:endParaRPr>
+          </a:p>
+        </p:txBody>
       </p:sp>
     </p:spTree>
   </p:cSld>
@@ -7145,14 +7881,14 @@
       </p:grpSpPr>
       <p:sp>
         <p:nvSpPr>
-          <p:cNvPr id="177" name="CustomShape 1"/>
+          <p:cNvPr id="185" name="CustomShape 1"/>
           <p:cNvSpPr/>
           <p:nvPr/>
         </p:nvSpPr>
         <p:spPr>
           <a:xfrm>
-            <a:off x="432000" y="1484640"/>
-            <a:ext cx="8278200" cy="5218200"/>
+            <a:off x="432000" y="13680"/>
+            <a:ext cx="7447680" cy="1179720"/>
           </a:xfrm>
           <a:prstGeom prst="rect">
             <a:avLst/>
@@ -7169,134 +7905,6 @@
           <a:fontRef idx="minor"/>
         </p:style>
         <p:txBody>
-          <a:bodyPr lIns="90000" rIns="90000" tIns="45000" bIns="45000">
-            <a:normAutofit/>
-          </a:bodyPr>
-          <a:p>
-            <a:pPr>
-              <a:lnSpc>
-                <a:spcPct val="100000"/>
-              </a:lnSpc>
-              <a:spcBef>
-                <a:spcPts val="479"/>
-              </a:spcBef>
-            </a:pPr>
-            <a:endParaRPr b="0" lang="en-CA" sz="1800" spc="-1" strike="noStrike">
-              <a:latin typeface="Arial"/>
-            </a:endParaRPr>
-          </a:p>
-          <a:p>
-            <a:pPr marL="343080" indent="-341280">
-              <a:lnSpc>
-                <a:spcPct val="100000"/>
-              </a:lnSpc>
-              <a:spcBef>
-                <a:spcPts val="479"/>
-              </a:spcBef>
-              <a:buClr>
-                <a:srgbClr val="000000"/>
-              </a:buClr>
-              <a:buFont typeface="Arial"/>
-              <a:buChar char="•"/>
-            </a:pPr>
-            <a:r>
-              <a:rPr b="0" lang="en-CA" sz="2400" spc="-1" strike="noStrike">
-                <a:solidFill>
-                  <a:srgbClr val="000000"/>
-                </a:solidFill>
-                <a:latin typeface="Calibri"/>
-                <a:ea typeface="DejaVu Sans"/>
-              </a:rPr>
-              <a:t>Flexibility/Extensibility: is the ability of software to add/modify/remove functionality without damaging current system. </a:t>
-            </a:r>
-            <a:endParaRPr b="0" lang="en-CA" sz="2400" spc="-1" strike="noStrike">
-              <a:latin typeface="Arial"/>
-            </a:endParaRPr>
-          </a:p>
-          <a:p>
-            <a:pPr marL="343080" indent="-341280">
-              <a:lnSpc>
-                <a:spcPct val="100000"/>
-              </a:lnSpc>
-              <a:spcBef>
-                <a:spcPts val="479"/>
-              </a:spcBef>
-              <a:buClr>
-                <a:srgbClr val="000000"/>
-              </a:buClr>
-              <a:buFont typeface="Arial"/>
-              <a:buChar char="•"/>
-            </a:pPr>
-            <a:r>
-              <a:rPr b="0" lang="en-CA" sz="2400" spc="-1" strike="noStrike">
-                <a:solidFill>
-                  <a:srgbClr val="000000"/>
-                </a:solidFill>
-                <a:latin typeface="Calibri"/>
-                <a:ea typeface="DejaVu Sans"/>
-              </a:rPr>
-              <a:t>Maintainability and Readability: focuses on modifications about error corrections and minor function modifications. It can be supported with useful interface definitions, documentations and also self-documenting code and/or code documentation.</a:t>
-            </a:r>
-            <a:endParaRPr b="0" lang="en-CA" sz="2400" spc="-1" strike="noStrike">
-              <a:latin typeface="Arial"/>
-            </a:endParaRPr>
-          </a:p>
-          <a:p>
-            <a:pPr marL="343080" indent="-341280">
-              <a:lnSpc>
-                <a:spcPct val="100000"/>
-              </a:lnSpc>
-              <a:spcBef>
-                <a:spcPts val="479"/>
-              </a:spcBef>
-              <a:buClr>
-                <a:srgbClr val="000000"/>
-              </a:buClr>
-              <a:buFont typeface="Arial"/>
-              <a:buChar char="•"/>
-            </a:pPr>
-            <a:r>
-              <a:rPr b="0" lang="en-CA" sz="2400" spc="-1" strike="noStrike">
-                <a:solidFill>
-                  <a:srgbClr val="000000"/>
-                </a:solidFill>
-                <a:latin typeface="Calibri"/>
-                <a:ea typeface="DejaVu Sans"/>
-              </a:rPr>
-              <a:t>Efficiency: is mostly about response time of the software and usage of resources. This response time should be in acceptable intervals, and should not increase if transaction count increases. </a:t>
-            </a:r>
-            <a:endParaRPr b="0" lang="en-CA" sz="2400" spc="-1" strike="noStrike">
-              <a:latin typeface="Arial"/>
-            </a:endParaRPr>
-          </a:p>
-        </p:txBody>
-      </p:sp>
-      <p:sp>
-        <p:nvSpPr>
-          <p:cNvPr id="178" name="CustomShape 2"/>
-          <p:cNvSpPr/>
-          <p:nvPr/>
-        </p:nvSpPr>
-        <p:spPr>
-          <a:xfrm>
-            <a:off x="432000" y="0"/>
-            <a:ext cx="7450560" cy="1182600"/>
-          </a:xfrm>
-          <a:prstGeom prst="rect">
-            <a:avLst/>
-          </a:prstGeom>
-          <a:noFill/>
-          <a:ln>
-            <a:noFill/>
-          </a:ln>
-        </p:spPr>
-        <p:style>
-          <a:lnRef idx="0"/>
-          <a:fillRef idx="0"/>
-          <a:effectRef idx="0"/>
-          <a:fontRef idx="minor"/>
-        </p:style>
-        <p:txBody>
           <a:bodyPr lIns="90000" rIns="90000" tIns="45000" bIns="45000" anchor="ctr">
             <a:normAutofit/>
           </a:bodyPr>
@@ -7307,41 +7915,41 @@
               </a:lnSpc>
             </a:pPr>
             <a:r>
-              <a:rPr b="0" lang="en-CA" sz="3000" spc="-1" strike="noStrike">
+              <a:rPr b="0" lang="en-CA" sz="3000" spc="-1" strike="noStrike" cap="all">
                 <a:solidFill>
                   <a:srgbClr val="292929"/>
                 </a:solidFill>
                 <a:latin typeface="Nexa Bold"/>
                 <a:ea typeface="DejaVu Sans"/>
               </a:rPr>
-              <a:t>QUALITY </a:t>
-            </a:r>
-            <a:r>
-              <a:rPr b="0" lang="en-CA" sz="3000" spc="-1" strike="noStrike">
-                <a:solidFill>
-                  <a:srgbClr val="1fa0be"/>
-                </a:solidFill>
-                <a:latin typeface="Nexa Bold"/>
-                <a:ea typeface="DejaVu Sans"/>
-              </a:rPr>
-              <a:t>FACTORS</a:t>
+              <a:t>Cloud Computing</a:t>
             </a:r>
             <a:endParaRPr b="0" lang="en-CA" sz="3000" spc="-1" strike="noStrike">
               <a:latin typeface="Arial"/>
             </a:endParaRPr>
           </a:p>
-        </p:txBody>
-      </p:sp>
-      <p:sp>
-        <p:nvSpPr>
-          <p:cNvPr id="179" name="CustomShape 3"/>
+          <a:p>
+            <a:pPr>
+              <a:lnSpc>
+                <a:spcPct val="100000"/>
+              </a:lnSpc>
+            </a:pPr>
+            <a:endParaRPr b="0" lang="en-CA" sz="3000" spc="-1" strike="noStrike">
+              <a:latin typeface="Arial"/>
+            </a:endParaRPr>
+          </a:p>
+        </p:txBody>
+      </p:sp>
+      <p:sp>
+        <p:nvSpPr>
+          <p:cNvPr id="186" name="CustomShape 2"/>
           <p:cNvSpPr/>
           <p:nvPr/>
         </p:nvSpPr>
         <p:spPr>
           <a:xfrm>
             <a:off x="0" y="0"/>
-            <a:ext cx="249840" cy="1194840"/>
+            <a:ext cx="246960" cy="1191960"/>
           </a:xfrm>
           <a:prstGeom prst="rect">
             <a:avLst/>
@@ -7370,7 +7978,7 @@
       </p:sp>
       <p:sp>
         <p:nvSpPr>
-          <p:cNvPr id="180" name="Line 4"/>
+          <p:cNvPr id="187" name="Line 3"/>
           <p:cNvSpPr/>
           <p:nvPr/>
         </p:nvSpPr>
@@ -7401,6 +8009,324 @@
           </a:effectRef>
           <a:fontRef idx="minor"/>
         </p:style>
+      </p:sp>
+      <p:sp>
+        <p:nvSpPr>
+          <p:cNvPr id="188" name="CustomShape 4"/>
+          <p:cNvSpPr/>
+          <p:nvPr/>
+        </p:nvSpPr>
+        <p:spPr>
+          <a:xfrm>
+            <a:off x="457200" y="273600"/>
+            <a:ext cx="8226000" cy="5304600"/>
+          </a:xfrm>
+          <a:prstGeom prst="rect">
+            <a:avLst/>
+          </a:prstGeom>
+          <a:noFill/>
+          <a:ln>
+            <a:noFill/>
+          </a:ln>
+        </p:spPr>
+        <p:style>
+          <a:lnRef idx="0"/>
+          <a:fillRef idx="0"/>
+          <a:effectRef idx="0"/>
+          <a:fontRef idx="minor"/>
+        </p:style>
+        <p:txBody>
+          <a:bodyPr lIns="0" rIns="0" tIns="0" bIns="0" anchor="ctr"/>
+          <a:p>
+            <a:pPr algn="ctr">
+              <a:lnSpc>
+                <a:spcPct val="100000"/>
+              </a:lnSpc>
+            </a:pPr>
+            <a:endParaRPr b="0" lang="en-CA" sz="1800" spc="-1" strike="noStrike">
+              <a:latin typeface="Arial"/>
+            </a:endParaRPr>
+          </a:p>
+          <a:p>
+            <a:pPr algn="ctr">
+              <a:lnSpc>
+                <a:spcPct val="100000"/>
+              </a:lnSpc>
+            </a:pPr>
+            <a:endParaRPr b="0" lang="en-CA" sz="1800" spc="-1" strike="noStrike">
+              <a:latin typeface="Arial"/>
+            </a:endParaRPr>
+          </a:p>
+        </p:txBody>
+      </p:sp>
+      <p:sp>
+        <p:nvSpPr>
+          <p:cNvPr id="189" name="CustomShape 5"/>
+          <p:cNvSpPr/>
+          <p:nvPr/>
+        </p:nvSpPr>
+        <p:spPr>
+          <a:xfrm>
+            <a:off x="576000" y="1728000"/>
+            <a:ext cx="6764760" cy="2390760"/>
+          </a:xfrm>
+          <a:prstGeom prst="rect">
+            <a:avLst/>
+          </a:prstGeom>
+          <a:noFill/>
+          <a:ln>
+            <a:noFill/>
+          </a:ln>
+        </p:spPr>
+        <p:style>
+          <a:lnRef idx="0"/>
+          <a:fillRef idx="0"/>
+          <a:effectRef idx="0"/>
+          <a:fontRef idx="minor"/>
+        </p:style>
+        <p:txBody>
+          <a:bodyPr lIns="90000" rIns="90000" tIns="45000" bIns="45000"/>
+          <a:p>
+            <a:pPr>
+              <a:lnSpc>
+                <a:spcPct val="100000"/>
+              </a:lnSpc>
+            </a:pPr>
+            <a:r>
+              <a:rPr b="1" lang="en-CA" sz="1800" spc="-1" strike="noStrike">
+                <a:solidFill>
+                  <a:srgbClr val="000000"/>
+                </a:solidFill>
+                <a:latin typeface="Arial"/>
+                <a:ea typeface="DejaVu Sans"/>
+              </a:rPr>
+              <a:t>Enter Cloud Computing</a:t>
+            </a:r>
+            <a:endParaRPr b="0" lang="en-CA" sz="1800" spc="-1" strike="noStrike">
+              <a:latin typeface="Arial"/>
+            </a:endParaRPr>
+          </a:p>
+          <a:p>
+            <a:pPr>
+              <a:lnSpc>
+                <a:spcPct val="100000"/>
+              </a:lnSpc>
+            </a:pPr>
+            <a:r>
+              <a:rPr b="0" lang="en-CA" sz="1800" spc="-1" strike="noStrike">
+                <a:solidFill>
+                  <a:srgbClr val="000000"/>
+                </a:solidFill>
+                <a:latin typeface="Arial"/>
+                <a:ea typeface="DejaVu Sans"/>
+              </a:rPr>
+              <a:t>1)</a:t>
+            </a:r>
+            <a:r>
+              <a:rPr b="0" lang="en-CA" sz="1800" spc="-1" strike="noStrike">
+                <a:solidFill>
+                  <a:srgbClr val="000000"/>
+                </a:solidFill>
+                <a:latin typeface="Arial"/>
+                <a:ea typeface="DejaVu Sans"/>
+              </a:rPr>
+              <a:t>	</a:t>
+            </a:r>
+            <a:r>
+              <a:rPr b="0" lang="en-CA" sz="1800" spc="-1" strike="noStrike">
+                <a:solidFill>
+                  <a:srgbClr val="000000"/>
+                </a:solidFill>
+                <a:latin typeface="Arial"/>
+                <a:ea typeface="DejaVu Sans"/>
+              </a:rPr>
+              <a:t>Deploying new hardware is simple now, as you can go to a web site (called a “dashboard”) and provision hardware with the click of a button, instead of the weeks and months it would take to deploy new physical hardware.</a:t>
+            </a:r>
+            <a:endParaRPr b="0" lang="en-CA" sz="1800" spc="-1" strike="noStrike">
+              <a:latin typeface="Arial"/>
+            </a:endParaRPr>
+          </a:p>
+          <a:p>
+            <a:pPr>
+              <a:lnSpc>
+                <a:spcPct val="100000"/>
+              </a:lnSpc>
+            </a:pPr>
+            <a:endParaRPr b="0" lang="en-CA" sz="1800" spc="-1" strike="noStrike">
+              <a:latin typeface="Arial"/>
+            </a:endParaRPr>
+          </a:p>
+          <a:p>
+            <a:pPr>
+              <a:lnSpc>
+                <a:spcPct val="100000"/>
+              </a:lnSpc>
+            </a:pPr>
+            <a:r>
+              <a:rPr b="0" lang="en-CA" sz="1800" spc="-1" strike="noStrike">
+                <a:solidFill>
+                  <a:srgbClr val="000000"/>
+                </a:solidFill>
+                <a:latin typeface="Arial"/>
+                <a:ea typeface="DejaVu Sans"/>
+              </a:rPr>
+              <a:t>2)</a:t>
+            </a:r>
+            <a:r>
+              <a:rPr b="0" lang="en-CA" sz="1800" spc="-1" strike="noStrike">
+                <a:solidFill>
+                  <a:srgbClr val="000000"/>
+                </a:solidFill>
+                <a:latin typeface="Arial"/>
+                <a:ea typeface="DejaVu Sans"/>
+              </a:rPr>
+              <a:t>	</a:t>
+            </a:r>
+            <a:r>
+              <a:rPr b="0" lang="en-CA" sz="1800" spc="-1" strike="noStrike">
+                <a:solidFill>
+                  <a:srgbClr val="000000"/>
+                </a:solidFill>
+                <a:latin typeface="Arial"/>
+                <a:ea typeface="DejaVu Sans"/>
+              </a:rPr>
+              <a:t>Troubleshooting is quite simple now.  Administrators can go to the cloud dashboard, see whats going on and fix things in minutes, rather than days it used to take.</a:t>
+            </a:r>
+            <a:endParaRPr b="0" lang="en-CA" sz="1800" spc="-1" strike="noStrike">
+              <a:latin typeface="Arial"/>
+            </a:endParaRPr>
+          </a:p>
+          <a:p>
+            <a:pPr>
+              <a:lnSpc>
+                <a:spcPct val="100000"/>
+              </a:lnSpc>
+            </a:pPr>
+            <a:endParaRPr b="0" lang="en-CA" sz="1800" spc="-1" strike="noStrike">
+              <a:latin typeface="Arial"/>
+            </a:endParaRPr>
+          </a:p>
+          <a:p>
+            <a:pPr>
+              <a:lnSpc>
+                <a:spcPct val="100000"/>
+              </a:lnSpc>
+            </a:pPr>
+            <a:r>
+              <a:rPr b="0" lang="en-CA" sz="1800" spc="-1" strike="noStrike">
+                <a:solidFill>
+                  <a:srgbClr val="000000"/>
+                </a:solidFill>
+                <a:latin typeface="Arial"/>
+                <a:ea typeface="DejaVu Sans"/>
+              </a:rPr>
+              <a:t>3)</a:t>
+            </a:r>
+            <a:r>
+              <a:rPr b="0" lang="en-CA" sz="1800" spc="-1" strike="noStrike">
+                <a:solidFill>
+                  <a:srgbClr val="000000"/>
+                </a:solidFill>
+                <a:latin typeface="Arial"/>
+                <a:ea typeface="DejaVu Sans"/>
+              </a:rPr>
+              <a:t>	</a:t>
+            </a:r>
+            <a:r>
+              <a:rPr b="0" lang="en-CA" sz="1800" spc="-1" strike="noStrike">
+                <a:solidFill>
+                  <a:srgbClr val="000000"/>
+                </a:solidFill>
+                <a:latin typeface="Arial"/>
+                <a:ea typeface="DejaVu Sans"/>
+              </a:rPr>
+              <a:t>Network and Server resources are able to scale up and down automatically instead of having to add servers and network devices whenever they need it.  Also, you only pay for the resources you’re using, rather than paying for hardware that goes unused.</a:t>
+            </a:r>
+            <a:endParaRPr b="0" lang="en-CA" sz="1800" spc="-1" strike="noStrike">
+              <a:latin typeface="Arial"/>
+            </a:endParaRPr>
+          </a:p>
+          <a:p>
+            <a:pPr>
+              <a:lnSpc>
+                <a:spcPct val="100000"/>
+              </a:lnSpc>
+            </a:pPr>
+            <a:endParaRPr b="0" lang="en-CA" sz="1800" spc="-1" strike="noStrike">
+              <a:latin typeface="Arial"/>
+            </a:endParaRPr>
+          </a:p>
+          <a:p>
+            <a:pPr>
+              <a:lnSpc>
+                <a:spcPct val="100000"/>
+              </a:lnSpc>
+            </a:pPr>
+            <a:r>
+              <a:rPr b="0" lang="en-CA" sz="1800" spc="-1" strike="noStrike">
+                <a:solidFill>
+                  <a:srgbClr val="000000"/>
+                </a:solidFill>
+                <a:latin typeface="Arial"/>
+                <a:ea typeface="DejaVu Sans"/>
+              </a:rPr>
+              <a:t>4) </a:t>
+            </a:r>
+            <a:r>
+              <a:rPr b="0" lang="en-CA" sz="1800" spc="-1" strike="noStrike">
+                <a:solidFill>
+                  <a:srgbClr val="000000"/>
+                </a:solidFill>
+                <a:latin typeface="Arial"/>
+                <a:ea typeface="DejaVu Sans"/>
+              </a:rPr>
+              <a:t>	</a:t>
+            </a:r>
+            <a:r>
+              <a:rPr b="1" lang="en-CA" sz="1800" spc="-1" strike="noStrike">
+                <a:solidFill>
+                  <a:srgbClr val="000000"/>
+                </a:solidFill>
+                <a:latin typeface="Arial"/>
+                <a:ea typeface="DejaVu Sans"/>
+              </a:rPr>
+              <a:t>Huge</a:t>
+            </a:r>
+            <a:r>
+              <a:rPr b="0" lang="en-CA" sz="1800" spc="-1" strike="noStrike">
+                <a:solidFill>
+                  <a:srgbClr val="000000"/>
+                </a:solidFill>
+                <a:latin typeface="Arial"/>
+                <a:ea typeface="DejaVu Sans"/>
+              </a:rPr>
+              <a:t> data sets can be stored and maintained easily..</a:t>
+            </a:r>
+            <a:endParaRPr b="0" lang="en-CA" sz="1800" spc="-1" strike="noStrike">
+              <a:latin typeface="Arial"/>
+            </a:endParaRPr>
+          </a:p>
+          <a:p>
+            <a:pPr>
+              <a:lnSpc>
+                <a:spcPct val="100000"/>
+              </a:lnSpc>
+            </a:pPr>
+            <a:endParaRPr b="0" lang="en-CA" sz="1800" spc="-1" strike="noStrike">
+              <a:latin typeface="Arial"/>
+            </a:endParaRPr>
+          </a:p>
+          <a:p>
+            <a:pPr>
+              <a:lnSpc>
+                <a:spcPct val="100000"/>
+              </a:lnSpc>
+            </a:pPr>
+            <a:endParaRPr b="0" lang="en-CA" sz="1800" spc="-1" strike="noStrike">
+              <a:latin typeface="Arial"/>
+            </a:endParaRPr>
+          </a:p>
+        </p:txBody>
       </p:sp>
     </p:spTree>
   </p:cSld>
@@ -7460,14 +8386,14 @@
       </p:grpSpPr>
       <p:sp>
         <p:nvSpPr>
-          <p:cNvPr id="181" name="CustomShape 1"/>
+          <p:cNvPr id="190" name="CustomShape 1"/>
           <p:cNvSpPr/>
           <p:nvPr/>
         </p:nvSpPr>
         <p:spPr>
           <a:xfrm>
-            <a:off x="432000" y="1484640"/>
-            <a:ext cx="8278200" cy="5218200"/>
+            <a:off x="432000" y="13680"/>
+            <a:ext cx="7447680" cy="1179720"/>
           </a:xfrm>
           <a:prstGeom prst="rect">
             <a:avLst/>
@@ -7484,147 +8410,6 @@
           <a:fontRef idx="minor"/>
         </p:style>
         <p:txBody>
-          <a:bodyPr lIns="90000" rIns="90000" tIns="45000" bIns="45000">
-            <a:normAutofit/>
-          </a:bodyPr>
-          <a:p>
-            <a:pPr>
-              <a:lnSpc>
-                <a:spcPct val="100000"/>
-              </a:lnSpc>
-              <a:spcBef>
-                <a:spcPts val="479"/>
-              </a:spcBef>
-            </a:pPr>
-            <a:endParaRPr b="0" lang="en-CA" sz="1800" spc="-1" strike="noStrike">
-              <a:latin typeface="Arial"/>
-            </a:endParaRPr>
-          </a:p>
-          <a:p>
-            <a:pPr marL="343080" indent="-341280">
-              <a:lnSpc>
-                <a:spcPct val="100000"/>
-              </a:lnSpc>
-              <a:spcBef>
-                <a:spcPts val="479"/>
-              </a:spcBef>
-              <a:buClr>
-                <a:srgbClr val="000000"/>
-              </a:buClr>
-              <a:buFont typeface="Arial"/>
-              <a:buChar char="•"/>
-            </a:pPr>
-            <a:r>
-              <a:rPr b="0" lang="en-CA" sz="2400" spc="-1" strike="noStrike">
-                <a:solidFill>
-                  <a:srgbClr val="000000"/>
-                </a:solidFill>
-                <a:latin typeface="Calibri"/>
-                <a:ea typeface="DejaVu Sans"/>
-              </a:rPr>
-              <a:t>Scalability: A scalable system responds user actions in an acceptable amount of time, even if load increases. More hardware may be added for handling increasing user transaction, but the architecture should not change while doing this.</a:t>
-            </a:r>
-            <a:endParaRPr b="0" lang="en-CA" sz="2400" spc="-1" strike="noStrike">
-              <a:latin typeface="Arial"/>
-            </a:endParaRPr>
-          </a:p>
-          <a:p>
-            <a:pPr marL="343080" indent="-341280">
-              <a:lnSpc>
-                <a:spcPct val="100000"/>
-              </a:lnSpc>
-              <a:spcBef>
-                <a:spcPts val="479"/>
-              </a:spcBef>
-              <a:buClr>
-                <a:srgbClr val="000000"/>
-              </a:buClr>
-              <a:buFont typeface="Arial"/>
-              <a:buChar char="•"/>
-            </a:pPr>
-            <a:r>
-              <a:rPr b="0" lang="en-CA" sz="2400" spc="-1" strike="noStrike">
-                <a:solidFill>
-                  <a:srgbClr val="000000"/>
-                </a:solidFill>
-                <a:latin typeface="Calibri"/>
-                <a:ea typeface="DejaVu Sans"/>
-              </a:rPr>
-              <a:t>Reliability: capability of the system to maintain its service provision under defined conditions for defined periods of time. One aspect of this characteristic is fault tolerance that is the ability of a system to withstand component failure.</a:t>
-            </a:r>
-            <a:endParaRPr b="0" lang="en-CA" sz="2400" spc="-1" strike="noStrike">
-              <a:latin typeface="Arial"/>
-            </a:endParaRPr>
-          </a:p>
-          <a:p>
-            <a:pPr marL="343080" indent="-341280">
-              <a:lnSpc>
-                <a:spcPct val="100000"/>
-              </a:lnSpc>
-              <a:spcBef>
-                <a:spcPts val="479"/>
-              </a:spcBef>
-              <a:buClr>
-                <a:srgbClr val="000000"/>
-              </a:buClr>
-              <a:buFont typeface="Arial"/>
-              <a:buChar char="•"/>
-            </a:pPr>
-            <a:r>
-              <a:rPr b="0" lang="en-CA" sz="2400" spc="-1" strike="noStrike">
-                <a:solidFill>
-                  <a:srgbClr val="000000"/>
-                </a:solidFill>
-                <a:latin typeface="Calibri"/>
-                <a:ea typeface="DejaVu Sans"/>
-              </a:rPr>
-              <a:t>Usability: User interfaces are the only visible parts of software according to the viewpoint of user. So, simplicity, taking less time to complete a job, fast learnability etc. are very important in this case. </a:t>
-            </a:r>
-            <a:endParaRPr b="0" lang="en-CA" sz="2400" spc="-1" strike="noStrike">
-              <a:latin typeface="Arial"/>
-            </a:endParaRPr>
-          </a:p>
-          <a:p>
-            <a:pPr>
-              <a:lnSpc>
-                <a:spcPct val="100000"/>
-              </a:lnSpc>
-              <a:spcBef>
-                <a:spcPts val="499"/>
-              </a:spcBef>
-            </a:pPr>
-            <a:endParaRPr b="0" lang="en-CA" sz="2400" spc="-1" strike="noStrike">
-              <a:latin typeface="Arial"/>
-            </a:endParaRPr>
-          </a:p>
-        </p:txBody>
-      </p:sp>
-      <p:sp>
-        <p:nvSpPr>
-          <p:cNvPr id="182" name="CustomShape 2"/>
-          <p:cNvSpPr/>
-          <p:nvPr/>
-        </p:nvSpPr>
-        <p:spPr>
-          <a:xfrm>
-            <a:off x="432000" y="0"/>
-            <a:ext cx="7450560" cy="1182600"/>
-          </a:xfrm>
-          <a:prstGeom prst="rect">
-            <a:avLst/>
-          </a:prstGeom>
-          <a:noFill/>
-          <a:ln>
-            <a:noFill/>
-          </a:ln>
-        </p:spPr>
-        <p:style>
-          <a:lnRef idx="0"/>
-          <a:fillRef idx="0"/>
-          <a:effectRef idx="0"/>
-          <a:fontRef idx="minor"/>
-        </p:style>
-        <p:txBody>
           <a:bodyPr lIns="90000" rIns="90000" tIns="45000" bIns="45000" anchor="ctr">
             <a:normAutofit/>
           </a:bodyPr>
@@ -7635,41 +8420,41 @@
               </a:lnSpc>
             </a:pPr>
             <a:r>
-              <a:rPr b="0" lang="en-CA" sz="3000" spc="-1" strike="noStrike">
+              <a:rPr b="0" lang="en-CA" sz="3000" spc="-1" strike="noStrike" cap="all">
                 <a:solidFill>
                   <a:srgbClr val="292929"/>
                 </a:solidFill>
                 <a:latin typeface="Nexa Bold"/>
                 <a:ea typeface="DejaVu Sans"/>
               </a:rPr>
-              <a:t>QUALITY </a:t>
-            </a:r>
-            <a:r>
-              <a:rPr b="0" lang="en-CA" sz="3000" spc="-1" strike="noStrike">
-                <a:solidFill>
-                  <a:srgbClr val="1fa0be"/>
-                </a:solidFill>
-                <a:latin typeface="Nexa Bold"/>
-                <a:ea typeface="DejaVu Sans"/>
-              </a:rPr>
-              <a:t>FACTORS</a:t>
+              <a:t>Cloud Computing</a:t>
             </a:r>
             <a:endParaRPr b="0" lang="en-CA" sz="3000" spc="-1" strike="noStrike">
               <a:latin typeface="Arial"/>
             </a:endParaRPr>
           </a:p>
-        </p:txBody>
-      </p:sp>
-      <p:sp>
-        <p:nvSpPr>
-          <p:cNvPr id="183" name="CustomShape 3"/>
+          <a:p>
+            <a:pPr>
+              <a:lnSpc>
+                <a:spcPct val="100000"/>
+              </a:lnSpc>
+            </a:pPr>
+            <a:endParaRPr b="0" lang="en-CA" sz="3000" spc="-1" strike="noStrike">
+              <a:latin typeface="Arial"/>
+            </a:endParaRPr>
+          </a:p>
+        </p:txBody>
+      </p:sp>
+      <p:sp>
+        <p:nvSpPr>
+          <p:cNvPr id="191" name="CustomShape 2"/>
           <p:cNvSpPr/>
           <p:nvPr/>
         </p:nvSpPr>
         <p:spPr>
           <a:xfrm>
             <a:off x="0" y="0"/>
-            <a:ext cx="249840" cy="1194840"/>
+            <a:ext cx="246960" cy="1191960"/>
           </a:xfrm>
           <a:prstGeom prst="rect">
             <a:avLst/>
@@ -7698,7 +8483,7 @@
       </p:sp>
       <p:sp>
         <p:nvSpPr>
-          <p:cNvPr id="184" name="Line 4"/>
+          <p:cNvPr id="192" name="Line 3"/>
           <p:cNvSpPr/>
           <p:nvPr/>
         </p:nvSpPr>
@@ -7729,6 +8514,168 @@
           </a:effectRef>
           <a:fontRef idx="minor"/>
         </p:style>
+      </p:sp>
+      <p:sp>
+        <p:nvSpPr>
+          <p:cNvPr id="193" name="CustomShape 4"/>
+          <p:cNvSpPr/>
+          <p:nvPr/>
+        </p:nvSpPr>
+        <p:spPr>
+          <a:xfrm>
+            <a:off x="457200" y="273600"/>
+            <a:ext cx="8226000" cy="5304600"/>
+          </a:xfrm>
+          <a:prstGeom prst="rect">
+            <a:avLst/>
+          </a:prstGeom>
+          <a:noFill/>
+          <a:ln>
+            <a:noFill/>
+          </a:ln>
+        </p:spPr>
+        <p:style>
+          <a:lnRef idx="0"/>
+          <a:fillRef idx="0"/>
+          <a:effectRef idx="0"/>
+          <a:fontRef idx="minor"/>
+        </p:style>
+        <p:txBody>
+          <a:bodyPr lIns="0" rIns="0" tIns="0" bIns="0" anchor="ctr"/>
+          <a:p>
+            <a:pPr algn="ctr">
+              <a:lnSpc>
+                <a:spcPct val="100000"/>
+              </a:lnSpc>
+            </a:pPr>
+            <a:endParaRPr b="0" lang="en-CA" sz="1800" spc="-1" strike="noStrike">
+              <a:latin typeface="Arial"/>
+            </a:endParaRPr>
+          </a:p>
+          <a:p>
+            <a:pPr algn="ctr">
+              <a:lnSpc>
+                <a:spcPct val="100000"/>
+              </a:lnSpc>
+            </a:pPr>
+            <a:endParaRPr b="0" lang="en-CA" sz="1800" spc="-1" strike="noStrike">
+              <a:latin typeface="Arial"/>
+            </a:endParaRPr>
+          </a:p>
+        </p:txBody>
+      </p:sp>
+      <p:sp>
+        <p:nvSpPr>
+          <p:cNvPr id="194" name="CustomShape 5"/>
+          <p:cNvSpPr/>
+          <p:nvPr/>
+        </p:nvSpPr>
+        <p:spPr>
+          <a:xfrm>
+            <a:off x="576000" y="1728000"/>
+            <a:ext cx="6764760" cy="2390760"/>
+          </a:xfrm>
+          <a:prstGeom prst="rect">
+            <a:avLst/>
+          </a:prstGeom>
+          <a:noFill/>
+          <a:ln>
+            <a:noFill/>
+          </a:ln>
+        </p:spPr>
+        <p:style>
+          <a:lnRef idx="0"/>
+          <a:fillRef idx="0"/>
+          <a:effectRef idx="0"/>
+          <a:fontRef idx="minor"/>
+        </p:style>
+        <p:txBody>
+          <a:bodyPr lIns="90000" rIns="90000" tIns="45000" bIns="45000"/>
+          <a:p>
+            <a:pPr>
+              <a:lnSpc>
+                <a:spcPct val="100000"/>
+              </a:lnSpc>
+            </a:pPr>
+            <a:r>
+              <a:rPr b="1" lang="en-CA" sz="1800" spc="-1" strike="noStrike">
+                <a:solidFill>
+                  <a:srgbClr val="000000"/>
+                </a:solidFill>
+                <a:latin typeface="Arial"/>
+                <a:ea typeface="DejaVu Sans"/>
+              </a:rPr>
+              <a:t>Resources</a:t>
+            </a:r>
+            <a:endParaRPr b="0" lang="en-CA" sz="1800" spc="-1" strike="noStrike">
+              <a:latin typeface="Arial"/>
+            </a:endParaRPr>
+          </a:p>
+          <a:p>
+            <a:pPr>
+              <a:lnSpc>
+                <a:spcPct val="100000"/>
+              </a:lnSpc>
+            </a:pPr>
+            <a:endParaRPr b="0" lang="en-CA" sz="1800" spc="-1" strike="noStrike">
+              <a:latin typeface="Arial"/>
+            </a:endParaRPr>
+          </a:p>
+          <a:p>
+            <a:pPr>
+              <a:lnSpc>
+                <a:spcPct val="100000"/>
+              </a:lnSpc>
+            </a:pPr>
+            <a:r>
+              <a:rPr b="0" lang="en-CA" sz="1800" spc="-1" strike="noStrike" u="sng">
+                <a:solidFill>
+                  <a:srgbClr val="0000ff"/>
+                </a:solidFill>
+                <a:uFillTx/>
+                <a:latin typeface="Arial"/>
+                <a:ea typeface="DejaVu Sans"/>
+                <a:hlinkClick r:id="rId1"/>
+              </a:rPr>
+              <a:t>https://www.youtube.com/watch?v=m0a2CzgLNsc</a:t>
+            </a:r>
+            <a:endParaRPr b="0" lang="en-CA" sz="1800" spc="-1" strike="noStrike">
+              <a:latin typeface="Arial"/>
+            </a:endParaRPr>
+          </a:p>
+          <a:p>
+            <a:pPr>
+              <a:lnSpc>
+                <a:spcPct val="100000"/>
+              </a:lnSpc>
+            </a:pPr>
+            <a:endParaRPr b="0" lang="en-CA" sz="1800" spc="-1" strike="noStrike">
+              <a:latin typeface="Arial"/>
+            </a:endParaRPr>
+          </a:p>
+          <a:p>
+            <a:pPr>
+              <a:lnSpc>
+                <a:spcPct val="100000"/>
+              </a:lnSpc>
+            </a:pPr>
+            <a:r>
+              <a:rPr b="0" lang="en-CA" sz="1800" spc="-1" strike="noStrike" u="sng">
+                <a:solidFill>
+                  <a:srgbClr val="0000ff"/>
+                </a:solidFill>
+                <a:uFillTx/>
+                <a:latin typeface="Arial"/>
+                <a:ea typeface="DejaVu Sans"/>
+                <a:hlinkClick r:id="rId2"/>
+              </a:rPr>
+              <a:t>https://www.youtube.com/watch?v=LFkGtg-ZTko</a:t>
+            </a:r>
+            <a:endParaRPr b="0" lang="en-CA" sz="1800" spc="-1" strike="noStrike">
+              <a:latin typeface="Arial"/>
+            </a:endParaRPr>
+          </a:p>
+        </p:txBody>
       </p:sp>
     </p:spTree>
   </p:cSld>
@@ -7788,14 +8735,14 @@
       </p:grpSpPr>
       <p:sp>
         <p:nvSpPr>
-          <p:cNvPr id="185" name="CustomShape 1"/>
+          <p:cNvPr id="195" name="CustomShape 1"/>
           <p:cNvSpPr/>
           <p:nvPr/>
         </p:nvSpPr>
         <p:spPr>
           <a:xfrm>
-            <a:off x="432000" y="1484640"/>
-            <a:ext cx="8278200" cy="5218200"/>
+            <a:off x="432000" y="13680"/>
+            <a:ext cx="7447680" cy="1179720"/>
           </a:xfrm>
           <a:prstGeom prst="rect">
             <a:avLst/>
@@ -7812,173 +8759,6 @@
           <a:fontRef idx="minor"/>
         </p:style>
         <p:txBody>
-          <a:bodyPr lIns="90000" rIns="90000" tIns="45000" bIns="45000">
-            <a:normAutofit/>
-          </a:bodyPr>
-          <a:p>
-            <a:pPr>
-              <a:lnSpc>
-                <a:spcPct val="100000"/>
-              </a:lnSpc>
-              <a:spcBef>
-                <a:spcPts val="479"/>
-              </a:spcBef>
-            </a:pPr>
-            <a:endParaRPr b="0" lang="en-CA" sz="1800" spc="-1" strike="noStrike">
-              <a:latin typeface="Arial"/>
-            </a:endParaRPr>
-          </a:p>
-          <a:p>
-            <a:pPr marL="343080" indent="-341280">
-              <a:lnSpc>
-                <a:spcPct val="100000"/>
-              </a:lnSpc>
-              <a:spcBef>
-                <a:spcPts val="479"/>
-              </a:spcBef>
-              <a:buClr>
-                <a:srgbClr val="000000"/>
-              </a:buClr>
-              <a:buFont typeface="Arial"/>
-              <a:buChar char="•"/>
-            </a:pPr>
-            <a:r>
-              <a:rPr b="0" lang="en-CA" sz="2400" spc="-1" strike="noStrike">
-                <a:solidFill>
-                  <a:srgbClr val="000000"/>
-                </a:solidFill>
-                <a:latin typeface="Calibri"/>
-                <a:ea typeface="DejaVu Sans"/>
-              </a:rPr>
-              <a:t>Portability: is about adapting software that can run on different platforms, for being more platform compatible.</a:t>
-            </a:r>
-            <a:endParaRPr b="0" lang="en-CA" sz="2400" spc="-1" strike="noStrike">
-              <a:latin typeface="Arial"/>
-            </a:endParaRPr>
-          </a:p>
-          <a:p>
-            <a:pPr>
-              <a:lnSpc>
-                <a:spcPct val="100000"/>
-              </a:lnSpc>
-              <a:spcBef>
-                <a:spcPts val="479"/>
-              </a:spcBef>
-            </a:pPr>
-            <a:endParaRPr b="0" lang="en-CA" sz="2400" spc="-1" strike="noStrike">
-              <a:latin typeface="Arial"/>
-            </a:endParaRPr>
-          </a:p>
-          <a:p>
-            <a:pPr marL="343080" indent="-341280">
-              <a:lnSpc>
-                <a:spcPct val="100000"/>
-              </a:lnSpc>
-              <a:spcBef>
-                <a:spcPts val="479"/>
-              </a:spcBef>
-              <a:buClr>
-                <a:srgbClr val="000000"/>
-              </a:buClr>
-              <a:buFont typeface="Arial"/>
-              <a:buChar char="•"/>
-            </a:pPr>
-            <a:r>
-              <a:rPr b="0" lang="en-CA" sz="2400" spc="-1" strike="noStrike">
-                <a:solidFill>
-                  <a:srgbClr val="000000"/>
-                </a:solidFill>
-                <a:latin typeface="Calibri"/>
-                <a:ea typeface="DejaVu Sans"/>
-              </a:rPr>
-              <a:t>Functionality: is the conformity of the software with actual requirements and specifications.</a:t>
-            </a:r>
-            <a:endParaRPr b="0" lang="en-CA" sz="2400" spc="-1" strike="noStrike">
-              <a:latin typeface="Arial"/>
-            </a:endParaRPr>
-          </a:p>
-          <a:p>
-            <a:pPr>
-              <a:lnSpc>
-                <a:spcPct val="100000"/>
-              </a:lnSpc>
-              <a:spcBef>
-                <a:spcPts val="479"/>
-              </a:spcBef>
-            </a:pPr>
-            <a:endParaRPr b="0" lang="en-CA" sz="2400" spc="-1" strike="noStrike">
-              <a:latin typeface="Arial"/>
-            </a:endParaRPr>
-          </a:p>
-          <a:p>
-            <a:pPr marL="343080" indent="-341280">
-              <a:lnSpc>
-                <a:spcPct val="100000"/>
-              </a:lnSpc>
-              <a:spcBef>
-                <a:spcPts val="479"/>
-              </a:spcBef>
-              <a:buClr>
-                <a:srgbClr val="000000"/>
-              </a:buClr>
-              <a:buFont typeface="Arial"/>
-              <a:buChar char="•"/>
-            </a:pPr>
-            <a:r>
-              <a:rPr b="0" lang="en-CA" sz="2400" spc="-1" strike="noStrike">
-                <a:solidFill>
-                  <a:srgbClr val="000000"/>
-                </a:solidFill>
-                <a:latin typeface="Calibri"/>
-                <a:ea typeface="DejaVu Sans"/>
-              </a:rPr>
-              <a:t>And there are others, like security, or testability.</a:t>
-            </a:r>
-            <a:endParaRPr b="0" lang="en-CA" sz="2400" spc="-1" strike="noStrike">
-              <a:latin typeface="Arial"/>
-            </a:endParaRPr>
-          </a:p>
-          <a:p>
-            <a:pPr>
-              <a:lnSpc>
-                <a:spcPct val="100000"/>
-              </a:lnSpc>
-              <a:spcBef>
-                <a:spcPts val="479"/>
-              </a:spcBef>
-            </a:pPr>
-            <a:endParaRPr b="0" lang="en-CA" sz="2400" spc="-1" strike="noStrike">
-              <a:latin typeface="Arial"/>
-            </a:endParaRPr>
-          </a:p>
-        </p:txBody>
-      </p:sp>
-      <p:sp>
-        <p:nvSpPr>
-          <p:cNvPr id="186" name="CustomShape 2"/>
-          <p:cNvSpPr/>
-          <p:nvPr/>
-        </p:nvSpPr>
-        <p:spPr>
-          <a:xfrm>
-            <a:off x="432000" y="0"/>
-            <a:ext cx="7450560" cy="1182600"/>
-          </a:xfrm>
-          <a:prstGeom prst="rect">
-            <a:avLst/>
-          </a:prstGeom>
-          <a:noFill/>
-          <a:ln>
-            <a:noFill/>
-          </a:ln>
-        </p:spPr>
-        <p:style>
-          <a:lnRef idx="0"/>
-          <a:fillRef idx="0"/>
-          <a:effectRef idx="0"/>
-          <a:fontRef idx="minor"/>
-        </p:style>
-        <p:txBody>
           <a:bodyPr lIns="90000" rIns="90000" tIns="45000" bIns="45000" anchor="ctr">
             <a:normAutofit/>
           </a:bodyPr>
@@ -7989,41 +8769,41 @@
               </a:lnSpc>
             </a:pPr>
             <a:r>
-              <a:rPr b="0" lang="en-CA" sz="3000" spc="-1" strike="noStrike">
+              <a:rPr b="0" lang="en-CA" sz="3000" spc="-1" strike="noStrike" cap="all">
                 <a:solidFill>
                   <a:srgbClr val="292929"/>
                 </a:solidFill>
                 <a:latin typeface="Nexa Bold"/>
                 <a:ea typeface="DejaVu Sans"/>
               </a:rPr>
-              <a:t>QUALITY </a:t>
-            </a:r>
-            <a:r>
-              <a:rPr b="0" lang="en-CA" sz="3000" spc="-1" strike="noStrike">
-                <a:solidFill>
-                  <a:srgbClr val="1fa0be"/>
-                </a:solidFill>
-                <a:latin typeface="Nexa Bold"/>
-                <a:ea typeface="DejaVu Sans"/>
-              </a:rPr>
-              <a:t>FACTORS</a:t>
+              <a:t>FINAL PRoject</a:t>
             </a:r>
             <a:endParaRPr b="0" lang="en-CA" sz="3000" spc="-1" strike="noStrike">
               <a:latin typeface="Arial"/>
             </a:endParaRPr>
           </a:p>
-        </p:txBody>
-      </p:sp>
-      <p:sp>
-        <p:nvSpPr>
-          <p:cNvPr id="187" name="CustomShape 3"/>
+          <a:p>
+            <a:pPr>
+              <a:lnSpc>
+                <a:spcPct val="100000"/>
+              </a:lnSpc>
+            </a:pPr>
+            <a:endParaRPr b="0" lang="en-CA" sz="3000" spc="-1" strike="noStrike">
+              <a:latin typeface="Arial"/>
+            </a:endParaRPr>
+          </a:p>
+        </p:txBody>
+      </p:sp>
+      <p:sp>
+        <p:nvSpPr>
+          <p:cNvPr id="196" name="CustomShape 2"/>
           <p:cNvSpPr/>
           <p:nvPr/>
         </p:nvSpPr>
         <p:spPr>
           <a:xfrm>
             <a:off x="0" y="0"/>
-            <a:ext cx="249840" cy="1194840"/>
+            <a:ext cx="246960" cy="1191960"/>
           </a:xfrm>
           <a:prstGeom prst="rect">
             <a:avLst/>
@@ -8052,7 +8832,7 @@
       </p:sp>
       <p:sp>
         <p:nvSpPr>
-          <p:cNvPr id="188" name="Line 4"/>
+          <p:cNvPr id="197" name="Line 3"/>
           <p:cNvSpPr/>
           <p:nvPr/>
         </p:nvSpPr>
@@ -8083,6 +8863,544 @@
           </a:effectRef>
           <a:fontRef idx="minor"/>
         </p:style>
+      </p:sp>
+      <p:sp>
+        <p:nvSpPr>
+          <p:cNvPr id="198" name="CustomShape 4"/>
+          <p:cNvSpPr/>
+          <p:nvPr/>
+        </p:nvSpPr>
+        <p:spPr>
+          <a:xfrm>
+            <a:off x="457200" y="273600"/>
+            <a:ext cx="8226000" cy="5304600"/>
+          </a:xfrm>
+          <a:prstGeom prst="rect">
+            <a:avLst/>
+          </a:prstGeom>
+          <a:noFill/>
+          <a:ln>
+            <a:noFill/>
+          </a:ln>
+        </p:spPr>
+        <p:style>
+          <a:lnRef idx="0"/>
+          <a:fillRef idx="0"/>
+          <a:effectRef idx="0"/>
+          <a:fontRef idx="minor"/>
+        </p:style>
+        <p:txBody>
+          <a:bodyPr lIns="0" rIns="0" tIns="0" bIns="0" anchor="ctr"/>
+          <a:p>
+            <a:pPr algn="ctr">
+              <a:lnSpc>
+                <a:spcPct val="100000"/>
+              </a:lnSpc>
+            </a:pPr>
+            <a:endParaRPr b="0" lang="en-CA" sz="1800" spc="-1" strike="noStrike">
+              <a:latin typeface="Arial"/>
+            </a:endParaRPr>
+          </a:p>
+          <a:p>
+            <a:pPr algn="ctr">
+              <a:lnSpc>
+                <a:spcPct val="100000"/>
+              </a:lnSpc>
+            </a:pPr>
+            <a:endParaRPr b="0" lang="en-CA" sz="1800" spc="-1" strike="noStrike">
+              <a:latin typeface="Arial"/>
+            </a:endParaRPr>
+          </a:p>
+        </p:txBody>
+      </p:sp>
+      <p:sp>
+        <p:nvSpPr>
+          <p:cNvPr id="199" name="CustomShape 5"/>
+          <p:cNvSpPr/>
+          <p:nvPr/>
+        </p:nvSpPr>
+        <p:spPr>
+          <a:xfrm>
+            <a:off x="576000" y="1692000"/>
+            <a:ext cx="6764760" cy="2390760"/>
+          </a:xfrm>
+          <a:prstGeom prst="rect">
+            <a:avLst/>
+          </a:prstGeom>
+          <a:noFill/>
+          <a:ln>
+            <a:noFill/>
+          </a:ln>
+        </p:spPr>
+        <p:style>
+          <a:lnRef idx="0"/>
+          <a:fillRef idx="0"/>
+          <a:effectRef idx="0"/>
+          <a:fontRef idx="minor"/>
+        </p:style>
+        <p:txBody>
+          <a:bodyPr lIns="90000" rIns="90000" tIns="45000" bIns="45000"/>
+          <a:p>
+            <a:pPr>
+              <a:lnSpc>
+                <a:spcPct val="100000"/>
+              </a:lnSpc>
+            </a:pPr>
+            <a:r>
+              <a:rPr b="1" lang="en-CA" sz="1800" spc="-1" strike="noStrike">
+                <a:solidFill>
+                  <a:srgbClr val="000000"/>
+                </a:solidFill>
+                <a:latin typeface="Arial"/>
+                <a:ea typeface="DejaVu Sans"/>
+              </a:rPr>
+              <a:t>Testing Out Our Knowledge</a:t>
+            </a:r>
+            <a:endParaRPr b="0" lang="en-CA" sz="1800" spc="-1" strike="noStrike">
+              <a:latin typeface="Arial"/>
+            </a:endParaRPr>
+          </a:p>
+          <a:p>
+            <a:pPr>
+              <a:lnSpc>
+                <a:spcPct val="100000"/>
+              </a:lnSpc>
+            </a:pPr>
+            <a:r>
+              <a:rPr b="0" lang="en-CA" sz="1800" spc="-1" strike="noStrike">
+                <a:solidFill>
+                  <a:srgbClr val="000000"/>
+                </a:solidFill>
+                <a:latin typeface="Arial"/>
+                <a:ea typeface="DejaVu Sans"/>
+              </a:rPr>
+              <a:t>Now that we have a solid understanding of DevOps we are going to take our knowledge and put it into practice.</a:t>
+            </a:r>
+            <a:endParaRPr b="0" lang="en-CA" sz="1800" spc="-1" strike="noStrike">
+              <a:latin typeface="Arial"/>
+            </a:endParaRPr>
+          </a:p>
+          <a:p>
+            <a:pPr>
+              <a:lnSpc>
+                <a:spcPct val="100000"/>
+              </a:lnSpc>
+            </a:pPr>
+            <a:endParaRPr b="0" lang="en-CA" sz="1800" spc="-1" strike="noStrike">
+              <a:latin typeface="Arial"/>
+            </a:endParaRPr>
+          </a:p>
+          <a:p>
+            <a:pPr>
+              <a:lnSpc>
+                <a:spcPct val="100000"/>
+              </a:lnSpc>
+            </a:pPr>
+            <a:r>
+              <a:rPr b="1" lang="en-CA" sz="1800" spc="-1" strike="noStrike">
+                <a:solidFill>
+                  <a:srgbClr val="000000"/>
+                </a:solidFill>
+                <a:latin typeface="Arial"/>
+                <a:ea typeface="DejaVu Sans"/>
+              </a:rPr>
+              <a:t>The Assignment</a:t>
+            </a:r>
+            <a:endParaRPr b="0" lang="en-CA" sz="1800" spc="-1" strike="noStrike">
+              <a:latin typeface="Arial"/>
+            </a:endParaRPr>
+          </a:p>
+          <a:p>
+            <a:pPr>
+              <a:lnSpc>
+                <a:spcPct val="100000"/>
+              </a:lnSpc>
+            </a:pPr>
+            <a:r>
+              <a:rPr b="0" lang="en-CA" sz="1800" spc="-1" strike="noStrike">
+                <a:solidFill>
+                  <a:srgbClr val="000000"/>
+                </a:solidFill>
+                <a:latin typeface="Arial"/>
+                <a:ea typeface="DejaVu Sans"/>
+              </a:rPr>
+              <a:t>1) </a:t>
+            </a:r>
+            <a:r>
+              <a:rPr b="0" lang="en-CA" sz="1800" spc="-1" strike="noStrike">
+                <a:solidFill>
+                  <a:srgbClr val="000000"/>
+                </a:solidFill>
+                <a:latin typeface="Arial"/>
+                <a:ea typeface="DejaVu Sans"/>
+              </a:rPr>
+              <a:t>	</a:t>
+            </a:r>
+            <a:r>
+              <a:rPr b="0" lang="en-CA" sz="1800" spc="-1" strike="noStrike">
+                <a:solidFill>
+                  <a:srgbClr val="000000"/>
+                </a:solidFill>
+                <a:latin typeface="Arial"/>
+                <a:ea typeface="DejaVu Sans"/>
+              </a:rPr>
+              <a:t>Configure another Ubuntu 19.04 virtual machine</a:t>
+            </a:r>
+            <a:endParaRPr b="0" lang="en-CA" sz="1800" spc="-1" strike="noStrike">
+              <a:latin typeface="Arial"/>
+            </a:endParaRPr>
+          </a:p>
+          <a:p>
+            <a:pPr>
+              <a:lnSpc>
+                <a:spcPct val="100000"/>
+              </a:lnSpc>
+            </a:pPr>
+            <a:r>
+              <a:rPr b="0" lang="en-CA" sz="1800" spc="-1" strike="noStrike">
+                <a:solidFill>
+                  <a:srgbClr val="000000"/>
+                </a:solidFill>
+                <a:latin typeface="Arial"/>
+                <a:ea typeface="DejaVu Sans"/>
+              </a:rPr>
+              <a:t>2)</a:t>
+            </a:r>
+            <a:r>
+              <a:rPr b="0" lang="en-CA" sz="1800" spc="-1" strike="noStrike">
+                <a:solidFill>
+                  <a:srgbClr val="000000"/>
+                </a:solidFill>
+                <a:latin typeface="Arial"/>
+                <a:ea typeface="DejaVu Sans"/>
+              </a:rPr>
+              <a:t>	</a:t>
+            </a:r>
+            <a:r>
+              <a:rPr b="0" lang="en-CA" sz="1800" spc="-1" strike="noStrike">
+                <a:solidFill>
+                  <a:srgbClr val="000000"/>
+                </a:solidFill>
+                <a:latin typeface="Arial"/>
+                <a:ea typeface="DejaVu Sans"/>
+              </a:rPr>
+              <a:t>Install our tools (docker / python / git / jenkins) on that </a:t>
+            </a:r>
+            <a:r>
+              <a:rPr b="0" lang="en-CA" sz="1800" spc="-1" strike="noStrike">
+                <a:solidFill>
+                  <a:srgbClr val="000000"/>
+                </a:solidFill>
+                <a:latin typeface="Arial"/>
+                <a:ea typeface="DejaVu Sans"/>
+              </a:rPr>
+              <a:t>	</a:t>
+            </a:r>
+            <a:r>
+              <a:rPr b="0" lang="en-CA" sz="1800" spc="-1" strike="noStrike">
+                <a:solidFill>
+                  <a:srgbClr val="000000"/>
+                </a:solidFill>
+                <a:latin typeface="Arial"/>
+                <a:ea typeface="DejaVu Sans"/>
+              </a:rPr>
+              <a:t>	</a:t>
+            </a:r>
+            <a:r>
+              <a:rPr b="0" lang="en-CA" sz="1800" spc="-1" strike="noStrike">
+                <a:solidFill>
+                  <a:srgbClr val="000000"/>
+                </a:solidFill>
+                <a:latin typeface="Arial"/>
+                <a:ea typeface="DejaVu Sans"/>
+              </a:rPr>
+              <a:t>machine</a:t>
+            </a:r>
+            <a:endParaRPr b="0" lang="en-CA" sz="1800" spc="-1" strike="noStrike">
+              <a:latin typeface="Arial"/>
+            </a:endParaRPr>
+          </a:p>
+          <a:p>
+            <a:pPr>
+              <a:lnSpc>
+                <a:spcPct val="100000"/>
+              </a:lnSpc>
+            </a:pPr>
+            <a:r>
+              <a:rPr b="0" lang="en-CA" sz="1800" spc="-1" strike="noStrike">
+                <a:solidFill>
+                  <a:srgbClr val="000000"/>
+                </a:solidFill>
+                <a:latin typeface="Arial"/>
+                <a:ea typeface="DejaVu Sans"/>
+              </a:rPr>
+              <a:t>3)</a:t>
+            </a:r>
+            <a:r>
+              <a:rPr b="0" lang="en-CA" sz="1800" spc="-1" strike="noStrike">
+                <a:solidFill>
+                  <a:srgbClr val="000000"/>
+                </a:solidFill>
+                <a:latin typeface="Arial"/>
+                <a:ea typeface="DejaVu Sans"/>
+              </a:rPr>
+              <a:t>	</a:t>
+            </a:r>
+            <a:r>
+              <a:rPr b="0" lang="en-CA" sz="1800" spc="-1" strike="noStrike">
+                <a:solidFill>
+                  <a:srgbClr val="000000"/>
+                </a:solidFill>
+                <a:latin typeface="Arial"/>
+                <a:ea typeface="DejaVu Sans"/>
+              </a:rPr>
+              <a:t>Setup Jenkins to run in a container on that VM</a:t>
+            </a:r>
+            <a:endParaRPr b="0" lang="en-CA" sz="1800" spc="-1" strike="noStrike">
+              <a:latin typeface="Arial"/>
+            </a:endParaRPr>
+          </a:p>
+          <a:p>
+            <a:pPr>
+              <a:lnSpc>
+                <a:spcPct val="100000"/>
+              </a:lnSpc>
+            </a:pPr>
+            <a:r>
+              <a:rPr b="0" lang="en-CA" sz="1800" spc="-1" strike="noStrike">
+                <a:solidFill>
+                  <a:srgbClr val="000000"/>
+                </a:solidFill>
+                <a:latin typeface="Arial"/>
+                <a:ea typeface="DejaVu Sans"/>
+              </a:rPr>
+              <a:t>4)</a:t>
+            </a:r>
+            <a:r>
+              <a:rPr b="0" lang="en-CA" sz="1800" spc="-1" strike="noStrike">
+                <a:solidFill>
+                  <a:srgbClr val="000000"/>
+                </a:solidFill>
+                <a:latin typeface="Arial"/>
+                <a:ea typeface="DejaVu Sans"/>
+              </a:rPr>
+              <a:t>	</a:t>
+            </a:r>
+            <a:r>
+              <a:rPr b="0" lang="en-CA" sz="1800" spc="-1" strike="noStrike">
+                <a:solidFill>
+                  <a:srgbClr val="000000"/>
+                </a:solidFill>
+                <a:latin typeface="Arial"/>
+                <a:ea typeface="DejaVu Sans"/>
+              </a:rPr>
+              <a:t>Use Ansible to create an EC2 instance on AWS</a:t>
+            </a:r>
+            <a:endParaRPr b="0" lang="en-CA" sz="1800" spc="-1" strike="noStrike">
+              <a:latin typeface="Arial"/>
+            </a:endParaRPr>
+          </a:p>
+          <a:p>
+            <a:pPr>
+              <a:lnSpc>
+                <a:spcPct val="100000"/>
+              </a:lnSpc>
+            </a:pPr>
+            <a:r>
+              <a:rPr b="0" lang="en-CA" sz="1800" spc="-1" strike="noStrike">
+                <a:solidFill>
+                  <a:srgbClr val="000000"/>
+                </a:solidFill>
+                <a:latin typeface="Arial"/>
+                <a:ea typeface="DejaVu Sans"/>
+              </a:rPr>
+              <a:t>5)</a:t>
+            </a:r>
+            <a:r>
+              <a:rPr b="0" lang="en-CA" sz="1800" spc="-1" strike="noStrike">
+                <a:solidFill>
+                  <a:srgbClr val="000000"/>
+                </a:solidFill>
+                <a:latin typeface="Arial"/>
+                <a:ea typeface="DejaVu Sans"/>
+              </a:rPr>
+              <a:t>	</a:t>
+            </a:r>
+            <a:r>
+              <a:rPr b="0" lang="en-CA" sz="1800" spc="-1" strike="noStrike">
+                <a:solidFill>
+                  <a:srgbClr val="000000"/>
+                </a:solidFill>
+                <a:latin typeface="Arial"/>
+                <a:ea typeface="DejaVu Sans"/>
+              </a:rPr>
+              <a:t>Create an application directory for our python application</a:t>
+            </a:r>
+            <a:endParaRPr b="0" lang="en-CA" sz="1800" spc="-1" strike="noStrike">
+              <a:latin typeface="Arial"/>
+            </a:endParaRPr>
+          </a:p>
+          <a:p>
+            <a:pPr>
+              <a:lnSpc>
+                <a:spcPct val="100000"/>
+              </a:lnSpc>
+            </a:pPr>
+            <a:r>
+              <a:rPr b="0" lang="en-CA" sz="1800" spc="-1" strike="noStrike">
+                <a:solidFill>
+                  <a:srgbClr val="000000"/>
+                </a:solidFill>
+                <a:latin typeface="Arial"/>
+                <a:ea typeface="DejaVu Sans"/>
+              </a:rPr>
+              <a:t>6)</a:t>
+            </a:r>
+            <a:r>
+              <a:rPr b="0" lang="en-CA" sz="1800" spc="-1" strike="noStrike">
+                <a:solidFill>
+                  <a:srgbClr val="000000"/>
+                </a:solidFill>
+                <a:latin typeface="Arial"/>
+                <a:ea typeface="DejaVu Sans"/>
+              </a:rPr>
+              <a:t>	</a:t>
+            </a:r>
+            <a:r>
+              <a:rPr b="0" lang="en-CA" sz="1800" spc="-1" strike="noStrike">
+                <a:solidFill>
+                  <a:srgbClr val="000000"/>
+                </a:solidFill>
+                <a:latin typeface="Arial"/>
+                <a:ea typeface="DejaVu Sans"/>
+              </a:rPr>
+              <a:t>Put our python directory under version control</a:t>
+            </a:r>
+            <a:endParaRPr b="0" lang="en-CA" sz="1800" spc="-1" strike="noStrike">
+              <a:latin typeface="Arial"/>
+            </a:endParaRPr>
+          </a:p>
+          <a:p>
+            <a:pPr>
+              <a:lnSpc>
+                <a:spcPct val="100000"/>
+              </a:lnSpc>
+            </a:pPr>
+            <a:r>
+              <a:rPr b="0" lang="en-CA" sz="1800" spc="-1" strike="noStrike">
+                <a:solidFill>
+                  <a:srgbClr val="000000"/>
+                </a:solidFill>
+                <a:latin typeface="Arial"/>
+                <a:ea typeface="DejaVu Sans"/>
+              </a:rPr>
+              <a:t>7)</a:t>
+            </a:r>
+            <a:r>
+              <a:rPr b="0" lang="en-CA" sz="1800" spc="-1" strike="noStrike">
+                <a:solidFill>
+                  <a:srgbClr val="000000"/>
+                </a:solidFill>
+                <a:latin typeface="Arial"/>
+                <a:ea typeface="DejaVu Sans"/>
+              </a:rPr>
+              <a:t>	</a:t>
+            </a:r>
+            <a:r>
+              <a:rPr b="0" lang="en-CA" sz="1800" spc="-1" strike="noStrike">
+                <a:solidFill>
+                  <a:srgbClr val="000000"/>
+                </a:solidFill>
+                <a:latin typeface="Arial"/>
+                <a:ea typeface="DejaVu Sans"/>
+              </a:rPr>
+              <a:t>Configure python to push that application up to the EC2 </a:t>
+            </a:r>
+            <a:r>
+              <a:rPr b="0" lang="en-CA" sz="1800" spc="-1" strike="noStrike">
+                <a:solidFill>
+                  <a:srgbClr val="000000"/>
+                </a:solidFill>
+                <a:latin typeface="Arial"/>
+                <a:ea typeface="DejaVu Sans"/>
+              </a:rPr>
+              <a:t>	</a:t>
+            </a:r>
+            <a:endParaRPr b="0" lang="en-CA" sz="1800" spc="-1" strike="noStrike">
+              <a:latin typeface="Arial"/>
+            </a:endParaRPr>
+          </a:p>
+          <a:p>
+            <a:pPr>
+              <a:lnSpc>
+                <a:spcPct val="100000"/>
+              </a:lnSpc>
+            </a:pPr>
+            <a:r>
+              <a:rPr b="0" lang="en-CA" sz="1800" spc="-1" strike="noStrike">
+                <a:solidFill>
+                  <a:srgbClr val="000000"/>
+                </a:solidFill>
+                <a:latin typeface="Arial"/>
+                <a:ea typeface="DejaVu Sans"/>
+              </a:rPr>
+              <a:t>	</a:t>
+            </a:r>
+            <a:r>
+              <a:rPr b="0" lang="en-CA" sz="1800" spc="-1" strike="noStrike">
+                <a:solidFill>
+                  <a:srgbClr val="000000"/>
+                </a:solidFill>
+                <a:latin typeface="Arial"/>
+                <a:ea typeface="DejaVu Sans"/>
+              </a:rPr>
+              <a:t>instance on AWS.</a:t>
+            </a:r>
+            <a:endParaRPr b="0" lang="en-CA" sz="1800" spc="-1" strike="noStrike">
+              <a:latin typeface="Arial"/>
+            </a:endParaRPr>
+          </a:p>
+          <a:p>
+            <a:pPr>
+              <a:lnSpc>
+                <a:spcPct val="100000"/>
+              </a:lnSpc>
+            </a:pPr>
+            <a:r>
+              <a:rPr b="0" lang="en-CA" sz="1800" spc="-1" strike="noStrike">
+                <a:solidFill>
+                  <a:srgbClr val="000000"/>
+                </a:solidFill>
+                <a:latin typeface="Arial"/>
+                <a:ea typeface="DejaVu Sans"/>
+              </a:rPr>
+              <a:t>8) </a:t>
+            </a:r>
+            <a:r>
+              <a:rPr b="0" lang="en-CA" sz="1800" spc="-1" strike="noStrike">
+                <a:solidFill>
+                  <a:srgbClr val="000000"/>
+                </a:solidFill>
+                <a:latin typeface="Arial"/>
+                <a:ea typeface="DejaVu Sans"/>
+              </a:rPr>
+              <a:t>	</a:t>
+            </a:r>
+            <a:r>
+              <a:rPr b="0" lang="en-CA" sz="1800" spc="-1" strike="noStrike">
+                <a:solidFill>
+                  <a:srgbClr val="000000"/>
+                </a:solidFill>
+                <a:latin typeface="Arial"/>
+                <a:ea typeface="DejaVu Sans"/>
+              </a:rPr>
+              <a:t>Verify our application is working on our EC2 Instance.</a:t>
+            </a:r>
+            <a:endParaRPr b="0" lang="en-CA" sz="1800" spc="-1" strike="noStrike">
+              <a:latin typeface="Arial"/>
+            </a:endParaRPr>
+          </a:p>
+        </p:txBody>
       </p:sp>
     </p:spTree>
   </p:cSld>
@@ -8142,14 +9460,14 @@
       </p:grpSpPr>
       <p:sp>
         <p:nvSpPr>
-          <p:cNvPr id="189" name="CustomShape 1"/>
+          <p:cNvPr id="200" name="CustomShape 1"/>
           <p:cNvSpPr/>
           <p:nvPr/>
         </p:nvSpPr>
         <p:spPr>
           <a:xfrm>
-            <a:off x="432000" y="1484640"/>
-            <a:ext cx="8278200" cy="5219640"/>
+            <a:off x="432000" y="0"/>
+            <a:ext cx="7447680" cy="1179720"/>
           </a:xfrm>
           <a:prstGeom prst="rect">
             <a:avLst/>
@@ -8166,221 +9484,6 @@
           <a:fontRef idx="minor"/>
         </p:style>
         <p:txBody>
-          <a:bodyPr lIns="90000" rIns="90000" tIns="45000" bIns="45000">
-            <a:normAutofit/>
-          </a:bodyPr>
-          <a:p>
-            <a:pPr>
-              <a:lnSpc>
-                <a:spcPct val="100000"/>
-              </a:lnSpc>
-              <a:spcBef>
-                <a:spcPts val="479"/>
-              </a:spcBef>
-            </a:pPr>
-            <a:endParaRPr b="0" lang="en-CA" sz="1800" spc="-1" strike="noStrike">
-              <a:latin typeface="Arial"/>
-            </a:endParaRPr>
-          </a:p>
-          <a:p>
-            <a:pPr>
-              <a:lnSpc>
-                <a:spcPct val="100000"/>
-              </a:lnSpc>
-              <a:spcBef>
-                <a:spcPts val="479"/>
-              </a:spcBef>
-            </a:pPr>
-            <a:r>
-              <a:rPr b="0" lang="en-CA" sz="2400" spc="-1" strike="noStrike">
-                <a:solidFill>
-                  <a:srgbClr val="000000"/>
-                </a:solidFill>
-                <a:latin typeface="Calibri"/>
-                <a:ea typeface="DejaVu Sans"/>
-              </a:rPr>
-              <a:t>A Metric is a quantitative measure of the degree to which a system, system component, or process possesses a given attribute.</a:t>
-            </a:r>
-            <a:endParaRPr b="0" lang="en-CA" sz="2400" spc="-1" strike="noStrike">
-              <a:latin typeface="Arial"/>
-            </a:endParaRPr>
-          </a:p>
-          <a:p>
-            <a:pPr>
-              <a:lnSpc>
-                <a:spcPct val="100000"/>
-              </a:lnSpc>
-              <a:spcBef>
-                <a:spcPts val="479"/>
-              </a:spcBef>
-            </a:pPr>
-            <a:endParaRPr b="0" lang="en-CA" sz="2400" spc="-1" strike="noStrike">
-              <a:latin typeface="Arial"/>
-            </a:endParaRPr>
-          </a:p>
-          <a:p>
-            <a:pPr>
-              <a:lnSpc>
-                <a:spcPct val="100000"/>
-              </a:lnSpc>
-              <a:spcBef>
-                <a:spcPts val="479"/>
-              </a:spcBef>
-            </a:pPr>
-            <a:r>
-              <a:rPr b="0" lang="en-CA" sz="2400" spc="-1" strike="noStrike">
-                <a:solidFill>
-                  <a:srgbClr val="000000"/>
-                </a:solidFill>
-                <a:latin typeface="Calibri"/>
-                <a:ea typeface="DejaVu Sans"/>
-              </a:rPr>
-              <a:t>Metrics life cycle:</a:t>
-            </a:r>
-            <a:endParaRPr b="0" lang="en-CA" sz="2400" spc="-1" strike="noStrike">
-              <a:latin typeface="Arial"/>
-            </a:endParaRPr>
-          </a:p>
-          <a:p>
-            <a:pPr marL="343080" indent="-341280">
-              <a:lnSpc>
-                <a:spcPct val="100000"/>
-              </a:lnSpc>
-              <a:spcBef>
-                <a:spcPts val="479"/>
-              </a:spcBef>
-              <a:buClr>
-                <a:srgbClr val="000000"/>
-              </a:buClr>
-              <a:buFont typeface="Arial"/>
-              <a:buChar char="•"/>
-            </a:pPr>
-            <a:r>
-              <a:rPr b="0" lang="en-CA" sz="2400" spc="-1" strike="noStrike">
-                <a:solidFill>
-                  <a:srgbClr val="000000"/>
-                </a:solidFill>
-                <a:latin typeface="Calibri"/>
-                <a:ea typeface="DejaVu Sans"/>
-              </a:rPr>
-              <a:t>Analysis: identification, definition</a:t>
-            </a:r>
-            <a:endParaRPr b="0" lang="en-CA" sz="2400" spc="-1" strike="noStrike">
-              <a:latin typeface="Arial"/>
-            </a:endParaRPr>
-          </a:p>
-          <a:p>
-            <a:pPr marL="343080" indent="-341280">
-              <a:lnSpc>
-                <a:spcPct val="100000"/>
-              </a:lnSpc>
-              <a:spcBef>
-                <a:spcPts val="479"/>
-              </a:spcBef>
-              <a:buClr>
-                <a:srgbClr val="000000"/>
-              </a:buClr>
-              <a:buFont typeface="Arial"/>
-              <a:buChar char="•"/>
-            </a:pPr>
-            <a:r>
-              <a:rPr b="0" lang="en-CA" sz="2400" spc="-1" strike="noStrike">
-                <a:solidFill>
-                  <a:srgbClr val="000000"/>
-                </a:solidFill>
-                <a:latin typeface="Calibri"/>
-                <a:ea typeface="DejaVu Sans"/>
-              </a:rPr>
-              <a:t>Communicate: explain, educate</a:t>
-            </a:r>
-            <a:endParaRPr b="0" lang="en-CA" sz="2400" spc="-1" strike="noStrike">
-              <a:latin typeface="Arial"/>
-            </a:endParaRPr>
-          </a:p>
-          <a:p>
-            <a:pPr marL="343080" indent="-341280">
-              <a:lnSpc>
-                <a:spcPct val="100000"/>
-              </a:lnSpc>
-              <a:spcBef>
-                <a:spcPts val="479"/>
-              </a:spcBef>
-              <a:buClr>
-                <a:srgbClr val="000000"/>
-              </a:buClr>
-              <a:buFont typeface="Arial"/>
-              <a:buChar char="•"/>
-            </a:pPr>
-            <a:r>
-              <a:rPr b="0" lang="en-CA" sz="2400" spc="-1" strike="noStrike">
-                <a:solidFill>
-                  <a:srgbClr val="000000"/>
-                </a:solidFill>
-                <a:latin typeface="Calibri"/>
-                <a:ea typeface="DejaVu Sans"/>
-              </a:rPr>
-              <a:t>Evaluation: capture &amp; verify, calculate</a:t>
-            </a:r>
-            <a:endParaRPr b="0" lang="en-CA" sz="2400" spc="-1" strike="noStrike">
-              <a:latin typeface="Arial"/>
-            </a:endParaRPr>
-          </a:p>
-          <a:p>
-            <a:pPr marL="343080" indent="-341280">
-              <a:lnSpc>
-                <a:spcPct val="100000"/>
-              </a:lnSpc>
-              <a:spcBef>
-                <a:spcPts val="479"/>
-              </a:spcBef>
-              <a:buClr>
-                <a:srgbClr val="000000"/>
-              </a:buClr>
-              <a:buFont typeface="Arial"/>
-              <a:buChar char="•"/>
-            </a:pPr>
-            <a:r>
-              <a:rPr b="0" lang="en-CA" sz="2400" spc="-1" strike="noStrike">
-                <a:solidFill>
-                  <a:srgbClr val="000000"/>
-                </a:solidFill>
-                <a:latin typeface="Calibri"/>
-                <a:ea typeface="DejaVu Sans"/>
-              </a:rPr>
-              <a:t>Report: develop report, distribute, take feedback</a:t>
-            </a:r>
-            <a:endParaRPr b="0" lang="en-CA" sz="2400" spc="-1" strike="noStrike">
-              <a:latin typeface="Arial"/>
-            </a:endParaRPr>
-          </a:p>
-        </p:txBody>
-      </p:sp>
-      <p:sp>
-        <p:nvSpPr>
-          <p:cNvPr id="190" name="CustomShape 2"/>
-          <p:cNvSpPr/>
-          <p:nvPr/>
-        </p:nvSpPr>
-        <p:spPr>
-          <a:xfrm>
-            <a:off x="432000" y="0"/>
-            <a:ext cx="7450560" cy="1182600"/>
-          </a:xfrm>
-          <a:prstGeom prst="rect">
-            <a:avLst/>
-          </a:prstGeom>
-          <a:noFill/>
-          <a:ln>
-            <a:noFill/>
-          </a:ln>
-        </p:spPr>
-        <p:style>
-          <a:lnRef idx="0"/>
-          <a:fillRef idx="0"/>
-          <a:effectRef idx="0"/>
-          <a:fontRef idx="minor"/>
-        </p:style>
-        <p:txBody>
           <a:bodyPr lIns="90000" rIns="90000" tIns="45000" bIns="45000" anchor="ctr">
             <a:normAutofit/>
           </a:bodyPr>
@@ -8398,7 +9501,7 @@
                 <a:latin typeface="Nexa Bold"/>
                 <a:ea typeface="DejaVu Sans"/>
               </a:rPr>
-              <a:t>TESTING </a:t>
+              <a:t>THE </a:t>
             </a:r>
             <a:r>
               <a:rPr b="0" lang="en-CA" sz="3000" spc="-1" strike="noStrike">
@@ -8408,7 +9511,7 @@
                 <a:latin typeface="Nexa Bold"/>
                 <a:ea typeface="DejaVu Sans"/>
               </a:rPr>
-              <a:t>METRICS</a:t>
+              <a:t>END</a:t>
             </a:r>
             <a:endParaRPr b="0" lang="en-CA" sz="3000" spc="-1" strike="noStrike">
               <a:latin typeface="Arial"/>
@@ -8418,14 +9521,14 @@
       </p:sp>
       <p:sp>
         <p:nvSpPr>
-          <p:cNvPr id="191" name="CustomShape 3"/>
+          <p:cNvPr id="201" name="CustomShape 2"/>
           <p:cNvSpPr/>
           <p:nvPr/>
         </p:nvSpPr>
         <p:spPr>
           <a:xfrm>
             <a:off x="0" y="0"/>
-            <a:ext cx="249840" cy="1194840"/>
+            <a:ext cx="246960" cy="1191960"/>
           </a:xfrm>
           <a:prstGeom prst="rect">
             <a:avLst/>
@@ -8454,7 +9557,7 @@
       </p:sp>
       <p:sp>
         <p:nvSpPr>
-          <p:cNvPr id="192" name="Line 4"/>
+          <p:cNvPr id="202" name="Line 3"/>
           <p:cNvSpPr/>
           <p:nvPr/>
         </p:nvSpPr>
@@ -8486,6 +9589,60 @@
           <a:fontRef idx="minor"/>
         </p:style>
       </p:sp>
+      <p:sp>
+        <p:nvSpPr>
+          <p:cNvPr id="203" name="CustomShape 4"/>
+          <p:cNvSpPr/>
+          <p:nvPr/>
+        </p:nvSpPr>
+        <p:spPr>
+          <a:xfrm>
+            <a:off x="432000" y="1340640"/>
+            <a:ext cx="8275320" cy="5215320"/>
+          </a:xfrm>
+          <a:prstGeom prst="rect">
+            <a:avLst/>
+          </a:prstGeom>
+          <a:noFill/>
+          <a:ln>
+            <a:noFill/>
+          </a:ln>
+        </p:spPr>
+        <p:style>
+          <a:lnRef idx="0"/>
+          <a:fillRef idx="0"/>
+          <a:effectRef idx="0"/>
+          <a:fontRef idx="minor"/>
+        </p:style>
+        <p:txBody>
+          <a:bodyPr lIns="90000" rIns="90000" tIns="45000" bIns="45000" anchor="ctr">
+            <a:normAutofit/>
+          </a:bodyPr>
+          <a:p>
+            <a:pPr algn="ctr">
+              <a:lnSpc>
+                <a:spcPct val="100000"/>
+              </a:lnSpc>
+              <a:spcBef>
+                <a:spcPts val="921"/>
+              </a:spcBef>
+            </a:pPr>
+            <a:r>
+              <a:rPr b="1" lang="en-CA" sz="4600" spc="-1" strike="noStrike">
+                <a:solidFill>
+                  <a:srgbClr val="146e83"/>
+                </a:solidFill>
+                <a:latin typeface="Calibri"/>
+                <a:ea typeface="DejaVu Sans"/>
+              </a:rPr>
+              <a:t>QUESTIONS?</a:t>
+            </a:r>
+            <a:endParaRPr b="0" lang="en-CA" sz="4600" spc="-1" strike="noStrike">
+              <a:latin typeface="Arial"/>
+            </a:endParaRPr>
+          </a:p>
+        </p:txBody>
+      </p:sp>
     </p:spTree>
   </p:cSld>
   <p:timing>
@@ -8495,581 +9652,6 @@
           <p:childTnLst>
             <p:seq>
               <p:cTn id="36" dur="indefinite" nodeType="mainSeq"/>
-              <p:prevCondLst>
-                <p:cond delay="0" evt="onPrev">
-                  <p:tgtEl>
-                    <p:sldTgt/>
-                  </p:tgtEl>
-                </p:cond>
-              </p:prevCondLst>
-              <p:nextCondLst>
-                <p:cond delay="0" evt="onNext">
-                  <p:tgtEl>
-                    <p:sldTgt/>
-                  </p:tgtEl>
-                </p:cond>
-              </p:nextCondLst>
-            </p:seq>
-          </p:childTnLst>
-        </p:cTn>
-      </p:par>
-    </p:tnLst>
-  </p:timing>
-</p:sld>
-</file>
-
-<file path=ppt/slides/slide19.xml><?xml version="1.0" encoding="utf-8"?>
-<p:sld xmlns:a="http://schemas.openxmlformats.org/drawingml/2006/main" xmlns:p="http://schemas.openxmlformats.org/presentationml/2006/main" xmlns:r="http://schemas.openxmlformats.org/officeDocument/2006/relationships" xmlns:p14="http://schemas.microsoft.com/office/powerpoint/2010/main" xmlns:p15="http://schemas.microsoft.com/office/powerpoint/2012/main" xmlns:mc="http://schemas.openxmlformats.org/markup-compatibility/2006">
-  <p:cSld>
-    <p:bg>
-      <p:bgPr>
-        <a:solidFill>
-          <a:srgbClr val="f2f2f2"/>
-        </a:solidFill>
-      </p:bgPr>
-    </p:bg>
-    <p:spTree>
-      <p:nvGrpSpPr>
-        <p:cNvPr id="1" name=""/>
-        <p:cNvGrpSpPr/>
-        <p:nvPr/>
-      </p:nvGrpSpPr>
-      <p:grpSpPr>
-        <a:xfrm>
-          <a:off x="0" y="0"/>
-          <a:ext cx="0" cy="0"/>
-          <a:chOff x="0" y="0"/>
-          <a:chExt cx="0" cy="0"/>
-        </a:xfrm>
-      </p:grpSpPr>
-      <p:sp>
-        <p:nvSpPr>
-          <p:cNvPr id="193" name="CustomShape 1"/>
-          <p:cNvSpPr/>
-          <p:nvPr/>
-        </p:nvSpPr>
-        <p:spPr>
-          <a:xfrm>
-            <a:off x="432000" y="1484640"/>
-            <a:ext cx="8278200" cy="5219640"/>
-          </a:xfrm>
-          <a:prstGeom prst="rect">
-            <a:avLst/>
-          </a:prstGeom>
-          <a:noFill/>
-          <a:ln>
-            <a:noFill/>
-          </a:ln>
-        </p:spPr>
-        <p:style>
-          <a:lnRef idx="0"/>
-          <a:fillRef idx="0"/>
-          <a:effectRef idx="0"/>
-          <a:fontRef idx="minor"/>
-        </p:style>
-        <p:txBody>
-          <a:bodyPr lIns="90000" rIns="90000" tIns="45000" bIns="45000"/>
-          <a:p>
-            <a:pPr>
-              <a:lnSpc>
-                <a:spcPct val="100000"/>
-              </a:lnSpc>
-              <a:spcBef>
-                <a:spcPts val="439"/>
-              </a:spcBef>
-            </a:pPr>
-            <a:r>
-              <a:rPr b="0" lang="en-CA" sz="2200" spc="-1" strike="noStrike">
-                <a:solidFill>
-                  <a:srgbClr val="000000"/>
-                </a:solidFill>
-                <a:latin typeface="Calibri"/>
-                <a:ea typeface="DejaVu Sans"/>
-              </a:rPr>
-              <a:t>Examples of software testing metrics:</a:t>
-            </a:r>
-            <a:endParaRPr b="0" lang="en-CA" sz="2200" spc="-1" strike="noStrike">
-              <a:latin typeface="Arial"/>
-            </a:endParaRPr>
-          </a:p>
-          <a:p>
-            <a:pPr marL="343080" indent="-341280">
-              <a:lnSpc>
-                <a:spcPct val="100000"/>
-              </a:lnSpc>
-              <a:spcBef>
-                <a:spcPts val="439"/>
-              </a:spcBef>
-              <a:buClr>
-                <a:srgbClr val="000000"/>
-              </a:buClr>
-              <a:buFont typeface="Arial"/>
-              <a:buChar char="•"/>
-            </a:pPr>
-            <a:r>
-              <a:rPr b="0" lang="en-CA" sz="2200" spc="-1" strike="noStrike">
-                <a:solidFill>
-                  <a:srgbClr val="000000"/>
-                </a:solidFill>
-                <a:latin typeface="Calibri"/>
-                <a:ea typeface="DejaVu Sans"/>
-              </a:rPr>
-              <a:t>Number of requirements</a:t>
-            </a:r>
-            <a:endParaRPr b="0" lang="en-CA" sz="2200" spc="-1" strike="noStrike">
-              <a:latin typeface="Arial"/>
-            </a:endParaRPr>
-          </a:p>
-          <a:p>
-            <a:pPr marL="343080" indent="-341280">
-              <a:lnSpc>
-                <a:spcPct val="100000"/>
-              </a:lnSpc>
-              <a:spcBef>
-                <a:spcPts val="439"/>
-              </a:spcBef>
-              <a:buClr>
-                <a:srgbClr val="000000"/>
-              </a:buClr>
-              <a:buFont typeface="Arial"/>
-              <a:buChar char="•"/>
-            </a:pPr>
-            <a:r>
-              <a:rPr b="0" lang="en-CA" sz="2200" spc="-1" strike="noStrike">
-                <a:solidFill>
-                  <a:srgbClr val="000000"/>
-                </a:solidFill>
-                <a:latin typeface="Calibri"/>
-                <a:ea typeface="DejaVu Sans"/>
-              </a:rPr>
-              <a:t>Number of test cases per requirement</a:t>
-            </a:r>
-            <a:endParaRPr b="0" lang="en-CA" sz="2200" spc="-1" strike="noStrike">
-              <a:latin typeface="Arial"/>
-            </a:endParaRPr>
-          </a:p>
-          <a:p>
-            <a:pPr marL="343080" indent="-341280">
-              <a:lnSpc>
-                <a:spcPct val="100000"/>
-              </a:lnSpc>
-              <a:spcBef>
-                <a:spcPts val="439"/>
-              </a:spcBef>
-              <a:buClr>
-                <a:srgbClr val="000000"/>
-              </a:buClr>
-              <a:buFont typeface="Arial"/>
-              <a:buChar char="•"/>
-            </a:pPr>
-            <a:r>
-              <a:rPr b="0" lang="en-CA" sz="2200" spc="-1" strike="noStrike">
-                <a:solidFill>
-                  <a:srgbClr val="000000"/>
-                </a:solidFill>
-                <a:latin typeface="Calibri"/>
-                <a:ea typeface="DejaVu Sans"/>
-              </a:rPr>
-              <a:t>Total of test cases for all requirements</a:t>
-            </a:r>
-            <a:endParaRPr b="0" lang="en-CA" sz="2200" spc="-1" strike="noStrike">
-              <a:latin typeface="Arial"/>
-            </a:endParaRPr>
-          </a:p>
-          <a:p>
-            <a:pPr marL="343080" indent="-341280">
-              <a:lnSpc>
-                <a:spcPct val="100000"/>
-              </a:lnSpc>
-              <a:spcBef>
-                <a:spcPts val="439"/>
-              </a:spcBef>
-              <a:buClr>
-                <a:srgbClr val="000000"/>
-              </a:buClr>
-              <a:buFont typeface="Arial"/>
-              <a:buChar char="•"/>
-            </a:pPr>
-            <a:r>
-              <a:rPr b="0" lang="en-CA" sz="2200" spc="-1" strike="noStrike">
-                <a:solidFill>
-                  <a:srgbClr val="000000"/>
-                </a:solidFill>
-                <a:latin typeface="Calibri"/>
-                <a:ea typeface="DejaVu Sans"/>
-              </a:rPr>
-              <a:t>Test cases executed</a:t>
-            </a:r>
-            <a:endParaRPr b="0" lang="en-CA" sz="2200" spc="-1" strike="noStrike">
-              <a:latin typeface="Arial"/>
-            </a:endParaRPr>
-          </a:p>
-          <a:p>
-            <a:pPr marL="343080" indent="-341280">
-              <a:lnSpc>
-                <a:spcPct val="100000"/>
-              </a:lnSpc>
-              <a:spcBef>
-                <a:spcPts val="439"/>
-              </a:spcBef>
-              <a:buClr>
-                <a:srgbClr val="000000"/>
-              </a:buClr>
-              <a:buFont typeface="Arial"/>
-              <a:buChar char="•"/>
-            </a:pPr>
-            <a:r>
-              <a:rPr b="0" lang="en-CA" sz="2200" spc="-1" strike="noStrike">
-                <a:solidFill>
-                  <a:srgbClr val="000000"/>
-                </a:solidFill>
-                <a:latin typeface="Calibri"/>
-                <a:ea typeface="DejaVu Sans"/>
-              </a:rPr>
-              <a:t>Test cases passed</a:t>
-            </a:r>
-            <a:endParaRPr b="0" lang="en-CA" sz="2200" spc="-1" strike="noStrike">
-              <a:latin typeface="Arial"/>
-            </a:endParaRPr>
-          </a:p>
-          <a:p>
-            <a:pPr marL="343080" indent="-341280">
-              <a:lnSpc>
-                <a:spcPct val="100000"/>
-              </a:lnSpc>
-              <a:spcBef>
-                <a:spcPts val="439"/>
-              </a:spcBef>
-              <a:buClr>
-                <a:srgbClr val="000000"/>
-              </a:buClr>
-              <a:buFont typeface="Arial"/>
-              <a:buChar char="•"/>
-            </a:pPr>
-            <a:r>
-              <a:rPr b="0" lang="en-CA" sz="2200" spc="-1" strike="noStrike">
-                <a:solidFill>
-                  <a:srgbClr val="000000"/>
-                </a:solidFill>
-                <a:latin typeface="Calibri"/>
-                <a:ea typeface="DejaVu Sans"/>
-              </a:rPr>
-              <a:t>Test cases failed</a:t>
-            </a:r>
-            <a:endParaRPr b="0" lang="en-CA" sz="2200" spc="-1" strike="noStrike">
-              <a:latin typeface="Arial"/>
-            </a:endParaRPr>
-          </a:p>
-          <a:p>
-            <a:pPr marL="343080" indent="-341280">
-              <a:lnSpc>
-                <a:spcPct val="100000"/>
-              </a:lnSpc>
-              <a:spcBef>
-                <a:spcPts val="439"/>
-              </a:spcBef>
-              <a:buClr>
-                <a:srgbClr val="000000"/>
-              </a:buClr>
-              <a:buFont typeface="Arial"/>
-              <a:buChar char="•"/>
-            </a:pPr>
-            <a:r>
-              <a:rPr b="0" lang="en-CA" sz="2200" spc="-1" strike="noStrike">
-                <a:solidFill>
-                  <a:srgbClr val="000000"/>
-                </a:solidFill>
-                <a:latin typeface="Calibri"/>
-                <a:ea typeface="DejaVu Sans"/>
-              </a:rPr>
-              <a:t>Test cases blocked</a:t>
-            </a:r>
-            <a:endParaRPr b="0" lang="en-CA" sz="2200" spc="-1" strike="noStrike">
-              <a:latin typeface="Arial"/>
-            </a:endParaRPr>
-          </a:p>
-          <a:p>
-            <a:pPr marL="343080" indent="-341280">
-              <a:lnSpc>
-                <a:spcPct val="100000"/>
-              </a:lnSpc>
-              <a:spcBef>
-                <a:spcPts val="439"/>
-              </a:spcBef>
-              <a:buClr>
-                <a:srgbClr val="000000"/>
-              </a:buClr>
-              <a:buFont typeface="Arial"/>
-              <a:buChar char="•"/>
-            </a:pPr>
-            <a:r>
-              <a:rPr b="0" lang="en-CA" sz="2200" spc="-1" strike="noStrike">
-                <a:solidFill>
-                  <a:srgbClr val="000000"/>
-                </a:solidFill>
-                <a:latin typeface="Calibri"/>
-                <a:ea typeface="DejaVu Sans"/>
-              </a:rPr>
-              <a:t>Number of defects identified</a:t>
-            </a:r>
-            <a:endParaRPr b="0" lang="en-CA" sz="2200" spc="-1" strike="noStrike">
-              <a:latin typeface="Arial"/>
-            </a:endParaRPr>
-          </a:p>
-          <a:p>
-            <a:pPr marL="343080" indent="-341280">
-              <a:lnSpc>
-                <a:spcPct val="100000"/>
-              </a:lnSpc>
-              <a:spcBef>
-                <a:spcPts val="439"/>
-              </a:spcBef>
-              <a:buClr>
-                <a:srgbClr val="000000"/>
-              </a:buClr>
-              <a:buFont typeface="Arial"/>
-              <a:buChar char="•"/>
-            </a:pPr>
-            <a:r>
-              <a:rPr b="0" lang="en-CA" sz="2200" spc="-1" strike="noStrike">
-                <a:solidFill>
-                  <a:srgbClr val="000000"/>
-                </a:solidFill>
-                <a:latin typeface="Calibri"/>
-                <a:ea typeface="DejaVu Sans"/>
-              </a:rPr>
-              <a:t>Critical defects count</a:t>
-            </a:r>
-            <a:endParaRPr b="0" lang="en-CA" sz="2200" spc="-1" strike="noStrike">
-              <a:latin typeface="Arial"/>
-            </a:endParaRPr>
-          </a:p>
-          <a:p>
-            <a:pPr marL="343080" indent="-341280">
-              <a:lnSpc>
-                <a:spcPct val="100000"/>
-              </a:lnSpc>
-              <a:spcBef>
-                <a:spcPts val="439"/>
-              </a:spcBef>
-              <a:buClr>
-                <a:srgbClr val="000000"/>
-              </a:buClr>
-              <a:buFont typeface="Arial"/>
-              <a:buChar char="•"/>
-            </a:pPr>
-            <a:r>
-              <a:rPr b="0" lang="en-CA" sz="2200" spc="-1" strike="noStrike">
-                <a:solidFill>
-                  <a:srgbClr val="000000"/>
-                </a:solidFill>
-                <a:latin typeface="Calibri"/>
-                <a:ea typeface="DejaVu Sans"/>
-              </a:rPr>
-              <a:t>High defects count</a:t>
-            </a:r>
-            <a:endParaRPr b="0" lang="en-CA" sz="2200" spc="-1" strike="noStrike">
-              <a:latin typeface="Arial"/>
-            </a:endParaRPr>
-          </a:p>
-          <a:p>
-            <a:pPr marL="343080" indent="-341280">
-              <a:lnSpc>
-                <a:spcPct val="100000"/>
-              </a:lnSpc>
-              <a:spcBef>
-                <a:spcPts val="439"/>
-              </a:spcBef>
-              <a:buClr>
-                <a:srgbClr val="000000"/>
-              </a:buClr>
-              <a:buFont typeface="Arial"/>
-              <a:buChar char="•"/>
-            </a:pPr>
-            <a:r>
-              <a:rPr b="0" lang="en-CA" sz="2200" spc="-1" strike="noStrike">
-                <a:solidFill>
-                  <a:srgbClr val="000000"/>
-                </a:solidFill>
-                <a:latin typeface="Calibri"/>
-                <a:ea typeface="DejaVu Sans"/>
-              </a:rPr>
-              <a:t>Medium defect count</a:t>
-            </a:r>
-            <a:endParaRPr b="0" lang="en-CA" sz="2200" spc="-1" strike="noStrike">
-              <a:latin typeface="Arial"/>
-            </a:endParaRPr>
-          </a:p>
-          <a:p>
-            <a:pPr marL="343080" indent="-341280">
-              <a:lnSpc>
-                <a:spcPct val="100000"/>
-              </a:lnSpc>
-              <a:spcBef>
-                <a:spcPts val="439"/>
-              </a:spcBef>
-              <a:buClr>
-                <a:srgbClr val="000000"/>
-              </a:buClr>
-              <a:buFont typeface="Arial"/>
-              <a:buChar char="•"/>
-            </a:pPr>
-            <a:r>
-              <a:rPr b="0" lang="en-CA" sz="2200" spc="-1" strike="noStrike">
-                <a:solidFill>
-                  <a:srgbClr val="000000"/>
-                </a:solidFill>
-                <a:latin typeface="Calibri"/>
-                <a:ea typeface="DejaVu Sans"/>
-              </a:rPr>
-              <a:t>Low defect count</a:t>
-            </a:r>
-            <a:endParaRPr b="0" lang="en-CA" sz="2200" spc="-1" strike="noStrike">
-              <a:latin typeface="Arial"/>
-            </a:endParaRPr>
-          </a:p>
-        </p:txBody>
-      </p:sp>
-      <p:sp>
-        <p:nvSpPr>
-          <p:cNvPr id="194" name="CustomShape 2"/>
-          <p:cNvSpPr/>
-          <p:nvPr/>
-        </p:nvSpPr>
-        <p:spPr>
-          <a:xfrm>
-            <a:off x="432000" y="0"/>
-            <a:ext cx="7450560" cy="1182600"/>
-          </a:xfrm>
-          <a:prstGeom prst="rect">
-            <a:avLst/>
-          </a:prstGeom>
-          <a:noFill/>
-          <a:ln>
-            <a:noFill/>
-          </a:ln>
-        </p:spPr>
-        <p:style>
-          <a:lnRef idx="0"/>
-          <a:fillRef idx="0"/>
-          <a:effectRef idx="0"/>
-          <a:fontRef idx="minor"/>
-        </p:style>
-        <p:txBody>
-          <a:bodyPr lIns="90000" rIns="90000" tIns="45000" bIns="45000" anchor="ctr">
-            <a:normAutofit/>
-          </a:bodyPr>
-          <a:p>
-            <a:pPr>
-              <a:lnSpc>
-                <a:spcPct val="100000"/>
-              </a:lnSpc>
-            </a:pPr>
-            <a:r>
-              <a:rPr b="0" lang="en-CA" sz="3000" spc="-1" strike="noStrike">
-                <a:solidFill>
-                  <a:srgbClr val="292929"/>
-                </a:solidFill>
-                <a:latin typeface="Nexa Bold"/>
-                <a:ea typeface="DejaVu Sans"/>
-              </a:rPr>
-              <a:t>TESTING </a:t>
-            </a:r>
-            <a:r>
-              <a:rPr b="0" lang="en-CA" sz="3000" spc="-1" strike="noStrike">
-                <a:solidFill>
-                  <a:srgbClr val="1fa0be"/>
-                </a:solidFill>
-                <a:latin typeface="Nexa Bold"/>
-                <a:ea typeface="DejaVu Sans"/>
-              </a:rPr>
-              <a:t>METRICS</a:t>
-            </a:r>
-            <a:endParaRPr b="0" lang="en-CA" sz="3000" spc="-1" strike="noStrike">
-              <a:latin typeface="Arial"/>
-            </a:endParaRPr>
-          </a:p>
-        </p:txBody>
-      </p:sp>
-      <p:sp>
-        <p:nvSpPr>
-          <p:cNvPr id="195" name="CustomShape 3"/>
-          <p:cNvSpPr/>
-          <p:nvPr/>
-        </p:nvSpPr>
-        <p:spPr>
-          <a:xfrm>
-            <a:off x="0" y="0"/>
-            <a:ext cx="249840" cy="1194840"/>
-          </a:xfrm>
-          <a:prstGeom prst="rect">
-            <a:avLst/>
-          </a:prstGeom>
-          <a:solidFill>
-            <a:srgbClr val="146e83"/>
-          </a:solidFill>
-          <a:ln>
-            <a:round/>
-          </a:ln>
-        </p:spPr>
-        <p:style>
-          <a:lnRef idx="2">
-            <a:schemeClr val="accent1">
-              <a:shade val="50000"/>
-            </a:schemeClr>
-          </a:lnRef>
-          <a:fillRef idx="1">
-            <a:schemeClr val="accent1"/>
-          </a:fillRef>
-          <a:effectRef idx="0">
-            <a:schemeClr val="accent1"/>
-          </a:effectRef>
-          <a:fontRef idx="minor"/>
-        </p:style>
-      </p:sp>
-      <p:sp>
-        <p:nvSpPr>
-          <p:cNvPr id="196" name="Line 4"/>
-          <p:cNvSpPr/>
-          <p:nvPr/>
-        </p:nvSpPr>
-        <p:spPr>
-          <a:xfrm>
-            <a:off x="251280" y="1196640"/>
-            <a:ext cx="8892720" cy="360"/>
-          </a:xfrm>
-          <a:prstGeom prst="line">
-            <a:avLst/>
-          </a:prstGeom>
-          <a:ln w="22320">
-            <a:solidFill>
-              <a:srgbClr val="146e83"/>
-            </a:solidFill>
-            <a:round/>
-          </a:ln>
-        </p:spPr>
-        <p:style>
-          <a:lnRef idx="1">
-            <a:schemeClr val="accent1"/>
-          </a:lnRef>
-          <a:fillRef idx="0">
-            <a:schemeClr val="accent1"/>
-          </a:fillRef>
-          <a:effectRef idx="0">
-            <a:schemeClr val="accent1"/>
-          </a:effectRef>
-          <a:fontRef idx="minor"/>
-        </p:style>
-      </p:sp>
-    </p:spTree>
-  </p:cSld>
-  <p:timing>
-    <p:tnLst>
-      <p:par>
-        <p:cTn id="37" dur="indefinite" restart="never" nodeType="tmRoot">
-          <p:childTnLst>
-            <p:seq>
-              <p:cTn id="38" dur="indefinite" nodeType="mainSeq"/>
               <p:prevCondLst>
                 <p:cond delay="0" evt="onPrev">
                   <p:tgtEl>
@@ -9126,7 +9708,7 @@
         <p:spPr>
           <a:xfrm>
             <a:off x="432000" y="1484640"/>
-            <a:ext cx="8278200" cy="5218200"/>
+            <a:ext cx="8275320" cy="5215320"/>
           </a:xfrm>
           <a:prstGeom prst="rect">
             <a:avLst/>
@@ -9160,7 +9742,7 @@
             </a:endParaRPr>
           </a:p>
           <a:p>
-            <a:pPr marL="343080" indent="-341280">
+            <a:pPr marL="343080" indent="-338400">
               <a:lnSpc>
                 <a:spcPct val="100000"/>
               </a:lnSpc>
@@ -9188,7 +9770,7 @@
             </a:endParaRPr>
           </a:p>
           <a:p>
-            <a:pPr marL="343080" indent="-341280">
+            <a:pPr marL="343080" indent="-338400">
               <a:lnSpc>
                 <a:spcPct val="100000"/>
               </a:lnSpc>
@@ -9216,7 +9798,7 @@
             </a:endParaRPr>
           </a:p>
           <a:p>
-            <a:pPr marL="343080" indent="-341280">
+            <a:pPr marL="343080" indent="-338400">
               <a:lnSpc>
                 <a:spcPct val="100000"/>
               </a:lnSpc>
@@ -9244,7 +9826,7 @@
             </a:endParaRPr>
           </a:p>
           <a:p>
-            <a:pPr marL="343080" indent="-341280">
+            <a:pPr marL="343080" indent="-338400">
               <a:lnSpc>
                 <a:spcPct val="100000"/>
               </a:lnSpc>
@@ -9272,7 +9854,7 @@
             </a:endParaRPr>
           </a:p>
           <a:p>
-            <a:pPr marL="343080" indent="-341280">
+            <a:pPr marL="343080" indent="-338400">
               <a:lnSpc>
                 <a:spcPct val="100000"/>
               </a:lnSpc>
@@ -9300,7 +9882,7 @@
             </a:endParaRPr>
           </a:p>
           <a:p>
-            <a:pPr marL="343080" indent="-341280">
+            <a:pPr marL="343080" indent="-338400">
               <a:lnSpc>
                 <a:spcPct val="100000"/>
               </a:lnSpc>
@@ -9328,7 +9910,7 @@
             </a:endParaRPr>
           </a:p>
           <a:p>
-            <a:pPr marL="343080" indent="-341280">
+            <a:pPr marL="343080" indent="-338400">
               <a:lnSpc>
                 <a:spcPct val="100000"/>
               </a:lnSpc>
@@ -9356,7 +9938,7 @@
             </a:endParaRPr>
           </a:p>
           <a:p>
-            <a:pPr marL="343080" indent="-341280">
+            <a:pPr marL="343080" indent="-338400">
               <a:lnSpc>
                 <a:spcPct val="100000"/>
               </a:lnSpc>
@@ -9377,14 +9959,14 @@
                 <a:latin typeface="Calibri"/>
                 <a:ea typeface="DejaVu Sans"/>
               </a:rPr>
-              <a:t>Configuration Managment (ansible, puppet, chef, terraform)</a:t>
+              <a:t>Configuration Management (ansible, puppet, chef, terraform)</a:t>
             </a:r>
             <a:endParaRPr b="0" lang="en-CA" sz="2400" spc="-1" strike="noStrike">
               <a:latin typeface="Arial"/>
             </a:endParaRPr>
           </a:p>
           <a:p>
-            <a:pPr marL="343080" indent="-341280">
+            <a:pPr marL="343080" indent="-338400">
               <a:lnSpc>
                 <a:spcPct val="100000"/>
               </a:lnSpc>
@@ -9412,7 +9994,7 @@
             </a:endParaRPr>
           </a:p>
           <a:p>
-            <a:pPr marL="343080" indent="-341280">
+            <a:pPr marL="343080" indent="-338400">
               <a:lnSpc>
                 <a:spcPct val="100000"/>
               </a:lnSpc>
@@ -9433,14 +10015,14 @@
                 <a:latin typeface="Calibri"/>
                 <a:ea typeface="DejaVu Sans"/>
               </a:rPr>
-              <a:t>Continuous Monitoring (Nagios, AWS Cloudwatch, Splunk)</a:t>
+              <a:t>Cloud Computing (AWS, Azure, Google Cloud Platform)</a:t>
             </a:r>
             <a:endParaRPr b="0" lang="en-CA" sz="2400" spc="-1" strike="noStrike">
               <a:latin typeface="Arial"/>
             </a:endParaRPr>
           </a:p>
           <a:p>
-            <a:pPr marL="343080" indent="-341280">
+            <a:pPr marL="343080" indent="-338400">
               <a:lnSpc>
                 <a:spcPct val="100000"/>
               </a:lnSpc>
@@ -9461,14 +10043,14 @@
                 <a:latin typeface="Calibri"/>
                 <a:ea typeface="DejaVu Sans"/>
               </a:rPr>
-              <a:t>Cloud Computing (Code Commit, Code Pipeline AWS Ops Works)</a:t>
+              <a:t>Continuous Monitoring (Nagios, AWS Cloudwatch, Splunk)</a:t>
             </a:r>
             <a:endParaRPr b="0" lang="en-CA" sz="2400" spc="-1" strike="noStrike">
               <a:latin typeface="Arial"/>
             </a:endParaRPr>
           </a:p>
           <a:p>
-            <a:pPr marL="343080" indent="-341280">
+            <a:pPr marL="343080" indent="-338400">
               <a:lnSpc>
                 <a:spcPct val="100000"/>
               </a:lnSpc>
@@ -9489,6 +10071,34 @@
                 <a:latin typeface="Calibri"/>
                 <a:ea typeface="DejaVu Sans"/>
               </a:rPr>
+              <a:t>Final Project</a:t>
+            </a:r>
+            <a:endParaRPr b="0" lang="en-CA" sz="2400" spc="-1" strike="noStrike">
+              <a:latin typeface="Arial"/>
+            </a:endParaRPr>
+          </a:p>
+          <a:p>
+            <a:pPr marL="343080" indent="-338400">
+              <a:lnSpc>
+                <a:spcPct val="100000"/>
+              </a:lnSpc>
+              <a:spcBef>
+                <a:spcPts val="479"/>
+              </a:spcBef>
+              <a:buClr>
+                <a:srgbClr val="000000"/>
+              </a:buClr>
+              <a:buFont typeface="Arial"/>
+              <a:buChar char="•"/>
+            </a:pPr>
+            <a:r>
+              <a:rPr b="0" lang="en-CA" sz="2400" spc="-1" strike="noStrike">
+                <a:solidFill>
+                  <a:srgbClr val="000000"/>
+                </a:solidFill>
+                <a:latin typeface="Calibri"/>
+                <a:ea typeface="DejaVu Sans"/>
+              </a:rPr>
               <a:t>DevOps for 2020 (new tools / topics in the dev ops pipeline)</a:t>
             </a:r>
             <a:endParaRPr b="0" lang="en-CA" sz="2400" spc="-1" strike="noStrike">
@@ -9542,7 +10152,7 @@
         <p:spPr>
           <a:xfrm>
             <a:off x="432000" y="0"/>
-            <a:ext cx="7450560" cy="1182600"/>
+            <a:ext cx="7447680" cy="1179720"/>
           </a:xfrm>
           <a:prstGeom prst="rect">
             <a:avLst/>
@@ -9603,7 +10213,7 @@
         <p:spPr>
           <a:xfrm>
             <a:off x="0" y="0"/>
-            <a:ext cx="249840" cy="1194840"/>
+            <a:ext cx="246960" cy="1191960"/>
           </a:xfrm>
           <a:prstGeom prst="rect">
             <a:avLst/>
@@ -9673,837 +10283,6 @@
           <p:childTnLst>
             <p:seq>
               <p:cTn id="4" dur="indefinite" nodeType="mainSeq"/>
-              <p:prevCondLst>
-                <p:cond delay="0" evt="onPrev">
-                  <p:tgtEl>
-                    <p:sldTgt/>
-                  </p:tgtEl>
-                </p:cond>
-              </p:prevCondLst>
-              <p:nextCondLst>
-                <p:cond delay="0" evt="onNext">
-                  <p:tgtEl>
-                    <p:sldTgt/>
-                  </p:tgtEl>
-                </p:cond>
-              </p:nextCondLst>
-            </p:seq>
-          </p:childTnLst>
-        </p:cTn>
-      </p:par>
-    </p:tnLst>
-  </p:timing>
-</p:sld>
-</file>
-
-<file path=ppt/slides/slide20.xml><?xml version="1.0" encoding="utf-8"?>
-<p:sld xmlns:a="http://schemas.openxmlformats.org/drawingml/2006/main" xmlns:p="http://schemas.openxmlformats.org/presentationml/2006/main" xmlns:r="http://schemas.openxmlformats.org/officeDocument/2006/relationships" xmlns:p14="http://schemas.microsoft.com/office/powerpoint/2010/main" xmlns:p15="http://schemas.microsoft.com/office/powerpoint/2012/main" xmlns:mc="http://schemas.openxmlformats.org/markup-compatibility/2006">
-  <p:cSld>
-    <p:spTree>
-      <p:nvGrpSpPr>
-        <p:cNvPr id="1" name=""/>
-        <p:cNvGrpSpPr/>
-        <p:nvPr/>
-      </p:nvGrpSpPr>
-      <p:grpSpPr>
-        <a:xfrm>
-          <a:off x="0" y="0"/>
-          <a:ext cx="0" cy="0"/>
-          <a:chOff x="0" y="0"/>
-          <a:chExt cx="0" cy="0"/>
-        </a:xfrm>
-      </p:grpSpPr>
-      <p:sp>
-        <p:nvSpPr>
-          <p:cNvPr id="197" name="CustomShape 1"/>
-          <p:cNvSpPr/>
-          <p:nvPr/>
-        </p:nvSpPr>
-        <p:spPr>
-          <a:xfrm>
-            <a:off x="432000" y="1484640"/>
-            <a:ext cx="8278200" cy="5218200"/>
-          </a:xfrm>
-          <a:prstGeom prst="rect">
-            <a:avLst/>
-          </a:prstGeom>
-          <a:noFill/>
-          <a:ln>
-            <a:noFill/>
-          </a:ln>
-        </p:spPr>
-        <p:style>
-          <a:lnRef idx="0"/>
-          <a:fillRef idx="0"/>
-          <a:effectRef idx="0"/>
-          <a:fontRef idx="minor"/>
-        </p:style>
-        <p:txBody>
-          <a:bodyPr lIns="90000" rIns="90000" tIns="45000" bIns="45000">
-            <a:normAutofit/>
-          </a:bodyPr>
-          <a:p>
-            <a:pPr>
-              <a:lnSpc>
-                <a:spcPct val="100000"/>
-              </a:lnSpc>
-              <a:spcBef>
-                <a:spcPts val="479"/>
-              </a:spcBef>
-            </a:pPr>
-            <a:endParaRPr b="0" lang="en-CA" sz="1800" spc="-1" strike="noStrike">
-              <a:latin typeface="Arial"/>
-            </a:endParaRPr>
-          </a:p>
-          <a:p>
-            <a:pPr marL="343080" indent="-341280">
-              <a:lnSpc>
-                <a:spcPct val="100000"/>
-              </a:lnSpc>
-              <a:spcBef>
-                <a:spcPts val="479"/>
-              </a:spcBef>
-              <a:buClr>
-                <a:srgbClr val="000000"/>
-              </a:buClr>
-              <a:buFont typeface="Arial"/>
-              <a:buChar char="•"/>
-            </a:pPr>
-            <a:r>
-              <a:rPr b="0" lang="en-CA" sz="2400" spc="-1" strike="noStrike">
-                <a:solidFill>
-                  <a:srgbClr val="000000"/>
-                </a:solidFill>
-                <a:latin typeface="Calibri"/>
-                <a:ea typeface="DejaVu Sans"/>
-              </a:rPr>
-              <a:t>Choose a complex website</a:t>
-            </a:r>
-            <a:endParaRPr b="0" lang="en-CA" sz="2400" spc="-1" strike="noStrike">
-              <a:latin typeface="Arial"/>
-            </a:endParaRPr>
-          </a:p>
-          <a:p>
-            <a:pPr lvl="1" marL="743040" indent="-284040">
-              <a:lnSpc>
-                <a:spcPct val="100000"/>
-              </a:lnSpc>
-              <a:spcBef>
-                <a:spcPts val="439"/>
-              </a:spcBef>
-              <a:buClr>
-                <a:srgbClr val="000000"/>
-              </a:buClr>
-              <a:buFont typeface="Wingdings" charset="2"/>
-              <a:buChar char=""/>
-            </a:pPr>
-            <a:r>
-              <a:rPr b="0" lang="en-CA" sz="2200" spc="-1" strike="noStrike">
-                <a:solidFill>
-                  <a:srgbClr val="000000"/>
-                </a:solidFill>
-                <a:latin typeface="Calibri"/>
-                <a:ea typeface="DejaVu Sans"/>
-              </a:rPr>
-              <a:t>Build a Test Plan using 3 or more testing tools, that includes at least 50 Test Cases</a:t>
-            </a:r>
-            <a:endParaRPr b="0" lang="en-CA" sz="2200" spc="-1" strike="noStrike">
-              <a:latin typeface="Arial"/>
-            </a:endParaRPr>
-          </a:p>
-          <a:p>
-            <a:pPr lvl="1" marL="743040" indent="-284040">
-              <a:lnSpc>
-                <a:spcPct val="100000"/>
-              </a:lnSpc>
-              <a:spcBef>
-                <a:spcPts val="439"/>
-              </a:spcBef>
-              <a:buClr>
-                <a:srgbClr val="000000"/>
-              </a:buClr>
-              <a:buFont typeface="Wingdings" charset="2"/>
-              <a:buChar char=""/>
-            </a:pPr>
-            <a:r>
-              <a:rPr b="0" lang="en-CA" sz="2200" spc="-1" strike="noStrike">
-                <a:solidFill>
-                  <a:srgbClr val="000000"/>
-                </a:solidFill>
-                <a:latin typeface="Calibri"/>
-                <a:ea typeface="DejaVu Sans"/>
-              </a:rPr>
-              <a:t>Execute Test Plan</a:t>
-            </a:r>
-            <a:endParaRPr b="0" lang="en-CA" sz="2200" spc="-1" strike="noStrike">
-              <a:latin typeface="Arial"/>
-            </a:endParaRPr>
-          </a:p>
-          <a:p>
-            <a:pPr lvl="1" marL="743040" indent="-284040">
-              <a:lnSpc>
-                <a:spcPct val="100000"/>
-              </a:lnSpc>
-              <a:spcBef>
-                <a:spcPts val="439"/>
-              </a:spcBef>
-              <a:buClr>
-                <a:srgbClr val="000000"/>
-              </a:buClr>
-              <a:buFont typeface="Wingdings" charset="2"/>
-              <a:buChar char=""/>
-            </a:pPr>
-            <a:r>
-              <a:rPr b="0" lang="en-CA" sz="2200" spc="-1" strike="noStrike">
-                <a:solidFill>
-                  <a:srgbClr val="000000"/>
-                </a:solidFill>
-                <a:latin typeface="Calibri"/>
-                <a:ea typeface="DejaVu Sans"/>
-              </a:rPr>
-              <a:t>Build a report based on the results of the Test Plan</a:t>
-            </a:r>
-            <a:endParaRPr b="0" lang="en-CA" sz="2200" spc="-1" strike="noStrike">
-              <a:latin typeface="Arial"/>
-            </a:endParaRPr>
-          </a:p>
-        </p:txBody>
-      </p:sp>
-      <p:sp>
-        <p:nvSpPr>
-          <p:cNvPr id="198" name="CustomShape 2"/>
-          <p:cNvSpPr/>
-          <p:nvPr/>
-        </p:nvSpPr>
-        <p:spPr>
-          <a:xfrm>
-            <a:off x="432000" y="0"/>
-            <a:ext cx="7450560" cy="1182600"/>
-          </a:xfrm>
-          <a:prstGeom prst="rect">
-            <a:avLst/>
-          </a:prstGeom>
-          <a:noFill/>
-          <a:ln>
-            <a:noFill/>
-          </a:ln>
-        </p:spPr>
-        <p:style>
-          <a:lnRef idx="0"/>
-          <a:fillRef idx="0"/>
-          <a:effectRef idx="0"/>
-          <a:fontRef idx="minor"/>
-        </p:style>
-        <p:txBody>
-          <a:bodyPr lIns="90000" rIns="90000" tIns="45000" bIns="45000" anchor="ctr">
-            <a:normAutofit/>
-          </a:bodyPr>
-          <a:p>
-            <a:pPr>
-              <a:lnSpc>
-                <a:spcPct val="100000"/>
-              </a:lnSpc>
-            </a:pPr>
-            <a:r>
-              <a:rPr b="0" lang="en-CA" sz="3000" spc="-1" strike="noStrike">
-                <a:solidFill>
-                  <a:srgbClr val="292929"/>
-                </a:solidFill>
-                <a:latin typeface="Nexa Bold"/>
-                <a:ea typeface="DejaVu Sans"/>
-              </a:rPr>
-              <a:t>FINAL </a:t>
-            </a:r>
-            <a:r>
-              <a:rPr b="0" lang="en-CA" sz="3000" spc="-1" strike="noStrike">
-                <a:solidFill>
-                  <a:srgbClr val="1fa0be"/>
-                </a:solidFill>
-                <a:latin typeface="Nexa Bold"/>
-                <a:ea typeface="DejaVu Sans"/>
-              </a:rPr>
-              <a:t>PROJECT</a:t>
-            </a:r>
-            <a:endParaRPr b="0" lang="en-CA" sz="3000" spc="-1" strike="noStrike">
-              <a:latin typeface="Arial"/>
-            </a:endParaRPr>
-          </a:p>
-        </p:txBody>
-      </p:sp>
-      <p:sp>
-        <p:nvSpPr>
-          <p:cNvPr id="199" name="CustomShape 3"/>
-          <p:cNvSpPr/>
-          <p:nvPr/>
-        </p:nvSpPr>
-        <p:spPr>
-          <a:xfrm>
-            <a:off x="0" y="0"/>
-            <a:ext cx="249840" cy="1194840"/>
-          </a:xfrm>
-          <a:prstGeom prst="rect">
-            <a:avLst/>
-          </a:prstGeom>
-          <a:solidFill>
-            <a:srgbClr val="146e83"/>
-          </a:solidFill>
-          <a:ln>
-            <a:round/>
-          </a:ln>
-        </p:spPr>
-        <p:style>
-          <a:lnRef idx="2">
-            <a:schemeClr val="accent1">
-              <a:shade val="50000"/>
-            </a:schemeClr>
-          </a:lnRef>
-          <a:fillRef idx="1">
-            <a:schemeClr val="accent1"/>
-          </a:fillRef>
-          <a:effectRef idx="0">
-            <a:schemeClr val="accent1"/>
-          </a:effectRef>
-          <a:fontRef idx="minor"/>
-        </p:style>
-      </p:sp>
-      <p:sp>
-        <p:nvSpPr>
-          <p:cNvPr id="200" name="Line 4"/>
-          <p:cNvSpPr/>
-          <p:nvPr/>
-        </p:nvSpPr>
-        <p:spPr>
-          <a:xfrm>
-            <a:off x="251280" y="1196640"/>
-            <a:ext cx="8892720" cy="360"/>
-          </a:xfrm>
-          <a:prstGeom prst="line">
-            <a:avLst/>
-          </a:prstGeom>
-          <a:ln w="22320">
-            <a:solidFill>
-              <a:srgbClr val="146e83"/>
-            </a:solidFill>
-            <a:round/>
-          </a:ln>
-        </p:spPr>
-        <p:style>
-          <a:lnRef idx="1">
-            <a:schemeClr val="accent1"/>
-          </a:lnRef>
-          <a:fillRef idx="0">
-            <a:schemeClr val="accent1"/>
-          </a:fillRef>
-          <a:effectRef idx="0">
-            <a:schemeClr val="accent1"/>
-          </a:effectRef>
-          <a:fontRef idx="minor"/>
-        </p:style>
-      </p:sp>
-    </p:spTree>
-  </p:cSld>
-  <p:timing>
-    <p:tnLst>
-      <p:par>
-        <p:cTn id="39" dur="indefinite" restart="never" nodeType="tmRoot">
-          <p:childTnLst>
-            <p:seq>
-              <p:cTn id="40" dur="indefinite" nodeType="mainSeq"/>
-              <p:prevCondLst>
-                <p:cond delay="0" evt="onPrev">
-                  <p:tgtEl>
-                    <p:sldTgt/>
-                  </p:tgtEl>
-                </p:cond>
-              </p:prevCondLst>
-              <p:nextCondLst>
-                <p:cond delay="0" evt="onNext">
-                  <p:tgtEl>
-                    <p:sldTgt/>
-                  </p:tgtEl>
-                </p:cond>
-              </p:nextCondLst>
-            </p:seq>
-          </p:childTnLst>
-        </p:cTn>
-      </p:par>
-    </p:tnLst>
-  </p:timing>
-</p:sld>
-</file>
-
-<file path=ppt/slides/slide21.xml><?xml version="1.0" encoding="utf-8"?>
-<p:sld xmlns:a="http://schemas.openxmlformats.org/drawingml/2006/main" xmlns:p="http://schemas.openxmlformats.org/presentationml/2006/main" xmlns:r="http://schemas.openxmlformats.org/officeDocument/2006/relationships" xmlns:p14="http://schemas.microsoft.com/office/powerpoint/2010/main" xmlns:p15="http://schemas.microsoft.com/office/powerpoint/2012/main" xmlns:mc="http://schemas.openxmlformats.org/markup-compatibility/2006">
-  <p:cSld>
-    <p:bg>
-      <p:bgPr>
-        <a:solidFill>
-          <a:srgbClr val="f2f2f2"/>
-        </a:solidFill>
-      </p:bgPr>
-    </p:bg>
-    <p:spTree>
-      <p:nvGrpSpPr>
-        <p:cNvPr id="1" name=""/>
-        <p:cNvGrpSpPr/>
-        <p:nvPr/>
-      </p:nvGrpSpPr>
-      <p:grpSpPr>
-        <a:xfrm>
-          <a:off x="0" y="0"/>
-          <a:ext cx="0" cy="0"/>
-          <a:chOff x="0" y="0"/>
-          <a:chExt cx="0" cy="0"/>
-        </a:xfrm>
-      </p:grpSpPr>
-      <p:sp>
-        <p:nvSpPr>
-          <p:cNvPr id="201" name="CustomShape 1"/>
-          <p:cNvSpPr/>
-          <p:nvPr/>
-        </p:nvSpPr>
-        <p:spPr>
-          <a:xfrm>
-            <a:off x="432000" y="1484640"/>
-            <a:ext cx="8278200" cy="5218200"/>
-          </a:xfrm>
-          <a:prstGeom prst="rect">
-            <a:avLst/>
-          </a:prstGeom>
-          <a:noFill/>
-          <a:ln>
-            <a:noFill/>
-          </a:ln>
-        </p:spPr>
-        <p:style>
-          <a:lnRef idx="0"/>
-          <a:fillRef idx="0"/>
-          <a:effectRef idx="0"/>
-          <a:fontRef idx="minor"/>
-        </p:style>
-        <p:txBody>
-          <a:bodyPr lIns="90000" rIns="90000" tIns="45000" bIns="45000">
-            <a:normAutofit/>
-          </a:bodyPr>
-          <a:p>
-            <a:pPr>
-              <a:lnSpc>
-                <a:spcPct val="100000"/>
-              </a:lnSpc>
-              <a:spcBef>
-                <a:spcPts val="479"/>
-              </a:spcBef>
-            </a:pPr>
-            <a:endParaRPr b="0" lang="en-CA" sz="1800" spc="-1" strike="noStrike">
-              <a:latin typeface="Arial"/>
-            </a:endParaRPr>
-          </a:p>
-          <a:p>
-            <a:pPr>
-              <a:lnSpc>
-                <a:spcPct val="100000"/>
-              </a:lnSpc>
-              <a:spcBef>
-                <a:spcPts val="479"/>
-              </a:spcBef>
-            </a:pPr>
-            <a:r>
-              <a:rPr b="0" lang="en-CA" sz="2400" spc="-1" strike="noStrike">
-                <a:solidFill>
-                  <a:srgbClr val="000000"/>
-                </a:solidFill>
-                <a:latin typeface="Calibri"/>
-                <a:ea typeface="DejaVu Sans"/>
-              </a:rPr>
-              <a:t>Test Plan!</a:t>
-            </a:r>
-            <a:endParaRPr b="0" lang="en-CA" sz="2400" spc="-1" strike="noStrike">
-              <a:latin typeface="Arial"/>
-            </a:endParaRPr>
-          </a:p>
-        </p:txBody>
-      </p:sp>
-      <p:sp>
-        <p:nvSpPr>
-          <p:cNvPr id="202" name="CustomShape 2"/>
-          <p:cNvSpPr/>
-          <p:nvPr/>
-        </p:nvSpPr>
-        <p:spPr>
-          <a:xfrm>
-            <a:off x="432000" y="0"/>
-            <a:ext cx="7450560" cy="1182600"/>
-          </a:xfrm>
-          <a:prstGeom prst="rect">
-            <a:avLst/>
-          </a:prstGeom>
-          <a:noFill/>
-          <a:ln>
-            <a:noFill/>
-          </a:ln>
-        </p:spPr>
-        <p:style>
-          <a:lnRef idx="0"/>
-          <a:fillRef idx="0"/>
-          <a:effectRef idx="0"/>
-          <a:fontRef idx="minor"/>
-        </p:style>
-        <p:txBody>
-          <a:bodyPr lIns="90000" rIns="90000" tIns="45000" bIns="45000" anchor="ctr">
-            <a:normAutofit/>
-          </a:bodyPr>
-          <a:p>
-            <a:pPr>
-              <a:lnSpc>
-                <a:spcPct val="100000"/>
-              </a:lnSpc>
-            </a:pPr>
-            <a:r>
-              <a:rPr b="0" lang="en-CA" sz="3000" spc="-1" strike="noStrike">
-                <a:solidFill>
-                  <a:srgbClr val="292929"/>
-                </a:solidFill>
-                <a:latin typeface="Nexa Bold"/>
-                <a:ea typeface="DejaVu Sans"/>
-              </a:rPr>
-              <a:t>NEXT </a:t>
-            </a:r>
-            <a:r>
-              <a:rPr b="0" lang="en-CA" sz="3000" spc="-1" strike="noStrike">
-                <a:solidFill>
-                  <a:srgbClr val="1fa0be"/>
-                </a:solidFill>
-                <a:latin typeface="Nexa Bold"/>
-                <a:ea typeface="DejaVu Sans"/>
-              </a:rPr>
-              <a:t>CLASS</a:t>
-            </a:r>
-            <a:endParaRPr b="0" lang="en-CA" sz="3000" spc="-1" strike="noStrike">
-              <a:latin typeface="Arial"/>
-            </a:endParaRPr>
-          </a:p>
-        </p:txBody>
-      </p:sp>
-      <p:sp>
-        <p:nvSpPr>
-          <p:cNvPr id="203" name="CustomShape 3"/>
-          <p:cNvSpPr/>
-          <p:nvPr/>
-        </p:nvSpPr>
-        <p:spPr>
-          <a:xfrm>
-            <a:off x="0" y="0"/>
-            <a:ext cx="249840" cy="1194840"/>
-          </a:xfrm>
-          <a:prstGeom prst="rect">
-            <a:avLst/>
-          </a:prstGeom>
-          <a:solidFill>
-            <a:srgbClr val="146e83"/>
-          </a:solidFill>
-          <a:ln>
-            <a:round/>
-          </a:ln>
-        </p:spPr>
-        <p:style>
-          <a:lnRef idx="2">
-            <a:schemeClr val="accent1">
-              <a:shade val="50000"/>
-            </a:schemeClr>
-          </a:lnRef>
-          <a:fillRef idx="1">
-            <a:schemeClr val="accent1"/>
-          </a:fillRef>
-          <a:effectRef idx="0">
-            <a:schemeClr val="accent1"/>
-          </a:effectRef>
-          <a:fontRef idx="minor"/>
-        </p:style>
-      </p:sp>
-      <p:sp>
-        <p:nvSpPr>
-          <p:cNvPr id="204" name="Line 4"/>
-          <p:cNvSpPr/>
-          <p:nvPr/>
-        </p:nvSpPr>
-        <p:spPr>
-          <a:xfrm>
-            <a:off x="251280" y="1196640"/>
-            <a:ext cx="8892720" cy="360"/>
-          </a:xfrm>
-          <a:prstGeom prst="line">
-            <a:avLst/>
-          </a:prstGeom>
-          <a:ln w="22320">
-            <a:solidFill>
-              <a:srgbClr val="146e83"/>
-            </a:solidFill>
-            <a:round/>
-          </a:ln>
-        </p:spPr>
-        <p:style>
-          <a:lnRef idx="1">
-            <a:schemeClr val="accent1"/>
-          </a:lnRef>
-          <a:fillRef idx="0">
-            <a:schemeClr val="accent1"/>
-          </a:fillRef>
-          <a:effectRef idx="0">
-            <a:schemeClr val="accent1"/>
-          </a:effectRef>
-          <a:fontRef idx="minor"/>
-        </p:style>
-      </p:sp>
-    </p:spTree>
-  </p:cSld>
-  <p:timing>
-    <p:tnLst>
-      <p:par>
-        <p:cTn id="41" dur="indefinite" restart="never" nodeType="tmRoot">
-          <p:childTnLst>
-            <p:seq>
-              <p:cTn id="42" dur="indefinite" nodeType="mainSeq"/>
-              <p:prevCondLst>
-                <p:cond delay="0" evt="onPrev">
-                  <p:tgtEl>
-                    <p:sldTgt/>
-                  </p:tgtEl>
-                </p:cond>
-              </p:prevCondLst>
-              <p:nextCondLst>
-                <p:cond delay="0" evt="onNext">
-                  <p:tgtEl>
-                    <p:sldTgt/>
-                  </p:tgtEl>
-                </p:cond>
-              </p:nextCondLst>
-            </p:seq>
-          </p:childTnLst>
-        </p:cTn>
-      </p:par>
-    </p:tnLst>
-  </p:timing>
-</p:sld>
-</file>
-
-<file path=ppt/slides/slide22.xml><?xml version="1.0" encoding="utf-8"?>
-<p:sld xmlns:a="http://schemas.openxmlformats.org/drawingml/2006/main" xmlns:p="http://schemas.openxmlformats.org/presentationml/2006/main" xmlns:r="http://schemas.openxmlformats.org/officeDocument/2006/relationships" xmlns:p14="http://schemas.microsoft.com/office/powerpoint/2010/main" xmlns:p15="http://schemas.microsoft.com/office/powerpoint/2012/main" xmlns:mc="http://schemas.openxmlformats.org/markup-compatibility/2006">
-  <p:cSld>
-    <p:bg>
-      <p:bgPr>
-        <a:solidFill>
-          <a:srgbClr val="f2f2f2"/>
-        </a:solidFill>
-      </p:bgPr>
-    </p:bg>
-    <p:spTree>
-      <p:nvGrpSpPr>
-        <p:cNvPr id="1" name=""/>
-        <p:cNvGrpSpPr/>
-        <p:nvPr/>
-      </p:nvGrpSpPr>
-      <p:grpSpPr>
-        <a:xfrm>
-          <a:off x="0" y="0"/>
-          <a:ext cx="0" cy="0"/>
-          <a:chOff x="0" y="0"/>
-          <a:chExt cx="0" cy="0"/>
-        </a:xfrm>
-      </p:grpSpPr>
-      <p:sp>
-        <p:nvSpPr>
-          <p:cNvPr id="205" name="CustomShape 1"/>
-          <p:cNvSpPr/>
-          <p:nvPr/>
-        </p:nvSpPr>
-        <p:spPr>
-          <a:xfrm>
-            <a:off x="432000" y="0"/>
-            <a:ext cx="7450560" cy="1182600"/>
-          </a:xfrm>
-          <a:prstGeom prst="rect">
-            <a:avLst/>
-          </a:prstGeom>
-          <a:noFill/>
-          <a:ln>
-            <a:noFill/>
-          </a:ln>
-        </p:spPr>
-        <p:style>
-          <a:lnRef idx="0"/>
-          <a:fillRef idx="0"/>
-          <a:effectRef idx="0"/>
-          <a:fontRef idx="minor"/>
-        </p:style>
-        <p:txBody>
-          <a:bodyPr lIns="90000" rIns="90000" tIns="45000" bIns="45000" anchor="ctr">
-            <a:normAutofit/>
-          </a:bodyPr>
-          <a:p>
-            <a:pPr>
-              <a:lnSpc>
-                <a:spcPct val="100000"/>
-              </a:lnSpc>
-            </a:pPr>
-            <a:r>
-              <a:rPr b="0" lang="en-CA" sz="3000" spc="-1" strike="noStrike">
-                <a:solidFill>
-                  <a:srgbClr val="292929"/>
-                </a:solidFill>
-                <a:latin typeface="Nexa Bold"/>
-                <a:ea typeface="DejaVu Sans"/>
-              </a:rPr>
-              <a:t>THE </a:t>
-            </a:r>
-            <a:r>
-              <a:rPr b="0" lang="en-CA" sz="3000" spc="-1" strike="noStrike">
-                <a:solidFill>
-                  <a:srgbClr val="1fa0be"/>
-                </a:solidFill>
-                <a:latin typeface="Nexa Bold"/>
-                <a:ea typeface="DejaVu Sans"/>
-              </a:rPr>
-              <a:t>END</a:t>
-            </a:r>
-            <a:endParaRPr b="0" lang="en-CA" sz="3000" spc="-1" strike="noStrike">
-              <a:latin typeface="Arial"/>
-            </a:endParaRPr>
-          </a:p>
-        </p:txBody>
-      </p:sp>
-      <p:sp>
-        <p:nvSpPr>
-          <p:cNvPr id="206" name="CustomShape 2"/>
-          <p:cNvSpPr/>
-          <p:nvPr/>
-        </p:nvSpPr>
-        <p:spPr>
-          <a:xfrm>
-            <a:off x="0" y="0"/>
-            <a:ext cx="249840" cy="1194840"/>
-          </a:xfrm>
-          <a:prstGeom prst="rect">
-            <a:avLst/>
-          </a:prstGeom>
-          <a:solidFill>
-            <a:srgbClr val="146e83"/>
-          </a:solidFill>
-          <a:ln>
-            <a:round/>
-          </a:ln>
-        </p:spPr>
-        <p:style>
-          <a:lnRef idx="2">
-            <a:schemeClr val="accent1">
-              <a:shade val="50000"/>
-            </a:schemeClr>
-          </a:lnRef>
-          <a:fillRef idx="1">
-            <a:schemeClr val="accent1"/>
-          </a:fillRef>
-          <a:effectRef idx="0">
-            <a:schemeClr val="accent1"/>
-          </a:effectRef>
-          <a:fontRef idx="minor"/>
-        </p:style>
-      </p:sp>
-      <p:sp>
-        <p:nvSpPr>
-          <p:cNvPr id="207" name="Line 3"/>
-          <p:cNvSpPr/>
-          <p:nvPr/>
-        </p:nvSpPr>
-        <p:spPr>
-          <a:xfrm>
-            <a:off x="251280" y="1196640"/>
-            <a:ext cx="8892720" cy="360"/>
-          </a:xfrm>
-          <a:prstGeom prst="line">
-            <a:avLst/>
-          </a:prstGeom>
-          <a:ln w="22320">
-            <a:solidFill>
-              <a:srgbClr val="146e83"/>
-            </a:solidFill>
-            <a:round/>
-          </a:ln>
-        </p:spPr>
-        <p:style>
-          <a:lnRef idx="1">
-            <a:schemeClr val="accent1"/>
-          </a:lnRef>
-          <a:fillRef idx="0">
-            <a:schemeClr val="accent1"/>
-          </a:fillRef>
-          <a:effectRef idx="0">
-            <a:schemeClr val="accent1"/>
-          </a:effectRef>
-          <a:fontRef idx="minor"/>
-        </p:style>
-      </p:sp>
-      <p:sp>
-        <p:nvSpPr>
-          <p:cNvPr id="208" name="CustomShape 4"/>
-          <p:cNvSpPr/>
-          <p:nvPr/>
-        </p:nvSpPr>
-        <p:spPr>
-          <a:xfrm>
-            <a:off x="432000" y="1340640"/>
-            <a:ext cx="8278200" cy="5218200"/>
-          </a:xfrm>
-          <a:prstGeom prst="rect">
-            <a:avLst/>
-          </a:prstGeom>
-          <a:noFill/>
-          <a:ln>
-            <a:noFill/>
-          </a:ln>
-        </p:spPr>
-        <p:style>
-          <a:lnRef idx="0"/>
-          <a:fillRef idx="0"/>
-          <a:effectRef idx="0"/>
-          <a:fontRef idx="minor"/>
-        </p:style>
-        <p:txBody>
-          <a:bodyPr lIns="90000" rIns="90000" tIns="45000" bIns="45000" anchor="ctr">
-            <a:normAutofit/>
-          </a:bodyPr>
-          <a:p>
-            <a:pPr algn="ctr">
-              <a:lnSpc>
-                <a:spcPct val="100000"/>
-              </a:lnSpc>
-              <a:spcBef>
-                <a:spcPts val="921"/>
-              </a:spcBef>
-            </a:pPr>
-            <a:r>
-              <a:rPr b="1" lang="en-CA" sz="4600" spc="-1" strike="noStrike">
-                <a:solidFill>
-                  <a:srgbClr val="146e83"/>
-                </a:solidFill>
-                <a:latin typeface="Calibri"/>
-                <a:ea typeface="DejaVu Sans"/>
-              </a:rPr>
-              <a:t>QUESTIONS?</a:t>
-            </a:r>
-            <a:endParaRPr b="0" lang="en-CA" sz="4600" spc="-1" strike="noStrike">
-              <a:latin typeface="Arial"/>
-            </a:endParaRPr>
-          </a:p>
-        </p:txBody>
-      </p:sp>
-    </p:spTree>
-  </p:cSld>
-  <p:timing>
-    <p:tnLst>
-      <p:par>
-        <p:cTn id="43" dur="indefinite" restart="never" nodeType="tmRoot">
-          <p:childTnLst>
-            <p:seq>
-              <p:cTn id="44" dur="indefinite" nodeType="mainSeq"/>
               <p:prevCondLst>
                 <p:cond delay="0" evt="onPrev">
                   <p:tgtEl>
@@ -10560,7 +10339,7 @@
         <p:spPr>
           <a:xfrm>
             <a:off x="432000" y="1484640"/>
-            <a:ext cx="8278200" cy="5218200"/>
+            <a:ext cx="8275320" cy="5215320"/>
           </a:xfrm>
           <a:prstGeom prst="rect">
             <a:avLst/>
@@ -10617,7 +10396,7 @@
             </a:endParaRPr>
           </a:p>
           <a:p>
-            <a:pPr marL="343080" indent="-341280">
+            <a:pPr marL="343080" indent="-338400">
               <a:lnSpc>
                 <a:spcPct val="100000"/>
               </a:lnSpc>
@@ -10638,14 +10417,14 @@
                 <a:latin typeface="Calibri"/>
                 <a:ea typeface="DejaVu Sans"/>
               </a:rPr>
-              <a:t>Programmers would write software and then manually share it with users on servers.</a:t>
+              <a:t>Programmers would write software (mainly in c and c++) and then manually share it with users on servers.</a:t>
             </a:r>
             <a:endParaRPr b="0" lang="en-CA" sz="2400" spc="-1" strike="noStrike">
               <a:latin typeface="Arial"/>
             </a:endParaRPr>
           </a:p>
           <a:p>
-            <a:pPr marL="343080" indent="-341280">
+            <a:pPr marL="343080" indent="-338400">
               <a:lnSpc>
                 <a:spcPct val="100000"/>
               </a:lnSpc>
@@ -10673,7 +10452,7 @@
             </a:endParaRPr>
           </a:p>
           <a:p>
-            <a:pPr marL="343080" indent="-341280">
+            <a:pPr marL="343080" indent="-338400">
               <a:lnSpc>
                 <a:spcPct val="100000"/>
               </a:lnSpc>
@@ -10701,7 +10480,7 @@
             </a:endParaRPr>
           </a:p>
           <a:p>
-            <a:pPr marL="343080" indent="-341280">
+            <a:pPr marL="343080" indent="-338400">
               <a:lnSpc>
                 <a:spcPct val="100000"/>
               </a:lnSpc>
@@ -10729,18 +10508,13 @@
             </a:endParaRPr>
           </a:p>
           <a:p>
-            <a:pPr marL="343080" indent="-341280">
+            <a:pPr>
               <a:lnSpc>
                 <a:spcPct val="100000"/>
               </a:lnSpc>
               <a:spcBef>
                 <a:spcPts val="479"/>
               </a:spcBef>
-              <a:buClr>
-                <a:srgbClr val="000000"/>
-              </a:buClr>
-              <a:buFont typeface="Arial"/>
-              <a:buChar char="•"/>
             </a:pPr>
             <a:endParaRPr b="0" lang="en-CA" sz="2400" spc="-1" strike="noStrike">
               <a:latin typeface="Arial"/>
@@ -10757,7 +10531,7 @@
         <p:spPr>
           <a:xfrm>
             <a:off x="432000" y="0"/>
-            <a:ext cx="7450560" cy="1182600"/>
+            <a:ext cx="7447680" cy="1179720"/>
           </a:xfrm>
           <a:prstGeom prst="rect">
             <a:avLst/>
@@ -10818,7 +10592,7 @@
         <p:spPr>
           <a:xfrm>
             <a:off x="0" y="0"/>
-            <a:ext cx="249840" cy="1194840"/>
+            <a:ext cx="246960" cy="1191960"/>
           </a:xfrm>
           <a:prstGeom prst="rect">
             <a:avLst/>
@@ -10944,7 +10718,7 @@
         <p:spPr>
           <a:xfrm>
             <a:off x="432000" y="13680"/>
-            <a:ext cx="7450560" cy="1182600"/>
+            <a:ext cx="7447680" cy="1179720"/>
           </a:xfrm>
           <a:prstGeom prst="rect">
             <a:avLst/>
@@ -11015,7 +10789,7 @@
         <p:spPr>
           <a:xfrm>
             <a:off x="0" y="0"/>
-            <a:ext cx="249840" cy="1194840"/>
+            <a:ext cx="246960" cy="1191960"/>
           </a:xfrm>
           <a:prstGeom prst="rect">
             <a:avLst/>
@@ -11085,7 +10859,7 @@
         <p:spPr>
           <a:xfrm>
             <a:off x="457200" y="273600"/>
-            <a:ext cx="8228880" cy="5307480"/>
+            <a:ext cx="8226000" cy="5304600"/>
           </a:xfrm>
           <a:prstGeom prst="rect">
             <a:avLst/>
@@ -11134,7 +10908,7 @@
         <p:spPr>
           <a:xfrm>
             <a:off x="576000" y="1728000"/>
-            <a:ext cx="6767640" cy="2393640"/>
+            <a:ext cx="6764760" cy="2390760"/>
           </a:xfrm>
           <a:prstGeom prst="rect">
             <a:avLst/>
@@ -11160,7 +10934,11 @@
             </a:pPr>
             <a:r>
               <a:rPr b="0" lang="en-CA" sz="1800" spc="-1" strike="noStrike">
-                <a:latin typeface="Arial"/>
+                <a:solidFill>
+                  <a:srgbClr val="000000"/>
+                </a:solidFill>
+                <a:latin typeface="Arial"/>
+                <a:ea typeface="DejaVu Sans"/>
               </a:rPr>
               <a:t>Why this is bad:</a:t>
             </a:r>
@@ -11179,7 +10957,7 @@
             </a:endParaRPr>
           </a:p>
           <a:p>
-            <a:pPr marL="216000" indent="-215640">
+            <a:pPr marL="216000" indent="-212760">
               <a:lnSpc>
                 <a:spcPct val="100000"/>
               </a:lnSpc>
@@ -11192,7 +10970,11 @@
             </a:pPr>
             <a:r>
               <a:rPr b="0" lang="en-CA" sz="1800" spc="-1" strike="noStrike">
-                <a:latin typeface="Arial"/>
+                <a:solidFill>
+                  <a:srgbClr val="000000"/>
+                </a:solidFill>
+                <a:latin typeface="Arial"/>
+                <a:ea typeface="DejaVu Sans"/>
               </a:rPr>
               <a:t>Manually creating software and manually installing software introduces a lot of manual errors into the process.</a:t>
             </a:r>
@@ -11211,7 +10993,7 @@
             </a:endParaRPr>
           </a:p>
           <a:p>
-            <a:pPr marL="216000" indent="-215640">
+            <a:pPr marL="216000" indent="-212760">
               <a:lnSpc>
                 <a:spcPct val="100000"/>
               </a:lnSpc>
@@ -11224,7 +11006,11 @@
             </a:pPr>
             <a:r>
               <a:rPr b="0" lang="en-CA" sz="1800" spc="-1" strike="noStrike">
-                <a:latin typeface="Arial"/>
+                <a:solidFill>
+                  <a:srgbClr val="000000"/>
+                </a:solidFill>
+                <a:latin typeface="Arial"/>
+                <a:ea typeface="DejaVu Sans"/>
               </a:rPr>
               <a:t>Seperating the process of bringing software to market into two isolated teams tends to create animosity and “its your fault not mine” type of behaviour.</a:t>
             </a:r>
@@ -11233,7 +11019,17 @@
             </a:endParaRPr>
           </a:p>
           <a:p>
-            <a:pPr marL="216000" indent="-215640">
+            <a:pPr>
+              <a:lnSpc>
+                <a:spcPct val="100000"/>
+              </a:lnSpc>
+            </a:pPr>
+            <a:endParaRPr b="0" lang="en-CA" sz="1800" spc="-1" strike="noStrike">
+              <a:latin typeface="Arial"/>
+            </a:endParaRPr>
+          </a:p>
+          <a:p>
+            <a:pPr marL="216000" indent="-212760">
               <a:lnSpc>
                 <a:spcPct val="100000"/>
               </a:lnSpc>
@@ -11244,25 +11040,13 @@
               <a:buFont typeface="Wingdings" charset="2"/>
               <a:buChar char=""/>
             </a:pPr>
-            <a:endParaRPr b="0" lang="en-CA" sz="1800" spc="-1" strike="noStrike">
-              <a:latin typeface="Arial"/>
-            </a:endParaRPr>
-          </a:p>
-          <a:p>
-            <a:pPr marL="216000" indent="-215640">
-              <a:lnSpc>
-                <a:spcPct val="100000"/>
-              </a:lnSpc>
-              <a:buClr>
-                <a:srgbClr val="000000"/>
-              </a:buClr>
-              <a:buSzPct val="45000"/>
-              <a:buFont typeface="Wingdings" charset="2"/>
-              <a:buChar char=""/>
-            </a:pPr>
-            <a:r>
-              <a:rPr b="0" lang="en-CA" sz="1800" spc="-1" strike="noStrike">
-                <a:latin typeface="Arial"/>
+            <a:r>
+              <a:rPr b="0" lang="en-CA" sz="1800" spc="-1" strike="noStrike">
+                <a:solidFill>
+                  <a:srgbClr val="000000"/>
+                </a:solidFill>
+                <a:latin typeface="Arial"/>
+                <a:ea typeface="DejaVu Sans"/>
               </a:rPr>
               <a:t>With this paradigm, software takes a long time to be delivered and another company that is faster and better will drive you out of the market.</a:t>
             </a:r>
@@ -11357,7 +11141,7 @@
         <p:spPr>
           <a:xfrm>
             <a:off x="432000" y="13680"/>
-            <a:ext cx="7450560" cy="1182600"/>
+            <a:ext cx="7447680" cy="1179720"/>
           </a:xfrm>
           <a:prstGeom prst="rect">
             <a:avLst/>
@@ -11428,7 +11212,7 @@
         <p:spPr>
           <a:xfrm>
             <a:off x="0" y="0"/>
-            <a:ext cx="249840" cy="1194840"/>
+            <a:ext cx="246960" cy="1191960"/>
           </a:xfrm>
           <a:prstGeom prst="rect">
             <a:avLst/>
@@ -11498,7 +11282,7 @@
         <p:spPr>
           <a:xfrm>
             <a:off x="457200" y="273600"/>
-            <a:ext cx="8228880" cy="5307480"/>
+            <a:ext cx="8226000" cy="5304600"/>
           </a:xfrm>
           <a:prstGeom prst="rect">
             <a:avLst/>
@@ -11547,7 +11331,7 @@
         <p:spPr>
           <a:xfrm>
             <a:off x="576000" y="1728000"/>
-            <a:ext cx="6767640" cy="2393640"/>
+            <a:ext cx="6764760" cy="2390760"/>
           </a:xfrm>
           <a:prstGeom prst="rect">
             <a:avLst/>
@@ -11573,7 +11357,11 @@
             </a:pPr>
             <a:r>
               <a:rPr b="0" lang="en-CA" sz="1800" spc="-1" strike="noStrike">
-                <a:latin typeface="Arial"/>
+                <a:solidFill>
+                  <a:srgbClr val="000000"/>
+                </a:solidFill>
+                <a:latin typeface="Arial"/>
+                <a:ea typeface="DejaVu Sans"/>
               </a:rPr>
               <a:t>What is dev ops:</a:t>
             </a:r>
@@ -11592,7 +11380,7 @@
             </a:endParaRPr>
           </a:p>
           <a:p>
-            <a:pPr marL="216000" indent="-215640">
+            <a:pPr marL="216000" indent="-212760">
               <a:lnSpc>
                 <a:spcPct val="100000"/>
               </a:lnSpc>
@@ -11605,7 +11393,11 @@
             </a:pPr>
             <a:r>
               <a:rPr b="0" lang="en-CA" sz="1800" spc="-1" strike="noStrike">
-                <a:latin typeface="Arial"/>
+                <a:solidFill>
+                  <a:srgbClr val="000000"/>
+                </a:solidFill>
+                <a:latin typeface="Arial"/>
+                <a:ea typeface="DejaVu Sans"/>
               </a:rPr>
               <a:t>The introduction of the Dev Ops practice brought about a merging of the Development Team and the Operations Team into a position called “Dev Ops”.</a:t>
             </a:r>
@@ -11614,7 +11406,17 @@
             </a:endParaRPr>
           </a:p>
           <a:p>
-            <a:pPr marL="216000" indent="-215640">
+            <a:pPr>
+              <a:lnSpc>
+                <a:spcPct val="100000"/>
+              </a:lnSpc>
+            </a:pPr>
+            <a:endParaRPr b="0" lang="en-CA" sz="1800" spc="-1" strike="noStrike">
+              <a:latin typeface="Arial"/>
+            </a:endParaRPr>
+          </a:p>
+          <a:p>
+            <a:pPr marL="216000" indent="-212760">
               <a:lnSpc>
                 <a:spcPct val="100000"/>
               </a:lnSpc>
@@ -11625,12 +11427,32 @@
               <a:buFont typeface="Wingdings" charset="2"/>
               <a:buChar char=""/>
             </a:pPr>
-            <a:endParaRPr b="0" lang="en-CA" sz="1800" spc="-1" strike="noStrike">
-              <a:latin typeface="Arial"/>
-            </a:endParaRPr>
-          </a:p>
-          <a:p>
-            <a:pPr marL="216000" indent="-215640">
+            <a:r>
+              <a:rPr b="0" lang="en-CA" sz="1800" spc="-1" strike="noStrike">
+                <a:solidFill>
+                  <a:srgbClr val="000000"/>
+                </a:solidFill>
+                <a:latin typeface="Arial"/>
+                <a:ea typeface="DejaVu Sans"/>
+              </a:rPr>
+              <a:t>Working together, these teams create a synergy that makes working in a software company a pleasure rather than a stressful ordeal.</a:t>
+            </a:r>
+            <a:endParaRPr b="0" lang="en-CA" sz="1800" spc="-1" strike="noStrike">
+              <a:latin typeface="Arial"/>
+            </a:endParaRPr>
+          </a:p>
+          <a:p>
+            <a:pPr>
+              <a:lnSpc>
+                <a:spcPct val="100000"/>
+              </a:lnSpc>
+            </a:pPr>
+            <a:endParaRPr b="0" lang="en-CA" sz="1800" spc="-1" strike="noStrike">
+              <a:latin typeface="Arial"/>
+            </a:endParaRPr>
+          </a:p>
+          <a:p>
+            <a:pPr marL="216000" indent="-212760">
               <a:lnSpc>
                 <a:spcPct val="100000"/>
               </a:lnSpc>
@@ -11643,16 +11465,20 @@
             </a:pPr>
             <a:r>
               <a:rPr b="0" lang="en-CA" sz="1800" spc="-1" strike="noStrike">
-                <a:latin typeface="Arial"/>
-              </a:rPr>
-              <a:t>Working together, these teams create a synergy that makes working in a software company a pleasure rather than a stressful ordeal.</a:t>
-            </a:r>
-            <a:endParaRPr b="0" lang="en-CA" sz="1800" spc="-1" strike="noStrike">
-              <a:latin typeface="Arial"/>
-            </a:endParaRPr>
-          </a:p>
-          <a:p>
-            <a:pPr marL="216000" indent="-215640">
+                <a:solidFill>
+                  <a:srgbClr val="000000"/>
+                </a:solidFill>
+                <a:latin typeface="Arial"/>
+                <a:ea typeface="DejaVu Sans"/>
+              </a:rPr>
+              <a:t>From Wikipedia:</a:t>
+            </a:r>
+            <a:endParaRPr b="0" lang="en-CA" sz="1800" spc="-1" strike="noStrike">
+              <a:latin typeface="Arial"/>
+            </a:endParaRPr>
+          </a:p>
+          <a:p>
+            <a:pPr lvl="1" marL="432000" indent="-213120">
               <a:lnSpc>
                 <a:spcPct val="100000"/>
               </a:lnSpc>
@@ -11663,47 +11489,13 @@
               <a:buFont typeface="Wingdings" charset="2"/>
               <a:buChar char=""/>
             </a:pPr>
-            <a:endParaRPr b="0" lang="en-CA" sz="1800" spc="-1" strike="noStrike">
-              <a:latin typeface="Arial"/>
-            </a:endParaRPr>
-          </a:p>
-          <a:p>
-            <a:pPr marL="216000" indent="-215640">
-              <a:lnSpc>
-                <a:spcPct val="100000"/>
-              </a:lnSpc>
-              <a:buClr>
-                <a:srgbClr val="000000"/>
-              </a:buClr>
-              <a:buSzPct val="45000"/>
-              <a:buFont typeface="Wingdings" charset="2"/>
-              <a:buChar char=""/>
-            </a:pPr>
-            <a:r>
-              <a:rPr b="0" lang="en-CA" sz="1800" spc="-1" strike="noStrike">
-                <a:latin typeface="Arial"/>
-              </a:rPr>
-              <a:t>From Wikipedia:</a:t>
-            </a:r>
-            <a:endParaRPr b="0" lang="en-CA" sz="1800" spc="-1" strike="noStrike">
-              <a:latin typeface="Arial"/>
-            </a:endParaRPr>
-          </a:p>
-          <a:p>
-            <a:pPr lvl="1" marL="432000" indent="-216000">
-              <a:lnSpc>
-                <a:spcPct val="100000"/>
-              </a:lnSpc>
-              <a:buClr>
-                <a:srgbClr val="000000"/>
-              </a:buClr>
-              <a:buSzPct val="45000"/>
-              <a:buFont typeface="Wingdings" charset="2"/>
-              <a:buChar char=""/>
-            </a:pPr>
             <a:r>
               <a:rPr b="0" i="1" lang="en-CA" sz="1800" spc="-1" strike="noStrike">
-                <a:latin typeface="Arial"/>
+                <a:solidFill>
+                  <a:srgbClr val="000000"/>
+                </a:solidFill>
+                <a:latin typeface="Arial"/>
+                <a:ea typeface="DejaVu Sans"/>
               </a:rPr>
               <a:t>Devops is a set of practices that combines software development and information-technology operations which aims to shorten the systems development life cycle and provide to shorten the systems development cycle and provide continous delivery with high software quality.</a:t>
             </a:r>
@@ -11788,7 +11580,7 @@
         <p:spPr>
           <a:xfrm>
             <a:off x="432000" y="13680"/>
-            <a:ext cx="7450560" cy="1182600"/>
+            <a:ext cx="7447680" cy="1179720"/>
           </a:xfrm>
           <a:prstGeom prst="rect">
             <a:avLst/>
@@ -11822,7 +11614,7 @@
                 <a:latin typeface="Nexa Bold"/>
                 <a:ea typeface="DejaVu Sans"/>
               </a:rPr>
-              <a:t>Installing Our </a:t>
+              <a:t>What is </a:t>
             </a:r>
             <a:r>
               <a:rPr b="0" lang="en-CA" sz="3000" spc="-1" strike="noStrike" cap="all">
@@ -11832,7 +11624,7 @@
                 <a:latin typeface="Nexa Bold"/>
                 <a:ea typeface="DejaVu Sans"/>
               </a:rPr>
-              <a:t>TooLSET</a:t>
+              <a:t>DevOps</a:t>
             </a:r>
             <a:endParaRPr b="0" lang="en-CA" sz="3000" spc="-1" strike="noStrike">
               <a:latin typeface="Arial"/>
@@ -11859,7 +11651,7 @@
         <p:spPr>
           <a:xfrm>
             <a:off x="0" y="0"/>
-            <a:ext cx="249840" cy="1194840"/>
+            <a:ext cx="246960" cy="1191960"/>
           </a:xfrm>
           <a:prstGeom prst="rect">
             <a:avLst/>
@@ -11929,7 +11721,7 @@
         <p:spPr>
           <a:xfrm>
             <a:off x="457200" y="273600"/>
-            <a:ext cx="8228880" cy="5307480"/>
+            <a:ext cx="8226000" cy="5304600"/>
           </a:xfrm>
           <a:prstGeom prst="rect">
             <a:avLst/>
@@ -11977,8 +11769,8 @@
         </p:nvSpPr>
         <p:spPr>
           <a:xfrm>
-            <a:off x="576000" y="1728000"/>
-            <a:ext cx="6767640" cy="2393640"/>
+            <a:off x="576000" y="1800000"/>
+            <a:ext cx="6764760" cy="2390760"/>
           </a:xfrm>
           <a:prstGeom prst="rect">
             <a:avLst/>
@@ -12003,256 +11795,148 @@
               </a:lnSpc>
             </a:pPr>
             <a:r>
-              <a:rPr b="0" lang="en-CA" sz="1800" spc="-1" strike="noStrike">
-                <a:latin typeface="Arial"/>
-              </a:rPr>
-              <a:t>The tools we will be using in this course:</a:t>
-            </a:r>
-            <a:endParaRPr b="0" lang="en-CA" sz="1800" spc="-1" strike="noStrike">
-              <a:latin typeface="Arial"/>
-            </a:endParaRPr>
-          </a:p>
-          <a:p>
-            <a:pPr>
-              <a:lnSpc>
-                <a:spcPct val="100000"/>
-              </a:lnSpc>
-            </a:pPr>
-            <a:endParaRPr b="0" lang="en-CA" sz="1800" spc="-1" strike="noStrike">
-              <a:latin typeface="Arial"/>
-            </a:endParaRPr>
-          </a:p>
-          <a:p>
-            <a:pPr marL="216000" indent="-215640">
-              <a:lnSpc>
-                <a:spcPct val="100000"/>
-              </a:lnSpc>
-              <a:buClr>
-                <a:srgbClr val="000000"/>
-              </a:buClr>
-              <a:buSzPct val="45000"/>
-              <a:buFont typeface="Wingdings" charset="2"/>
-              <a:buChar char=""/>
-            </a:pPr>
-            <a:r>
-              <a:rPr b="0" lang="en-CA" sz="1800" spc="-1" strike="noStrike">
-                <a:latin typeface="Arial"/>
-              </a:rPr>
-              <a:t>There will be a handout that goes through the steps of creating the environment we need for this course.  Please make sure you read through and install all the software on that list.</a:t>
-            </a:r>
-            <a:endParaRPr b="0" lang="en-CA" sz="1800" spc="-1" strike="noStrike">
-              <a:latin typeface="Arial"/>
-            </a:endParaRPr>
-          </a:p>
-          <a:p>
-            <a:pPr marL="216000" indent="-215640">
-              <a:lnSpc>
-                <a:spcPct val="100000"/>
-              </a:lnSpc>
-              <a:buClr>
-                <a:srgbClr val="000000"/>
-              </a:buClr>
-              <a:buSzPct val="45000"/>
-              <a:buFont typeface="Wingdings" charset="2"/>
-              <a:buChar char=""/>
-            </a:pPr>
-            <a:endParaRPr b="0" lang="en-CA" sz="1800" spc="-1" strike="noStrike">
-              <a:latin typeface="Arial"/>
-            </a:endParaRPr>
-          </a:p>
-          <a:p>
-            <a:pPr marL="216000" indent="-215640">
-              <a:lnSpc>
-                <a:spcPct val="100000"/>
-              </a:lnSpc>
-              <a:buClr>
-                <a:srgbClr val="000000"/>
-              </a:buClr>
-              <a:buSzPct val="45000"/>
-              <a:buFont typeface="Wingdings" charset="2"/>
-              <a:buChar char=""/>
-            </a:pPr>
-            <a:r>
-              <a:rPr b="0" lang="en-CA" sz="1800" spc="-1" strike="noStrike">
-                <a:latin typeface="Arial"/>
-              </a:rPr>
-              <a:t>We will be installing:</a:t>
-            </a:r>
-            <a:endParaRPr b="0" lang="en-CA" sz="1800" spc="-1" strike="noStrike">
-              <a:latin typeface="Arial"/>
-            </a:endParaRPr>
-          </a:p>
-          <a:p>
-            <a:pPr lvl="2" marL="648000" indent="-216000">
-              <a:lnSpc>
-                <a:spcPct val="100000"/>
-              </a:lnSpc>
-              <a:buClr>
-                <a:srgbClr val="000000"/>
-              </a:buClr>
-              <a:buSzPct val="45000"/>
-              <a:buFont typeface="Wingdings" charset="2"/>
-              <a:buChar char=""/>
-            </a:pPr>
-            <a:r>
-              <a:rPr b="0" lang="en-CA" sz="1800" spc="-1" strike="noStrike">
-                <a:latin typeface="Arial"/>
-              </a:rPr>
-              <a:t>1) Virtual Box</a:t>
-            </a:r>
-            <a:endParaRPr b="0" lang="en-CA" sz="1800" spc="-1" strike="noStrike">
-              <a:latin typeface="Arial"/>
-            </a:endParaRPr>
-          </a:p>
-          <a:p>
-            <a:pPr lvl="2" marL="648000" indent="-216000">
-              <a:lnSpc>
-                <a:spcPct val="100000"/>
-              </a:lnSpc>
-              <a:buClr>
-                <a:srgbClr val="000000"/>
-              </a:buClr>
-              <a:buSzPct val="45000"/>
-              <a:buFont typeface="Wingdings" charset="2"/>
-              <a:buChar char=""/>
-            </a:pPr>
-            <a:r>
-              <a:rPr b="0" lang="en-CA" sz="1800" spc="-1" strike="noStrike">
-                <a:latin typeface="Arial"/>
-              </a:rPr>
-              <a:t>2)  Ubuntu Linux 19.04</a:t>
-            </a:r>
-            <a:endParaRPr b="0" lang="en-CA" sz="1800" spc="-1" strike="noStrike">
-              <a:latin typeface="Arial"/>
-            </a:endParaRPr>
-          </a:p>
-          <a:p>
-            <a:pPr lvl="2" marL="648000" indent="-216000">
-              <a:lnSpc>
-                <a:spcPct val="100000"/>
-              </a:lnSpc>
-              <a:buClr>
-                <a:srgbClr val="000000"/>
-              </a:buClr>
-              <a:buSzPct val="45000"/>
-              <a:buFont typeface="Wingdings" charset="2"/>
-              <a:buChar char=""/>
-            </a:pPr>
-            <a:r>
-              <a:rPr b="0" lang="en-CA" sz="1800" spc="-1" strike="noStrike">
-                <a:latin typeface="Arial"/>
-              </a:rPr>
-              <a:t>3)  Python</a:t>
-            </a:r>
-            <a:endParaRPr b="0" lang="en-CA" sz="1800" spc="-1" strike="noStrike">
-              <a:latin typeface="Arial"/>
-            </a:endParaRPr>
-          </a:p>
-          <a:p>
-            <a:pPr lvl="2" marL="648000" indent="-216000">
-              <a:lnSpc>
-                <a:spcPct val="100000"/>
-              </a:lnSpc>
-              <a:buClr>
-                <a:srgbClr val="000000"/>
-              </a:buClr>
-              <a:buSzPct val="45000"/>
-              <a:buFont typeface="Wingdings" charset="2"/>
-              <a:buChar char=""/>
-            </a:pPr>
-            <a:r>
-              <a:rPr b="0" lang="en-CA" sz="1800" spc="-1" strike="noStrike">
-                <a:latin typeface="Arial"/>
-              </a:rPr>
-              <a:t>4)  Docker</a:t>
-            </a:r>
-            <a:endParaRPr b="0" lang="en-CA" sz="1800" spc="-1" strike="noStrike">
-              <a:latin typeface="Arial"/>
-            </a:endParaRPr>
-          </a:p>
-          <a:p>
-            <a:pPr lvl="2" marL="648000" indent="-216000">
-              <a:lnSpc>
-                <a:spcPct val="100000"/>
-              </a:lnSpc>
-              <a:buClr>
-                <a:srgbClr val="000000"/>
-              </a:buClr>
-              <a:buSzPct val="45000"/>
-              <a:buFont typeface="Wingdings" charset="2"/>
-              <a:buChar char=""/>
-            </a:pPr>
-            <a:r>
-              <a:rPr b="0" lang="en-CA" sz="1800" spc="-1" strike="noStrike">
-                <a:latin typeface="Arial"/>
-              </a:rPr>
-              <a:t>5)  Jenkins</a:t>
-            </a:r>
-            <a:endParaRPr b="0" lang="en-CA" sz="1800" spc="-1" strike="noStrike">
-              <a:latin typeface="Arial"/>
-            </a:endParaRPr>
-          </a:p>
-          <a:p>
-            <a:pPr lvl="2" marL="648000" indent="-216000">
-              <a:lnSpc>
-                <a:spcPct val="100000"/>
-              </a:lnSpc>
-              <a:buClr>
-                <a:srgbClr val="000000"/>
-              </a:buClr>
-              <a:buSzPct val="45000"/>
-              <a:buFont typeface="Wingdings" charset="2"/>
-              <a:buChar char=""/>
-            </a:pPr>
-            <a:r>
-              <a:rPr b="0" lang="en-CA" sz="1800" spc="-1" strike="noStrike">
-                <a:latin typeface="Arial"/>
-              </a:rPr>
-              <a:t>6)  Ansible</a:t>
-            </a:r>
-            <a:endParaRPr b="0" lang="en-CA" sz="1800" spc="-1" strike="noStrike">
-              <a:latin typeface="Arial"/>
-            </a:endParaRPr>
-          </a:p>
-          <a:p>
-            <a:pPr lvl="2" marL="648000" indent="-216000">
-              <a:lnSpc>
-                <a:spcPct val="100000"/>
-              </a:lnSpc>
-              <a:buClr>
-                <a:srgbClr val="000000"/>
-              </a:buClr>
-              <a:buSzPct val="45000"/>
-              <a:buFont typeface="Wingdings" charset="2"/>
-              <a:buChar char=""/>
-            </a:pPr>
-            <a:r>
-              <a:rPr b="0" lang="en-CA" sz="1800" spc="-1" strike="noStrike">
-                <a:latin typeface="Arial"/>
-              </a:rPr>
-              <a:t>7)  Kubernetes </a:t>
-            </a:r>
-            <a:r>
               <a:rPr b="1" lang="en-CA" sz="1800" spc="-1" strike="noStrike">
-                <a:latin typeface="Arial"/>
-              </a:rPr>
-              <a:t>(Im a little leary of bringing k8s in here.  Its very complicated to install and perhaps outside the scope of a introductory course.)</a:t>
-            </a:r>
-            <a:endParaRPr b="0" lang="en-CA" sz="1800" spc="-1" strike="noStrike">
-              <a:latin typeface="Arial"/>
-            </a:endParaRPr>
-          </a:p>
-          <a:p>
-            <a:pPr lvl="2" marL="648000" indent="-216000">
-              <a:lnSpc>
-                <a:spcPct val="100000"/>
-              </a:lnSpc>
-              <a:buClr>
-                <a:srgbClr val="000000"/>
-              </a:buClr>
-              <a:buSzPct val="45000"/>
-              <a:buFont typeface="Wingdings" charset="2"/>
-              <a:buChar char=""/>
+                <a:solidFill>
+                  <a:srgbClr val="000000"/>
+                </a:solidFill>
+                <a:latin typeface="Arial"/>
+                <a:ea typeface="DejaVu Sans"/>
+              </a:rPr>
+              <a:t>Resources</a:t>
+            </a:r>
+            <a:r>
+              <a:rPr b="0" lang="en-CA" sz="1800" spc="-1" strike="noStrike">
+                <a:solidFill>
+                  <a:srgbClr val="000000"/>
+                </a:solidFill>
+                <a:latin typeface="Arial"/>
+                <a:ea typeface="DejaVu Sans"/>
+              </a:rPr>
+              <a:t>:</a:t>
+            </a:r>
+            <a:endParaRPr b="0" lang="en-CA" sz="1800" spc="-1" strike="noStrike">
+              <a:latin typeface="Arial"/>
+            </a:endParaRPr>
+          </a:p>
+          <a:p>
+            <a:pPr>
+              <a:lnSpc>
+                <a:spcPct val="100000"/>
+              </a:lnSpc>
+            </a:pPr>
+            <a:endParaRPr b="0" lang="en-CA" sz="1800" spc="-1" strike="noStrike">
+              <a:latin typeface="Arial"/>
+            </a:endParaRPr>
+          </a:p>
+          <a:p>
+            <a:pPr>
+              <a:lnSpc>
+                <a:spcPct val="100000"/>
+              </a:lnSpc>
+            </a:pPr>
+            <a:r>
+              <a:rPr b="0" lang="en-CA" sz="1800" spc="-1" strike="noStrike">
+                <a:solidFill>
+                  <a:srgbClr val="000000"/>
+                </a:solidFill>
+                <a:latin typeface="Arial"/>
+                <a:ea typeface="DejaVu Sans"/>
+              </a:rPr>
+              <a:t>Intro to dev ops</a:t>
+            </a:r>
+            <a:endParaRPr b="0" lang="en-CA" sz="1800" spc="-1" strike="noStrike">
+              <a:latin typeface="Arial"/>
+            </a:endParaRPr>
+          </a:p>
+          <a:p>
+            <a:pPr>
+              <a:lnSpc>
+                <a:spcPct val="100000"/>
+              </a:lnSpc>
+            </a:pPr>
+            <a:r>
+              <a:rPr b="0" lang="en-CA" sz="1800" spc="-1" strike="noStrike" u="sng">
+                <a:solidFill>
+                  <a:srgbClr val="0000ff"/>
+                </a:solidFill>
+                <a:uFillTx/>
+                <a:latin typeface="Arial"/>
+                <a:ea typeface="DejaVu Sans"/>
+                <a:hlinkClick r:id="rId1"/>
+              </a:rPr>
+              <a:t>https://www.youtube.com/watch?v=m0a2CzgLNsc</a:t>
+            </a:r>
+            <a:endParaRPr b="0" lang="en-CA" sz="1800" spc="-1" strike="noStrike">
+              <a:latin typeface="Arial"/>
+            </a:endParaRPr>
+          </a:p>
+          <a:p>
+            <a:pPr>
+              <a:lnSpc>
+                <a:spcPct val="100000"/>
+              </a:lnSpc>
+            </a:pPr>
+            <a:endParaRPr b="0" lang="en-CA" sz="1800" spc="-1" strike="noStrike">
+              <a:latin typeface="Arial"/>
+            </a:endParaRPr>
+          </a:p>
+          <a:p>
+            <a:pPr>
+              <a:lnSpc>
+                <a:spcPct val="100000"/>
+              </a:lnSpc>
+            </a:pPr>
+            <a:r>
+              <a:rPr b="0" lang="en-CA" sz="1800" spc="-1" strike="noStrike" u="sng">
+                <a:solidFill>
+                  <a:srgbClr val="0000ff"/>
+                </a:solidFill>
+                <a:uFillTx/>
+                <a:latin typeface="Arial"/>
+                <a:ea typeface="DejaVu Sans"/>
+                <a:hlinkClick r:id="rId2"/>
+              </a:rPr>
+              <a:t>https://www.youtube.com/watch?v=_Gpe1Zn-1fE</a:t>
+            </a:r>
+            <a:endParaRPr b="0" lang="en-CA" sz="1800" spc="-1" strike="noStrike">
+              <a:latin typeface="Arial"/>
+            </a:endParaRPr>
+          </a:p>
+          <a:p>
+            <a:pPr>
+              <a:lnSpc>
+                <a:spcPct val="100000"/>
+              </a:lnSpc>
+            </a:pPr>
+            <a:endParaRPr b="0" lang="en-CA" sz="1800" spc="-1" strike="noStrike">
+              <a:latin typeface="Arial"/>
+            </a:endParaRPr>
+          </a:p>
+          <a:p>
+            <a:pPr>
+              <a:lnSpc>
+                <a:spcPct val="100000"/>
+              </a:lnSpc>
+            </a:pPr>
+            <a:endParaRPr b="0" lang="en-CA" sz="1800" spc="-1" strike="noStrike">
+              <a:latin typeface="Arial"/>
+            </a:endParaRPr>
+          </a:p>
+          <a:p>
+            <a:pPr>
+              <a:lnSpc>
+                <a:spcPct val="100000"/>
+              </a:lnSpc>
+            </a:pPr>
+            <a:endParaRPr b="0" lang="en-CA" sz="1800" spc="-1" strike="noStrike">
+              <a:latin typeface="Arial"/>
+            </a:endParaRPr>
+          </a:p>
+          <a:p>
+            <a:pPr>
+              <a:lnSpc>
+                <a:spcPct val="100000"/>
+              </a:lnSpc>
             </a:pPr>
             <a:endParaRPr b="0" lang="en-CA" sz="1800" spc="-1" strike="noStrike">
               <a:latin typeface="Arial"/>
@@ -12324,8 +12008,8 @@
         </p:nvSpPr>
         <p:spPr>
           <a:xfrm>
-            <a:off x="432000" y="1449360"/>
-            <a:ext cx="8278200" cy="5218200"/>
+            <a:off x="432000" y="13680"/>
+            <a:ext cx="7447680" cy="1179720"/>
           </a:xfrm>
           <a:prstGeom prst="rect">
             <a:avLst/>
@@ -12350,90 +12034,38 @@
               <a:lnSpc>
                 <a:spcPct val="100000"/>
               </a:lnSpc>
-              <a:spcBef>
-                <a:spcPts val="479"/>
-              </a:spcBef>
-            </a:pPr>
-            <a:r>
-              <a:rPr b="0" lang="en-CA" sz="2400" spc="-1" strike="noStrike">
-                <a:solidFill>
-                  <a:srgbClr val="000000"/>
-                </a:solidFill>
-                <a:latin typeface="Calibri"/>
-                <a:ea typeface="DejaVu Sans"/>
-              </a:rPr>
-              <a:t>Software quality refers to two notions that exist wherever quality is defined:</a:t>
-            </a:r>
-            <a:endParaRPr b="0" lang="en-CA" sz="2400" spc="-1" strike="noStrike">
-              <a:latin typeface="Arial"/>
-            </a:endParaRPr>
-          </a:p>
-          <a:p>
-            <a:pPr>
-              <a:lnSpc>
-                <a:spcPct val="100000"/>
-              </a:lnSpc>
-              <a:spcBef>
-                <a:spcPts val="479"/>
-              </a:spcBef>
-            </a:pPr>
-            <a:endParaRPr b="0" lang="en-CA" sz="2400" spc="-1" strike="noStrike">
-              <a:latin typeface="Arial"/>
-            </a:endParaRPr>
-          </a:p>
-          <a:p>
-            <a:pPr marL="457200" indent="-455400">
-              <a:lnSpc>
-                <a:spcPct val="100000"/>
-              </a:lnSpc>
-              <a:spcBef>
-                <a:spcPts val="479"/>
-              </a:spcBef>
-              <a:buClr>
-                <a:srgbClr val="000000"/>
-              </a:buClr>
-              <a:buFont typeface="Calibri"/>
-              <a:buAutoNum type="arabicPeriod"/>
-            </a:pPr>
-            <a:r>
-              <a:rPr b="0" lang="en-CA" sz="2400" spc="-1" strike="noStrike">
-                <a:solidFill>
-                  <a:srgbClr val="000000"/>
-                </a:solidFill>
-                <a:latin typeface="Calibri"/>
-                <a:ea typeface="DejaVu Sans"/>
-              </a:rPr>
-              <a:t>Software functional quality reflects how well it complies to a given design, based on functional requirements or specifications. </a:t>
-            </a:r>
-            <a:endParaRPr b="0" lang="en-CA" sz="2400" spc="-1" strike="noStrike">
-              <a:latin typeface="Arial"/>
-            </a:endParaRPr>
-          </a:p>
-          <a:p>
-            <a:pPr marL="457200" indent="-455400">
-              <a:lnSpc>
-                <a:spcPct val="100000"/>
-              </a:lnSpc>
-              <a:spcBef>
-                <a:spcPts val="479"/>
-              </a:spcBef>
-              <a:buClr>
-                <a:srgbClr val="000000"/>
-              </a:buClr>
-              <a:buFont typeface="Calibri"/>
-              <a:buAutoNum type="arabicPeriod"/>
-            </a:pPr>
-            <a:r>
-              <a:rPr b="0" lang="en-CA" sz="2400" spc="-1" strike="noStrike">
-                <a:solidFill>
-                  <a:srgbClr val="000000"/>
-                </a:solidFill>
-                <a:latin typeface="Calibri"/>
-                <a:ea typeface="DejaVu Sans"/>
-              </a:rPr>
-              <a:t>Software structural quality refers to how it meets non-functional requirements that support the delivery of the functional requirements, such as robustness or maintainability.</a:t>
-            </a:r>
-            <a:endParaRPr b="0" lang="en-CA" sz="2400" spc="-1" strike="noStrike">
+            </a:pPr>
+            <a:r>
+              <a:rPr b="0" lang="en-CA" sz="3000" spc="-1" strike="noStrike" cap="all">
+                <a:solidFill>
+                  <a:srgbClr val="292929"/>
+                </a:solidFill>
+                <a:latin typeface="Nexa Bold"/>
+                <a:ea typeface="DejaVu Sans"/>
+              </a:rPr>
+              <a:t>Installing Our </a:t>
+            </a:r>
+            <a:r>
+              <a:rPr b="0" lang="en-CA" sz="3000" spc="-1" strike="noStrike" cap="all">
+                <a:solidFill>
+                  <a:srgbClr val="1fa0be"/>
+                </a:solidFill>
+                <a:latin typeface="Nexa Bold"/>
+                <a:ea typeface="DejaVu Sans"/>
+              </a:rPr>
+              <a:t>Stack</a:t>
+            </a:r>
+            <a:endParaRPr b="0" lang="en-CA" sz="3000" spc="-1" strike="noStrike">
+              <a:latin typeface="Arial"/>
+            </a:endParaRPr>
+          </a:p>
+          <a:p>
+            <a:pPr>
+              <a:lnSpc>
+                <a:spcPct val="100000"/>
+              </a:lnSpc>
+            </a:pPr>
+            <a:endParaRPr b="0" lang="en-CA" sz="3000" spc="-1" strike="noStrike">
               <a:latin typeface="Arial"/>
             </a:endParaRPr>
           </a:p>
@@ -12447,79 +12079,8 @@
         </p:nvSpPr>
         <p:spPr>
           <a:xfrm>
-            <a:off x="432000" y="0"/>
-            <a:ext cx="7450560" cy="1182600"/>
-          </a:xfrm>
-          <a:prstGeom prst="rect">
-            <a:avLst/>
-          </a:prstGeom>
-          <a:noFill/>
-          <a:ln>
-            <a:noFill/>
-          </a:ln>
-        </p:spPr>
-        <p:style>
-          <a:lnRef idx="0"/>
-          <a:fillRef idx="0"/>
-          <a:effectRef idx="0"/>
-          <a:fontRef idx="minor"/>
-        </p:style>
-        <p:txBody>
-          <a:bodyPr lIns="90000" rIns="90000" tIns="45000" bIns="45000" anchor="ctr">
-            <a:normAutofit/>
-          </a:bodyPr>
-          <a:p>
-            <a:pPr>
-              <a:lnSpc>
-                <a:spcPct val="100000"/>
-              </a:lnSpc>
-            </a:pPr>
-            <a:r>
-              <a:rPr b="0" lang="en-CA" sz="3000" spc="-1" strike="noStrike" cap="all">
-                <a:solidFill>
-                  <a:srgbClr val="292929"/>
-                </a:solidFill>
-                <a:latin typeface="Nexa Bold"/>
-                <a:ea typeface="DejaVu Sans"/>
-              </a:rPr>
-              <a:t>Software</a:t>
-            </a:r>
-            <a:r>
-              <a:rPr b="0" lang="en-CA" sz="3000" spc="-1" strike="noStrike">
-                <a:solidFill>
-                  <a:srgbClr val="292929"/>
-                </a:solidFill>
-                <a:latin typeface="Nexa Bold"/>
-                <a:ea typeface="DejaVu Sans"/>
-              </a:rPr>
-              <a:t> </a:t>
-            </a:r>
-            <a:r>
-              <a:rPr b="0" lang="en-CA" sz="3000" spc="-1" strike="noStrike" cap="all">
-                <a:solidFill>
-                  <a:srgbClr val="1fa0be"/>
-                </a:solidFill>
-                <a:latin typeface="Nexa Bold"/>
-                <a:ea typeface="DejaVu Sans"/>
-              </a:rPr>
-              <a:t>Quality</a:t>
-            </a:r>
-            <a:endParaRPr b="0" lang="en-CA" sz="3000" spc="-1" strike="noStrike">
-              <a:latin typeface="Arial"/>
-            </a:endParaRPr>
-          </a:p>
-        </p:txBody>
-      </p:sp>
-      <p:sp>
-        <p:nvSpPr>
-          <p:cNvPr id="147" name="CustomShape 3"/>
-          <p:cNvSpPr/>
-          <p:nvPr/>
-        </p:nvSpPr>
-        <p:spPr>
-          <a:xfrm>
             <a:off x="0" y="0"/>
-            <a:ext cx="249840" cy="1194840"/>
+            <a:ext cx="246960" cy="1191960"/>
           </a:xfrm>
           <a:prstGeom prst="rect">
             <a:avLst/>
@@ -12548,7 +12109,7 @@
       </p:sp>
       <p:sp>
         <p:nvSpPr>
-          <p:cNvPr id="148" name="Line 4"/>
+          <p:cNvPr id="147" name="Line 3"/>
           <p:cNvSpPr/>
           <p:nvPr/>
         </p:nvSpPr>
@@ -12579,6 +12140,470 @@
           </a:effectRef>
           <a:fontRef idx="minor"/>
         </p:style>
+      </p:sp>
+      <p:sp>
+        <p:nvSpPr>
+          <p:cNvPr id="148" name="CustomShape 4"/>
+          <p:cNvSpPr/>
+          <p:nvPr/>
+        </p:nvSpPr>
+        <p:spPr>
+          <a:xfrm>
+            <a:off x="457200" y="273600"/>
+            <a:ext cx="8226000" cy="5304600"/>
+          </a:xfrm>
+          <a:prstGeom prst="rect">
+            <a:avLst/>
+          </a:prstGeom>
+          <a:noFill/>
+          <a:ln>
+            <a:noFill/>
+          </a:ln>
+        </p:spPr>
+        <p:style>
+          <a:lnRef idx="0"/>
+          <a:fillRef idx="0"/>
+          <a:effectRef idx="0"/>
+          <a:fontRef idx="minor"/>
+        </p:style>
+        <p:txBody>
+          <a:bodyPr lIns="0" rIns="0" tIns="0" bIns="0" anchor="ctr"/>
+          <a:p>
+            <a:pPr algn="ctr">
+              <a:lnSpc>
+                <a:spcPct val="100000"/>
+              </a:lnSpc>
+            </a:pPr>
+            <a:endParaRPr b="0" lang="en-CA" sz="1800" spc="-1" strike="noStrike">
+              <a:latin typeface="Arial"/>
+            </a:endParaRPr>
+          </a:p>
+          <a:p>
+            <a:pPr algn="ctr">
+              <a:lnSpc>
+                <a:spcPct val="100000"/>
+              </a:lnSpc>
+            </a:pPr>
+            <a:endParaRPr b="0" lang="en-CA" sz="1800" spc="-1" strike="noStrike">
+              <a:latin typeface="Arial"/>
+            </a:endParaRPr>
+          </a:p>
+        </p:txBody>
+      </p:sp>
+      <p:sp>
+        <p:nvSpPr>
+          <p:cNvPr id="149" name="CustomShape 5"/>
+          <p:cNvSpPr/>
+          <p:nvPr/>
+        </p:nvSpPr>
+        <p:spPr>
+          <a:xfrm>
+            <a:off x="576000" y="1728000"/>
+            <a:ext cx="6764760" cy="2390760"/>
+          </a:xfrm>
+          <a:prstGeom prst="rect">
+            <a:avLst/>
+          </a:prstGeom>
+          <a:noFill/>
+          <a:ln>
+            <a:noFill/>
+          </a:ln>
+        </p:spPr>
+        <p:style>
+          <a:lnRef idx="0"/>
+          <a:fillRef idx="0"/>
+          <a:effectRef idx="0"/>
+          <a:fontRef idx="minor"/>
+        </p:style>
+        <p:txBody>
+          <a:bodyPr lIns="90000" rIns="90000" tIns="45000" bIns="45000"/>
+          <a:p>
+            <a:pPr>
+              <a:lnSpc>
+                <a:spcPct val="100000"/>
+              </a:lnSpc>
+            </a:pPr>
+            <a:r>
+              <a:rPr b="0" lang="en-CA" sz="1800" spc="-1" strike="noStrike">
+                <a:solidFill>
+                  <a:srgbClr val="000000"/>
+                </a:solidFill>
+                <a:latin typeface="Arial"/>
+                <a:ea typeface="DejaVu Sans"/>
+              </a:rPr>
+              <a:t>The tools we will be using in this course:</a:t>
+            </a:r>
+            <a:endParaRPr b="0" lang="en-CA" sz="1800" spc="-1" strike="noStrike">
+              <a:latin typeface="Arial"/>
+            </a:endParaRPr>
+          </a:p>
+          <a:p>
+            <a:pPr>
+              <a:lnSpc>
+                <a:spcPct val="100000"/>
+              </a:lnSpc>
+            </a:pPr>
+            <a:endParaRPr b="0" lang="en-CA" sz="1800" spc="-1" strike="noStrike">
+              <a:latin typeface="Arial"/>
+            </a:endParaRPr>
+          </a:p>
+          <a:p>
+            <a:pPr marL="216000" indent="-212760">
+              <a:lnSpc>
+                <a:spcPct val="100000"/>
+              </a:lnSpc>
+              <a:buClr>
+                <a:srgbClr val="000000"/>
+              </a:buClr>
+              <a:buSzPct val="45000"/>
+              <a:buFont typeface="Wingdings" charset="2"/>
+              <a:buChar char=""/>
+            </a:pPr>
+            <a:r>
+              <a:rPr b="0" lang="en-CA" sz="1800" spc="-1" strike="noStrike">
+                <a:solidFill>
+                  <a:srgbClr val="000000"/>
+                </a:solidFill>
+                <a:latin typeface="Arial"/>
+                <a:ea typeface="DejaVu Sans"/>
+              </a:rPr>
+              <a:t>There will be a handout that goes through the steps of creating the environment we need for this course.  Please make sure you read through and install all the software on that list.</a:t>
+            </a:r>
+            <a:endParaRPr b="0" lang="en-CA" sz="1800" spc="-1" strike="noStrike">
+              <a:latin typeface="Arial"/>
+            </a:endParaRPr>
+          </a:p>
+          <a:p>
+            <a:pPr>
+              <a:lnSpc>
+                <a:spcPct val="100000"/>
+              </a:lnSpc>
+            </a:pPr>
+            <a:endParaRPr b="0" lang="en-CA" sz="1800" spc="-1" strike="noStrike">
+              <a:latin typeface="Arial"/>
+            </a:endParaRPr>
+          </a:p>
+          <a:p>
+            <a:pPr marL="216000" indent="-212760">
+              <a:lnSpc>
+                <a:spcPct val="100000"/>
+              </a:lnSpc>
+              <a:buClr>
+                <a:srgbClr val="000000"/>
+              </a:buClr>
+              <a:buSzPct val="45000"/>
+              <a:buFont typeface="Wingdings" charset="2"/>
+              <a:buChar char=""/>
+            </a:pPr>
+            <a:r>
+              <a:rPr b="0" lang="en-CA" sz="1800" spc="-1" strike="noStrike">
+                <a:solidFill>
+                  <a:srgbClr val="000000"/>
+                </a:solidFill>
+                <a:latin typeface="Arial"/>
+                <a:ea typeface="DejaVu Sans"/>
+              </a:rPr>
+              <a:t>We will be installing:</a:t>
+            </a:r>
+            <a:endParaRPr b="0" lang="en-CA" sz="1800" spc="-1" strike="noStrike">
+              <a:latin typeface="Arial"/>
+            </a:endParaRPr>
+          </a:p>
+          <a:p>
+            <a:pPr lvl="2" marL="648000" indent="-213120">
+              <a:lnSpc>
+                <a:spcPct val="100000"/>
+              </a:lnSpc>
+              <a:buClr>
+                <a:srgbClr val="000000"/>
+              </a:buClr>
+              <a:buSzPct val="45000"/>
+              <a:buFont typeface="Wingdings" charset="2"/>
+              <a:buChar char=""/>
+            </a:pPr>
+            <a:r>
+              <a:rPr b="0" lang="en-CA" sz="1800" spc="-1" strike="noStrike">
+                <a:solidFill>
+                  <a:srgbClr val="000000"/>
+                </a:solidFill>
+                <a:latin typeface="Arial"/>
+                <a:ea typeface="DejaVu Sans"/>
+              </a:rPr>
+              <a:t>1) Virtual Box</a:t>
+            </a:r>
+            <a:endParaRPr b="0" lang="en-CA" sz="1800" spc="-1" strike="noStrike">
+              <a:latin typeface="Arial"/>
+            </a:endParaRPr>
+          </a:p>
+          <a:p>
+            <a:pPr lvl="2" marL="648000" indent="-213120">
+              <a:lnSpc>
+                <a:spcPct val="100000"/>
+              </a:lnSpc>
+              <a:buClr>
+                <a:srgbClr val="000000"/>
+              </a:buClr>
+              <a:buSzPct val="45000"/>
+              <a:buFont typeface="Wingdings" charset="2"/>
+              <a:buChar char=""/>
+            </a:pPr>
+            <a:r>
+              <a:rPr b="0" lang="en-CA" sz="1800" spc="-1" strike="noStrike">
+                <a:solidFill>
+                  <a:srgbClr val="000000"/>
+                </a:solidFill>
+                <a:latin typeface="Arial"/>
+                <a:ea typeface="DejaVu Sans"/>
+              </a:rPr>
+              <a:t>2)  Ubuntu Linux 19.04</a:t>
+            </a:r>
+            <a:endParaRPr b="0" lang="en-CA" sz="1800" spc="-1" strike="noStrike">
+              <a:latin typeface="Arial"/>
+            </a:endParaRPr>
+          </a:p>
+          <a:p>
+            <a:pPr lvl="2" marL="648000" indent="-213120">
+              <a:lnSpc>
+                <a:spcPct val="100000"/>
+              </a:lnSpc>
+              <a:buClr>
+                <a:srgbClr val="000000"/>
+              </a:buClr>
+              <a:buSzPct val="45000"/>
+              <a:buFont typeface="Wingdings" charset="2"/>
+              <a:buChar char=""/>
+            </a:pPr>
+            <a:r>
+              <a:rPr b="0" lang="en-CA" sz="1800" spc="-1" strike="noStrike">
+                <a:solidFill>
+                  <a:srgbClr val="000000"/>
+                </a:solidFill>
+                <a:latin typeface="Arial"/>
+                <a:ea typeface="DejaVu Sans"/>
+              </a:rPr>
+              <a:t>3)  Python</a:t>
+            </a:r>
+            <a:endParaRPr b="0" lang="en-CA" sz="1800" spc="-1" strike="noStrike">
+              <a:latin typeface="Arial"/>
+            </a:endParaRPr>
+          </a:p>
+          <a:p>
+            <a:pPr lvl="2" marL="648000" indent="-213120">
+              <a:lnSpc>
+                <a:spcPct val="100000"/>
+              </a:lnSpc>
+              <a:buClr>
+                <a:srgbClr val="000000"/>
+              </a:buClr>
+              <a:buSzPct val="45000"/>
+              <a:buFont typeface="Wingdings" charset="2"/>
+              <a:buChar char=""/>
+            </a:pPr>
+            <a:r>
+              <a:rPr b="0" lang="en-CA" sz="1800" spc="-1" strike="noStrike">
+                <a:solidFill>
+                  <a:srgbClr val="000000"/>
+                </a:solidFill>
+                <a:latin typeface="Arial"/>
+                <a:ea typeface="DejaVu Sans"/>
+              </a:rPr>
+              <a:t>4)  Docker</a:t>
+            </a:r>
+            <a:endParaRPr b="0" lang="en-CA" sz="1800" spc="-1" strike="noStrike">
+              <a:latin typeface="Arial"/>
+            </a:endParaRPr>
+          </a:p>
+          <a:p>
+            <a:pPr lvl="2" marL="648000" indent="-213120">
+              <a:lnSpc>
+                <a:spcPct val="100000"/>
+              </a:lnSpc>
+              <a:buClr>
+                <a:srgbClr val="000000"/>
+              </a:buClr>
+              <a:buSzPct val="45000"/>
+              <a:buFont typeface="Wingdings" charset="2"/>
+              <a:buChar char=""/>
+            </a:pPr>
+            <a:r>
+              <a:rPr b="0" lang="en-CA" sz="1800" spc="-1" strike="noStrike">
+                <a:solidFill>
+                  <a:srgbClr val="000000"/>
+                </a:solidFill>
+                <a:latin typeface="Arial"/>
+                <a:ea typeface="DejaVu Sans"/>
+              </a:rPr>
+              <a:t>5)  Jenkins</a:t>
+            </a:r>
+            <a:endParaRPr b="0" lang="en-CA" sz="1800" spc="-1" strike="noStrike">
+              <a:latin typeface="Arial"/>
+            </a:endParaRPr>
+          </a:p>
+          <a:p>
+            <a:pPr lvl="2" marL="648000" indent="-213120">
+              <a:lnSpc>
+                <a:spcPct val="100000"/>
+              </a:lnSpc>
+              <a:buClr>
+                <a:srgbClr val="000000"/>
+              </a:buClr>
+              <a:buSzPct val="45000"/>
+              <a:buFont typeface="Wingdings" charset="2"/>
+              <a:buChar char=""/>
+            </a:pPr>
+            <a:r>
+              <a:rPr b="0" lang="en-CA" sz="1800" spc="-1" strike="noStrike">
+                <a:solidFill>
+                  <a:srgbClr val="000000"/>
+                </a:solidFill>
+                <a:latin typeface="Arial"/>
+                <a:ea typeface="DejaVu Sans"/>
+              </a:rPr>
+              <a:t>6)  Ansible</a:t>
+            </a:r>
+            <a:endParaRPr b="0" lang="en-CA" sz="1800" spc="-1" strike="noStrike">
+              <a:latin typeface="Arial"/>
+            </a:endParaRPr>
+          </a:p>
+          <a:p>
+            <a:pPr>
+              <a:lnSpc>
+                <a:spcPct val="100000"/>
+              </a:lnSpc>
+            </a:pPr>
+            <a:endParaRPr b="0" lang="en-CA" sz="1800" spc="-1" strike="noStrike">
+              <a:latin typeface="Arial"/>
+            </a:endParaRPr>
+          </a:p>
+          <a:p>
+            <a:pPr lvl="2" marL="648000" indent="-213120">
+              <a:lnSpc>
+                <a:spcPct val="100000"/>
+              </a:lnSpc>
+              <a:buClr>
+                <a:srgbClr val="000000"/>
+              </a:buClr>
+              <a:buSzPct val="45000"/>
+              <a:buFont typeface="Wingdings" charset="2"/>
+              <a:buChar char=""/>
+            </a:pPr>
+            <a:r>
+              <a:rPr b="0" lang="en-CA" sz="1800" spc="-1" strike="noStrike">
+                <a:solidFill>
+                  <a:srgbClr val="000000"/>
+                </a:solidFill>
+                <a:latin typeface="Arial"/>
+                <a:ea typeface="DejaVu Sans"/>
+              </a:rPr>
+              <a:t>See the desktop stack setup in the git repo for this course to find out how to do this:</a:t>
+            </a:r>
+            <a:endParaRPr b="0" lang="en-CA" sz="1800" spc="-1" strike="noStrike">
+              <a:latin typeface="Arial"/>
+            </a:endParaRPr>
+          </a:p>
+          <a:p>
+            <a:pPr>
+              <a:lnSpc>
+                <a:spcPct val="100000"/>
+              </a:lnSpc>
+            </a:pPr>
+            <a:r>
+              <a:rPr b="0" lang="en-CA" sz="1800" spc="-1" strike="noStrike">
+                <a:solidFill>
+                  <a:srgbClr val="000000"/>
+                </a:solidFill>
+                <a:latin typeface="Arial"/>
+                <a:ea typeface="DejaVu Sans"/>
+              </a:rPr>
+              <a:t>	</a:t>
+            </a:r>
+            <a:r>
+              <a:rPr b="0" lang="en-CA" sz="1800" spc="-1" strike="noStrike">
+                <a:solidFill>
+                  <a:srgbClr val="000000"/>
+                </a:solidFill>
+                <a:latin typeface="Arial"/>
+                <a:ea typeface="DejaVu Sans"/>
+              </a:rPr>
+              <a:t>	</a:t>
+            </a:r>
+            <a:endParaRPr b="0" lang="en-CA" sz="1800" spc="-1" strike="noStrike">
+              <a:latin typeface="Arial"/>
+            </a:endParaRPr>
+          </a:p>
+          <a:p>
+            <a:pPr>
+              <a:lnSpc>
+                <a:spcPct val="100000"/>
+              </a:lnSpc>
+            </a:pPr>
+            <a:r>
+              <a:rPr b="0" lang="en-CA" sz="1800" spc="-1" strike="noStrike">
+                <a:solidFill>
+                  <a:srgbClr val="000000"/>
+                </a:solidFill>
+                <a:latin typeface="Arial"/>
+                <a:ea typeface="DejaVu Sans"/>
+              </a:rPr>
+              <a:t>	</a:t>
+            </a:r>
+            <a:r>
+              <a:rPr b="0" lang="en-CA" sz="1800" spc="-1" strike="noStrike">
+                <a:solidFill>
+                  <a:srgbClr val="000000"/>
+                </a:solidFill>
+                <a:latin typeface="Arial"/>
+                <a:ea typeface="DejaVu Sans"/>
+              </a:rPr>
+              <a:t>   </a:t>
+            </a:r>
+            <a:r>
+              <a:rPr b="0" lang="en-CA" sz="1800" spc="-1" strike="noStrike" u="sng">
+                <a:solidFill>
+                  <a:srgbClr val="0000ff"/>
+                </a:solidFill>
+                <a:uFillTx/>
+                <a:latin typeface="Arial"/>
+                <a:ea typeface="DejaVu Sans"/>
+                <a:hlinkClick r:id="rId1"/>
+              </a:rPr>
+              <a:t>https://github.com/chrisgauthier742018/devopscourse</a:t>
+            </a:r>
+            <a:endParaRPr b="0" lang="en-CA" sz="1800" spc="-1" strike="noStrike">
+              <a:latin typeface="Arial"/>
+            </a:endParaRPr>
+          </a:p>
+          <a:p>
+            <a:pPr>
+              <a:lnSpc>
+                <a:spcPct val="100000"/>
+              </a:lnSpc>
+            </a:pPr>
+            <a:endParaRPr b="0" lang="en-CA" sz="1800" spc="-1" strike="noStrike">
+              <a:latin typeface="Arial"/>
+            </a:endParaRPr>
+          </a:p>
+          <a:p>
+            <a:pPr>
+              <a:lnSpc>
+                <a:spcPct val="100000"/>
+              </a:lnSpc>
+            </a:pPr>
+            <a:endParaRPr b="0" lang="en-CA" sz="1800" spc="-1" strike="noStrike">
+              <a:latin typeface="Arial"/>
+            </a:endParaRPr>
+          </a:p>
+          <a:p>
+            <a:pPr>
+              <a:lnSpc>
+                <a:spcPct val="100000"/>
+              </a:lnSpc>
+            </a:pPr>
+            <a:endParaRPr b="0" lang="en-CA" sz="1800" spc="-1" strike="noStrike">
+              <a:latin typeface="Arial"/>
+            </a:endParaRPr>
+          </a:p>
+        </p:txBody>
       </p:sp>
     </p:spTree>
   </p:cSld>
@@ -12638,14 +12663,14 @@
       </p:grpSpPr>
       <p:sp>
         <p:nvSpPr>
-          <p:cNvPr id="149" name="CustomShape 1"/>
+          <p:cNvPr id="150" name="CustomShape 1"/>
           <p:cNvSpPr/>
           <p:nvPr/>
         </p:nvSpPr>
         <p:spPr>
           <a:xfrm>
-            <a:off x="432000" y="1449360"/>
-            <a:ext cx="8278200" cy="5218200"/>
+            <a:off x="432000" y="13680"/>
+            <a:ext cx="7447680" cy="1179720"/>
           </a:xfrm>
           <a:prstGeom prst="rect">
             <a:avLst/>
@@ -12662,142 +12687,6 @@
           <a:fontRef idx="minor"/>
         </p:style>
         <p:txBody>
-          <a:bodyPr lIns="90000" rIns="90000" tIns="45000" bIns="45000" anchor="ctr"/>
-          <a:p>
-            <a:pPr>
-              <a:lnSpc>
-                <a:spcPct val="100000"/>
-              </a:lnSpc>
-              <a:spcBef>
-                <a:spcPts val="479"/>
-              </a:spcBef>
-            </a:pPr>
-            <a:r>
-              <a:rPr b="0" lang="en-CA" sz="2400" spc="-1" strike="noStrike">
-                <a:solidFill>
-                  <a:srgbClr val="000000"/>
-                </a:solidFill>
-                <a:latin typeface="Calibri"/>
-                <a:ea typeface="DejaVu Sans"/>
-              </a:rPr>
-              <a:t>It has different definitions, but all with similar roots:</a:t>
-            </a:r>
-            <a:endParaRPr b="0" lang="en-CA" sz="2400" spc="-1" strike="noStrike">
-              <a:latin typeface="Arial"/>
-            </a:endParaRPr>
-          </a:p>
-          <a:p>
-            <a:pPr marL="343080" indent="-341280">
-              <a:lnSpc>
-                <a:spcPct val="100000"/>
-              </a:lnSpc>
-              <a:spcBef>
-                <a:spcPts val="479"/>
-              </a:spcBef>
-              <a:buClr>
-                <a:srgbClr val="000000"/>
-              </a:buClr>
-              <a:buFont typeface="Arial"/>
-              <a:buChar char="•"/>
-            </a:pPr>
-            <a:r>
-              <a:rPr b="0" lang="en-CA" sz="2400" spc="-1" strike="noStrike">
-                <a:solidFill>
-                  <a:srgbClr val="000000"/>
-                </a:solidFill>
-                <a:latin typeface="Calibri"/>
-                <a:ea typeface="DejaVu Sans"/>
-              </a:rPr>
-              <a:t>Software quality assurance (SQA) consists of the means of monitoring the software engineering processes and methods used to ensure quality</a:t>
-            </a:r>
-            <a:endParaRPr b="0" lang="en-CA" sz="2400" spc="-1" strike="noStrike">
-              <a:latin typeface="Arial"/>
-            </a:endParaRPr>
-          </a:p>
-          <a:p>
-            <a:pPr marL="343080" indent="-341280">
-              <a:lnSpc>
-                <a:spcPct val="100000"/>
-              </a:lnSpc>
-              <a:spcBef>
-                <a:spcPts val="479"/>
-              </a:spcBef>
-              <a:buClr>
-                <a:srgbClr val="000000"/>
-              </a:buClr>
-              <a:buFont typeface="Arial"/>
-              <a:buChar char="•"/>
-            </a:pPr>
-            <a:r>
-              <a:rPr b="0" lang="en-CA" sz="2400" spc="-1" strike="noStrike">
-                <a:solidFill>
-                  <a:srgbClr val="000000"/>
-                </a:solidFill>
-                <a:latin typeface="Calibri"/>
-                <a:ea typeface="DejaVu Sans"/>
-              </a:rPr>
-              <a:t>Any systematic process of checking whether or not a software product or service is developed meeting specified requirements</a:t>
-            </a:r>
-            <a:endParaRPr b="0" lang="en-CA" sz="2400" spc="-1" strike="noStrike">
-              <a:latin typeface="Arial"/>
-            </a:endParaRPr>
-          </a:p>
-          <a:p>
-            <a:pPr marL="343080" indent="-341280">
-              <a:lnSpc>
-                <a:spcPct val="100000"/>
-              </a:lnSpc>
-              <a:spcBef>
-                <a:spcPts val="479"/>
-              </a:spcBef>
-              <a:buClr>
-                <a:srgbClr val="000000"/>
-              </a:buClr>
-              <a:buFont typeface="Arial"/>
-              <a:buChar char="•"/>
-            </a:pPr>
-            <a:r>
-              <a:rPr b="0" lang="en-CA" sz="2400" spc="-1" strike="noStrike">
-                <a:solidFill>
-                  <a:srgbClr val="000000"/>
-                </a:solidFill>
-                <a:latin typeface="Calibri"/>
-                <a:ea typeface="DejaVu Sans"/>
-              </a:rPr>
-              <a:t>The function of software quality assures that the standards, processes, and procedures are appropriate for the project and are correctly implemented</a:t>
-            </a:r>
-            <a:endParaRPr b="0" lang="en-CA" sz="2400" spc="-1" strike="noStrike">
-              <a:latin typeface="Arial"/>
-            </a:endParaRPr>
-          </a:p>
-        </p:txBody>
-      </p:sp>
-      <p:sp>
-        <p:nvSpPr>
-          <p:cNvPr id="150" name="CustomShape 2"/>
-          <p:cNvSpPr/>
-          <p:nvPr/>
-        </p:nvSpPr>
-        <p:spPr>
-          <a:xfrm>
-            <a:off x="432000" y="0"/>
-            <a:ext cx="7450560" cy="1182600"/>
-          </a:xfrm>
-          <a:prstGeom prst="rect">
-            <a:avLst/>
-          </a:prstGeom>
-          <a:noFill/>
-          <a:ln>
-            <a:noFill/>
-          </a:ln>
-        </p:spPr>
-        <p:style>
-          <a:lnRef idx="0"/>
-          <a:fillRef idx="0"/>
-          <a:effectRef idx="0"/>
-          <a:fontRef idx="minor"/>
-        </p:style>
-        <p:txBody>
           <a:bodyPr lIns="90000" rIns="90000" tIns="45000" bIns="45000" anchor="ctr">
             <a:normAutofit/>
           </a:bodyPr>
@@ -12815,7 +12704,7 @@
                 <a:latin typeface="Nexa Bold"/>
                 <a:ea typeface="DejaVu Sans"/>
               </a:rPr>
-              <a:t>Software Quality </a:t>
+              <a:t>Source CODE Managment </a:t>
             </a:r>
             <a:r>
               <a:rPr b="0" lang="en-CA" sz="3000" spc="-1" strike="noStrike" cap="all">
@@ -12825,24 +12714,34 @@
                 <a:latin typeface="Nexa Bold"/>
                 <a:ea typeface="DejaVu Sans"/>
               </a:rPr>
-              <a:t>Assurance</a:t>
+              <a:t>GIT</a:t>
             </a:r>
             <a:endParaRPr b="0" lang="en-CA" sz="3000" spc="-1" strike="noStrike">
               <a:latin typeface="Arial"/>
             </a:endParaRPr>
           </a:p>
-        </p:txBody>
-      </p:sp>
-      <p:sp>
-        <p:nvSpPr>
-          <p:cNvPr id="151" name="CustomShape 3"/>
+          <a:p>
+            <a:pPr>
+              <a:lnSpc>
+                <a:spcPct val="100000"/>
+              </a:lnSpc>
+            </a:pPr>
+            <a:endParaRPr b="0" lang="en-CA" sz="3000" spc="-1" strike="noStrike">
+              <a:latin typeface="Arial"/>
+            </a:endParaRPr>
+          </a:p>
+        </p:txBody>
+      </p:sp>
+      <p:sp>
+        <p:nvSpPr>
+          <p:cNvPr id="151" name="CustomShape 2"/>
           <p:cNvSpPr/>
           <p:nvPr/>
         </p:nvSpPr>
         <p:spPr>
           <a:xfrm>
             <a:off x="0" y="0"/>
-            <a:ext cx="249840" cy="1194840"/>
+            <a:ext cx="246960" cy="1191960"/>
           </a:xfrm>
           <a:prstGeom prst="rect">
             <a:avLst/>
@@ -12871,7 +12770,7 @@
       </p:sp>
       <p:sp>
         <p:nvSpPr>
-          <p:cNvPr id="152" name="Line 4"/>
+          <p:cNvPr id="152" name="Line 3"/>
           <p:cNvSpPr/>
           <p:nvPr/>
         </p:nvSpPr>
@@ -12902,6 +12801,174 @@
           </a:effectRef>
           <a:fontRef idx="minor"/>
         </p:style>
+      </p:sp>
+      <p:sp>
+        <p:nvSpPr>
+          <p:cNvPr id="153" name="CustomShape 4"/>
+          <p:cNvSpPr/>
+          <p:nvPr/>
+        </p:nvSpPr>
+        <p:spPr>
+          <a:xfrm>
+            <a:off x="457200" y="273600"/>
+            <a:ext cx="8226000" cy="5304600"/>
+          </a:xfrm>
+          <a:prstGeom prst="rect">
+            <a:avLst/>
+          </a:prstGeom>
+          <a:noFill/>
+          <a:ln>
+            <a:noFill/>
+          </a:ln>
+        </p:spPr>
+        <p:style>
+          <a:lnRef idx="0"/>
+          <a:fillRef idx="0"/>
+          <a:effectRef idx="0"/>
+          <a:fontRef idx="minor"/>
+        </p:style>
+        <p:txBody>
+          <a:bodyPr lIns="0" rIns="0" tIns="0" bIns="0" anchor="ctr"/>
+          <a:p>
+            <a:pPr algn="ctr">
+              <a:lnSpc>
+                <a:spcPct val="100000"/>
+              </a:lnSpc>
+            </a:pPr>
+            <a:endParaRPr b="0" lang="en-CA" sz="1800" spc="-1" strike="noStrike">
+              <a:latin typeface="Arial"/>
+            </a:endParaRPr>
+          </a:p>
+          <a:p>
+            <a:pPr algn="ctr">
+              <a:lnSpc>
+                <a:spcPct val="100000"/>
+              </a:lnSpc>
+            </a:pPr>
+            <a:endParaRPr b="0" lang="en-CA" sz="1800" spc="-1" strike="noStrike">
+              <a:latin typeface="Arial"/>
+            </a:endParaRPr>
+          </a:p>
+        </p:txBody>
+      </p:sp>
+      <p:sp>
+        <p:nvSpPr>
+          <p:cNvPr id="154" name="CustomShape 5"/>
+          <p:cNvSpPr/>
+          <p:nvPr/>
+        </p:nvSpPr>
+        <p:spPr>
+          <a:xfrm>
+            <a:off x="576000" y="1728000"/>
+            <a:ext cx="6764760" cy="2390760"/>
+          </a:xfrm>
+          <a:prstGeom prst="rect">
+            <a:avLst/>
+          </a:prstGeom>
+          <a:noFill/>
+          <a:ln>
+            <a:noFill/>
+          </a:ln>
+        </p:spPr>
+        <p:style>
+          <a:lnRef idx="0"/>
+          <a:fillRef idx="0"/>
+          <a:effectRef idx="0"/>
+          <a:fontRef idx="minor"/>
+        </p:style>
+        <p:txBody>
+          <a:bodyPr lIns="90000" rIns="90000" tIns="45000" bIns="45000"/>
+          <a:p>
+            <a:pPr>
+              <a:lnSpc>
+                <a:spcPct val="100000"/>
+              </a:lnSpc>
+            </a:pPr>
+            <a:endParaRPr b="0" lang="en-CA" sz="1800" spc="-1" strike="noStrike">
+              <a:latin typeface="Arial"/>
+            </a:endParaRPr>
+          </a:p>
+          <a:p>
+            <a:pPr>
+              <a:lnSpc>
+                <a:spcPct val="100000"/>
+              </a:lnSpc>
+            </a:pPr>
+            <a:endParaRPr b="0" lang="en-CA" sz="1800" spc="-1" strike="noStrike">
+              <a:latin typeface="Arial"/>
+            </a:endParaRPr>
+          </a:p>
+          <a:p>
+            <a:pPr>
+              <a:lnSpc>
+                <a:spcPct val="100000"/>
+              </a:lnSpc>
+            </a:pPr>
+            <a:endParaRPr b="0" lang="en-CA" sz="1800" spc="-1" strike="noStrike">
+              <a:latin typeface="Arial"/>
+            </a:endParaRPr>
+          </a:p>
+          <a:p>
+            <a:pPr>
+              <a:lnSpc>
+                <a:spcPct val="100000"/>
+              </a:lnSpc>
+            </a:pPr>
+            <a:endParaRPr b="0" lang="en-CA" sz="1800" spc="-1" strike="noStrike">
+              <a:latin typeface="Arial"/>
+            </a:endParaRPr>
+          </a:p>
+          <a:p>
+            <a:pPr>
+              <a:lnSpc>
+                <a:spcPct val="100000"/>
+              </a:lnSpc>
+            </a:pPr>
+            <a:endParaRPr b="0" lang="en-CA" sz="1800" spc="-1" strike="noStrike">
+              <a:latin typeface="Arial"/>
+            </a:endParaRPr>
+          </a:p>
+          <a:p>
+            <a:pPr>
+              <a:lnSpc>
+                <a:spcPct val="100000"/>
+              </a:lnSpc>
+            </a:pPr>
+            <a:endParaRPr b="0" lang="en-CA" sz="1800" spc="-1" strike="noStrike">
+              <a:latin typeface="Arial"/>
+            </a:endParaRPr>
+          </a:p>
+          <a:p>
+            <a:pPr>
+              <a:lnSpc>
+                <a:spcPct val="100000"/>
+              </a:lnSpc>
+            </a:pPr>
+            <a:r>
+              <a:rPr b="0" lang="en-CA" sz="2400" spc="-1" strike="noStrike">
+                <a:solidFill>
+                  <a:srgbClr val="000000"/>
+                </a:solidFill>
+                <a:latin typeface="Arial"/>
+                <a:ea typeface="DejaVu Sans"/>
+              </a:rPr>
+              <a:t>Source Code Management (SCM) is one of the most important concepts in a DevOps course.  This practice stores our source code in buckets on a remote server that can be accessed from our local workstations.</a:t>
+            </a:r>
+            <a:endParaRPr b="0" lang="en-CA" sz="2400" spc="-1" strike="noStrike">
+              <a:latin typeface="Arial"/>
+            </a:endParaRPr>
+          </a:p>
+          <a:p>
+            <a:pPr>
+              <a:lnSpc>
+                <a:spcPct val="100000"/>
+              </a:lnSpc>
+            </a:pPr>
+            <a:endParaRPr b="0" lang="en-CA" sz="2400" spc="-1" strike="noStrike">
+              <a:latin typeface="Arial"/>
+            </a:endParaRPr>
+          </a:p>
+        </p:txBody>
       </p:sp>
     </p:spTree>
   </p:cSld>
@@ -12961,14 +13028,14 @@
       </p:grpSpPr>
       <p:sp>
         <p:nvSpPr>
-          <p:cNvPr id="153" name="CustomShape 1"/>
+          <p:cNvPr id="155" name="CustomShape 1"/>
           <p:cNvSpPr/>
           <p:nvPr/>
         </p:nvSpPr>
         <p:spPr>
           <a:xfrm>
-            <a:off x="432000" y="1484640"/>
-            <a:ext cx="8278200" cy="5218200"/>
+            <a:off x="432000" y="13680"/>
+            <a:ext cx="7447680" cy="1179720"/>
           </a:xfrm>
           <a:prstGeom prst="rect">
             <a:avLst/>
@@ -12985,109 +13052,6 @@
           <a:fontRef idx="minor"/>
         </p:style>
         <p:txBody>
-          <a:bodyPr lIns="90000" rIns="90000" tIns="45000" bIns="45000">
-            <a:normAutofit/>
-          </a:bodyPr>
-          <a:p>
-            <a:pPr>
-              <a:lnSpc>
-                <a:spcPct val="100000"/>
-              </a:lnSpc>
-              <a:spcBef>
-                <a:spcPts val="479"/>
-              </a:spcBef>
-            </a:pPr>
-            <a:endParaRPr b="0" lang="en-CA" sz="1800" spc="-1" strike="noStrike">
-              <a:latin typeface="Arial"/>
-            </a:endParaRPr>
-          </a:p>
-          <a:p>
-            <a:pPr>
-              <a:lnSpc>
-                <a:spcPct val="100000"/>
-              </a:lnSpc>
-              <a:spcBef>
-                <a:spcPts val="479"/>
-              </a:spcBef>
-            </a:pPr>
-            <a:r>
-              <a:rPr b="0" lang="en-CA" sz="2400" spc="-1" strike="noStrike">
-                <a:solidFill>
-                  <a:srgbClr val="000000"/>
-                </a:solidFill>
-                <a:latin typeface="Calibri"/>
-                <a:ea typeface="DejaVu Sans"/>
-              </a:rPr>
-              <a:t>There are four main stages of testing that need to be completed before a program can be cleared for use: unit testing, integration testing, system testing, and acceptance testing. </a:t>
-            </a:r>
-            <a:endParaRPr b="0" lang="en-CA" sz="2400" spc="-1" strike="noStrike">
-              <a:latin typeface="Arial"/>
-            </a:endParaRPr>
-          </a:p>
-          <a:p>
-            <a:pPr>
-              <a:lnSpc>
-                <a:spcPct val="100000"/>
-              </a:lnSpc>
-              <a:spcBef>
-                <a:spcPts val="479"/>
-              </a:spcBef>
-            </a:pPr>
-            <a:endParaRPr b="0" lang="en-CA" sz="2400" spc="-1" strike="noStrike">
-              <a:latin typeface="Arial"/>
-            </a:endParaRPr>
-          </a:p>
-          <a:p>
-            <a:pPr>
-              <a:lnSpc>
-                <a:spcPct val="100000"/>
-              </a:lnSpc>
-              <a:spcBef>
-                <a:spcPts val="479"/>
-              </a:spcBef>
-            </a:pPr>
-            <a:r>
-              <a:rPr b="0" lang="en-CA" sz="2400" spc="-1" strike="noStrike">
-                <a:solidFill>
-                  <a:srgbClr val="000000"/>
-                </a:solidFill>
-                <a:latin typeface="Calibri"/>
-                <a:ea typeface="DejaVu Sans"/>
-              </a:rPr>
-              <a:t>Have you heard about Regression testing? Why not including it? Regression Testing is not a separate level of testing; it is just a type of testing that can be performed during any of the four main software testing stages.</a:t>
-            </a:r>
-            <a:endParaRPr b="0" lang="en-CA" sz="2400" spc="-1" strike="noStrike">
-              <a:latin typeface="Arial"/>
-            </a:endParaRPr>
-          </a:p>
-        </p:txBody>
-      </p:sp>
-      <p:sp>
-        <p:nvSpPr>
-          <p:cNvPr id="154" name="CustomShape 2"/>
-          <p:cNvSpPr/>
-          <p:nvPr/>
-        </p:nvSpPr>
-        <p:spPr>
-          <a:xfrm>
-            <a:off x="432000" y="0"/>
-            <a:ext cx="7450560" cy="1182600"/>
-          </a:xfrm>
-          <a:prstGeom prst="rect">
-            <a:avLst/>
-          </a:prstGeom>
-          <a:noFill/>
-          <a:ln>
-            <a:noFill/>
-          </a:ln>
-        </p:spPr>
-        <p:style>
-          <a:lnRef idx="0"/>
-          <a:fillRef idx="0"/>
-          <a:effectRef idx="0"/>
-          <a:fontRef idx="minor"/>
-        </p:style>
-        <p:txBody>
           <a:bodyPr lIns="90000" rIns="90000" tIns="45000" bIns="45000" anchor="ctr">
             <a:normAutofit/>
           </a:bodyPr>
@@ -13098,41 +13062,51 @@
               </a:lnSpc>
             </a:pPr>
             <a:r>
-              <a:rPr b="0" lang="en-CA" sz="3000" spc="-1" strike="noStrike">
+              <a:rPr b="0" lang="en-CA" sz="3000" spc="-1" strike="noStrike" cap="all">
                 <a:solidFill>
                   <a:srgbClr val="292929"/>
                 </a:solidFill>
                 <a:latin typeface="Nexa Bold"/>
                 <a:ea typeface="DejaVu Sans"/>
               </a:rPr>
-              <a:t>UNIT, INTEGRATION, SYSTEM, ACCEPTANCE   </a:t>
-            </a:r>
-            <a:r>
-              <a:rPr b="0" lang="en-CA" sz="3000" spc="-1" strike="noStrike">
+              <a:t>Source CODE Managment </a:t>
+            </a:r>
+            <a:r>
+              <a:rPr b="0" lang="en-CA" sz="3000" spc="-1" strike="noStrike" cap="all">
                 <a:solidFill>
                   <a:srgbClr val="1fa0be"/>
                 </a:solidFill>
                 <a:latin typeface="Nexa Bold"/>
                 <a:ea typeface="DejaVu Sans"/>
               </a:rPr>
-              <a:t>TESTING</a:t>
+              <a:t>GIT</a:t>
             </a:r>
             <a:endParaRPr b="0" lang="en-CA" sz="3000" spc="-1" strike="noStrike">
               <a:latin typeface="Arial"/>
             </a:endParaRPr>
           </a:p>
-        </p:txBody>
-      </p:sp>
-      <p:sp>
-        <p:nvSpPr>
-          <p:cNvPr id="155" name="CustomShape 3"/>
+          <a:p>
+            <a:pPr>
+              <a:lnSpc>
+                <a:spcPct val="100000"/>
+              </a:lnSpc>
+            </a:pPr>
+            <a:endParaRPr b="0" lang="en-CA" sz="3000" spc="-1" strike="noStrike">
+              <a:latin typeface="Arial"/>
+            </a:endParaRPr>
+          </a:p>
+        </p:txBody>
+      </p:sp>
+      <p:sp>
+        <p:nvSpPr>
+          <p:cNvPr id="156" name="CustomShape 2"/>
           <p:cNvSpPr/>
           <p:nvPr/>
         </p:nvSpPr>
         <p:spPr>
           <a:xfrm>
             <a:off x="0" y="0"/>
-            <a:ext cx="249840" cy="1194840"/>
+            <a:ext cx="246960" cy="1191960"/>
           </a:xfrm>
           <a:prstGeom prst="rect">
             <a:avLst/>
@@ -13161,7 +13135,7 @@
       </p:sp>
       <p:sp>
         <p:nvSpPr>
-          <p:cNvPr id="156" name="Line 4"/>
+          <p:cNvPr id="157" name="Line 3"/>
           <p:cNvSpPr/>
           <p:nvPr/>
         </p:nvSpPr>
@@ -13192,6 +13166,464 @@
           </a:effectRef>
           <a:fontRef idx="minor"/>
         </p:style>
+      </p:sp>
+      <p:sp>
+        <p:nvSpPr>
+          <p:cNvPr id="158" name="CustomShape 4"/>
+          <p:cNvSpPr/>
+          <p:nvPr/>
+        </p:nvSpPr>
+        <p:spPr>
+          <a:xfrm>
+            <a:off x="457200" y="273600"/>
+            <a:ext cx="8226000" cy="5304600"/>
+          </a:xfrm>
+          <a:prstGeom prst="rect">
+            <a:avLst/>
+          </a:prstGeom>
+          <a:noFill/>
+          <a:ln>
+            <a:noFill/>
+          </a:ln>
+        </p:spPr>
+        <p:style>
+          <a:lnRef idx="0"/>
+          <a:fillRef idx="0"/>
+          <a:effectRef idx="0"/>
+          <a:fontRef idx="minor"/>
+        </p:style>
+        <p:txBody>
+          <a:bodyPr lIns="0" rIns="0" tIns="0" bIns="0" anchor="ctr"/>
+          <a:p>
+            <a:pPr algn="ctr">
+              <a:lnSpc>
+                <a:spcPct val="100000"/>
+              </a:lnSpc>
+            </a:pPr>
+            <a:endParaRPr b="0" lang="en-CA" sz="1800" spc="-1" strike="noStrike">
+              <a:latin typeface="Arial"/>
+            </a:endParaRPr>
+          </a:p>
+          <a:p>
+            <a:pPr algn="ctr">
+              <a:lnSpc>
+                <a:spcPct val="100000"/>
+              </a:lnSpc>
+            </a:pPr>
+            <a:endParaRPr b="0" lang="en-CA" sz="1800" spc="-1" strike="noStrike">
+              <a:latin typeface="Arial"/>
+            </a:endParaRPr>
+          </a:p>
+        </p:txBody>
+      </p:sp>
+      <p:sp>
+        <p:nvSpPr>
+          <p:cNvPr id="159" name="CustomShape 5"/>
+          <p:cNvSpPr/>
+          <p:nvPr/>
+        </p:nvSpPr>
+        <p:spPr>
+          <a:xfrm>
+            <a:off x="576000" y="1728000"/>
+            <a:ext cx="6764760" cy="2390760"/>
+          </a:xfrm>
+          <a:prstGeom prst="rect">
+            <a:avLst/>
+          </a:prstGeom>
+          <a:noFill/>
+          <a:ln>
+            <a:noFill/>
+          </a:ln>
+        </p:spPr>
+        <p:style>
+          <a:lnRef idx="0"/>
+          <a:fillRef idx="0"/>
+          <a:effectRef idx="0"/>
+          <a:fontRef idx="minor"/>
+        </p:style>
+        <p:txBody>
+          <a:bodyPr lIns="90000" rIns="90000" tIns="45000" bIns="45000"/>
+          <a:p>
+            <a:pPr>
+              <a:lnSpc>
+                <a:spcPct val="100000"/>
+              </a:lnSpc>
+            </a:pPr>
+            <a:endParaRPr b="0" lang="en-CA" sz="1800" spc="-1" strike="noStrike">
+              <a:latin typeface="Arial"/>
+            </a:endParaRPr>
+          </a:p>
+          <a:p>
+            <a:pPr>
+              <a:lnSpc>
+                <a:spcPct val="100000"/>
+              </a:lnSpc>
+            </a:pPr>
+            <a:r>
+              <a:rPr b="1" lang="en-CA" sz="1800" spc="-1" strike="noStrike">
+                <a:solidFill>
+                  <a:srgbClr val="000000"/>
+                </a:solidFill>
+                <a:latin typeface="Arial"/>
+                <a:ea typeface="DejaVu Sans"/>
+              </a:rPr>
+              <a:t>What is SCM:</a:t>
+            </a:r>
+            <a:endParaRPr b="0" lang="en-CA" sz="1800" spc="-1" strike="noStrike">
+              <a:latin typeface="Arial"/>
+            </a:endParaRPr>
+          </a:p>
+          <a:p>
+            <a:pPr>
+              <a:lnSpc>
+                <a:spcPct val="100000"/>
+              </a:lnSpc>
+            </a:pPr>
+            <a:endParaRPr b="0" lang="en-CA" sz="1800" spc="-1" strike="noStrike">
+              <a:latin typeface="Arial"/>
+            </a:endParaRPr>
+          </a:p>
+          <a:p>
+            <a:pPr>
+              <a:lnSpc>
+                <a:spcPct val="100000"/>
+              </a:lnSpc>
+            </a:pPr>
+            <a:r>
+              <a:rPr b="0" lang="en-CA" sz="1800" spc="-1" strike="noStrike">
+                <a:solidFill>
+                  <a:srgbClr val="000000"/>
+                </a:solidFill>
+                <a:latin typeface="Arial"/>
+                <a:ea typeface="DejaVu Sans"/>
+              </a:rPr>
+              <a:t>When developing a software application, SCM gives us the following essential features:</a:t>
+            </a:r>
+            <a:endParaRPr b="0" lang="en-CA" sz="1800" spc="-1" strike="noStrike">
+              <a:latin typeface="Arial"/>
+            </a:endParaRPr>
+          </a:p>
+          <a:p>
+            <a:pPr>
+              <a:lnSpc>
+                <a:spcPct val="100000"/>
+              </a:lnSpc>
+            </a:pPr>
+            <a:endParaRPr b="0" lang="en-CA" sz="1800" spc="-1" strike="noStrike">
+              <a:latin typeface="Arial"/>
+            </a:endParaRPr>
+          </a:p>
+          <a:p>
+            <a:pPr>
+              <a:lnSpc>
+                <a:spcPct val="100000"/>
+              </a:lnSpc>
+            </a:pPr>
+            <a:r>
+              <a:rPr b="0" lang="en-CA" sz="1800" spc="-1" strike="noStrike">
+                <a:solidFill>
+                  <a:srgbClr val="000000"/>
+                </a:solidFill>
+                <a:latin typeface="Arial"/>
+                <a:ea typeface="DejaVu Sans"/>
+              </a:rPr>
+              <a:t>1)</a:t>
+            </a:r>
+            <a:r>
+              <a:rPr b="0" lang="en-CA" sz="1800" spc="-1" strike="noStrike">
+                <a:solidFill>
+                  <a:srgbClr val="000000"/>
+                </a:solidFill>
+                <a:latin typeface="Arial"/>
+                <a:ea typeface="DejaVu Sans"/>
+              </a:rPr>
+              <a:t>	</a:t>
+            </a:r>
+            <a:r>
+              <a:rPr b="0" lang="en-CA" sz="1800" spc="-1" strike="noStrike">
+                <a:solidFill>
+                  <a:srgbClr val="000000"/>
+                </a:solidFill>
+                <a:latin typeface="Arial"/>
+                <a:ea typeface="DejaVu Sans"/>
+              </a:rPr>
+              <a:t>Backup and Restore</a:t>
+            </a:r>
+            <a:endParaRPr b="0" lang="en-CA" sz="1800" spc="-1" strike="noStrike">
+              <a:latin typeface="Arial"/>
+            </a:endParaRPr>
+          </a:p>
+          <a:p>
+            <a:pPr>
+              <a:lnSpc>
+                <a:spcPct val="100000"/>
+              </a:lnSpc>
+            </a:pPr>
+            <a:r>
+              <a:rPr b="0" lang="en-CA" sz="1800" spc="-1" strike="noStrike">
+                <a:solidFill>
+                  <a:srgbClr val="000000"/>
+                </a:solidFill>
+                <a:latin typeface="Arial"/>
+                <a:ea typeface="DejaVu Sans"/>
+              </a:rPr>
+              <a:t>	</a:t>
+            </a:r>
+            <a:r>
+              <a:rPr b="0" lang="en-CA" sz="1800" spc="-1" strike="noStrike">
+                <a:solidFill>
+                  <a:srgbClr val="000000"/>
+                </a:solidFill>
+                <a:latin typeface="Arial"/>
+                <a:ea typeface="DejaVu Sans"/>
+              </a:rPr>
+              <a:t>A SCM solution allows us to move between versions easily.  </a:t>
+            </a:r>
+            <a:endParaRPr b="0" lang="en-CA" sz="1800" spc="-1" strike="noStrike">
+              <a:latin typeface="Arial"/>
+            </a:endParaRPr>
+          </a:p>
+          <a:p>
+            <a:pPr>
+              <a:lnSpc>
+                <a:spcPct val="100000"/>
+              </a:lnSpc>
+            </a:pPr>
+            <a:r>
+              <a:rPr b="0" lang="en-CA" sz="1800" spc="-1" strike="noStrike">
+                <a:solidFill>
+                  <a:srgbClr val="000000"/>
+                </a:solidFill>
+                <a:latin typeface="Arial"/>
+                <a:ea typeface="DejaVu Sans"/>
+              </a:rPr>
+              <a:t>	</a:t>
+            </a:r>
+            <a:r>
+              <a:rPr b="0" lang="en-CA" sz="1800" spc="-1" strike="noStrike">
+                <a:solidFill>
+                  <a:srgbClr val="000000"/>
+                </a:solidFill>
+                <a:latin typeface="Arial"/>
+                <a:ea typeface="DejaVu Sans"/>
+              </a:rPr>
+              <a:t>For example, if we make a mistake in our code, we can </a:t>
+            </a:r>
+            <a:r>
+              <a:rPr b="0" lang="en-CA" sz="1800" spc="-1" strike="noStrike">
+                <a:solidFill>
+                  <a:srgbClr val="000000"/>
+                </a:solidFill>
+                <a:latin typeface="Arial"/>
+                <a:ea typeface="DejaVu Sans"/>
+              </a:rPr>
+              <a:t>	</a:t>
+            </a:r>
+            <a:r>
+              <a:rPr b="0" lang="en-CA" sz="1800" spc="-1" strike="noStrike">
+                <a:solidFill>
+                  <a:srgbClr val="000000"/>
+                </a:solidFill>
+                <a:latin typeface="Arial"/>
+                <a:ea typeface="DejaVu Sans"/>
+              </a:rPr>
+              <a:t>         </a:t>
+            </a:r>
+            <a:r>
+              <a:rPr b="0" lang="en-CA" sz="1800" spc="-1" strike="noStrike">
+                <a:solidFill>
+                  <a:srgbClr val="000000"/>
+                </a:solidFill>
+                <a:latin typeface="Arial"/>
+                <a:ea typeface="DejaVu Sans"/>
+              </a:rPr>
+              <a:t>	</a:t>
+            </a:r>
+            <a:r>
+              <a:rPr b="0" lang="en-CA" sz="1800" spc="-1" strike="noStrike">
+                <a:solidFill>
+                  <a:srgbClr val="000000"/>
+                </a:solidFill>
+                <a:latin typeface="Arial"/>
+                <a:ea typeface="DejaVu Sans"/>
+              </a:rPr>
+              <a:t>simply go back to a working version and start work again.</a:t>
+            </a:r>
+            <a:endParaRPr b="0" lang="en-CA" sz="1800" spc="-1" strike="noStrike">
+              <a:latin typeface="Arial"/>
+            </a:endParaRPr>
+          </a:p>
+          <a:p>
+            <a:pPr>
+              <a:lnSpc>
+                <a:spcPct val="100000"/>
+              </a:lnSpc>
+            </a:pPr>
+            <a:endParaRPr b="0" lang="en-CA" sz="1800" spc="-1" strike="noStrike">
+              <a:latin typeface="Arial"/>
+            </a:endParaRPr>
+          </a:p>
+          <a:p>
+            <a:pPr>
+              <a:lnSpc>
+                <a:spcPct val="100000"/>
+              </a:lnSpc>
+            </a:pPr>
+            <a:r>
+              <a:rPr b="0" lang="en-CA" sz="1800" spc="-1" strike="noStrike">
+                <a:solidFill>
+                  <a:srgbClr val="000000"/>
+                </a:solidFill>
+                <a:latin typeface="Arial"/>
+                <a:ea typeface="DejaVu Sans"/>
+              </a:rPr>
+              <a:t>2)</a:t>
+            </a:r>
+            <a:r>
+              <a:rPr b="0" lang="en-CA" sz="1800" spc="-1" strike="noStrike">
+                <a:solidFill>
+                  <a:srgbClr val="000000"/>
+                </a:solidFill>
+                <a:latin typeface="Arial"/>
+                <a:ea typeface="DejaVu Sans"/>
+              </a:rPr>
+              <a:t>	</a:t>
+            </a:r>
+            <a:r>
+              <a:rPr b="0" lang="en-CA" sz="1800" spc="-1" strike="noStrike">
+                <a:solidFill>
+                  <a:srgbClr val="000000"/>
+                </a:solidFill>
+                <a:latin typeface="Arial"/>
+                <a:ea typeface="DejaVu Sans"/>
+              </a:rPr>
+              <a:t>We can track our changes on a project by commit.  This </a:t>
+            </a:r>
+            <a:endParaRPr b="0" lang="en-CA" sz="1800" spc="-1" strike="noStrike">
+              <a:latin typeface="Arial"/>
+            </a:endParaRPr>
+          </a:p>
+          <a:p>
+            <a:pPr>
+              <a:lnSpc>
+                <a:spcPct val="100000"/>
+              </a:lnSpc>
+            </a:pPr>
+            <a:r>
+              <a:rPr b="0" lang="en-CA" sz="1800" spc="-1" strike="noStrike">
+                <a:solidFill>
+                  <a:srgbClr val="000000"/>
+                </a:solidFill>
+                <a:latin typeface="Arial"/>
+                <a:ea typeface="DejaVu Sans"/>
+              </a:rPr>
+              <a:t>	</a:t>
+            </a:r>
+            <a:r>
+              <a:rPr b="0" lang="en-CA" sz="1800" spc="-1" strike="noStrike">
+                <a:solidFill>
+                  <a:srgbClr val="000000"/>
+                </a:solidFill>
+                <a:latin typeface="Arial"/>
+                <a:ea typeface="DejaVu Sans"/>
+              </a:rPr>
+              <a:t>allows us to track who changed the code and what was </a:t>
+            </a:r>
+            <a:r>
+              <a:rPr b="0" lang="en-CA" sz="1800" spc="-1" strike="noStrike">
+                <a:solidFill>
+                  <a:srgbClr val="000000"/>
+                </a:solidFill>
+                <a:latin typeface="Arial"/>
+                <a:ea typeface="DejaVu Sans"/>
+              </a:rPr>
+              <a:t>	</a:t>
+            </a:r>
+            <a:r>
+              <a:rPr b="0" lang="en-CA" sz="1800" spc="-1" strike="noStrike">
+                <a:solidFill>
+                  <a:srgbClr val="000000"/>
+                </a:solidFill>
+                <a:latin typeface="Arial"/>
+                <a:ea typeface="DejaVu Sans"/>
+              </a:rPr>
+              <a:t>	</a:t>
+            </a:r>
+            <a:r>
+              <a:rPr b="0" lang="en-CA" sz="1800" spc="-1" strike="noStrike">
+                <a:solidFill>
+                  <a:srgbClr val="000000"/>
+                </a:solidFill>
+                <a:latin typeface="Arial"/>
+                <a:ea typeface="DejaVu Sans"/>
+              </a:rPr>
+              <a:t>changed.  This is useful to know who does what on a </a:t>
+            </a:r>
+            <a:r>
+              <a:rPr b="0" lang="en-CA" sz="1800" spc="-1" strike="noStrike">
+                <a:solidFill>
+                  <a:srgbClr val="000000"/>
+                </a:solidFill>
+                <a:latin typeface="Arial"/>
+                <a:ea typeface="DejaVu Sans"/>
+              </a:rPr>
+              <a:t>	</a:t>
+            </a:r>
+            <a:r>
+              <a:rPr b="0" lang="en-CA" sz="1800" spc="-1" strike="noStrike">
+                <a:solidFill>
+                  <a:srgbClr val="000000"/>
+                </a:solidFill>
+                <a:latin typeface="Arial"/>
+                <a:ea typeface="DejaVu Sans"/>
+              </a:rPr>
+              <a:t>	</a:t>
+            </a:r>
+            <a:r>
+              <a:rPr b="0" lang="en-CA" sz="1800" spc="-1" strike="noStrike">
+                <a:solidFill>
+                  <a:srgbClr val="000000"/>
+                </a:solidFill>
+                <a:latin typeface="Arial"/>
+                <a:ea typeface="DejaVu Sans"/>
+              </a:rPr>
+              <a:t> </a:t>
+            </a:r>
+            <a:r>
+              <a:rPr b="0" lang="en-CA" sz="1800" spc="-1" strike="noStrike">
+                <a:solidFill>
+                  <a:srgbClr val="000000"/>
+                </a:solidFill>
+                <a:latin typeface="Arial"/>
+                <a:ea typeface="DejaVu Sans"/>
+              </a:rPr>
+              <a:t>	</a:t>
+            </a:r>
+            <a:r>
+              <a:rPr b="0" lang="en-CA" sz="1800" spc="-1" strike="noStrike">
+                <a:solidFill>
+                  <a:srgbClr val="000000"/>
+                </a:solidFill>
+                <a:latin typeface="Arial"/>
+                <a:ea typeface="DejaVu Sans"/>
+              </a:rPr>
+              <a:t>project.</a:t>
+            </a:r>
+            <a:endParaRPr b="0" lang="en-CA" sz="1800" spc="-1" strike="noStrike">
+              <a:latin typeface="Arial"/>
+            </a:endParaRPr>
+          </a:p>
+          <a:p>
+            <a:pPr>
+              <a:lnSpc>
+                <a:spcPct val="100000"/>
+              </a:lnSpc>
+            </a:pPr>
+            <a:endParaRPr b="0" lang="en-CA" sz="1800" spc="-1" strike="noStrike">
+              <a:latin typeface="Arial"/>
+            </a:endParaRPr>
+          </a:p>
+        </p:txBody>
       </p:sp>
     </p:spTree>
   </p:cSld>

--- a/Dev Ops Course.pptx
+++ b/Dev Ops Course.pptx
@@ -28,6 +28,7 @@
     <p:sldId id="271" r:id="rId21"/>
     <p:sldId id="272" r:id="rId22"/>
     <p:sldId id="273" r:id="rId23"/>
+    <p:sldId id="274" r:id="rId24"/>
   </p:sldIdLst>
   <p:sldSz cx="9144000" cy="6858000"/>
   <p:notesSz cx="6858000" cy="9144000"/>
@@ -246,7 +247,7 @@
           <a:bodyPr lIns="0" rIns="0" tIns="0" bIns="0" anchor="b"/>
           <a:p>
             <a:pPr algn="r"/>
-            <a:fld id="{4EB2DE12-B0A2-410B-B488-1859B574B21B}" type="slidenum">
+            <a:fld id="{6D53F023-19AB-4C05-86B9-3F21A13B2051}" type="slidenum">
               <a:rPr b="0" lang="en-CA" sz="1400" spc="-1" strike="noStrike">
                 <a:latin typeface="Times New Roman"/>
               </a:rPr>
@@ -264,7 +265,7 @@
 </p:notesMaster>
 </file>
 
-<file path=ppt/notesSlides/notesSlide18.xml><?xml version="1.0" encoding="utf-8"?>
+<file path=ppt/notesSlides/notesSlide19.xml><?xml version="1.0" encoding="utf-8"?>
 <p:notes xmlns:a="http://schemas.openxmlformats.org/drawingml/2006/main" xmlns:p="http://schemas.openxmlformats.org/presentationml/2006/main" xmlns:r="http://schemas.openxmlformats.org/officeDocument/2006/relationships" xmlns:p14="http://schemas.microsoft.com/office/powerpoint/2010/main" xmlns:p15="http://schemas.microsoft.com/office/powerpoint/2012/main" xmlns:mc="http://schemas.openxmlformats.org/markup-compatibility/2006">
   <p:cSld>
     <p:spTree>
@@ -283,7 +284,7 @@
       </p:grpSpPr>
       <p:sp>
         <p:nvSpPr>
-          <p:cNvPr id="204" name="PlaceHolder 1"/>
+          <p:cNvPr id="209" name="PlaceHolder 1"/>
           <p:cNvSpPr>
             <a:spLocks noGrp="1"/>
           </p:cNvSpPr>
@@ -294,16 +295,16 @@
         <p:spPr>
           <a:xfrm>
             <a:off x="1143000" y="685800"/>
-            <a:ext cx="4567320" cy="3424320"/>
-          </a:xfrm>
-          <a:prstGeom prst="rect">
-            <a:avLst/>
-          </a:prstGeom>
-        </p:spPr>
-      </p:sp>
-      <p:sp>
-        <p:nvSpPr>
-          <p:cNvPr id="205" name="PlaceHolder 2"/>
+            <a:ext cx="4566960" cy="3423960"/>
+          </a:xfrm>
+          <a:prstGeom prst="rect">
+            <a:avLst/>
+          </a:prstGeom>
+        </p:spPr>
+      </p:sp>
+      <p:sp>
+        <p:nvSpPr>
+          <p:cNvPr id="210" name="PlaceHolder 2"/>
           <p:cNvSpPr>
             <a:spLocks noGrp="1"/>
           </p:cNvSpPr>
@@ -314,7 +315,7 @@
         <p:spPr>
           <a:xfrm>
             <a:off x="685800" y="4343400"/>
-            <a:ext cx="5481720" cy="4110120"/>
+            <a:ext cx="5481360" cy="4109760"/>
           </a:xfrm>
           <a:prstGeom prst="rect">
             <a:avLst/>
@@ -331,14 +332,14 @@
       </p:sp>
       <p:sp>
         <p:nvSpPr>
-          <p:cNvPr id="206" name="CustomShape 3"/>
+          <p:cNvPr id="211" name="CustomShape 3"/>
           <p:cNvSpPr/>
           <p:nvPr/>
         </p:nvSpPr>
         <p:spPr>
           <a:xfrm>
             <a:off x="3884760" y="8685360"/>
-            <a:ext cx="2967120" cy="452520"/>
+            <a:ext cx="2966760" cy="452160"/>
           </a:xfrm>
           <a:prstGeom prst="rect">
             <a:avLst/>
@@ -5163,7 +5164,7 @@
         <p:spPr>
           <a:xfrm>
             <a:off x="-71640" y="3240000"/>
-            <a:ext cx="9139320" cy="3568320"/>
+            <a:ext cx="9138960" cy="3567960"/>
           </a:xfrm>
           <a:prstGeom prst="rect">
             <a:avLst/>
@@ -5267,7 +5268,7 @@
         <p:spPr>
           <a:xfrm>
             <a:off x="3311640" y="1268640"/>
-            <a:ext cx="2263680" cy="660960"/>
+            <a:ext cx="2263320" cy="660600"/>
           </a:xfrm>
           <a:prstGeom prst="rect">
             <a:avLst/>
@@ -5342,7 +5343,7 @@
         <p:spPr>
           <a:xfrm>
             <a:off x="432000" y="13680"/>
-            <a:ext cx="7447680" cy="1179720"/>
+            <a:ext cx="7447320" cy="1179360"/>
           </a:xfrm>
           <a:prstGeom prst="rect">
             <a:avLst/>
@@ -5413,7 +5414,7 @@
         <p:spPr>
           <a:xfrm>
             <a:off x="0" y="0"/>
-            <a:ext cx="246960" cy="1191960"/>
+            <a:ext cx="246600" cy="1191600"/>
           </a:xfrm>
           <a:prstGeom prst="rect">
             <a:avLst/>
@@ -5483,7 +5484,7 @@
         <p:spPr>
           <a:xfrm>
             <a:off x="457200" y="273600"/>
-            <a:ext cx="8226000" cy="5304600"/>
+            <a:ext cx="8225640" cy="5304240"/>
           </a:xfrm>
           <a:prstGeom prst="rect">
             <a:avLst/>
@@ -5532,7 +5533,7 @@
         <p:spPr>
           <a:xfrm>
             <a:off x="576000" y="1728000"/>
-            <a:ext cx="6764760" cy="2390760"/>
+            <a:ext cx="6764400" cy="2390400"/>
           </a:xfrm>
           <a:prstGeom prst="rect">
             <a:avLst/>
@@ -5741,7 +5742,7 @@
         <p:spPr>
           <a:xfrm>
             <a:off x="432000" y="13680"/>
-            <a:ext cx="7447680" cy="1179720"/>
+            <a:ext cx="7447320" cy="1179360"/>
           </a:xfrm>
           <a:prstGeom prst="rect">
             <a:avLst/>
@@ -5812,7 +5813,7 @@
         <p:spPr>
           <a:xfrm>
             <a:off x="0" y="0"/>
-            <a:ext cx="246960" cy="1191960"/>
+            <a:ext cx="246600" cy="1191600"/>
           </a:xfrm>
           <a:prstGeom prst="rect">
             <a:avLst/>
@@ -5882,7 +5883,7 @@
         <p:spPr>
           <a:xfrm>
             <a:off x="457200" y="273600"/>
-            <a:ext cx="8226000" cy="5304600"/>
+            <a:ext cx="8225640" cy="5304240"/>
           </a:xfrm>
           <a:prstGeom prst="rect">
             <a:avLst/>
@@ -5931,7 +5932,7 @@
         <p:spPr>
           <a:xfrm>
             <a:off x="576000" y="1728000"/>
-            <a:ext cx="6764760" cy="2390760"/>
+            <a:ext cx="6764400" cy="2390400"/>
           </a:xfrm>
           <a:prstGeom prst="rect">
             <a:avLst/>
@@ -6358,7 +6359,7 @@
         <p:spPr>
           <a:xfrm>
             <a:off x="432000" y="13680"/>
-            <a:ext cx="7447680" cy="1179720"/>
+            <a:ext cx="7447320" cy="1179360"/>
           </a:xfrm>
           <a:prstGeom prst="rect">
             <a:avLst/>
@@ -6429,7 +6430,7 @@
         <p:spPr>
           <a:xfrm>
             <a:off x="0" y="0"/>
-            <a:ext cx="246960" cy="1191960"/>
+            <a:ext cx="246600" cy="1191600"/>
           </a:xfrm>
           <a:prstGeom prst="rect">
             <a:avLst/>
@@ -6499,7 +6500,7 @@
         <p:spPr>
           <a:xfrm>
             <a:off x="457200" y="273600"/>
-            <a:ext cx="8226000" cy="5304600"/>
+            <a:ext cx="8225640" cy="5304240"/>
           </a:xfrm>
           <a:prstGeom prst="rect">
             <a:avLst/>
@@ -6548,7 +6549,7 @@
         <p:spPr>
           <a:xfrm>
             <a:off x="576000" y="1728000"/>
-            <a:ext cx="6764760" cy="2390760"/>
+            <a:ext cx="6764400" cy="2390400"/>
           </a:xfrm>
           <a:prstGeom prst="rect">
             <a:avLst/>
@@ -6893,7 +6894,7 @@
         <p:spPr>
           <a:xfrm>
             <a:off x="432000" y="13680"/>
-            <a:ext cx="7447680" cy="1179720"/>
+            <a:ext cx="7447320" cy="1179360"/>
           </a:xfrm>
           <a:prstGeom prst="rect">
             <a:avLst/>
@@ -6954,7 +6955,7 @@
         <p:spPr>
           <a:xfrm>
             <a:off x="0" y="0"/>
-            <a:ext cx="246960" cy="1191960"/>
+            <a:ext cx="246600" cy="1191600"/>
           </a:xfrm>
           <a:prstGeom prst="rect">
             <a:avLst/>
@@ -7024,7 +7025,7 @@
         <p:spPr>
           <a:xfrm>
             <a:off x="457200" y="273600"/>
-            <a:ext cx="8226000" cy="5304600"/>
+            <a:ext cx="8225640" cy="5304240"/>
           </a:xfrm>
           <a:prstGeom prst="rect">
             <a:avLst/>
@@ -7073,7 +7074,7 @@
         <p:spPr>
           <a:xfrm>
             <a:off x="576000" y="1728000"/>
-            <a:ext cx="6764760" cy="2390760"/>
+            <a:ext cx="6764400" cy="2390400"/>
           </a:xfrm>
           <a:prstGeom prst="rect">
             <a:avLst/>
@@ -7383,7 +7384,7 @@
         <p:spPr>
           <a:xfrm>
             <a:off x="432000" y="13680"/>
-            <a:ext cx="7447680" cy="1179720"/>
+            <a:ext cx="7447320" cy="1179360"/>
           </a:xfrm>
           <a:prstGeom prst="rect">
             <a:avLst/>
@@ -7444,7 +7445,7 @@
         <p:spPr>
           <a:xfrm>
             <a:off x="0" y="0"/>
-            <a:ext cx="246960" cy="1191960"/>
+            <a:ext cx="246600" cy="1191600"/>
           </a:xfrm>
           <a:prstGeom prst="rect">
             <a:avLst/>
@@ -7514,7 +7515,7 @@
         <p:spPr>
           <a:xfrm>
             <a:off x="457200" y="273600"/>
-            <a:ext cx="8226000" cy="5304600"/>
+            <a:ext cx="8225640" cy="5304240"/>
           </a:xfrm>
           <a:prstGeom prst="rect">
             <a:avLst/>
@@ -7563,7 +7564,7 @@
         <p:spPr>
           <a:xfrm>
             <a:off x="576000" y="1728000"/>
-            <a:ext cx="6764760" cy="2390760"/>
+            <a:ext cx="6764400" cy="2390400"/>
           </a:xfrm>
           <a:prstGeom prst="rect">
             <a:avLst/>
@@ -7888,7 +7889,7 @@
         <p:spPr>
           <a:xfrm>
             <a:off x="432000" y="13680"/>
-            <a:ext cx="7447680" cy="1179720"/>
+            <a:ext cx="7447320" cy="1179360"/>
           </a:xfrm>
           <a:prstGeom prst="rect">
             <a:avLst/>
@@ -7949,7 +7950,7 @@
         <p:spPr>
           <a:xfrm>
             <a:off x="0" y="0"/>
-            <a:ext cx="246960" cy="1191960"/>
+            <a:ext cx="246600" cy="1191600"/>
           </a:xfrm>
           <a:prstGeom prst="rect">
             <a:avLst/>
@@ -8019,7 +8020,7 @@
         <p:spPr>
           <a:xfrm>
             <a:off x="457200" y="273600"/>
-            <a:ext cx="8226000" cy="5304600"/>
+            <a:ext cx="8225640" cy="5304240"/>
           </a:xfrm>
           <a:prstGeom prst="rect">
             <a:avLst/>
@@ -8068,7 +8069,7 @@
         <p:spPr>
           <a:xfrm>
             <a:off x="576000" y="1728000"/>
-            <a:ext cx="6764760" cy="2390760"/>
+            <a:ext cx="6764400" cy="2390400"/>
           </a:xfrm>
           <a:prstGeom prst="rect">
             <a:avLst/>
@@ -8393,7 +8394,7 @@
         <p:spPr>
           <a:xfrm>
             <a:off x="432000" y="13680"/>
-            <a:ext cx="7447680" cy="1179720"/>
+            <a:ext cx="7447320" cy="1179360"/>
           </a:xfrm>
           <a:prstGeom prst="rect">
             <a:avLst/>
@@ -8454,7 +8455,7 @@
         <p:spPr>
           <a:xfrm>
             <a:off x="0" y="0"/>
-            <a:ext cx="246960" cy="1191960"/>
+            <a:ext cx="246600" cy="1191600"/>
           </a:xfrm>
           <a:prstGeom prst="rect">
             <a:avLst/>
@@ -8524,7 +8525,7 @@
         <p:spPr>
           <a:xfrm>
             <a:off x="457200" y="273600"/>
-            <a:ext cx="8226000" cy="5304600"/>
+            <a:ext cx="8225640" cy="5304240"/>
           </a:xfrm>
           <a:prstGeom prst="rect">
             <a:avLst/>
@@ -8573,7 +8574,7 @@
         <p:spPr>
           <a:xfrm>
             <a:off x="576000" y="1728000"/>
-            <a:ext cx="6764760" cy="2390760"/>
+            <a:ext cx="6764400" cy="2390400"/>
           </a:xfrm>
           <a:prstGeom prst="rect">
             <a:avLst/>
@@ -8598,6 +8599,36 @@
               </a:lnSpc>
             </a:pPr>
             <a:r>
+              <a:rPr b="0" lang="en-CA" sz="1800" spc="-1" strike="noStrike">
+                <a:solidFill>
+                  <a:srgbClr val="000000"/>
+                </a:solidFill>
+                <a:latin typeface="Arial"/>
+                <a:ea typeface="DejaVu Sans"/>
+              </a:rPr>
+              <a:t>Now that we know what cloud computing is, there are several different vendors that offer these services.  They are:</a:t>
+            </a:r>
+            <a:endParaRPr b="0" lang="en-CA" sz="1800" spc="-1" strike="noStrike">
+              <a:latin typeface="Arial"/>
+            </a:endParaRPr>
+          </a:p>
+          <a:p>
+            <a:pPr>
+              <a:lnSpc>
+                <a:spcPct val="100000"/>
+              </a:lnSpc>
+            </a:pPr>
+            <a:endParaRPr b="0" lang="en-CA" sz="1800" spc="-1" strike="noStrike">
+              <a:latin typeface="Arial"/>
+            </a:endParaRPr>
+          </a:p>
+          <a:p>
+            <a:pPr>
+              <a:lnSpc>
+                <a:spcPct val="100000"/>
+              </a:lnSpc>
+            </a:pPr>
+            <a:r>
               <a:rPr b="1" lang="en-CA" sz="1800" spc="-1" strike="noStrike">
                 <a:solidFill>
                   <a:srgbClr val="000000"/>
@@ -8605,71 +8636,107 @@
                 <a:latin typeface="Arial"/>
                 <a:ea typeface="DejaVu Sans"/>
               </a:rPr>
-              <a:t>Resources</a:t>
-            </a:r>
-            <a:endParaRPr b="0" lang="en-CA" sz="1800" spc="-1" strike="noStrike">
-              <a:latin typeface="Arial"/>
-            </a:endParaRPr>
-          </a:p>
-          <a:p>
-            <a:pPr>
-              <a:lnSpc>
-                <a:spcPct val="100000"/>
-              </a:lnSpc>
-            </a:pPr>
-            <a:endParaRPr b="0" lang="en-CA" sz="1800" spc="-1" strike="noStrike">
-              <a:latin typeface="Arial"/>
-            </a:endParaRPr>
-          </a:p>
-          <a:p>
-            <a:pPr>
-              <a:lnSpc>
-                <a:spcPct val="100000"/>
-              </a:lnSpc>
-            </a:pPr>
-            <a:r>
-              <a:rPr b="0" lang="en-CA" sz="1800" spc="-1" strike="noStrike" u="sng">
-                <a:solidFill>
-                  <a:srgbClr val="0000ff"/>
-                </a:solidFill>
-                <a:uFillTx/>
-                <a:latin typeface="Arial"/>
-                <a:ea typeface="DejaVu Sans"/>
-                <a:hlinkClick r:id="rId1"/>
-              </a:rPr>
-              <a:t>https://www.youtube.com/watch?v=m0a2CzgLNsc</a:t>
-            </a:r>
-            <a:endParaRPr b="0" lang="en-CA" sz="1800" spc="-1" strike="noStrike">
-              <a:latin typeface="Arial"/>
-            </a:endParaRPr>
-          </a:p>
-          <a:p>
-            <a:pPr>
-              <a:lnSpc>
-                <a:spcPct val="100000"/>
-              </a:lnSpc>
-            </a:pPr>
-            <a:endParaRPr b="0" lang="en-CA" sz="1800" spc="-1" strike="noStrike">
-              <a:latin typeface="Arial"/>
-            </a:endParaRPr>
-          </a:p>
-          <a:p>
-            <a:pPr>
-              <a:lnSpc>
-                <a:spcPct val="100000"/>
-              </a:lnSpc>
-            </a:pPr>
-            <a:r>
-              <a:rPr b="0" lang="en-CA" sz="1800" spc="-1" strike="noStrike" u="sng">
-                <a:solidFill>
-                  <a:srgbClr val="0000ff"/>
-                </a:solidFill>
-                <a:uFillTx/>
-                <a:latin typeface="Arial"/>
-                <a:ea typeface="DejaVu Sans"/>
-                <a:hlinkClick r:id="rId2"/>
-              </a:rPr>
-              <a:t>https://www.youtube.com/watch?v=LFkGtg-ZTko</a:t>
+              <a:t>Amazon Web Services (AWS)</a:t>
+            </a:r>
+            <a:endParaRPr b="0" lang="en-CA" sz="1800" spc="-1" strike="noStrike">
+              <a:latin typeface="Arial"/>
+            </a:endParaRPr>
+          </a:p>
+          <a:p>
+            <a:pPr>
+              <a:lnSpc>
+                <a:spcPct val="100000"/>
+              </a:lnSpc>
+            </a:pPr>
+            <a:r>
+              <a:rPr b="1" lang="en-CA" sz="1800" spc="-1" strike="noStrike">
+                <a:solidFill>
+                  <a:srgbClr val="000000"/>
+                </a:solidFill>
+                <a:latin typeface="Arial"/>
+                <a:ea typeface="DejaVu Sans"/>
+              </a:rPr>
+              <a:t>Microsoft Azure  (AZURE)</a:t>
+            </a:r>
+            <a:endParaRPr b="0" lang="en-CA" sz="1800" spc="-1" strike="noStrike">
+              <a:latin typeface="Arial"/>
+            </a:endParaRPr>
+          </a:p>
+          <a:p>
+            <a:pPr>
+              <a:lnSpc>
+                <a:spcPct val="100000"/>
+              </a:lnSpc>
+            </a:pPr>
+            <a:r>
+              <a:rPr b="1" lang="en-CA" sz="1800" spc="-1" strike="noStrike">
+                <a:solidFill>
+                  <a:srgbClr val="000000"/>
+                </a:solidFill>
+                <a:latin typeface="Arial"/>
+                <a:ea typeface="DejaVu Sans"/>
+              </a:rPr>
+              <a:t>Google Cloud Platform (GCP)</a:t>
+            </a:r>
+            <a:endParaRPr b="0" lang="en-CA" sz="1800" spc="-1" strike="noStrike">
+              <a:latin typeface="Arial"/>
+            </a:endParaRPr>
+          </a:p>
+          <a:p>
+            <a:pPr>
+              <a:lnSpc>
+                <a:spcPct val="100000"/>
+              </a:lnSpc>
+            </a:pPr>
+            <a:endParaRPr b="0" lang="en-CA" sz="1800" spc="-1" strike="noStrike">
+              <a:latin typeface="Arial"/>
+            </a:endParaRPr>
+          </a:p>
+          <a:p>
+            <a:pPr>
+              <a:lnSpc>
+                <a:spcPct val="100000"/>
+              </a:lnSpc>
+            </a:pPr>
+            <a:r>
+              <a:rPr b="0" lang="en-CA" sz="1800" spc="-1" strike="noStrike">
+                <a:solidFill>
+                  <a:srgbClr val="000000"/>
+                </a:solidFill>
+                <a:latin typeface="Arial"/>
+                <a:ea typeface="DejaVu Sans"/>
+              </a:rPr>
+              <a:t>And a few others.</a:t>
+            </a:r>
+            <a:endParaRPr b="0" lang="en-CA" sz="1800" spc="-1" strike="noStrike">
+              <a:latin typeface="Arial"/>
+            </a:endParaRPr>
+          </a:p>
+          <a:p>
+            <a:pPr>
+              <a:lnSpc>
+                <a:spcPct val="100000"/>
+              </a:lnSpc>
+            </a:pPr>
+            <a:endParaRPr b="0" lang="en-CA" sz="1800" spc="-1" strike="noStrike">
+              <a:latin typeface="Arial"/>
+            </a:endParaRPr>
+          </a:p>
+          <a:p>
+            <a:pPr>
+              <a:lnSpc>
+                <a:spcPct val="100000"/>
+              </a:lnSpc>
+            </a:pPr>
+            <a:r>
+              <a:rPr b="0" lang="en-CA" sz="1800" spc="-1" strike="noStrike">
+                <a:solidFill>
+                  <a:srgbClr val="000000"/>
+                </a:solidFill>
+                <a:latin typeface="Arial"/>
+                <a:ea typeface="DejaVu Sans"/>
+              </a:rPr>
+              <a:t>In this course we will be focusing soly on AWS.</a:t>
             </a:r>
             <a:endParaRPr b="0" lang="en-CA" sz="1800" spc="-1" strike="noStrike">
               <a:latin typeface="Arial"/>
@@ -8742,7 +8809,7 @@
         <p:spPr>
           <a:xfrm>
             <a:off x="432000" y="13680"/>
-            <a:ext cx="7447680" cy="1179720"/>
+            <a:ext cx="7447320" cy="1179360"/>
           </a:xfrm>
           <a:prstGeom prst="rect">
             <a:avLst/>
@@ -8776,7 +8843,7 @@
                 <a:latin typeface="Nexa Bold"/>
                 <a:ea typeface="DejaVu Sans"/>
               </a:rPr>
-              <a:t>FINAL PRoject</a:t>
+              <a:t>Cloud Computing</a:t>
             </a:r>
             <a:endParaRPr b="0" lang="en-CA" sz="3000" spc="-1" strike="noStrike">
               <a:latin typeface="Arial"/>
@@ -8803,7 +8870,7 @@
         <p:spPr>
           <a:xfrm>
             <a:off x="0" y="0"/>
-            <a:ext cx="246960" cy="1191960"/>
+            <a:ext cx="246600" cy="1191600"/>
           </a:xfrm>
           <a:prstGeom prst="rect">
             <a:avLst/>
@@ -8873,7 +8940,7 @@
         <p:spPr>
           <a:xfrm>
             <a:off x="457200" y="273600"/>
-            <a:ext cx="8226000" cy="5304600"/>
+            <a:ext cx="8225640" cy="5304240"/>
           </a:xfrm>
           <a:prstGeom prst="rect">
             <a:avLst/>
@@ -8921,8 +8988,8 @@
         </p:nvSpPr>
         <p:spPr>
           <a:xfrm>
-            <a:off x="576000" y="1692000"/>
-            <a:ext cx="6764760" cy="2390760"/>
+            <a:off x="576000" y="1728000"/>
+            <a:ext cx="6764400" cy="2390400"/>
           </a:xfrm>
           <a:prstGeom prst="rect">
             <a:avLst/>
@@ -8954,8 +9021,18 @@
                 <a:latin typeface="Arial"/>
                 <a:ea typeface="DejaVu Sans"/>
               </a:rPr>
-              <a:t>Testing Out Our Knowledge</a:t>
-            </a:r>
+              <a:t>Resources</a:t>
+            </a:r>
+            <a:endParaRPr b="0" lang="en-CA" sz="1800" spc="-1" strike="noStrike">
+              <a:latin typeface="Arial"/>
+            </a:endParaRPr>
+          </a:p>
+          <a:p>
+            <a:pPr>
+              <a:lnSpc>
+                <a:spcPct val="100000"/>
+              </a:lnSpc>
+            </a:pPr>
             <a:endParaRPr b="0" lang="en-CA" sz="1800" spc="-1" strike="noStrike">
               <a:latin typeface="Arial"/>
             </a:endParaRPr>
@@ -8968,434 +9045,148 @@
             </a:pPr>
             <a:r>
               <a:rPr b="0" lang="en-CA" sz="1800" spc="-1" strike="noStrike">
-                <a:solidFill>
-                  <a:srgbClr val="000000"/>
-                </a:solidFill>
-                <a:latin typeface="Arial"/>
-                <a:ea typeface="DejaVu Sans"/>
-              </a:rPr>
-              <a:t>Now that we have a solid understanding of DevOps we are going to take our knowledge and put it into practice.</a:t>
-            </a:r>
-            <a:endParaRPr b="0" lang="en-CA" sz="1800" spc="-1" strike="noStrike">
-              <a:latin typeface="Arial"/>
-            </a:endParaRPr>
-          </a:p>
-          <a:p>
-            <a:pPr>
-              <a:lnSpc>
-                <a:spcPct val="100000"/>
-              </a:lnSpc>
-            </a:pPr>
-            <a:endParaRPr b="0" lang="en-CA" sz="1800" spc="-1" strike="noStrike">
-              <a:latin typeface="Arial"/>
-            </a:endParaRPr>
-          </a:p>
-          <a:p>
-            <a:pPr>
-              <a:lnSpc>
-                <a:spcPct val="100000"/>
-              </a:lnSpc>
-            </a:pPr>
-            <a:r>
-              <a:rPr b="1" lang="en-CA" sz="1800" spc="-1" strike="noStrike">
-                <a:solidFill>
-                  <a:srgbClr val="000000"/>
-                </a:solidFill>
-                <a:latin typeface="Arial"/>
-                <a:ea typeface="DejaVu Sans"/>
-              </a:rPr>
-              <a:t>The Assignment</a:t>
-            </a:r>
-            <a:endParaRPr b="0" lang="en-CA" sz="1800" spc="-1" strike="noStrike">
-              <a:latin typeface="Arial"/>
-            </a:endParaRPr>
-          </a:p>
-          <a:p>
-            <a:pPr>
-              <a:lnSpc>
-                <a:spcPct val="100000"/>
-              </a:lnSpc>
-            </a:pPr>
-            <a:r>
-              <a:rPr b="0" lang="en-CA" sz="1800" spc="-1" strike="noStrike">
-                <a:solidFill>
-                  <a:srgbClr val="000000"/>
-                </a:solidFill>
-                <a:latin typeface="Arial"/>
-                <a:ea typeface="DejaVu Sans"/>
-              </a:rPr>
-              <a:t>1) </a:t>
-            </a:r>
-            <a:r>
-              <a:rPr b="0" lang="en-CA" sz="1800" spc="-1" strike="noStrike">
-                <a:solidFill>
-                  <a:srgbClr val="000000"/>
-                </a:solidFill>
-                <a:latin typeface="Arial"/>
-                <a:ea typeface="DejaVu Sans"/>
-              </a:rPr>
-              <a:t>	</a:t>
-            </a:r>
-            <a:r>
-              <a:rPr b="0" lang="en-CA" sz="1800" spc="-1" strike="noStrike">
-                <a:solidFill>
-                  <a:srgbClr val="000000"/>
-                </a:solidFill>
-                <a:latin typeface="Arial"/>
-                <a:ea typeface="DejaVu Sans"/>
-              </a:rPr>
-              <a:t>Configure another Ubuntu 19.04 virtual machine</a:t>
-            </a:r>
-            <a:endParaRPr b="0" lang="en-CA" sz="1800" spc="-1" strike="noStrike">
-              <a:latin typeface="Arial"/>
-            </a:endParaRPr>
-          </a:p>
-          <a:p>
-            <a:pPr>
-              <a:lnSpc>
-                <a:spcPct val="100000"/>
-              </a:lnSpc>
-            </a:pPr>
-            <a:r>
-              <a:rPr b="0" lang="en-CA" sz="1800" spc="-1" strike="noStrike">
-                <a:solidFill>
-                  <a:srgbClr val="000000"/>
-                </a:solidFill>
-                <a:latin typeface="Arial"/>
-                <a:ea typeface="DejaVu Sans"/>
-              </a:rPr>
-              <a:t>2)</a:t>
-            </a:r>
-            <a:r>
-              <a:rPr b="0" lang="en-CA" sz="1800" spc="-1" strike="noStrike">
-                <a:solidFill>
-                  <a:srgbClr val="000000"/>
-                </a:solidFill>
-                <a:latin typeface="Arial"/>
-                <a:ea typeface="DejaVu Sans"/>
-              </a:rPr>
-              <a:t>	</a:t>
-            </a:r>
-            <a:r>
-              <a:rPr b="0" lang="en-CA" sz="1800" spc="-1" strike="noStrike">
-                <a:solidFill>
-                  <a:srgbClr val="000000"/>
-                </a:solidFill>
-                <a:latin typeface="Arial"/>
-                <a:ea typeface="DejaVu Sans"/>
-              </a:rPr>
-              <a:t>Install our tools (docker / python / git / jenkins) on that </a:t>
-            </a:r>
-            <a:r>
-              <a:rPr b="0" lang="en-CA" sz="1800" spc="-1" strike="noStrike">
-                <a:solidFill>
-                  <a:srgbClr val="000000"/>
-                </a:solidFill>
-                <a:latin typeface="Arial"/>
-                <a:ea typeface="DejaVu Sans"/>
-              </a:rPr>
-              <a:t>	</a:t>
-            </a:r>
-            <a:r>
-              <a:rPr b="0" lang="en-CA" sz="1800" spc="-1" strike="noStrike">
-                <a:solidFill>
-                  <a:srgbClr val="000000"/>
-                </a:solidFill>
-                <a:latin typeface="Arial"/>
-                <a:ea typeface="DejaVu Sans"/>
-              </a:rPr>
-              <a:t>	</a:t>
-            </a:r>
-            <a:r>
-              <a:rPr b="0" lang="en-CA" sz="1800" spc="-1" strike="noStrike">
-                <a:solidFill>
-                  <a:srgbClr val="000000"/>
-                </a:solidFill>
-                <a:latin typeface="Arial"/>
-                <a:ea typeface="DejaVu Sans"/>
-              </a:rPr>
-              <a:t>machine</a:t>
-            </a:r>
-            <a:endParaRPr b="0" lang="en-CA" sz="1800" spc="-1" strike="noStrike">
-              <a:latin typeface="Arial"/>
-            </a:endParaRPr>
-          </a:p>
-          <a:p>
-            <a:pPr>
-              <a:lnSpc>
-                <a:spcPct val="100000"/>
-              </a:lnSpc>
-            </a:pPr>
-            <a:r>
-              <a:rPr b="0" lang="en-CA" sz="1800" spc="-1" strike="noStrike">
-                <a:solidFill>
-                  <a:srgbClr val="000000"/>
-                </a:solidFill>
-                <a:latin typeface="Arial"/>
-                <a:ea typeface="DejaVu Sans"/>
-              </a:rPr>
-              <a:t>3)</a:t>
-            </a:r>
-            <a:r>
-              <a:rPr b="0" lang="en-CA" sz="1800" spc="-1" strike="noStrike">
-                <a:solidFill>
-                  <a:srgbClr val="000000"/>
-                </a:solidFill>
-                <a:latin typeface="Arial"/>
-                <a:ea typeface="DejaVu Sans"/>
-              </a:rPr>
-              <a:t>	</a:t>
-            </a:r>
-            <a:r>
-              <a:rPr b="0" lang="en-CA" sz="1800" spc="-1" strike="noStrike">
-                <a:solidFill>
-                  <a:srgbClr val="000000"/>
-                </a:solidFill>
-                <a:latin typeface="Arial"/>
-                <a:ea typeface="DejaVu Sans"/>
-              </a:rPr>
-              <a:t>Setup Jenkins to run in a container on that VM</a:t>
-            </a:r>
-            <a:endParaRPr b="0" lang="en-CA" sz="1800" spc="-1" strike="noStrike">
-              <a:latin typeface="Arial"/>
-            </a:endParaRPr>
-          </a:p>
-          <a:p>
-            <a:pPr>
-              <a:lnSpc>
-                <a:spcPct val="100000"/>
-              </a:lnSpc>
-            </a:pPr>
-            <a:r>
-              <a:rPr b="0" lang="en-CA" sz="1800" spc="-1" strike="noStrike">
-                <a:solidFill>
-                  <a:srgbClr val="000000"/>
-                </a:solidFill>
-                <a:latin typeface="Arial"/>
-                <a:ea typeface="DejaVu Sans"/>
-              </a:rPr>
-              <a:t>4)</a:t>
-            </a:r>
-            <a:r>
-              <a:rPr b="0" lang="en-CA" sz="1800" spc="-1" strike="noStrike">
-                <a:solidFill>
-                  <a:srgbClr val="000000"/>
-                </a:solidFill>
-                <a:latin typeface="Arial"/>
-                <a:ea typeface="DejaVu Sans"/>
-              </a:rPr>
-              <a:t>	</a:t>
-            </a:r>
-            <a:r>
-              <a:rPr b="0" lang="en-CA" sz="1800" spc="-1" strike="noStrike">
-                <a:solidFill>
-                  <a:srgbClr val="000000"/>
-                </a:solidFill>
-                <a:latin typeface="Arial"/>
-                <a:ea typeface="DejaVu Sans"/>
-              </a:rPr>
-              <a:t>Use Ansible to create an EC2 instance on AWS</a:t>
-            </a:r>
-            <a:endParaRPr b="0" lang="en-CA" sz="1800" spc="-1" strike="noStrike">
-              <a:latin typeface="Arial"/>
-            </a:endParaRPr>
-          </a:p>
-          <a:p>
-            <a:pPr>
-              <a:lnSpc>
-                <a:spcPct val="100000"/>
-              </a:lnSpc>
-            </a:pPr>
-            <a:r>
-              <a:rPr b="0" lang="en-CA" sz="1800" spc="-1" strike="noStrike">
-                <a:solidFill>
-                  <a:srgbClr val="000000"/>
-                </a:solidFill>
-                <a:latin typeface="Arial"/>
-                <a:ea typeface="DejaVu Sans"/>
-              </a:rPr>
-              <a:t>5)</a:t>
-            </a:r>
-            <a:r>
-              <a:rPr b="0" lang="en-CA" sz="1800" spc="-1" strike="noStrike">
-                <a:solidFill>
-                  <a:srgbClr val="000000"/>
-                </a:solidFill>
-                <a:latin typeface="Arial"/>
-                <a:ea typeface="DejaVu Sans"/>
-              </a:rPr>
-              <a:t>	</a:t>
-            </a:r>
-            <a:r>
-              <a:rPr b="0" lang="en-CA" sz="1800" spc="-1" strike="noStrike">
-                <a:solidFill>
-                  <a:srgbClr val="000000"/>
-                </a:solidFill>
-                <a:latin typeface="Arial"/>
-                <a:ea typeface="DejaVu Sans"/>
-              </a:rPr>
-              <a:t>Create an application directory for our python application</a:t>
-            </a:r>
-            <a:endParaRPr b="0" lang="en-CA" sz="1800" spc="-1" strike="noStrike">
-              <a:latin typeface="Arial"/>
-            </a:endParaRPr>
-          </a:p>
-          <a:p>
-            <a:pPr>
-              <a:lnSpc>
-                <a:spcPct val="100000"/>
-              </a:lnSpc>
-            </a:pPr>
-            <a:r>
-              <a:rPr b="0" lang="en-CA" sz="1800" spc="-1" strike="noStrike">
-                <a:solidFill>
-                  <a:srgbClr val="000000"/>
-                </a:solidFill>
-                <a:latin typeface="Arial"/>
-                <a:ea typeface="DejaVu Sans"/>
-              </a:rPr>
-              <a:t>6)</a:t>
-            </a:r>
-            <a:r>
-              <a:rPr b="0" lang="en-CA" sz="1800" spc="-1" strike="noStrike">
-                <a:solidFill>
-                  <a:srgbClr val="000000"/>
-                </a:solidFill>
-                <a:latin typeface="Arial"/>
-                <a:ea typeface="DejaVu Sans"/>
-              </a:rPr>
-              <a:t>	</a:t>
-            </a:r>
-            <a:r>
-              <a:rPr b="0" lang="en-CA" sz="1800" spc="-1" strike="noStrike">
-                <a:solidFill>
-                  <a:srgbClr val="000000"/>
-                </a:solidFill>
-                <a:latin typeface="Arial"/>
-                <a:ea typeface="DejaVu Sans"/>
-              </a:rPr>
-              <a:t>Put our python directory under version control</a:t>
-            </a:r>
-            <a:endParaRPr b="0" lang="en-CA" sz="1800" spc="-1" strike="noStrike">
-              <a:latin typeface="Arial"/>
-            </a:endParaRPr>
-          </a:p>
-          <a:p>
-            <a:pPr>
-              <a:lnSpc>
-                <a:spcPct val="100000"/>
-              </a:lnSpc>
-            </a:pPr>
-            <a:r>
-              <a:rPr b="0" lang="en-CA" sz="1800" spc="-1" strike="noStrike">
-                <a:solidFill>
-                  <a:srgbClr val="000000"/>
-                </a:solidFill>
-                <a:latin typeface="Arial"/>
-                <a:ea typeface="DejaVu Sans"/>
-              </a:rPr>
-              <a:t>7)</a:t>
-            </a:r>
-            <a:r>
-              <a:rPr b="0" lang="en-CA" sz="1800" spc="-1" strike="noStrike">
-                <a:solidFill>
-                  <a:srgbClr val="000000"/>
-                </a:solidFill>
-                <a:latin typeface="Arial"/>
-                <a:ea typeface="DejaVu Sans"/>
-              </a:rPr>
-              <a:t>	</a:t>
-            </a:r>
-            <a:r>
-              <a:rPr b="0" lang="en-CA" sz="1800" spc="-1" strike="noStrike">
-                <a:solidFill>
-                  <a:srgbClr val="000000"/>
-                </a:solidFill>
-                <a:latin typeface="Arial"/>
-                <a:ea typeface="DejaVu Sans"/>
-              </a:rPr>
-              <a:t>Configure python to push that application up to the EC2 </a:t>
-            </a:r>
-            <a:r>
-              <a:rPr b="0" lang="en-CA" sz="1800" spc="-1" strike="noStrike">
-                <a:solidFill>
-                  <a:srgbClr val="000000"/>
-                </a:solidFill>
-                <a:latin typeface="Arial"/>
-                <a:ea typeface="DejaVu Sans"/>
-              </a:rPr>
-              <a:t>	</a:t>
-            </a:r>
-            <a:endParaRPr b="0" lang="en-CA" sz="1800" spc="-1" strike="noStrike">
-              <a:latin typeface="Arial"/>
-            </a:endParaRPr>
-          </a:p>
-          <a:p>
-            <a:pPr>
-              <a:lnSpc>
-                <a:spcPct val="100000"/>
-              </a:lnSpc>
-            </a:pPr>
-            <a:r>
-              <a:rPr b="0" lang="en-CA" sz="1800" spc="-1" strike="noStrike">
-                <a:solidFill>
-                  <a:srgbClr val="000000"/>
-                </a:solidFill>
-                <a:latin typeface="Arial"/>
-                <a:ea typeface="DejaVu Sans"/>
-              </a:rPr>
-              <a:t>	</a:t>
-            </a:r>
-            <a:r>
-              <a:rPr b="0" lang="en-CA" sz="1800" spc="-1" strike="noStrike">
-                <a:solidFill>
-                  <a:srgbClr val="000000"/>
-                </a:solidFill>
-                <a:latin typeface="Arial"/>
-                <a:ea typeface="DejaVu Sans"/>
-              </a:rPr>
-              <a:t>instance on AWS.</a:t>
-            </a:r>
-            <a:endParaRPr b="0" lang="en-CA" sz="1800" spc="-1" strike="noStrike">
-              <a:latin typeface="Arial"/>
-            </a:endParaRPr>
-          </a:p>
-          <a:p>
-            <a:pPr>
-              <a:lnSpc>
-                <a:spcPct val="100000"/>
-              </a:lnSpc>
-            </a:pPr>
-            <a:r>
-              <a:rPr b="0" lang="en-CA" sz="1800" spc="-1" strike="noStrike">
-                <a:solidFill>
-                  <a:srgbClr val="000000"/>
-                </a:solidFill>
-                <a:latin typeface="Arial"/>
-                <a:ea typeface="DejaVu Sans"/>
-              </a:rPr>
-              <a:t>8) </a:t>
-            </a:r>
-            <a:r>
-              <a:rPr b="0" lang="en-CA" sz="1800" spc="-1" strike="noStrike">
-                <a:solidFill>
-                  <a:srgbClr val="000000"/>
-                </a:solidFill>
-                <a:latin typeface="Arial"/>
-                <a:ea typeface="DejaVu Sans"/>
-              </a:rPr>
-              <a:t>	</a:t>
-            </a:r>
-            <a:r>
-              <a:rPr b="0" lang="en-CA" sz="1800" spc="-1" strike="noStrike">
-                <a:solidFill>
-                  <a:srgbClr val="000000"/>
-                </a:solidFill>
-                <a:latin typeface="Arial"/>
-                <a:ea typeface="DejaVu Sans"/>
-              </a:rPr>
-              <a:t>Verify our application is working on our EC2 Instance.</a:t>
-            </a:r>
+                <a:latin typeface="Arial"/>
+              </a:rPr>
+              <a:t>Look at these videos and come to class prepared to talk about them:</a:t>
+            </a:r>
+            <a:endParaRPr b="0" lang="en-CA" sz="1800" spc="-1" strike="noStrike">
+              <a:latin typeface="Arial"/>
+            </a:endParaRPr>
+          </a:p>
+          <a:p>
+            <a:pPr>
+              <a:lnSpc>
+                <a:spcPct val="100000"/>
+              </a:lnSpc>
+            </a:pPr>
+            <a:endParaRPr b="0" lang="en-CA" sz="1800" spc="-1" strike="noStrike">
+              <a:latin typeface="Arial"/>
+            </a:endParaRPr>
+          </a:p>
+          <a:p>
+            <a:pPr>
+              <a:lnSpc>
+                <a:spcPct val="100000"/>
+              </a:lnSpc>
+            </a:pPr>
+            <a:r>
+              <a:rPr b="0" lang="en-CA" sz="1800" spc="-1" strike="noStrike" u="sng">
+                <a:solidFill>
+                  <a:srgbClr val="0000ff"/>
+                </a:solidFill>
+                <a:uFillTx/>
+                <a:latin typeface="Arial"/>
+                <a:ea typeface="DejaVu Sans"/>
+                <a:hlinkClick r:id="rId1"/>
+              </a:rPr>
+              <a:t>https://www.youtube.com/watch?v=RWgW-CgdIk0</a:t>
+            </a:r>
+            <a:endParaRPr b="0" lang="en-CA" sz="1800" spc="-1" strike="noStrike">
+              <a:latin typeface="Arial"/>
+            </a:endParaRPr>
+          </a:p>
+          <a:p>
+            <a:pPr>
+              <a:lnSpc>
+                <a:spcPct val="100000"/>
+              </a:lnSpc>
+            </a:pPr>
+            <a:endParaRPr b="0" lang="en-CA" sz="1800" spc="-1" strike="noStrike">
+              <a:latin typeface="Arial"/>
+            </a:endParaRPr>
+          </a:p>
+          <a:p>
+            <a:pPr>
+              <a:lnSpc>
+                <a:spcPct val="100000"/>
+              </a:lnSpc>
+            </a:pPr>
+            <a:r>
+              <a:rPr b="0" lang="en-CA" sz="1800" spc="-1" strike="noStrike" u="sng">
+                <a:solidFill>
+                  <a:srgbClr val="0000ff"/>
+                </a:solidFill>
+                <a:uFillTx/>
+                <a:latin typeface="Arial"/>
+                <a:ea typeface="DejaVu Sans"/>
+                <a:hlinkClick r:id="rId2"/>
+              </a:rPr>
+              <a:t>https://www.youtube.com/watch?v=m0a2CzgLNsc</a:t>
+            </a:r>
+            <a:endParaRPr b="0" lang="en-CA" sz="1800" spc="-1" strike="noStrike">
+              <a:latin typeface="Arial"/>
+            </a:endParaRPr>
+          </a:p>
+          <a:p>
+            <a:pPr>
+              <a:lnSpc>
+                <a:spcPct val="100000"/>
+              </a:lnSpc>
+            </a:pPr>
+            <a:endParaRPr b="0" lang="en-CA" sz="1800" spc="-1" strike="noStrike">
+              <a:latin typeface="Arial"/>
+            </a:endParaRPr>
+          </a:p>
+          <a:p>
+            <a:pPr>
+              <a:lnSpc>
+                <a:spcPct val="100000"/>
+              </a:lnSpc>
+            </a:pPr>
+            <a:r>
+              <a:rPr b="0" lang="en-CA" sz="1800" spc="-1" strike="noStrike" u="sng">
+                <a:solidFill>
+                  <a:srgbClr val="0000ff"/>
+                </a:solidFill>
+                <a:uFillTx/>
+                <a:latin typeface="Arial"/>
+                <a:ea typeface="DejaVu Sans"/>
+                <a:hlinkClick r:id="rId3"/>
+              </a:rPr>
+              <a:t>https://www.youtube.com/watch?v=LFkGtg-ZTko</a:t>
+            </a:r>
+            <a:endParaRPr b="0" lang="en-CA" sz="1800" spc="-1" strike="noStrike">
+              <a:latin typeface="Arial"/>
+            </a:endParaRPr>
+          </a:p>
+          <a:p>
+            <a:pPr>
+              <a:lnSpc>
+                <a:spcPct val="100000"/>
+              </a:lnSpc>
+            </a:pPr>
+            <a:endParaRPr b="0" lang="en-CA" sz="1800" spc="-1" strike="noStrike">
+              <a:latin typeface="Arial"/>
+            </a:endParaRPr>
+          </a:p>
+          <a:p>
+            <a:pPr>
+              <a:lnSpc>
+                <a:spcPct val="100000"/>
+              </a:lnSpc>
+            </a:pPr>
+            <a:r>
+              <a:rPr b="0" lang="en-CA" sz="1800" spc="-1" strike="noStrike" u="sng">
+                <a:solidFill>
+                  <a:srgbClr val="0000ff"/>
+                </a:solidFill>
+                <a:uFillTx/>
+                <a:latin typeface="Arial"/>
+                <a:ea typeface="DejaVu Sans"/>
+                <a:hlinkClick r:id="rId4"/>
+              </a:rPr>
+              <a:t>https://www.youtube.com/results?search_query=aws+tutorial+for+beginners</a:t>
+            </a:r>
+            <a:endParaRPr b="0" lang="en-CA" sz="1800" spc="-1" strike="noStrike">
+              <a:latin typeface="Arial"/>
+            </a:endParaRPr>
+          </a:p>
+          <a:p>
+            <a:pPr>
+              <a:lnSpc>
+                <a:spcPct val="100000"/>
+              </a:lnSpc>
+            </a:pPr>
             <a:endParaRPr b="0" lang="en-CA" sz="1800" spc="-1" strike="noStrike">
               <a:latin typeface="Arial"/>
             </a:endParaRPr>
@@ -9466,8 +9257,8 @@
         </p:nvSpPr>
         <p:spPr>
           <a:xfrm>
-            <a:off x="432000" y="0"/>
-            <a:ext cx="7447680" cy="1179720"/>
+            <a:off x="432000" y="13680"/>
+            <a:ext cx="7447320" cy="1179360"/>
           </a:xfrm>
           <a:prstGeom prst="rect">
             <a:avLst/>
@@ -9494,25 +9285,25 @@
               </a:lnSpc>
             </a:pPr>
             <a:r>
-              <a:rPr b="0" lang="en-CA" sz="3000" spc="-1" strike="noStrike">
+              <a:rPr b="0" lang="en-CA" sz="3000" spc="-1" strike="noStrike" cap="all">
                 <a:solidFill>
                   <a:srgbClr val="292929"/>
                 </a:solidFill>
                 <a:latin typeface="Nexa Bold"/>
                 <a:ea typeface="DejaVu Sans"/>
               </a:rPr>
-              <a:t>THE </a:t>
-            </a:r>
-            <a:r>
-              <a:rPr b="0" lang="en-CA" sz="3000" spc="-1" strike="noStrike">
-                <a:solidFill>
-                  <a:srgbClr val="1fa0be"/>
-                </a:solidFill>
-                <a:latin typeface="Nexa Bold"/>
-                <a:ea typeface="DejaVu Sans"/>
-              </a:rPr>
-              <a:t>END</a:t>
-            </a:r>
+              <a:t>FINAL PRoject</a:t>
+            </a:r>
+            <a:endParaRPr b="0" lang="en-CA" sz="3000" spc="-1" strike="noStrike">
+              <a:latin typeface="Arial"/>
+            </a:endParaRPr>
+          </a:p>
+          <a:p>
+            <a:pPr>
+              <a:lnSpc>
+                <a:spcPct val="100000"/>
+              </a:lnSpc>
+            </a:pPr>
             <a:endParaRPr b="0" lang="en-CA" sz="3000" spc="-1" strike="noStrike">
               <a:latin typeface="Arial"/>
             </a:endParaRPr>
@@ -9528,7 +9319,7 @@
         <p:spPr>
           <a:xfrm>
             <a:off x="0" y="0"/>
-            <a:ext cx="246960" cy="1191960"/>
+            <a:ext cx="246600" cy="1191600"/>
           </a:xfrm>
           <a:prstGeom prst="rect">
             <a:avLst/>
@@ -9597,8 +9388,8 @@
         </p:nvSpPr>
         <p:spPr>
           <a:xfrm>
-            <a:off x="432000" y="1340640"/>
-            <a:ext cx="8275320" cy="5215320"/>
+            <a:off x="457200" y="273600"/>
+            <a:ext cx="8225640" cy="5304240"/>
           </a:xfrm>
           <a:prstGeom prst="rect">
             <a:avLst/>
@@ -9615,29 +9406,513 @@
           <a:fontRef idx="minor"/>
         </p:style>
         <p:txBody>
-          <a:bodyPr lIns="90000" rIns="90000" tIns="45000" bIns="45000" anchor="ctr">
-            <a:normAutofit/>
-          </a:bodyPr>
+          <a:bodyPr lIns="0" rIns="0" tIns="0" bIns="0" anchor="ctr"/>
           <a:p>
             <a:pPr algn="ctr">
               <a:lnSpc>
                 <a:spcPct val="100000"/>
               </a:lnSpc>
-              <a:spcBef>
-                <a:spcPts val="921"/>
-              </a:spcBef>
-            </a:pPr>
-            <a:r>
-              <a:rPr b="1" lang="en-CA" sz="4600" spc="-1" strike="noStrike">
-                <a:solidFill>
-                  <a:srgbClr val="146e83"/>
-                </a:solidFill>
-                <a:latin typeface="Calibri"/>
-                <a:ea typeface="DejaVu Sans"/>
-              </a:rPr>
-              <a:t>QUESTIONS?</a:t>
-            </a:r>
-            <a:endParaRPr b="0" lang="en-CA" sz="4600" spc="-1" strike="noStrike">
+            </a:pPr>
+            <a:endParaRPr b="0" lang="en-CA" sz="1800" spc="-1" strike="noStrike">
+              <a:latin typeface="Arial"/>
+            </a:endParaRPr>
+          </a:p>
+          <a:p>
+            <a:pPr algn="ctr">
+              <a:lnSpc>
+                <a:spcPct val="100000"/>
+              </a:lnSpc>
+            </a:pPr>
+            <a:endParaRPr b="0" lang="en-CA" sz="1800" spc="-1" strike="noStrike">
+              <a:latin typeface="Arial"/>
+            </a:endParaRPr>
+          </a:p>
+        </p:txBody>
+      </p:sp>
+      <p:sp>
+        <p:nvSpPr>
+          <p:cNvPr id="204" name="CustomShape 5"/>
+          <p:cNvSpPr/>
+          <p:nvPr/>
+        </p:nvSpPr>
+        <p:spPr>
+          <a:xfrm>
+            <a:off x="576000" y="1692000"/>
+            <a:ext cx="6764400" cy="2390400"/>
+          </a:xfrm>
+          <a:prstGeom prst="rect">
+            <a:avLst/>
+          </a:prstGeom>
+          <a:noFill/>
+          <a:ln>
+            <a:noFill/>
+          </a:ln>
+        </p:spPr>
+        <p:style>
+          <a:lnRef idx="0"/>
+          <a:fillRef idx="0"/>
+          <a:effectRef idx="0"/>
+          <a:fontRef idx="minor"/>
+        </p:style>
+        <p:txBody>
+          <a:bodyPr lIns="90000" rIns="90000" tIns="45000" bIns="45000"/>
+          <a:p>
+            <a:pPr>
+              <a:lnSpc>
+                <a:spcPct val="100000"/>
+              </a:lnSpc>
+            </a:pPr>
+            <a:r>
+              <a:rPr b="1" lang="en-CA" sz="1800" spc="-1" strike="noStrike">
+                <a:solidFill>
+                  <a:srgbClr val="000000"/>
+                </a:solidFill>
+                <a:latin typeface="Arial"/>
+                <a:ea typeface="DejaVu Sans"/>
+              </a:rPr>
+              <a:t>Testing Out Our Knowledge</a:t>
+            </a:r>
+            <a:endParaRPr b="0" lang="en-CA" sz="1800" spc="-1" strike="noStrike">
+              <a:latin typeface="Arial"/>
+            </a:endParaRPr>
+          </a:p>
+          <a:p>
+            <a:pPr>
+              <a:lnSpc>
+                <a:spcPct val="100000"/>
+              </a:lnSpc>
+            </a:pPr>
+            <a:r>
+              <a:rPr b="0" lang="en-CA" sz="1800" spc="-1" strike="noStrike">
+                <a:solidFill>
+                  <a:srgbClr val="000000"/>
+                </a:solidFill>
+                <a:latin typeface="Arial"/>
+                <a:ea typeface="DejaVu Sans"/>
+              </a:rPr>
+              <a:t>Now that we have a solid understanding of DevOps we are going to take our knowledge and put it into practice.</a:t>
+            </a:r>
+            <a:endParaRPr b="0" lang="en-CA" sz="1800" spc="-1" strike="noStrike">
+              <a:latin typeface="Arial"/>
+            </a:endParaRPr>
+          </a:p>
+          <a:p>
+            <a:pPr>
+              <a:lnSpc>
+                <a:spcPct val="100000"/>
+              </a:lnSpc>
+            </a:pPr>
+            <a:endParaRPr b="0" lang="en-CA" sz="1800" spc="-1" strike="noStrike">
+              <a:latin typeface="Arial"/>
+            </a:endParaRPr>
+          </a:p>
+          <a:p>
+            <a:pPr>
+              <a:lnSpc>
+                <a:spcPct val="100000"/>
+              </a:lnSpc>
+            </a:pPr>
+            <a:r>
+              <a:rPr b="1" lang="en-CA" sz="1800" spc="-1" strike="noStrike">
+                <a:solidFill>
+                  <a:srgbClr val="000000"/>
+                </a:solidFill>
+                <a:latin typeface="Arial"/>
+                <a:ea typeface="DejaVu Sans"/>
+              </a:rPr>
+              <a:t>The Assignment</a:t>
+            </a:r>
+            <a:endParaRPr b="0" lang="en-CA" sz="1800" spc="-1" strike="noStrike">
+              <a:latin typeface="Arial"/>
+            </a:endParaRPr>
+          </a:p>
+          <a:p>
+            <a:pPr>
+              <a:lnSpc>
+                <a:spcPct val="100000"/>
+              </a:lnSpc>
+            </a:pPr>
+            <a:r>
+              <a:rPr b="0" lang="en-CA" sz="1800" spc="-1" strike="noStrike">
+                <a:solidFill>
+                  <a:srgbClr val="000000"/>
+                </a:solidFill>
+                <a:latin typeface="Arial"/>
+                <a:ea typeface="DejaVu Sans"/>
+              </a:rPr>
+              <a:t>1) </a:t>
+            </a:r>
+            <a:r>
+              <a:rPr b="0" lang="en-CA" sz="1800" spc="-1" strike="noStrike">
+                <a:solidFill>
+                  <a:srgbClr val="000000"/>
+                </a:solidFill>
+                <a:latin typeface="Arial"/>
+                <a:ea typeface="DejaVu Sans"/>
+              </a:rPr>
+              <a:t>	</a:t>
+            </a:r>
+            <a:r>
+              <a:rPr b="0" lang="en-CA" sz="1800" spc="-1" strike="noStrike">
+                <a:solidFill>
+                  <a:srgbClr val="000000"/>
+                </a:solidFill>
+                <a:latin typeface="Arial"/>
+                <a:ea typeface="DejaVu Sans"/>
+              </a:rPr>
+              <a:t>Configure another Ubuntu 19.04 virtual machine</a:t>
+            </a:r>
+            <a:endParaRPr b="0" lang="en-CA" sz="1800" spc="-1" strike="noStrike">
+              <a:latin typeface="Arial"/>
+            </a:endParaRPr>
+          </a:p>
+          <a:p>
+            <a:pPr>
+              <a:lnSpc>
+                <a:spcPct val="100000"/>
+              </a:lnSpc>
+            </a:pPr>
+            <a:r>
+              <a:rPr b="0" lang="en-CA" sz="1800" spc="-1" strike="noStrike">
+                <a:solidFill>
+                  <a:srgbClr val="000000"/>
+                </a:solidFill>
+                <a:latin typeface="Arial"/>
+                <a:ea typeface="DejaVu Sans"/>
+              </a:rPr>
+              <a:t>2)</a:t>
+            </a:r>
+            <a:r>
+              <a:rPr b="0" lang="en-CA" sz="1800" spc="-1" strike="noStrike">
+                <a:solidFill>
+                  <a:srgbClr val="000000"/>
+                </a:solidFill>
+                <a:latin typeface="Arial"/>
+                <a:ea typeface="DejaVu Sans"/>
+              </a:rPr>
+              <a:t>	</a:t>
+            </a:r>
+            <a:r>
+              <a:rPr b="0" lang="en-CA" sz="1800" spc="-1" strike="noStrike">
+                <a:solidFill>
+                  <a:srgbClr val="000000"/>
+                </a:solidFill>
+                <a:latin typeface="Arial"/>
+                <a:ea typeface="DejaVu Sans"/>
+              </a:rPr>
+              <a:t>Install our tools (docker / python / git / jenkins) on that </a:t>
+            </a:r>
+            <a:r>
+              <a:rPr b="0" lang="en-CA" sz="1800" spc="-1" strike="noStrike">
+                <a:solidFill>
+                  <a:srgbClr val="000000"/>
+                </a:solidFill>
+                <a:latin typeface="Arial"/>
+                <a:ea typeface="DejaVu Sans"/>
+              </a:rPr>
+              <a:t>	</a:t>
+            </a:r>
+            <a:r>
+              <a:rPr b="0" lang="en-CA" sz="1800" spc="-1" strike="noStrike">
+                <a:solidFill>
+                  <a:srgbClr val="000000"/>
+                </a:solidFill>
+                <a:latin typeface="Arial"/>
+                <a:ea typeface="DejaVu Sans"/>
+              </a:rPr>
+              <a:t>	</a:t>
+            </a:r>
+            <a:r>
+              <a:rPr b="0" lang="en-CA" sz="1800" spc="-1" strike="noStrike">
+                <a:solidFill>
+                  <a:srgbClr val="000000"/>
+                </a:solidFill>
+                <a:latin typeface="Arial"/>
+                <a:ea typeface="DejaVu Sans"/>
+              </a:rPr>
+              <a:t>machine</a:t>
+            </a:r>
+            <a:endParaRPr b="0" lang="en-CA" sz="1800" spc="-1" strike="noStrike">
+              <a:latin typeface="Arial"/>
+            </a:endParaRPr>
+          </a:p>
+          <a:p>
+            <a:pPr>
+              <a:lnSpc>
+                <a:spcPct val="100000"/>
+              </a:lnSpc>
+            </a:pPr>
+            <a:r>
+              <a:rPr b="0" lang="en-CA" sz="1800" spc="-1" strike="noStrike">
+                <a:solidFill>
+                  <a:srgbClr val="000000"/>
+                </a:solidFill>
+                <a:latin typeface="Arial"/>
+                <a:ea typeface="DejaVu Sans"/>
+              </a:rPr>
+              <a:t>3)</a:t>
+            </a:r>
+            <a:r>
+              <a:rPr b="0" lang="en-CA" sz="1800" spc="-1" strike="noStrike">
+                <a:solidFill>
+                  <a:srgbClr val="000000"/>
+                </a:solidFill>
+                <a:latin typeface="Arial"/>
+                <a:ea typeface="DejaVu Sans"/>
+              </a:rPr>
+              <a:t>	</a:t>
+            </a:r>
+            <a:r>
+              <a:rPr b="0" lang="en-CA" sz="1800" spc="-1" strike="noStrike">
+                <a:solidFill>
+                  <a:srgbClr val="000000"/>
+                </a:solidFill>
+                <a:latin typeface="Arial"/>
+                <a:ea typeface="DejaVu Sans"/>
+              </a:rPr>
+              <a:t>Setup Jenkins to run in a container on that VM</a:t>
+            </a:r>
+            <a:endParaRPr b="0" lang="en-CA" sz="1800" spc="-1" strike="noStrike">
+              <a:latin typeface="Arial"/>
+            </a:endParaRPr>
+          </a:p>
+          <a:p>
+            <a:pPr>
+              <a:lnSpc>
+                <a:spcPct val="100000"/>
+              </a:lnSpc>
+            </a:pPr>
+            <a:r>
+              <a:rPr b="0" lang="en-CA" sz="1800" spc="-1" strike="noStrike">
+                <a:solidFill>
+                  <a:srgbClr val="000000"/>
+                </a:solidFill>
+                <a:latin typeface="Arial"/>
+                <a:ea typeface="DejaVu Sans"/>
+              </a:rPr>
+              <a:t>4)</a:t>
+            </a:r>
+            <a:r>
+              <a:rPr b="0" lang="en-CA" sz="1800" spc="-1" strike="noStrike">
+                <a:solidFill>
+                  <a:srgbClr val="000000"/>
+                </a:solidFill>
+                <a:latin typeface="Arial"/>
+                <a:ea typeface="DejaVu Sans"/>
+              </a:rPr>
+              <a:t>	</a:t>
+            </a:r>
+            <a:r>
+              <a:rPr b="0" lang="en-CA" sz="1800" spc="-1" strike="noStrike">
+                <a:solidFill>
+                  <a:srgbClr val="000000"/>
+                </a:solidFill>
+                <a:latin typeface="Arial"/>
+                <a:ea typeface="DejaVu Sans"/>
+              </a:rPr>
+              <a:t>Use Ansible to create an EC2 instance on AWS</a:t>
+            </a:r>
+            <a:endParaRPr b="0" lang="en-CA" sz="1800" spc="-1" strike="noStrike">
+              <a:latin typeface="Arial"/>
+            </a:endParaRPr>
+          </a:p>
+          <a:p>
+            <a:pPr>
+              <a:lnSpc>
+                <a:spcPct val="100000"/>
+              </a:lnSpc>
+            </a:pPr>
+            <a:r>
+              <a:rPr b="0" lang="en-CA" sz="1800" spc="-1" strike="noStrike">
+                <a:solidFill>
+                  <a:srgbClr val="000000"/>
+                </a:solidFill>
+                <a:latin typeface="Arial"/>
+                <a:ea typeface="DejaVu Sans"/>
+              </a:rPr>
+              <a:t>5)</a:t>
+            </a:r>
+            <a:r>
+              <a:rPr b="0" lang="en-CA" sz="1800" spc="-1" strike="noStrike">
+                <a:solidFill>
+                  <a:srgbClr val="000000"/>
+                </a:solidFill>
+                <a:latin typeface="Arial"/>
+                <a:ea typeface="DejaVu Sans"/>
+              </a:rPr>
+              <a:t>	</a:t>
+            </a:r>
+            <a:r>
+              <a:rPr b="0" lang="en-CA" sz="1800" spc="-1" strike="noStrike">
+                <a:solidFill>
+                  <a:srgbClr val="000000"/>
+                </a:solidFill>
+                <a:latin typeface="Arial"/>
+                <a:ea typeface="DejaVu Sans"/>
+              </a:rPr>
+              <a:t>Create an application directory for our python application</a:t>
+            </a:r>
+            <a:endParaRPr b="0" lang="en-CA" sz="1800" spc="-1" strike="noStrike">
+              <a:latin typeface="Arial"/>
+            </a:endParaRPr>
+          </a:p>
+          <a:p>
+            <a:pPr>
+              <a:lnSpc>
+                <a:spcPct val="100000"/>
+              </a:lnSpc>
+            </a:pPr>
+            <a:r>
+              <a:rPr b="0" lang="en-CA" sz="1800" spc="-1" strike="noStrike">
+                <a:solidFill>
+                  <a:srgbClr val="000000"/>
+                </a:solidFill>
+                <a:latin typeface="Arial"/>
+                <a:ea typeface="DejaVu Sans"/>
+              </a:rPr>
+              <a:t>6)</a:t>
+            </a:r>
+            <a:r>
+              <a:rPr b="0" lang="en-CA" sz="1800" spc="-1" strike="noStrike">
+                <a:solidFill>
+                  <a:srgbClr val="000000"/>
+                </a:solidFill>
+                <a:latin typeface="Arial"/>
+                <a:ea typeface="DejaVu Sans"/>
+              </a:rPr>
+              <a:t>	</a:t>
+            </a:r>
+            <a:r>
+              <a:rPr b="0" lang="en-CA" sz="1800" spc="-1" strike="noStrike">
+                <a:solidFill>
+                  <a:srgbClr val="000000"/>
+                </a:solidFill>
+                <a:latin typeface="Arial"/>
+                <a:ea typeface="DejaVu Sans"/>
+              </a:rPr>
+              <a:t>Put our python directory under version control</a:t>
+            </a:r>
+            <a:endParaRPr b="0" lang="en-CA" sz="1800" spc="-1" strike="noStrike">
+              <a:latin typeface="Arial"/>
+            </a:endParaRPr>
+          </a:p>
+          <a:p>
+            <a:pPr>
+              <a:lnSpc>
+                <a:spcPct val="100000"/>
+              </a:lnSpc>
+            </a:pPr>
+            <a:r>
+              <a:rPr b="0" lang="en-CA" sz="1800" spc="-1" strike="noStrike">
+                <a:solidFill>
+                  <a:srgbClr val="000000"/>
+                </a:solidFill>
+                <a:latin typeface="Arial"/>
+                <a:ea typeface="DejaVu Sans"/>
+              </a:rPr>
+              <a:t>7)</a:t>
+            </a:r>
+            <a:r>
+              <a:rPr b="0" lang="en-CA" sz="1800" spc="-1" strike="noStrike">
+                <a:solidFill>
+                  <a:srgbClr val="000000"/>
+                </a:solidFill>
+                <a:latin typeface="Arial"/>
+                <a:ea typeface="DejaVu Sans"/>
+              </a:rPr>
+              <a:t>	</a:t>
+            </a:r>
+            <a:r>
+              <a:rPr b="0" lang="en-CA" sz="1800" spc="-1" strike="noStrike">
+                <a:solidFill>
+                  <a:srgbClr val="000000"/>
+                </a:solidFill>
+                <a:latin typeface="Arial"/>
+                <a:ea typeface="DejaVu Sans"/>
+              </a:rPr>
+              <a:t>Configure python to push that application up to the EC2</a:t>
+            </a:r>
+            <a:r>
+              <a:rPr b="0" lang="en-CA" sz="1800" spc="-1" strike="noStrike">
+                <a:solidFill>
+                  <a:srgbClr val="000000"/>
+                </a:solidFill>
+                <a:latin typeface="Arial"/>
+                <a:ea typeface="DejaVu Sans"/>
+              </a:rPr>
+              <a:t>	</a:t>
+            </a:r>
+            <a:endParaRPr b="0" lang="en-CA" sz="1800" spc="-1" strike="noStrike">
+              <a:latin typeface="Arial"/>
+            </a:endParaRPr>
+          </a:p>
+          <a:p>
+            <a:pPr>
+              <a:lnSpc>
+                <a:spcPct val="100000"/>
+              </a:lnSpc>
+            </a:pPr>
+            <a:r>
+              <a:rPr b="0" lang="en-CA" sz="1800" spc="-1" strike="noStrike">
+                <a:solidFill>
+                  <a:srgbClr val="000000"/>
+                </a:solidFill>
+                <a:latin typeface="Arial"/>
+                <a:ea typeface="DejaVu Sans"/>
+              </a:rPr>
+              <a:t>	</a:t>
+            </a:r>
+            <a:r>
+              <a:rPr b="0" lang="en-CA" sz="1800" spc="-1" strike="noStrike">
+                <a:solidFill>
+                  <a:srgbClr val="000000"/>
+                </a:solidFill>
+                <a:latin typeface="Arial"/>
+                <a:ea typeface="DejaVu Sans"/>
+              </a:rPr>
+              <a:t>instance on AWS.</a:t>
+            </a:r>
+            <a:endParaRPr b="0" lang="en-CA" sz="1800" spc="-1" strike="noStrike">
+              <a:latin typeface="Arial"/>
+            </a:endParaRPr>
+          </a:p>
+          <a:p>
+            <a:pPr>
+              <a:lnSpc>
+                <a:spcPct val="100000"/>
+              </a:lnSpc>
+            </a:pPr>
+            <a:r>
+              <a:rPr b="0" lang="en-CA" sz="1800" spc="-1" strike="noStrike">
+                <a:solidFill>
+                  <a:srgbClr val="000000"/>
+                </a:solidFill>
+                <a:latin typeface="Arial"/>
+                <a:ea typeface="DejaVu Sans"/>
+              </a:rPr>
+              <a:t>8) </a:t>
+            </a:r>
+            <a:r>
+              <a:rPr b="0" lang="en-CA" sz="1800" spc="-1" strike="noStrike">
+                <a:solidFill>
+                  <a:srgbClr val="000000"/>
+                </a:solidFill>
+                <a:latin typeface="Arial"/>
+                <a:ea typeface="DejaVu Sans"/>
+              </a:rPr>
+              <a:t>	</a:t>
+            </a:r>
+            <a:r>
+              <a:rPr b="0" lang="en-CA" sz="1800" spc="-1" strike="noStrike">
+                <a:solidFill>
+                  <a:srgbClr val="000000"/>
+                </a:solidFill>
+                <a:latin typeface="Arial"/>
+                <a:ea typeface="DejaVu Sans"/>
+              </a:rPr>
+              <a:t>Verify our application is working on our EC2 Instance.</a:t>
+            </a:r>
+            <a:endParaRPr b="0" lang="en-CA" sz="1800" spc="-1" strike="noStrike">
               <a:latin typeface="Arial"/>
             </a:endParaRPr>
           </a:p>
@@ -9652,6 +9927,247 @@
           <p:childTnLst>
             <p:seq>
               <p:cTn id="36" dur="indefinite" nodeType="mainSeq"/>
+              <p:prevCondLst>
+                <p:cond delay="0" evt="onPrev">
+                  <p:tgtEl>
+                    <p:sldTgt/>
+                  </p:tgtEl>
+                </p:cond>
+              </p:prevCondLst>
+              <p:nextCondLst>
+                <p:cond delay="0" evt="onNext">
+                  <p:tgtEl>
+                    <p:sldTgt/>
+                  </p:tgtEl>
+                </p:cond>
+              </p:nextCondLst>
+            </p:seq>
+          </p:childTnLst>
+        </p:cTn>
+      </p:par>
+    </p:tnLst>
+  </p:timing>
+</p:sld>
+</file>
+
+<file path=ppt/slides/slide19.xml><?xml version="1.0" encoding="utf-8"?>
+<p:sld xmlns:a="http://schemas.openxmlformats.org/drawingml/2006/main" xmlns:p="http://schemas.openxmlformats.org/presentationml/2006/main" xmlns:r="http://schemas.openxmlformats.org/officeDocument/2006/relationships" xmlns:p14="http://schemas.microsoft.com/office/powerpoint/2010/main" xmlns:p15="http://schemas.microsoft.com/office/powerpoint/2012/main" xmlns:mc="http://schemas.openxmlformats.org/markup-compatibility/2006">
+  <p:cSld>
+    <p:bg>
+      <p:bgPr>
+        <a:solidFill>
+          <a:srgbClr val="f2f2f2"/>
+        </a:solidFill>
+      </p:bgPr>
+    </p:bg>
+    <p:spTree>
+      <p:nvGrpSpPr>
+        <p:cNvPr id="1" name=""/>
+        <p:cNvGrpSpPr/>
+        <p:nvPr/>
+      </p:nvGrpSpPr>
+      <p:grpSpPr>
+        <a:xfrm>
+          <a:off x="0" y="0"/>
+          <a:ext cx="0" cy="0"/>
+          <a:chOff x="0" y="0"/>
+          <a:chExt cx="0" cy="0"/>
+        </a:xfrm>
+      </p:grpSpPr>
+      <p:sp>
+        <p:nvSpPr>
+          <p:cNvPr id="205" name="CustomShape 1"/>
+          <p:cNvSpPr/>
+          <p:nvPr/>
+        </p:nvSpPr>
+        <p:spPr>
+          <a:xfrm>
+            <a:off x="432000" y="0"/>
+            <a:ext cx="7447320" cy="1179360"/>
+          </a:xfrm>
+          <a:prstGeom prst="rect">
+            <a:avLst/>
+          </a:prstGeom>
+          <a:noFill/>
+          <a:ln>
+            <a:noFill/>
+          </a:ln>
+        </p:spPr>
+        <p:style>
+          <a:lnRef idx="0"/>
+          <a:fillRef idx="0"/>
+          <a:effectRef idx="0"/>
+          <a:fontRef idx="minor"/>
+        </p:style>
+        <p:txBody>
+          <a:bodyPr lIns="90000" rIns="90000" tIns="45000" bIns="45000" anchor="ctr">
+            <a:normAutofit/>
+          </a:bodyPr>
+          <a:p>
+            <a:pPr>
+              <a:lnSpc>
+                <a:spcPct val="100000"/>
+              </a:lnSpc>
+            </a:pPr>
+            <a:r>
+              <a:rPr b="0" lang="en-CA" sz="3000" spc="-1" strike="noStrike">
+                <a:solidFill>
+                  <a:srgbClr val="292929"/>
+                </a:solidFill>
+                <a:latin typeface="Nexa Bold"/>
+                <a:ea typeface="DejaVu Sans"/>
+              </a:rPr>
+              <a:t>THE </a:t>
+            </a:r>
+            <a:r>
+              <a:rPr b="0" lang="en-CA" sz="3000" spc="-1" strike="noStrike">
+                <a:solidFill>
+                  <a:srgbClr val="1fa0be"/>
+                </a:solidFill>
+                <a:latin typeface="Nexa Bold"/>
+                <a:ea typeface="DejaVu Sans"/>
+              </a:rPr>
+              <a:t>END</a:t>
+            </a:r>
+            <a:endParaRPr b="0" lang="en-CA" sz="3000" spc="-1" strike="noStrike">
+              <a:latin typeface="Arial"/>
+            </a:endParaRPr>
+          </a:p>
+        </p:txBody>
+      </p:sp>
+      <p:sp>
+        <p:nvSpPr>
+          <p:cNvPr id="206" name="CustomShape 2"/>
+          <p:cNvSpPr/>
+          <p:nvPr/>
+        </p:nvSpPr>
+        <p:spPr>
+          <a:xfrm>
+            <a:off x="0" y="0"/>
+            <a:ext cx="246600" cy="1191600"/>
+          </a:xfrm>
+          <a:prstGeom prst="rect">
+            <a:avLst/>
+          </a:prstGeom>
+          <a:solidFill>
+            <a:srgbClr val="146e83"/>
+          </a:solidFill>
+          <a:ln>
+            <a:round/>
+          </a:ln>
+        </p:spPr>
+        <p:style>
+          <a:lnRef idx="2">
+            <a:schemeClr val="accent1">
+              <a:shade val="50000"/>
+            </a:schemeClr>
+          </a:lnRef>
+          <a:fillRef idx="1">
+            <a:schemeClr val="accent1"/>
+          </a:fillRef>
+          <a:effectRef idx="0">
+            <a:schemeClr val="accent1"/>
+          </a:effectRef>
+          <a:fontRef idx="minor"/>
+        </p:style>
+      </p:sp>
+      <p:sp>
+        <p:nvSpPr>
+          <p:cNvPr id="207" name="Line 3"/>
+          <p:cNvSpPr/>
+          <p:nvPr/>
+        </p:nvSpPr>
+        <p:spPr>
+          <a:xfrm>
+            <a:off x="251280" y="1196640"/>
+            <a:ext cx="8892720" cy="360"/>
+          </a:xfrm>
+          <a:prstGeom prst="line">
+            <a:avLst/>
+          </a:prstGeom>
+          <a:ln w="22320">
+            <a:solidFill>
+              <a:srgbClr val="146e83"/>
+            </a:solidFill>
+            <a:round/>
+          </a:ln>
+        </p:spPr>
+        <p:style>
+          <a:lnRef idx="1">
+            <a:schemeClr val="accent1"/>
+          </a:lnRef>
+          <a:fillRef idx="0">
+            <a:schemeClr val="accent1"/>
+          </a:fillRef>
+          <a:effectRef idx="0">
+            <a:schemeClr val="accent1"/>
+          </a:effectRef>
+          <a:fontRef idx="minor"/>
+        </p:style>
+      </p:sp>
+      <p:sp>
+        <p:nvSpPr>
+          <p:cNvPr id="208" name="CustomShape 4"/>
+          <p:cNvSpPr/>
+          <p:nvPr/>
+        </p:nvSpPr>
+        <p:spPr>
+          <a:xfrm>
+            <a:off x="432000" y="1340640"/>
+            <a:ext cx="8274960" cy="5214960"/>
+          </a:xfrm>
+          <a:prstGeom prst="rect">
+            <a:avLst/>
+          </a:prstGeom>
+          <a:noFill/>
+          <a:ln>
+            <a:noFill/>
+          </a:ln>
+        </p:spPr>
+        <p:style>
+          <a:lnRef idx="0"/>
+          <a:fillRef idx="0"/>
+          <a:effectRef idx="0"/>
+          <a:fontRef idx="minor"/>
+        </p:style>
+        <p:txBody>
+          <a:bodyPr lIns="90000" rIns="90000" tIns="45000" bIns="45000" anchor="ctr">
+            <a:normAutofit/>
+          </a:bodyPr>
+          <a:p>
+            <a:pPr algn="ctr">
+              <a:lnSpc>
+                <a:spcPct val="100000"/>
+              </a:lnSpc>
+              <a:spcBef>
+                <a:spcPts val="921"/>
+              </a:spcBef>
+            </a:pPr>
+            <a:r>
+              <a:rPr b="1" lang="en-CA" sz="4600" spc="-1" strike="noStrike">
+                <a:solidFill>
+                  <a:srgbClr val="146e83"/>
+                </a:solidFill>
+                <a:latin typeface="Calibri"/>
+                <a:ea typeface="DejaVu Sans"/>
+              </a:rPr>
+              <a:t>QUESTIONS?</a:t>
+            </a:r>
+            <a:endParaRPr b="0" lang="en-CA" sz="4600" spc="-1" strike="noStrike">
+              <a:latin typeface="Arial"/>
+            </a:endParaRPr>
+          </a:p>
+        </p:txBody>
+      </p:sp>
+    </p:spTree>
+  </p:cSld>
+  <p:timing>
+    <p:tnLst>
+      <p:par>
+        <p:cTn id="37" dur="indefinite" restart="never" nodeType="tmRoot">
+          <p:childTnLst>
+            <p:seq>
+              <p:cTn id="38" dur="indefinite" nodeType="mainSeq"/>
               <p:prevCondLst>
                 <p:cond delay="0" evt="onPrev">
                   <p:tgtEl>
@@ -9708,7 +10224,7 @@
         <p:spPr>
           <a:xfrm>
             <a:off x="432000" y="1484640"/>
-            <a:ext cx="8275320" cy="5215320"/>
+            <a:ext cx="8274960" cy="5214960"/>
           </a:xfrm>
           <a:prstGeom prst="rect">
             <a:avLst/>
@@ -9742,7 +10258,7 @@
             </a:endParaRPr>
           </a:p>
           <a:p>
-            <a:pPr marL="343080" indent="-338400">
+            <a:pPr marL="343080" indent="-338040">
               <a:lnSpc>
                 <a:spcPct val="100000"/>
               </a:lnSpc>
@@ -9770,7 +10286,7 @@
             </a:endParaRPr>
           </a:p>
           <a:p>
-            <a:pPr marL="343080" indent="-338400">
+            <a:pPr marL="343080" indent="-338040">
               <a:lnSpc>
                 <a:spcPct val="100000"/>
               </a:lnSpc>
@@ -9798,7 +10314,7 @@
             </a:endParaRPr>
           </a:p>
           <a:p>
-            <a:pPr marL="343080" indent="-338400">
+            <a:pPr marL="343080" indent="-338040">
               <a:lnSpc>
                 <a:spcPct val="100000"/>
               </a:lnSpc>
@@ -9826,7 +10342,7 @@
             </a:endParaRPr>
           </a:p>
           <a:p>
-            <a:pPr marL="343080" indent="-338400">
+            <a:pPr marL="343080" indent="-338040">
               <a:lnSpc>
                 <a:spcPct val="100000"/>
               </a:lnSpc>
@@ -9854,7 +10370,7 @@
             </a:endParaRPr>
           </a:p>
           <a:p>
-            <a:pPr marL="343080" indent="-338400">
+            <a:pPr marL="343080" indent="-338040">
               <a:lnSpc>
                 <a:spcPct val="100000"/>
               </a:lnSpc>
@@ -9882,7 +10398,7 @@
             </a:endParaRPr>
           </a:p>
           <a:p>
-            <a:pPr marL="343080" indent="-338400">
+            <a:pPr marL="343080" indent="-338040">
               <a:lnSpc>
                 <a:spcPct val="100000"/>
               </a:lnSpc>
@@ -9910,7 +10426,7 @@
             </a:endParaRPr>
           </a:p>
           <a:p>
-            <a:pPr marL="343080" indent="-338400">
+            <a:pPr marL="343080" indent="-338040">
               <a:lnSpc>
                 <a:spcPct val="100000"/>
               </a:lnSpc>
@@ -9938,7 +10454,7 @@
             </a:endParaRPr>
           </a:p>
           <a:p>
-            <a:pPr marL="343080" indent="-338400">
+            <a:pPr marL="343080" indent="-338040">
               <a:lnSpc>
                 <a:spcPct val="100000"/>
               </a:lnSpc>
@@ -9966,7 +10482,7 @@
             </a:endParaRPr>
           </a:p>
           <a:p>
-            <a:pPr marL="343080" indent="-338400">
+            <a:pPr marL="343080" indent="-338040">
               <a:lnSpc>
                 <a:spcPct val="100000"/>
               </a:lnSpc>
@@ -9994,7 +10510,7 @@
             </a:endParaRPr>
           </a:p>
           <a:p>
-            <a:pPr marL="343080" indent="-338400">
+            <a:pPr marL="343080" indent="-338040">
               <a:lnSpc>
                 <a:spcPct val="100000"/>
               </a:lnSpc>
@@ -10022,7 +10538,7 @@
             </a:endParaRPr>
           </a:p>
           <a:p>
-            <a:pPr marL="343080" indent="-338400">
+            <a:pPr marL="343080" indent="-338040">
               <a:lnSpc>
                 <a:spcPct val="100000"/>
               </a:lnSpc>
@@ -10050,7 +10566,7 @@
             </a:endParaRPr>
           </a:p>
           <a:p>
-            <a:pPr marL="343080" indent="-338400">
+            <a:pPr marL="343080" indent="-338040">
               <a:lnSpc>
                 <a:spcPct val="100000"/>
               </a:lnSpc>
@@ -10078,7 +10594,7 @@
             </a:endParaRPr>
           </a:p>
           <a:p>
-            <a:pPr marL="343080" indent="-338400">
+            <a:pPr marL="343080" indent="-338040">
               <a:lnSpc>
                 <a:spcPct val="100000"/>
               </a:lnSpc>
@@ -10152,7 +10668,7 @@
         <p:spPr>
           <a:xfrm>
             <a:off x="432000" y="0"/>
-            <a:ext cx="7447680" cy="1179720"/>
+            <a:ext cx="7447320" cy="1179360"/>
           </a:xfrm>
           <a:prstGeom prst="rect">
             <a:avLst/>
@@ -10213,7 +10729,7 @@
         <p:spPr>
           <a:xfrm>
             <a:off x="0" y="0"/>
-            <a:ext cx="246960" cy="1191960"/>
+            <a:ext cx="246600" cy="1191600"/>
           </a:xfrm>
           <a:prstGeom prst="rect">
             <a:avLst/>
@@ -10339,7 +10855,7 @@
         <p:spPr>
           <a:xfrm>
             <a:off x="432000" y="1484640"/>
-            <a:ext cx="8275320" cy="5215320"/>
+            <a:ext cx="8274960" cy="5214960"/>
           </a:xfrm>
           <a:prstGeom prst="rect">
             <a:avLst/>
@@ -10396,7 +10912,7 @@
             </a:endParaRPr>
           </a:p>
           <a:p>
-            <a:pPr marL="343080" indent="-338400">
+            <a:pPr marL="343080" indent="-338040">
               <a:lnSpc>
                 <a:spcPct val="100000"/>
               </a:lnSpc>
@@ -10424,7 +10940,7 @@
             </a:endParaRPr>
           </a:p>
           <a:p>
-            <a:pPr marL="343080" indent="-338400">
+            <a:pPr marL="343080" indent="-338040">
               <a:lnSpc>
                 <a:spcPct val="100000"/>
               </a:lnSpc>
@@ -10452,7 +10968,7 @@
             </a:endParaRPr>
           </a:p>
           <a:p>
-            <a:pPr marL="343080" indent="-338400">
+            <a:pPr marL="343080" indent="-338040">
               <a:lnSpc>
                 <a:spcPct val="100000"/>
               </a:lnSpc>
@@ -10480,7 +10996,7 @@
             </a:endParaRPr>
           </a:p>
           <a:p>
-            <a:pPr marL="343080" indent="-338400">
+            <a:pPr marL="343080" indent="-338040">
               <a:lnSpc>
                 <a:spcPct val="100000"/>
               </a:lnSpc>
@@ -10531,7 +11047,7 @@
         <p:spPr>
           <a:xfrm>
             <a:off x="432000" y="0"/>
-            <a:ext cx="7447680" cy="1179720"/>
+            <a:ext cx="7447320" cy="1179360"/>
           </a:xfrm>
           <a:prstGeom prst="rect">
             <a:avLst/>
@@ -10592,7 +11108,7 @@
         <p:spPr>
           <a:xfrm>
             <a:off x="0" y="0"/>
-            <a:ext cx="246960" cy="1191960"/>
+            <a:ext cx="246600" cy="1191600"/>
           </a:xfrm>
           <a:prstGeom prst="rect">
             <a:avLst/>
@@ -10718,7 +11234,7 @@
         <p:spPr>
           <a:xfrm>
             <a:off x="432000" y="13680"/>
-            <a:ext cx="7447680" cy="1179720"/>
+            <a:ext cx="7447320" cy="1179360"/>
           </a:xfrm>
           <a:prstGeom prst="rect">
             <a:avLst/>
@@ -10789,7 +11305,7 @@
         <p:spPr>
           <a:xfrm>
             <a:off x="0" y="0"/>
-            <a:ext cx="246960" cy="1191960"/>
+            <a:ext cx="246600" cy="1191600"/>
           </a:xfrm>
           <a:prstGeom prst="rect">
             <a:avLst/>
@@ -10859,7 +11375,7 @@
         <p:spPr>
           <a:xfrm>
             <a:off x="457200" y="273600"/>
-            <a:ext cx="8226000" cy="5304600"/>
+            <a:ext cx="8225640" cy="5304240"/>
           </a:xfrm>
           <a:prstGeom prst="rect">
             <a:avLst/>
@@ -10908,7 +11424,7 @@
         <p:spPr>
           <a:xfrm>
             <a:off x="576000" y="1728000"/>
-            <a:ext cx="6764760" cy="2390760"/>
+            <a:ext cx="6764400" cy="2390400"/>
           </a:xfrm>
           <a:prstGeom prst="rect">
             <a:avLst/>
@@ -10957,7 +11473,7 @@
             </a:endParaRPr>
           </a:p>
           <a:p>
-            <a:pPr marL="216000" indent="-212760">
+            <a:pPr marL="216000" indent="-212400">
               <a:lnSpc>
                 <a:spcPct val="100000"/>
               </a:lnSpc>
@@ -10993,7 +11509,7 @@
             </a:endParaRPr>
           </a:p>
           <a:p>
-            <a:pPr marL="216000" indent="-212760">
+            <a:pPr marL="216000" indent="-212400">
               <a:lnSpc>
                 <a:spcPct val="100000"/>
               </a:lnSpc>
@@ -11029,7 +11545,7 @@
             </a:endParaRPr>
           </a:p>
           <a:p>
-            <a:pPr marL="216000" indent="-212760">
+            <a:pPr marL="216000" indent="-212400">
               <a:lnSpc>
                 <a:spcPct val="100000"/>
               </a:lnSpc>
@@ -11141,7 +11657,7 @@
         <p:spPr>
           <a:xfrm>
             <a:off x="432000" y="13680"/>
-            <a:ext cx="7447680" cy="1179720"/>
+            <a:ext cx="7447320" cy="1179360"/>
           </a:xfrm>
           <a:prstGeom prst="rect">
             <a:avLst/>
@@ -11212,7 +11728,7 @@
         <p:spPr>
           <a:xfrm>
             <a:off x="0" y="0"/>
-            <a:ext cx="246960" cy="1191960"/>
+            <a:ext cx="246600" cy="1191600"/>
           </a:xfrm>
           <a:prstGeom prst="rect">
             <a:avLst/>
@@ -11282,7 +11798,7 @@
         <p:spPr>
           <a:xfrm>
             <a:off x="457200" y="273600"/>
-            <a:ext cx="8226000" cy="5304600"/>
+            <a:ext cx="8225640" cy="5304240"/>
           </a:xfrm>
           <a:prstGeom prst="rect">
             <a:avLst/>
@@ -11331,7 +11847,7 @@
         <p:spPr>
           <a:xfrm>
             <a:off x="576000" y="1728000"/>
-            <a:ext cx="6764760" cy="2390760"/>
+            <a:ext cx="6764400" cy="2390400"/>
           </a:xfrm>
           <a:prstGeom prst="rect">
             <a:avLst/>
@@ -11380,7 +11896,7 @@
             </a:endParaRPr>
           </a:p>
           <a:p>
-            <a:pPr marL="216000" indent="-212760">
+            <a:pPr marL="216000" indent="-212400">
               <a:lnSpc>
                 <a:spcPct val="100000"/>
               </a:lnSpc>
@@ -11416,7 +11932,7 @@
             </a:endParaRPr>
           </a:p>
           <a:p>
-            <a:pPr marL="216000" indent="-212760">
+            <a:pPr marL="216000" indent="-212400">
               <a:lnSpc>
                 <a:spcPct val="100000"/>
               </a:lnSpc>
@@ -11452,7 +11968,7 @@
             </a:endParaRPr>
           </a:p>
           <a:p>
-            <a:pPr marL="216000" indent="-212760">
+            <a:pPr marL="216000" indent="-212400">
               <a:lnSpc>
                 <a:spcPct val="100000"/>
               </a:lnSpc>
@@ -11478,7 +11994,7 @@
             </a:endParaRPr>
           </a:p>
           <a:p>
-            <a:pPr lvl="1" marL="432000" indent="-213120">
+            <a:pPr lvl="1" marL="432000" indent="-212760">
               <a:lnSpc>
                 <a:spcPct val="100000"/>
               </a:lnSpc>
@@ -11580,7 +12096,7 @@
         <p:spPr>
           <a:xfrm>
             <a:off x="432000" y="13680"/>
-            <a:ext cx="7447680" cy="1179720"/>
+            <a:ext cx="7447320" cy="1179360"/>
           </a:xfrm>
           <a:prstGeom prst="rect">
             <a:avLst/>
@@ -11651,7 +12167,7 @@
         <p:spPr>
           <a:xfrm>
             <a:off x="0" y="0"/>
-            <a:ext cx="246960" cy="1191960"/>
+            <a:ext cx="246600" cy="1191600"/>
           </a:xfrm>
           <a:prstGeom prst="rect">
             <a:avLst/>
@@ -11721,7 +12237,7 @@
         <p:spPr>
           <a:xfrm>
             <a:off x="457200" y="273600"/>
-            <a:ext cx="8226000" cy="5304600"/>
+            <a:ext cx="8225640" cy="5304240"/>
           </a:xfrm>
           <a:prstGeom prst="rect">
             <a:avLst/>
@@ -11770,7 +12286,7 @@
         <p:spPr>
           <a:xfrm>
             <a:off x="576000" y="1800000"/>
-            <a:ext cx="6764760" cy="2390760"/>
+            <a:ext cx="6764400" cy="2390400"/>
           </a:xfrm>
           <a:prstGeom prst="rect">
             <a:avLst/>
@@ -12009,7 +12525,7 @@
         <p:spPr>
           <a:xfrm>
             <a:off x="432000" y="13680"/>
-            <a:ext cx="7447680" cy="1179720"/>
+            <a:ext cx="7447320" cy="1179360"/>
           </a:xfrm>
           <a:prstGeom prst="rect">
             <a:avLst/>
@@ -12080,7 +12596,7 @@
         <p:spPr>
           <a:xfrm>
             <a:off x="0" y="0"/>
-            <a:ext cx="246960" cy="1191960"/>
+            <a:ext cx="246600" cy="1191600"/>
           </a:xfrm>
           <a:prstGeom prst="rect">
             <a:avLst/>
@@ -12150,7 +12666,7 @@
         <p:spPr>
           <a:xfrm>
             <a:off x="457200" y="273600"/>
-            <a:ext cx="8226000" cy="5304600"/>
+            <a:ext cx="8225640" cy="5304240"/>
           </a:xfrm>
           <a:prstGeom prst="rect">
             <a:avLst/>
@@ -12199,7 +12715,7 @@
         <p:spPr>
           <a:xfrm>
             <a:off x="576000" y="1728000"/>
-            <a:ext cx="6764760" cy="2390760"/>
+            <a:ext cx="6764400" cy="2390400"/>
           </a:xfrm>
           <a:prstGeom prst="rect">
             <a:avLst/>
@@ -12248,7 +12764,7 @@
             </a:endParaRPr>
           </a:p>
           <a:p>
-            <a:pPr marL="216000" indent="-212760">
+            <a:pPr marL="216000" indent="-212400">
               <a:lnSpc>
                 <a:spcPct val="100000"/>
               </a:lnSpc>
@@ -12284,7 +12800,7 @@
             </a:endParaRPr>
           </a:p>
           <a:p>
-            <a:pPr marL="216000" indent="-212760">
+            <a:pPr marL="216000" indent="-212400">
               <a:lnSpc>
                 <a:spcPct val="100000"/>
               </a:lnSpc>
@@ -12310,7 +12826,7 @@
             </a:endParaRPr>
           </a:p>
           <a:p>
-            <a:pPr lvl="2" marL="648000" indent="-213120">
+            <a:pPr lvl="2" marL="648000" indent="-212760">
               <a:lnSpc>
                 <a:spcPct val="100000"/>
               </a:lnSpc>
@@ -12336,7 +12852,7 @@
             </a:endParaRPr>
           </a:p>
           <a:p>
-            <a:pPr lvl="2" marL="648000" indent="-213120">
+            <a:pPr lvl="2" marL="648000" indent="-212760">
               <a:lnSpc>
                 <a:spcPct val="100000"/>
               </a:lnSpc>
@@ -12362,7 +12878,7 @@
             </a:endParaRPr>
           </a:p>
           <a:p>
-            <a:pPr lvl="2" marL="648000" indent="-213120">
+            <a:pPr lvl="2" marL="648000" indent="-212760">
               <a:lnSpc>
                 <a:spcPct val="100000"/>
               </a:lnSpc>
@@ -12388,7 +12904,7 @@
             </a:endParaRPr>
           </a:p>
           <a:p>
-            <a:pPr lvl="2" marL="648000" indent="-213120">
+            <a:pPr lvl="2" marL="648000" indent="-212760">
               <a:lnSpc>
                 <a:spcPct val="100000"/>
               </a:lnSpc>
@@ -12414,7 +12930,7 @@
             </a:endParaRPr>
           </a:p>
           <a:p>
-            <a:pPr lvl="2" marL="648000" indent="-213120">
+            <a:pPr lvl="2" marL="648000" indent="-212760">
               <a:lnSpc>
                 <a:spcPct val="100000"/>
               </a:lnSpc>
@@ -12433,14 +12949,14 @@
                 <a:latin typeface="Arial"/>
                 <a:ea typeface="DejaVu Sans"/>
               </a:rPr>
-              <a:t>5)  Jenkins</a:t>
-            </a:r>
-            <a:endParaRPr b="0" lang="en-CA" sz="1800" spc="-1" strike="noStrike">
-              <a:latin typeface="Arial"/>
-            </a:endParaRPr>
-          </a:p>
-          <a:p>
-            <a:pPr lvl="2" marL="648000" indent="-213120">
+              <a:t>5)  Jenkins </a:t>
+            </a:r>
+            <a:endParaRPr b="0" lang="en-CA" sz="1800" spc="-1" strike="noStrike">
+              <a:latin typeface="Arial"/>
+            </a:endParaRPr>
+          </a:p>
+          <a:p>
+            <a:pPr lvl="2" marL="648000" indent="-212760">
               <a:lnSpc>
                 <a:spcPct val="100000"/>
               </a:lnSpc>
@@ -12476,7 +12992,7 @@
             </a:endParaRPr>
           </a:p>
           <a:p>
-            <a:pPr lvl="2" marL="648000" indent="-213120">
+            <a:pPr lvl="2" marL="648000" indent="-212760">
               <a:lnSpc>
                 <a:spcPct val="100000"/>
               </a:lnSpc>
@@ -12670,7 +13186,7 @@
         <p:spPr>
           <a:xfrm>
             <a:off x="432000" y="13680"/>
-            <a:ext cx="7447680" cy="1179720"/>
+            <a:ext cx="7447320" cy="1179360"/>
           </a:xfrm>
           <a:prstGeom prst="rect">
             <a:avLst/>
@@ -12741,7 +13257,7 @@
         <p:spPr>
           <a:xfrm>
             <a:off x="0" y="0"/>
-            <a:ext cx="246960" cy="1191960"/>
+            <a:ext cx="246600" cy="1191600"/>
           </a:xfrm>
           <a:prstGeom prst="rect">
             <a:avLst/>
@@ -12811,7 +13327,7 @@
         <p:spPr>
           <a:xfrm>
             <a:off x="457200" y="273600"/>
-            <a:ext cx="8226000" cy="5304600"/>
+            <a:ext cx="8225640" cy="5304240"/>
           </a:xfrm>
           <a:prstGeom prst="rect">
             <a:avLst/>
@@ -12860,7 +13376,7 @@
         <p:spPr>
           <a:xfrm>
             <a:off x="576000" y="1728000"/>
-            <a:ext cx="6764760" cy="2390760"/>
+            <a:ext cx="6764400" cy="2390400"/>
           </a:xfrm>
           <a:prstGeom prst="rect">
             <a:avLst/>
@@ -13035,7 +13551,7 @@
         <p:spPr>
           <a:xfrm>
             <a:off x="432000" y="13680"/>
-            <a:ext cx="7447680" cy="1179720"/>
+            <a:ext cx="7447320" cy="1179360"/>
           </a:xfrm>
           <a:prstGeom prst="rect">
             <a:avLst/>
@@ -13106,7 +13622,7 @@
         <p:spPr>
           <a:xfrm>
             <a:off x="0" y="0"/>
-            <a:ext cx="246960" cy="1191960"/>
+            <a:ext cx="246600" cy="1191600"/>
           </a:xfrm>
           <a:prstGeom prst="rect">
             <a:avLst/>
@@ -13176,7 +13692,7 @@
         <p:spPr>
           <a:xfrm>
             <a:off x="457200" y="273600"/>
-            <a:ext cx="8226000" cy="5304600"/>
+            <a:ext cx="8225640" cy="5304240"/>
           </a:xfrm>
           <a:prstGeom prst="rect">
             <a:avLst/>
@@ -13225,7 +13741,7 @@
         <p:spPr>
           <a:xfrm>
             <a:off x="576000" y="1728000"/>
-            <a:ext cx="6764760" cy="2390760"/>
+            <a:ext cx="6764400" cy="2390400"/>
           </a:xfrm>
           <a:prstGeom prst="rect">
             <a:avLst/>
